--- a/Presentations/JSM 2020.pptx
+++ b/Presentations/JSM 2020.pptx
@@ -5,7 +5,7 @@
     <p:sldMasterId id="2147483648" r:id="rId1"/>
   </p:sldMasterIdLst>
   <p:notesMasterIdLst>
-    <p:notesMasterId r:id="rId18"/>
+    <p:notesMasterId r:id="rId22"/>
   </p:notesMasterIdLst>
   <p:sldIdLst>
     <p:sldId id="256" r:id="rId2"/>
@@ -24,6 +24,10 @@
     <p:sldId id="263" r:id="rId15"/>
     <p:sldId id="264" r:id="rId16"/>
     <p:sldId id="273" r:id="rId17"/>
+    <p:sldId id="274" r:id="rId18"/>
+    <p:sldId id="275" r:id="rId19"/>
+    <p:sldId id="276" r:id="rId20"/>
+    <p:sldId id="277" r:id="rId21"/>
   </p:sldIdLst>
   <p:sldSz cx="12192000" cy="6858000"/>
   <p:notesSz cx="6858000" cy="9144000"/>
@@ -224,7 +228,7 @@
           <a:p>
             <a:fld id="{9EA8D123-6CF9-4AE0-B70B-23762727A01D}" type="datetimeFigureOut">
               <a:rPr lang="en-CA" smtClean="0"/>
-              <a:t>2020-05-11</a:t>
+              <a:t>2020-05-12</a:t>
             </a:fld>
             <a:endParaRPr lang="en-CA"/>
           </a:p>
@@ -1200,7 +1204,7 @@
           <a:p>
             <a:fld id="{93FCFB22-32B5-4F91-A4F9-56A84F0F6750}" type="datetimeFigureOut">
               <a:rPr lang="en-CA" smtClean="0"/>
-              <a:t>2020-05-11</a:t>
+              <a:t>2020-05-12</a:t>
             </a:fld>
             <a:endParaRPr lang="en-CA"/>
           </a:p>
@@ -1400,7 +1404,7 @@
           <a:p>
             <a:fld id="{93FCFB22-32B5-4F91-A4F9-56A84F0F6750}" type="datetimeFigureOut">
               <a:rPr lang="en-CA" smtClean="0"/>
-              <a:t>2020-05-11</a:t>
+              <a:t>2020-05-12</a:t>
             </a:fld>
             <a:endParaRPr lang="en-CA"/>
           </a:p>
@@ -1610,7 +1614,7 @@
           <a:p>
             <a:fld id="{93FCFB22-32B5-4F91-A4F9-56A84F0F6750}" type="datetimeFigureOut">
               <a:rPr lang="en-CA" smtClean="0"/>
-              <a:t>2020-05-11</a:t>
+              <a:t>2020-05-12</a:t>
             </a:fld>
             <a:endParaRPr lang="en-CA"/>
           </a:p>
@@ -1832,7 +1836,7 @@
           <a:p>
             <a:fld id="{93FCFB22-32B5-4F91-A4F9-56A84F0F6750}" type="datetimeFigureOut">
               <a:rPr lang="en-CA" smtClean="0"/>
-              <a:t>2020-05-11</a:t>
+              <a:t>2020-05-12</a:t>
             </a:fld>
             <a:endParaRPr lang="en-CA"/>
           </a:p>
@@ -2108,7 +2112,7 @@
           <a:p>
             <a:fld id="{93FCFB22-32B5-4F91-A4F9-56A84F0F6750}" type="datetimeFigureOut">
               <a:rPr lang="en-CA" smtClean="0"/>
-              <a:t>2020-05-11</a:t>
+              <a:t>2020-05-12</a:t>
             </a:fld>
             <a:endParaRPr lang="en-CA"/>
           </a:p>
@@ -2376,7 +2380,7 @@
           <a:p>
             <a:fld id="{93FCFB22-32B5-4F91-A4F9-56A84F0F6750}" type="datetimeFigureOut">
               <a:rPr lang="en-CA" smtClean="0"/>
-              <a:t>2020-05-11</a:t>
+              <a:t>2020-05-12</a:t>
             </a:fld>
             <a:endParaRPr lang="en-CA"/>
           </a:p>
@@ -2791,7 +2795,7 @@
           <a:p>
             <a:fld id="{93FCFB22-32B5-4F91-A4F9-56A84F0F6750}" type="datetimeFigureOut">
               <a:rPr lang="en-CA" smtClean="0"/>
-              <a:t>2020-05-11</a:t>
+              <a:t>2020-05-12</a:t>
             </a:fld>
             <a:endParaRPr lang="en-CA"/>
           </a:p>
@@ -2933,7 +2937,7 @@
           <a:p>
             <a:fld id="{93FCFB22-32B5-4F91-A4F9-56A84F0F6750}" type="datetimeFigureOut">
               <a:rPr lang="en-CA" smtClean="0"/>
-              <a:t>2020-05-11</a:t>
+              <a:t>2020-05-12</a:t>
             </a:fld>
             <a:endParaRPr lang="en-CA"/>
           </a:p>
@@ -3046,7 +3050,7 @@
           <a:p>
             <a:fld id="{93FCFB22-32B5-4F91-A4F9-56A84F0F6750}" type="datetimeFigureOut">
               <a:rPr lang="en-CA" smtClean="0"/>
-              <a:t>2020-05-11</a:t>
+              <a:t>2020-05-12</a:t>
             </a:fld>
             <a:endParaRPr lang="en-CA"/>
           </a:p>
@@ -3359,7 +3363,7 @@
           <a:p>
             <a:fld id="{93FCFB22-32B5-4F91-A4F9-56A84F0F6750}" type="datetimeFigureOut">
               <a:rPr lang="en-CA" smtClean="0"/>
-              <a:t>2020-05-11</a:t>
+              <a:t>2020-05-12</a:t>
             </a:fld>
             <a:endParaRPr lang="en-CA"/>
           </a:p>
@@ -3648,7 +3652,7 @@
           <a:p>
             <a:fld id="{93FCFB22-32B5-4F91-A4F9-56A84F0F6750}" type="datetimeFigureOut">
               <a:rPr lang="en-CA" smtClean="0"/>
-              <a:t>2020-05-11</a:t>
+              <a:t>2020-05-12</a:t>
             </a:fld>
             <a:endParaRPr lang="en-CA"/>
           </a:p>
@@ -3891,7 +3895,7 @@
           <a:p>
             <a:fld id="{93FCFB22-32B5-4F91-A4F9-56A84F0F6750}" type="datetimeFigureOut">
               <a:rPr lang="en-CA" smtClean="0"/>
-              <a:t>2020-05-11</a:t>
+              <a:t>2020-05-12</a:t>
             </a:fld>
             <a:endParaRPr lang="en-CA"/>
           </a:p>
@@ -4473,8 +4477,8 @@
           </p:sp>
         </mc:Fallback>
       </mc:AlternateContent>
-      <mc:AlternateContent xmlns:mc="http://schemas.openxmlformats.org/markup-compatibility/2006">
-        <mc:Choice xmlns:a14="http://schemas.microsoft.com/office/drawing/2010/main" Requires="a14">
+      <mc:AlternateContent xmlns:mc="http://schemas.openxmlformats.org/markup-compatibility/2006" xmlns:a14="http://schemas.microsoft.com/office/drawing/2010/main">
+        <mc:Choice Requires="a14">
           <p:sp>
             <p:nvSpPr>
               <p:cNvPr id="3" name="Content Placeholder 2">
@@ -4691,7 +4695,7 @@
             </p:txBody>
           </p:sp>
         </mc:Choice>
-        <mc:Fallback>
+        <mc:Fallback xmlns="">
           <p:sp>
             <p:nvSpPr>
               <p:cNvPr id="3" name="Content Placeholder 2">
@@ -6409,52 +6413,6 @@
               <a:p>
                 <a:endParaRPr lang="en-CA" dirty="0"/>
               </a:p>
-              <a:p>
-                <a:r>
-                  <a:rPr lang="en-CA" dirty="0"/>
-                  <a:t>Profile out </a:t>
-                </a:r>
-                <a14:m>
-                  <m:oMath xmlns:m="http://schemas.openxmlformats.org/officeDocument/2006/math">
-                    <m:r>
-                      <a:rPr lang="en-CA" i="1">
-                        <a:latin typeface="Cambria Math" panose="02040503050406030204" pitchFamily="18" charset="0"/>
-                      </a:rPr>
-                      <m:t>𝜎</m:t>
-                    </m:r>
-                  </m:oMath>
-                </a14:m>
-                <a:r>
-                  <a:rPr lang="en-CA" dirty="0"/>
-                  <a:t> in the same way as when </a:t>
-                </a:r>
-                <a14:m>
-                  <m:oMath xmlns:m="http://schemas.openxmlformats.org/officeDocument/2006/math">
-                    <m:r>
-                      <a:rPr lang="en-CA" i="1">
-                        <a:latin typeface="Cambria Math" panose="02040503050406030204" pitchFamily="18" charset="0"/>
-                      </a:rPr>
-                      <m:t>𝑝</m:t>
-                    </m:r>
-                    <m:r>
-                      <a:rPr lang="en-CA" i="1">
-                        <a:latin typeface="Cambria Math" panose="02040503050406030204" pitchFamily="18" charset="0"/>
-                      </a:rPr>
-                      <m:t>&lt;</m:t>
-                    </m:r>
-                    <m:r>
-                      <a:rPr lang="en-CA" i="1">
-                        <a:latin typeface="Cambria Math" panose="02040503050406030204" pitchFamily="18" charset="0"/>
-                      </a:rPr>
-                      <m:t>𝑛</m:t>
-                    </m:r>
-                  </m:oMath>
-                </a14:m>
-                <a:endParaRPr lang="en-CA" dirty="0"/>
-              </a:p>
-              <a:p>
-                <a:endParaRPr lang="en-CA" dirty="0"/>
-              </a:p>
             </p:txBody>
           </p:sp>
         </mc:Choice>
@@ -6556,12 +6514,798 @@
           </a:p>
         </p:txBody>
       </p:sp>
+      <mc:AlternateContent xmlns:mc="http://schemas.openxmlformats.org/markup-compatibility/2006">
+        <mc:Choice xmlns:a14="http://schemas.microsoft.com/office/drawing/2010/main" Requires="a14">
+          <p:sp>
+            <p:nvSpPr>
+              <p:cNvPr id="3" name="Content Placeholder 2">
+                <a:extLst>
+                  <a:ext uri="{FF2B5EF4-FFF2-40B4-BE49-F238E27FC236}">
+                    <a16:creationId xmlns:a16="http://schemas.microsoft.com/office/drawing/2014/main" id="{4C1BD629-A908-4221-BD07-B98E42740DEC}"/>
+                  </a:ext>
+                </a:extLst>
+              </p:cNvPr>
+              <p:cNvSpPr>
+                <a:spLocks noGrp="1"/>
+              </p:cNvSpPr>
+              <p:nvPr>
+                <p:ph idx="1"/>
+              </p:nvPr>
+            </p:nvSpPr>
+            <p:spPr/>
+            <p:txBody>
+              <a:bodyPr/>
+              <a:lstStyle/>
+              <a:p>
+                <a:r>
+                  <a:rPr lang="en-CA" dirty="0"/>
+                  <a:t>Choose </a:t>
+                </a:r>
+                <a14:m>
+                  <m:oMath xmlns:m="http://schemas.openxmlformats.org/officeDocument/2006/math">
+                    <m:r>
+                      <a:rPr lang="en-CA" i="1">
+                        <a:latin typeface="Cambria Math" panose="02040503050406030204" pitchFamily="18" charset="0"/>
+                      </a:rPr>
+                      <m:t>𝜆</m:t>
+                    </m:r>
+                  </m:oMath>
+                </a14:m>
+                <a:r>
+                  <a:rPr lang="en-CA" dirty="0"/>
+                  <a:t> by cross validation</a:t>
+                </a:r>
+              </a:p>
+              <a:p>
+                <a:endParaRPr lang="en-CA" dirty="0"/>
+              </a:p>
+              <a:p>
+                <a:r>
+                  <a:rPr lang="en-CA" dirty="0"/>
+                  <a:t>Profile out </a:t>
+                </a:r>
+                <a14:m>
+                  <m:oMath xmlns:m="http://schemas.openxmlformats.org/officeDocument/2006/math">
+                    <m:r>
+                      <a:rPr lang="en-CA" i="1">
+                        <a:latin typeface="Cambria Math" panose="02040503050406030204" pitchFamily="18" charset="0"/>
+                      </a:rPr>
+                      <m:t>𝜎</m:t>
+                    </m:r>
+                  </m:oMath>
+                </a14:m>
+                <a:r>
+                  <a:rPr lang="en-CA" dirty="0"/>
+                  <a:t> in the same way as when </a:t>
+                </a:r>
+                <a14:m>
+                  <m:oMath xmlns:m="http://schemas.openxmlformats.org/officeDocument/2006/math">
+                    <m:r>
+                      <a:rPr lang="en-CA" i="1">
+                        <a:latin typeface="Cambria Math" panose="02040503050406030204" pitchFamily="18" charset="0"/>
+                      </a:rPr>
+                      <m:t>𝑝</m:t>
+                    </m:r>
+                    <m:r>
+                      <a:rPr lang="en-CA" i="1">
+                        <a:latin typeface="Cambria Math" panose="02040503050406030204" pitchFamily="18" charset="0"/>
+                      </a:rPr>
+                      <m:t>&lt;</m:t>
+                    </m:r>
+                    <m:r>
+                      <a:rPr lang="en-CA" i="1">
+                        <a:latin typeface="Cambria Math" panose="02040503050406030204" pitchFamily="18" charset="0"/>
+                      </a:rPr>
+                      <m:t>𝑛</m:t>
+                    </m:r>
+                  </m:oMath>
+                </a14:m>
+                <a:endParaRPr lang="en-CA" dirty="0"/>
+              </a:p>
+              <a:p>
+                <a:endParaRPr lang="en-CA" dirty="0"/>
+              </a:p>
+              <a:p>
+                <a:r>
+                  <a:rPr lang="en-CA" dirty="0"/>
+                  <a:t>Maximize “profile likelihood” numerically</a:t>
+                </a:r>
+              </a:p>
+              <a:p>
+                <a:pPr lvl="1"/>
+                <a:r>
+                  <a:rPr lang="en-CA" dirty="0"/>
+                  <a:t>CV folds are fixed over </a:t>
+                </a:r>
+                <a14:m>
+                  <m:oMath xmlns:m="http://schemas.openxmlformats.org/officeDocument/2006/math">
+                    <m:r>
+                      <a:rPr lang="en-CA" b="0" i="1" smtClean="0">
+                        <a:latin typeface="Cambria Math" panose="02040503050406030204" pitchFamily="18" charset="0"/>
+                      </a:rPr>
+                      <m:t>𝛾</m:t>
+                    </m:r>
+                  </m:oMath>
+                </a14:m>
+                <a:endParaRPr lang="en-CA" dirty="0"/>
+              </a:p>
+              <a:p>
+                <a:pPr lvl="1"/>
+                <a:r>
+                  <a:rPr lang="en-CA" dirty="0"/>
+                  <a:t>Candidate </a:t>
+                </a:r>
+                <a14:m>
+                  <m:oMath xmlns:m="http://schemas.openxmlformats.org/officeDocument/2006/math">
+                    <m:r>
+                      <a:rPr lang="en-CA" b="0" i="1" smtClean="0">
+                        <a:latin typeface="Cambria Math" panose="02040503050406030204" pitchFamily="18" charset="0"/>
+                      </a:rPr>
+                      <m:t>𝜆</m:t>
+                    </m:r>
+                  </m:oMath>
+                </a14:m>
+                <a:r>
+                  <a:rPr lang="en-CA" dirty="0"/>
+                  <a:t> values are fixed over </a:t>
+                </a:r>
+                <a14:m>
+                  <m:oMath xmlns:m="http://schemas.openxmlformats.org/officeDocument/2006/math">
+                    <m:r>
+                      <a:rPr lang="en-CA" b="0" i="1" smtClean="0">
+                        <a:latin typeface="Cambria Math" panose="02040503050406030204" pitchFamily="18" charset="0"/>
+                      </a:rPr>
+                      <m:t>𝛾</m:t>
+                    </m:r>
+                  </m:oMath>
+                </a14:m>
+                <a:endParaRPr lang="en-CA" dirty="0"/>
+              </a:p>
+              <a:p>
+                <a:endParaRPr lang="en-CA" dirty="0"/>
+              </a:p>
+            </p:txBody>
+          </p:sp>
+        </mc:Choice>
+        <mc:Fallback>
+          <p:sp>
+            <p:nvSpPr>
+              <p:cNvPr id="3" name="Content Placeholder 2">
+                <a:extLst>
+                  <a:ext uri="{FF2B5EF4-FFF2-40B4-BE49-F238E27FC236}">
+                    <a16:creationId xmlns:a16="http://schemas.microsoft.com/office/drawing/2014/main" id="{4C1BD629-A908-4221-BD07-B98E42740DEC}"/>
+                  </a:ext>
+                </a:extLst>
+              </p:cNvPr>
+              <p:cNvSpPr>
+                <a:spLocks noGrp="1" noRot="1" noChangeAspect="1" noMove="1" noResize="1" noEditPoints="1" noAdjustHandles="1" noChangeArrowheads="1" noChangeShapeType="1" noTextEdit="1"/>
+              </p:cNvSpPr>
+              <p:nvPr>
+                <p:ph idx="1"/>
+              </p:nvPr>
+            </p:nvSpPr>
+            <p:spPr>
+              <a:blipFill>
+                <a:blip r:embed="rId2"/>
+                <a:stretch>
+                  <a:fillRect l="-1333" t="-2801"/>
+                </a:stretch>
+              </a:blipFill>
+            </p:spPr>
+            <p:txBody>
+              <a:bodyPr/>
+              <a:lstStyle/>
+              <a:p>
+                <a:r>
+                  <a:rPr lang="en-CA">
+                    <a:noFill/>
+                  </a:rPr>
+                  <a:t> </a:t>
+                </a:r>
+              </a:p>
+            </p:txBody>
+          </p:sp>
+        </mc:Fallback>
+      </mc:AlternateContent>
+    </p:spTree>
+    <p:extLst>
+      <p:ext uri="{BB962C8B-B14F-4D97-AF65-F5344CB8AC3E}">
+        <p14:creationId xmlns:p14="http://schemas.microsoft.com/office/powerpoint/2010/main" val="161548433"/>
+      </p:ext>
+    </p:extLst>
+  </p:cSld>
+  <p:clrMapOvr>
+    <a:masterClrMapping/>
+  </p:clrMapOvr>
+</p:sld>
+</file>
+
+<file path=ppt/slides/slide17.xml><?xml version="1.0" encoding="utf-8"?>
+<p:sld xmlns:a="http://schemas.openxmlformats.org/drawingml/2006/main" xmlns:r="http://schemas.openxmlformats.org/officeDocument/2006/relationships" xmlns:p="http://schemas.openxmlformats.org/presentationml/2006/main">
+  <p:cSld>
+    <p:spTree>
+      <p:nvGrpSpPr>
+        <p:cNvPr id="1" name=""/>
+        <p:cNvGrpSpPr/>
+        <p:nvPr/>
+      </p:nvGrpSpPr>
+      <p:grpSpPr>
+        <a:xfrm>
+          <a:off x="0" y="0"/>
+          <a:ext cx="0" cy="0"/>
+          <a:chOff x="0" y="0"/>
+          <a:chExt cx="0" cy="0"/>
+        </a:xfrm>
+      </p:grpSpPr>
+      <p:sp>
+        <p:nvSpPr>
+          <p:cNvPr id="2" name="Title 1">
+            <a:extLst>
+              <a:ext uri="{FF2B5EF4-FFF2-40B4-BE49-F238E27FC236}">
+                <a16:creationId xmlns:a16="http://schemas.microsoft.com/office/drawing/2014/main" id="{39D9A0D3-5786-4684-A2D4-BE44181D4725}"/>
+              </a:ext>
+            </a:extLst>
+          </p:cNvPr>
+          <p:cNvSpPr>
+            <a:spLocks noGrp="1"/>
+          </p:cNvSpPr>
+          <p:nvPr>
+            <p:ph type="title"/>
+          </p:nvPr>
+        </p:nvSpPr>
+        <p:spPr/>
+        <p:txBody>
+          <a:bodyPr/>
+          <a:lstStyle/>
+          <a:p>
+            <a:r>
+              <a:rPr lang="en-CA" dirty="0"/>
+              <a:t>LASSO with Box-Cox</a:t>
+            </a:r>
+          </a:p>
+        </p:txBody>
+      </p:sp>
+      <p:pic>
+        <p:nvPicPr>
+          <p:cNvPr id="19" name="Content Placeholder 18" descr="A picture containing man, water, kite, table&#10;&#10;Description automatically generated">
+            <a:extLst>
+              <a:ext uri="{FF2B5EF4-FFF2-40B4-BE49-F238E27FC236}">
+                <a16:creationId xmlns:a16="http://schemas.microsoft.com/office/drawing/2014/main" id="{5DBD515E-B64B-48E6-B773-C1AF6FB9DF6C}"/>
+              </a:ext>
+            </a:extLst>
+          </p:cNvPr>
+          <p:cNvPicPr>
+            <a:picLocks noGrp="1" noChangeAspect="1"/>
+          </p:cNvPicPr>
+          <p:nvPr>
+            <p:ph idx="1"/>
+          </p:nvPr>
+        </p:nvPicPr>
+        <p:blipFill>
+          <a:blip r:embed="rId2">
+            <a:extLst>
+              <a:ext uri="{28A0092B-C50C-407E-A947-70E740481C1C}">
+                <a14:useLocalDpi xmlns:a14="http://schemas.microsoft.com/office/drawing/2010/main" val="0"/>
+              </a:ext>
+            </a:extLst>
+          </a:blip>
+          <a:stretch>
+            <a:fillRect/>
+          </a:stretch>
+        </p:blipFill>
+        <p:spPr>
+          <a:xfrm>
+            <a:off x="2762040" y="1690688"/>
+            <a:ext cx="6667920" cy="4762800"/>
+          </a:xfrm>
+        </p:spPr>
+      </p:pic>
+      <p:pic>
+        <p:nvPicPr>
+          <p:cNvPr id="30" name="Picture 29" descr="A picture containing man, photo, table, black&#10;&#10;Description automatically generated">
+            <a:extLst>
+              <a:ext uri="{FF2B5EF4-FFF2-40B4-BE49-F238E27FC236}">
+                <a16:creationId xmlns:a16="http://schemas.microsoft.com/office/drawing/2014/main" id="{B3691FEF-E73C-4CBD-B2E7-6C593E1CEA97}"/>
+              </a:ext>
+            </a:extLst>
+          </p:cNvPr>
+          <p:cNvPicPr>
+            <a:picLocks noChangeAspect="1"/>
+          </p:cNvPicPr>
+          <p:nvPr/>
+        </p:nvPicPr>
+        <p:blipFill>
+          <a:blip r:embed="rId3">
+            <a:extLst>
+              <a:ext uri="{28A0092B-C50C-407E-A947-70E740481C1C}">
+                <a14:useLocalDpi xmlns:a14="http://schemas.microsoft.com/office/drawing/2010/main" val="0"/>
+              </a:ext>
+            </a:extLst>
+          </a:blip>
+          <a:stretch>
+            <a:fillRect/>
+          </a:stretch>
+        </p:blipFill>
+        <p:spPr>
+          <a:xfrm>
+            <a:off x="2761529" y="1690323"/>
+            <a:ext cx="6668431" cy="4763165"/>
+          </a:xfrm>
+          <a:prstGeom prst="rect">
+            <a:avLst/>
+          </a:prstGeom>
+        </p:spPr>
+      </p:pic>
+      <p:pic>
+        <p:nvPicPr>
+          <p:cNvPr id="32" name="Picture 31" descr="A picture containing man, photo, table, water&#10;&#10;Description automatically generated">
+            <a:extLst>
+              <a:ext uri="{FF2B5EF4-FFF2-40B4-BE49-F238E27FC236}">
+                <a16:creationId xmlns:a16="http://schemas.microsoft.com/office/drawing/2014/main" id="{E8D515D0-867A-48F6-A0CF-3B866D76BC31}"/>
+              </a:ext>
+            </a:extLst>
+          </p:cNvPr>
+          <p:cNvPicPr>
+            <a:picLocks noChangeAspect="1"/>
+          </p:cNvPicPr>
+          <p:nvPr/>
+        </p:nvPicPr>
+        <p:blipFill>
+          <a:blip r:embed="rId4">
+            <a:extLst>
+              <a:ext uri="{28A0092B-C50C-407E-A947-70E740481C1C}">
+                <a14:useLocalDpi xmlns:a14="http://schemas.microsoft.com/office/drawing/2010/main" val="0"/>
+              </a:ext>
+            </a:extLst>
+          </a:blip>
+          <a:stretch>
+            <a:fillRect/>
+          </a:stretch>
+        </p:blipFill>
+        <p:spPr>
+          <a:xfrm>
+            <a:off x="2761529" y="1690323"/>
+            <a:ext cx="6668431" cy="4763165"/>
+          </a:xfrm>
+          <a:prstGeom prst="rect">
+            <a:avLst/>
+          </a:prstGeom>
+        </p:spPr>
+      </p:pic>
+      <p:pic>
+        <p:nvPicPr>
+          <p:cNvPr id="34" name="Picture 33" descr="A close up of a person&#10;&#10;Description automatically generated">
+            <a:extLst>
+              <a:ext uri="{FF2B5EF4-FFF2-40B4-BE49-F238E27FC236}">
+                <a16:creationId xmlns:a16="http://schemas.microsoft.com/office/drawing/2014/main" id="{F4C5C16F-6F15-4407-A56B-04060B21723A}"/>
+              </a:ext>
+            </a:extLst>
+          </p:cNvPr>
+          <p:cNvPicPr>
+            <a:picLocks noChangeAspect="1"/>
+          </p:cNvPicPr>
+          <p:nvPr/>
+        </p:nvPicPr>
+        <p:blipFill>
+          <a:blip r:embed="rId5">
+            <a:extLst>
+              <a:ext uri="{28A0092B-C50C-407E-A947-70E740481C1C}">
+                <a14:useLocalDpi xmlns:a14="http://schemas.microsoft.com/office/drawing/2010/main" val="0"/>
+              </a:ext>
+            </a:extLst>
+          </a:blip>
+          <a:stretch>
+            <a:fillRect/>
+          </a:stretch>
+        </p:blipFill>
+        <p:spPr>
+          <a:xfrm>
+            <a:off x="2761529" y="1690322"/>
+            <a:ext cx="6668431" cy="4763165"/>
+          </a:xfrm>
+          <a:prstGeom prst="rect">
+            <a:avLst/>
+          </a:prstGeom>
+        </p:spPr>
+      </p:pic>
+      <p:pic>
+        <p:nvPicPr>
+          <p:cNvPr id="36" name="Picture 35" descr="A picture containing photo, man, table, different&#10;&#10;Description automatically generated">
+            <a:extLst>
+              <a:ext uri="{FF2B5EF4-FFF2-40B4-BE49-F238E27FC236}">
+                <a16:creationId xmlns:a16="http://schemas.microsoft.com/office/drawing/2014/main" id="{16DAFDDB-AC25-4E87-AE2D-0DD3337061B1}"/>
+              </a:ext>
+            </a:extLst>
+          </p:cNvPr>
+          <p:cNvPicPr>
+            <a:picLocks noChangeAspect="1"/>
+          </p:cNvPicPr>
+          <p:nvPr/>
+        </p:nvPicPr>
+        <p:blipFill>
+          <a:blip r:embed="rId6">
+            <a:extLst>
+              <a:ext uri="{28A0092B-C50C-407E-A947-70E740481C1C}">
+                <a14:useLocalDpi xmlns:a14="http://schemas.microsoft.com/office/drawing/2010/main" val="0"/>
+              </a:ext>
+            </a:extLst>
+          </a:blip>
+          <a:stretch>
+            <a:fillRect/>
+          </a:stretch>
+        </p:blipFill>
+        <p:spPr>
+          <a:xfrm>
+            <a:off x="2761529" y="1690321"/>
+            <a:ext cx="6668431" cy="4763165"/>
+          </a:xfrm>
+          <a:prstGeom prst="rect">
+            <a:avLst/>
+          </a:prstGeom>
+        </p:spPr>
+      </p:pic>
+    </p:spTree>
+    <p:extLst>
+      <p:ext uri="{BB962C8B-B14F-4D97-AF65-F5344CB8AC3E}">
+        <p14:creationId xmlns:p14="http://schemas.microsoft.com/office/powerpoint/2010/main" val="3307092910"/>
+      </p:ext>
+    </p:extLst>
+  </p:cSld>
+  <p:clrMapOvr>
+    <a:masterClrMapping/>
+  </p:clrMapOvr>
+  <p:timing>
+    <p:tnLst>
+      <p:par>
+        <p:cTn id="1" dur="indefinite" restart="never" nodeType="tmRoot">
+          <p:childTnLst>
+            <p:seq concurrent="1" nextAc="seek">
+              <p:cTn id="2" dur="indefinite" nodeType="mainSeq">
+                <p:childTnLst>
+                  <p:par>
+                    <p:cTn id="3" fill="hold">
+                      <p:stCondLst>
+                        <p:cond delay="indefinite"/>
+                        <p:cond evt="onBegin" delay="0">
+                          <p:tn val="2"/>
+                        </p:cond>
+                      </p:stCondLst>
+                      <p:childTnLst>
+                        <p:par>
+                          <p:cTn id="4" fill="hold">
+                            <p:stCondLst>
+                              <p:cond delay="0"/>
+                            </p:stCondLst>
+                            <p:childTnLst>
+                              <p:par>
+                                <p:cTn id="5" presetID="10" presetClass="entr" presetSubtype="0" fill="hold" nodeType="withEffect">
+                                  <p:stCondLst>
+                                    <p:cond delay="0"/>
+                                  </p:stCondLst>
+                                  <p:childTnLst>
+                                    <p:set>
+                                      <p:cBhvr>
+                                        <p:cTn id="6" dur="1" fill="hold">
+                                          <p:stCondLst>
+                                            <p:cond delay="0"/>
+                                          </p:stCondLst>
+                                        </p:cTn>
+                                        <p:tgtEl>
+                                          <p:spTgt spid="19"/>
+                                        </p:tgtEl>
+                                        <p:attrNameLst>
+                                          <p:attrName>style.visibility</p:attrName>
+                                        </p:attrNameLst>
+                                      </p:cBhvr>
+                                      <p:to>
+                                        <p:strVal val="visible"/>
+                                      </p:to>
+                                    </p:set>
+                                    <p:animEffect transition="in" filter="fade">
+                                      <p:cBhvr>
+                                        <p:cTn id="7" dur="500"/>
+                                        <p:tgtEl>
+                                          <p:spTgt spid="19"/>
+                                        </p:tgtEl>
+                                      </p:cBhvr>
+                                    </p:animEffect>
+                                  </p:childTnLst>
+                                </p:cTn>
+                              </p:par>
+                            </p:childTnLst>
+                          </p:cTn>
+                        </p:par>
+                      </p:childTnLst>
+                    </p:cTn>
+                  </p:par>
+                  <p:par>
+                    <p:cTn id="8" fill="hold">
+                      <p:stCondLst>
+                        <p:cond delay="indefinite"/>
+                      </p:stCondLst>
+                      <p:childTnLst>
+                        <p:par>
+                          <p:cTn id="9" fill="hold">
+                            <p:stCondLst>
+                              <p:cond delay="0"/>
+                            </p:stCondLst>
+                            <p:childTnLst>
+                              <p:par>
+                                <p:cTn id="10" presetID="10" presetClass="entr" presetSubtype="0" fill="hold" nodeType="clickEffect">
+                                  <p:stCondLst>
+                                    <p:cond delay="0"/>
+                                  </p:stCondLst>
+                                  <p:childTnLst>
+                                    <p:set>
+                                      <p:cBhvr>
+                                        <p:cTn id="11" dur="1" fill="hold">
+                                          <p:stCondLst>
+                                            <p:cond delay="0"/>
+                                          </p:stCondLst>
+                                        </p:cTn>
+                                        <p:tgtEl>
+                                          <p:spTgt spid="30"/>
+                                        </p:tgtEl>
+                                        <p:attrNameLst>
+                                          <p:attrName>style.visibility</p:attrName>
+                                        </p:attrNameLst>
+                                      </p:cBhvr>
+                                      <p:to>
+                                        <p:strVal val="visible"/>
+                                      </p:to>
+                                    </p:set>
+                                    <p:animEffect transition="in" filter="fade">
+                                      <p:cBhvr>
+                                        <p:cTn id="12" dur="500"/>
+                                        <p:tgtEl>
+                                          <p:spTgt spid="30"/>
+                                        </p:tgtEl>
+                                      </p:cBhvr>
+                                    </p:animEffect>
+                                  </p:childTnLst>
+                                </p:cTn>
+                              </p:par>
+                            </p:childTnLst>
+                          </p:cTn>
+                        </p:par>
+                      </p:childTnLst>
+                    </p:cTn>
+                  </p:par>
+                  <p:par>
+                    <p:cTn id="13" fill="hold">
+                      <p:stCondLst>
+                        <p:cond delay="indefinite"/>
+                      </p:stCondLst>
+                      <p:childTnLst>
+                        <p:par>
+                          <p:cTn id="14" fill="hold">
+                            <p:stCondLst>
+                              <p:cond delay="0"/>
+                            </p:stCondLst>
+                            <p:childTnLst>
+                              <p:par>
+                                <p:cTn id="15" presetID="10" presetClass="entr" presetSubtype="0" fill="hold" nodeType="clickEffect">
+                                  <p:stCondLst>
+                                    <p:cond delay="0"/>
+                                  </p:stCondLst>
+                                  <p:childTnLst>
+                                    <p:set>
+                                      <p:cBhvr>
+                                        <p:cTn id="16" dur="1" fill="hold">
+                                          <p:stCondLst>
+                                            <p:cond delay="0"/>
+                                          </p:stCondLst>
+                                        </p:cTn>
+                                        <p:tgtEl>
+                                          <p:spTgt spid="32"/>
+                                        </p:tgtEl>
+                                        <p:attrNameLst>
+                                          <p:attrName>style.visibility</p:attrName>
+                                        </p:attrNameLst>
+                                      </p:cBhvr>
+                                      <p:to>
+                                        <p:strVal val="visible"/>
+                                      </p:to>
+                                    </p:set>
+                                    <p:animEffect transition="in" filter="fade">
+                                      <p:cBhvr>
+                                        <p:cTn id="17" dur="500"/>
+                                        <p:tgtEl>
+                                          <p:spTgt spid="32"/>
+                                        </p:tgtEl>
+                                      </p:cBhvr>
+                                    </p:animEffect>
+                                  </p:childTnLst>
+                                </p:cTn>
+                              </p:par>
+                            </p:childTnLst>
+                          </p:cTn>
+                        </p:par>
+                      </p:childTnLst>
+                    </p:cTn>
+                  </p:par>
+                  <p:par>
+                    <p:cTn id="18" fill="hold">
+                      <p:stCondLst>
+                        <p:cond delay="indefinite"/>
+                      </p:stCondLst>
+                      <p:childTnLst>
+                        <p:par>
+                          <p:cTn id="19" fill="hold">
+                            <p:stCondLst>
+                              <p:cond delay="0"/>
+                            </p:stCondLst>
+                            <p:childTnLst>
+                              <p:par>
+                                <p:cTn id="20" presetID="10" presetClass="entr" presetSubtype="0" fill="hold" nodeType="clickEffect">
+                                  <p:stCondLst>
+                                    <p:cond delay="0"/>
+                                  </p:stCondLst>
+                                  <p:childTnLst>
+                                    <p:set>
+                                      <p:cBhvr>
+                                        <p:cTn id="21" dur="1" fill="hold">
+                                          <p:stCondLst>
+                                            <p:cond delay="0"/>
+                                          </p:stCondLst>
+                                        </p:cTn>
+                                        <p:tgtEl>
+                                          <p:spTgt spid="34"/>
+                                        </p:tgtEl>
+                                        <p:attrNameLst>
+                                          <p:attrName>style.visibility</p:attrName>
+                                        </p:attrNameLst>
+                                      </p:cBhvr>
+                                      <p:to>
+                                        <p:strVal val="visible"/>
+                                      </p:to>
+                                    </p:set>
+                                    <p:animEffect transition="in" filter="fade">
+                                      <p:cBhvr>
+                                        <p:cTn id="22" dur="500"/>
+                                        <p:tgtEl>
+                                          <p:spTgt spid="34"/>
+                                        </p:tgtEl>
+                                      </p:cBhvr>
+                                    </p:animEffect>
+                                  </p:childTnLst>
+                                </p:cTn>
+                              </p:par>
+                            </p:childTnLst>
+                          </p:cTn>
+                        </p:par>
+                      </p:childTnLst>
+                    </p:cTn>
+                  </p:par>
+                  <p:par>
+                    <p:cTn id="23" fill="hold">
+                      <p:stCondLst>
+                        <p:cond delay="indefinite"/>
+                      </p:stCondLst>
+                      <p:childTnLst>
+                        <p:par>
+                          <p:cTn id="24" fill="hold">
+                            <p:stCondLst>
+                              <p:cond delay="0"/>
+                            </p:stCondLst>
+                            <p:childTnLst>
+                              <p:par>
+                                <p:cTn id="25" presetID="10" presetClass="entr" presetSubtype="0" fill="hold" nodeType="clickEffect">
+                                  <p:stCondLst>
+                                    <p:cond delay="0"/>
+                                  </p:stCondLst>
+                                  <p:childTnLst>
+                                    <p:set>
+                                      <p:cBhvr>
+                                        <p:cTn id="26" dur="1" fill="hold">
+                                          <p:stCondLst>
+                                            <p:cond delay="0"/>
+                                          </p:stCondLst>
+                                        </p:cTn>
+                                        <p:tgtEl>
+                                          <p:spTgt spid="36"/>
+                                        </p:tgtEl>
+                                        <p:attrNameLst>
+                                          <p:attrName>style.visibility</p:attrName>
+                                        </p:attrNameLst>
+                                      </p:cBhvr>
+                                      <p:to>
+                                        <p:strVal val="visible"/>
+                                      </p:to>
+                                    </p:set>
+                                    <p:animEffect transition="in" filter="fade">
+                                      <p:cBhvr>
+                                        <p:cTn id="27" dur="500"/>
+                                        <p:tgtEl>
+                                          <p:spTgt spid="36"/>
+                                        </p:tgtEl>
+                                      </p:cBhvr>
+                                    </p:animEffect>
+                                  </p:childTnLst>
+                                </p:cTn>
+                              </p:par>
+                            </p:childTnLst>
+                          </p:cTn>
+                        </p:par>
+                      </p:childTnLst>
+                    </p:cTn>
+                  </p:par>
+                </p:childTnLst>
+              </p:cTn>
+              <p:prevCondLst>
+                <p:cond evt="onPrev" delay="0">
+                  <p:tgtEl>
+                    <p:sldTgt/>
+                  </p:tgtEl>
+                </p:cond>
+              </p:prevCondLst>
+              <p:nextCondLst>
+                <p:cond evt="onNext" delay="0">
+                  <p:tgtEl>
+                    <p:sldTgt/>
+                  </p:tgtEl>
+                </p:cond>
+              </p:nextCondLst>
+            </p:seq>
+          </p:childTnLst>
+        </p:cTn>
+      </p:par>
+    </p:tnLst>
+  </p:timing>
+</p:sld>
+</file>
+
+<file path=ppt/slides/slide18.xml><?xml version="1.0" encoding="utf-8"?>
+<p:sld xmlns:a="http://schemas.openxmlformats.org/drawingml/2006/main" xmlns:r="http://schemas.openxmlformats.org/officeDocument/2006/relationships" xmlns:p="http://schemas.openxmlformats.org/presentationml/2006/main">
+  <p:cSld>
+    <p:spTree>
+      <p:nvGrpSpPr>
+        <p:cNvPr id="1" name=""/>
+        <p:cNvGrpSpPr/>
+        <p:nvPr/>
+      </p:nvGrpSpPr>
+      <p:grpSpPr>
+        <a:xfrm>
+          <a:off x="0" y="0"/>
+          <a:ext cx="0" cy="0"/>
+          <a:chOff x="0" y="0"/>
+          <a:chExt cx="0" cy="0"/>
+        </a:xfrm>
+      </p:grpSpPr>
+      <p:sp>
+        <p:nvSpPr>
+          <p:cNvPr id="2" name="Title 1">
+            <a:extLst>
+              <a:ext uri="{FF2B5EF4-FFF2-40B4-BE49-F238E27FC236}">
+                <a16:creationId xmlns:a16="http://schemas.microsoft.com/office/drawing/2014/main" id="{B7B876A9-BC99-45F1-B1CE-BB5A45B5404B}"/>
+              </a:ext>
+            </a:extLst>
+          </p:cNvPr>
+          <p:cNvSpPr>
+            <a:spLocks noGrp="1"/>
+          </p:cNvSpPr>
+          <p:nvPr>
+            <p:ph type="title"/>
+          </p:nvPr>
+        </p:nvSpPr>
+        <p:spPr/>
+        <p:txBody>
+          <a:bodyPr/>
+          <a:lstStyle/>
+          <a:p>
+            <a:r>
+              <a:rPr lang="en-CA" dirty="0"/>
+              <a:t>Box-Cox Inference</a:t>
+            </a:r>
+          </a:p>
+        </p:txBody>
+      </p:sp>
       <p:sp>
         <p:nvSpPr>
           <p:cNvPr id="3" name="Content Placeholder 2">
             <a:extLst>
               <a:ext uri="{FF2B5EF4-FFF2-40B4-BE49-F238E27FC236}">
-                <a16:creationId xmlns:a16="http://schemas.microsoft.com/office/drawing/2014/main" id="{4C1BD629-A908-4221-BD07-B98E42740DEC}"/>
+                <a16:creationId xmlns:a16="http://schemas.microsoft.com/office/drawing/2014/main" id="{22E89C37-6632-46B8-B168-AC12BD1B9B49}"/>
               </a:ext>
             </a:extLst>
           </p:cNvPr>
@@ -6577,14 +7321,716 @@
           <a:bodyPr/>
           <a:lstStyle/>
           <a:p>
-            <a:endParaRPr lang="en-CA"/>
+            <a:r>
+              <a:rPr lang="en-CA" dirty="0"/>
+              <a:t>LS Box-Cox methodology gives confidence intervals</a:t>
+            </a:r>
+          </a:p>
+          <a:p>
+            <a:endParaRPr lang="en-CA" dirty="0"/>
+          </a:p>
+          <a:p>
+            <a:r>
+              <a:rPr lang="en-CA" dirty="0"/>
+              <a:t>We can apply the same process with LASSO</a:t>
+            </a:r>
+          </a:p>
+          <a:p>
+            <a:endParaRPr lang="en-CA" dirty="0"/>
+          </a:p>
+          <a:p>
+            <a:r>
+              <a:rPr lang="en-CA" dirty="0"/>
+              <a:t>Still a work in progress</a:t>
+            </a:r>
+          </a:p>
+          <a:p>
+            <a:r>
+              <a:rPr lang="en-CA" dirty="0"/>
+              <a:t>Some empirical results</a:t>
+            </a:r>
           </a:p>
         </p:txBody>
       </p:sp>
     </p:spTree>
     <p:extLst>
       <p:ext uri="{BB962C8B-B14F-4D97-AF65-F5344CB8AC3E}">
-        <p14:creationId xmlns:p14="http://schemas.microsoft.com/office/powerpoint/2010/main" val="161548433"/>
+        <p14:creationId xmlns:p14="http://schemas.microsoft.com/office/powerpoint/2010/main" val="3342363398"/>
+      </p:ext>
+    </p:extLst>
+  </p:cSld>
+  <p:clrMapOvr>
+    <a:masterClrMapping/>
+  </p:clrMapOvr>
+</p:sld>
+</file>
+
+<file path=ppt/slides/slide19.xml><?xml version="1.0" encoding="utf-8"?>
+<p:sld xmlns:a="http://schemas.openxmlformats.org/drawingml/2006/main" xmlns:r="http://schemas.openxmlformats.org/officeDocument/2006/relationships" xmlns:p="http://schemas.openxmlformats.org/presentationml/2006/main">
+  <p:cSld>
+    <p:spTree>
+      <p:nvGrpSpPr>
+        <p:cNvPr id="1" name=""/>
+        <p:cNvGrpSpPr/>
+        <p:nvPr/>
+      </p:nvGrpSpPr>
+      <p:grpSpPr>
+        <a:xfrm>
+          <a:off x="0" y="0"/>
+          <a:ext cx="0" cy="0"/>
+          <a:chOff x="0" y="0"/>
+          <a:chExt cx="0" cy="0"/>
+        </a:xfrm>
+      </p:grpSpPr>
+      <p:sp>
+        <p:nvSpPr>
+          <p:cNvPr id="2" name="Title 1">
+            <a:extLst>
+              <a:ext uri="{FF2B5EF4-FFF2-40B4-BE49-F238E27FC236}">
+                <a16:creationId xmlns:a16="http://schemas.microsoft.com/office/drawing/2014/main" id="{4F79089B-F368-4CC7-BB7D-6AB24A7F0A10}"/>
+              </a:ext>
+            </a:extLst>
+          </p:cNvPr>
+          <p:cNvSpPr>
+            <a:spLocks noGrp="1"/>
+          </p:cNvSpPr>
+          <p:nvPr>
+            <p:ph type="title"/>
+          </p:nvPr>
+        </p:nvSpPr>
+        <p:spPr/>
+        <p:txBody>
+          <a:bodyPr/>
+          <a:lstStyle/>
+          <a:p>
+            <a:r>
+              <a:rPr lang="en-CA" dirty="0"/>
+              <a:t>Box-Cox Inference</a:t>
+            </a:r>
+          </a:p>
+        </p:txBody>
+      </p:sp>
+      <mc:AlternateContent xmlns:mc="http://schemas.openxmlformats.org/markup-compatibility/2006">
+        <mc:Choice xmlns:a14="http://schemas.microsoft.com/office/drawing/2010/main" Requires="a14">
+          <p:sp>
+            <p:nvSpPr>
+              <p:cNvPr id="3" name="Content Placeholder 2">
+                <a:extLst>
+                  <a:ext uri="{FF2B5EF4-FFF2-40B4-BE49-F238E27FC236}">
+                    <a16:creationId xmlns:a16="http://schemas.microsoft.com/office/drawing/2014/main" id="{899A185B-0966-4635-B23D-062B4F969B65}"/>
+                  </a:ext>
+                </a:extLst>
+              </p:cNvPr>
+              <p:cNvSpPr>
+                <a:spLocks noGrp="1"/>
+              </p:cNvSpPr>
+              <p:nvPr>
+                <p:ph idx="1"/>
+              </p:nvPr>
+            </p:nvSpPr>
+            <p:spPr/>
+            <p:txBody>
+              <a:bodyPr/>
+              <a:lstStyle/>
+              <a:p>
+                <a:r>
+                  <a:rPr lang="en-CA" dirty="0"/>
+                  <a:t>Maximize profile likelihood</a:t>
+                </a:r>
+              </a:p>
+              <a:p>
+                <a:endParaRPr lang="en-CA" dirty="0"/>
+              </a:p>
+              <a:p>
+                <a:r>
+                  <a:rPr lang="en-CA" dirty="0"/>
+                  <a:t>Include all </a:t>
+                </a:r>
+                <a14:m>
+                  <m:oMath xmlns:m="http://schemas.openxmlformats.org/officeDocument/2006/math">
+                    <m:r>
+                      <a:rPr lang="en-CA" b="0" i="1" smtClean="0">
+                        <a:latin typeface="Cambria Math" panose="02040503050406030204" pitchFamily="18" charset="0"/>
+                      </a:rPr>
+                      <m:t>𝛾</m:t>
+                    </m:r>
+                  </m:oMath>
+                </a14:m>
+                <a:r>
+                  <a:rPr lang="en-CA" dirty="0"/>
+                  <a:t> with likelihood within </a:t>
+                </a:r>
+                <a14:m>
+                  <m:oMath xmlns:m="http://schemas.openxmlformats.org/officeDocument/2006/math">
+                    <m:r>
+                      <a:rPr lang="en-CA" b="0" i="0" smtClean="0">
+                        <a:latin typeface="Cambria Math" panose="02040503050406030204" pitchFamily="18" charset="0"/>
+                      </a:rPr>
+                      <m:t>~</m:t>
+                    </m:r>
+                    <m:r>
+                      <a:rPr lang="en-CA" b="0" i="1" smtClean="0">
+                        <a:latin typeface="Cambria Math" panose="02040503050406030204" pitchFamily="18" charset="0"/>
+                      </a:rPr>
+                      <m:t>2</m:t>
+                    </m:r>
+                  </m:oMath>
+                </a14:m>
+                <a:r>
+                  <a:rPr lang="en-CA" dirty="0"/>
+                  <a:t> of maximum</a:t>
+                </a:r>
+              </a:p>
+              <a:p>
+                <a:endParaRPr lang="en-CA" dirty="0"/>
+              </a:p>
+              <a:p>
+                <a:endParaRPr lang="en-CA" dirty="0"/>
+              </a:p>
+              <a:p>
+                <a:endParaRPr lang="en-CA" dirty="0"/>
+              </a:p>
+            </p:txBody>
+          </p:sp>
+        </mc:Choice>
+        <mc:Fallback>
+          <p:sp>
+            <p:nvSpPr>
+              <p:cNvPr id="3" name="Content Placeholder 2">
+                <a:extLst>
+                  <a:ext uri="{FF2B5EF4-FFF2-40B4-BE49-F238E27FC236}">
+                    <a16:creationId xmlns:a16="http://schemas.microsoft.com/office/drawing/2014/main" id="{899A185B-0966-4635-B23D-062B4F969B65}"/>
+                  </a:ext>
+                </a:extLst>
+              </p:cNvPr>
+              <p:cNvSpPr>
+                <a:spLocks noGrp="1" noRot="1" noChangeAspect="1" noMove="1" noResize="1" noEditPoints="1" noAdjustHandles="1" noChangeArrowheads="1" noChangeShapeType="1" noTextEdit="1"/>
+              </p:cNvSpPr>
+              <p:nvPr>
+                <p:ph idx="1"/>
+              </p:nvPr>
+            </p:nvSpPr>
+            <p:spPr>
+              <a:blipFill>
+                <a:blip r:embed="rId2"/>
+                <a:stretch>
+                  <a:fillRect l="-1333" t="-2941"/>
+                </a:stretch>
+              </a:blipFill>
+            </p:spPr>
+            <p:txBody>
+              <a:bodyPr/>
+              <a:lstStyle/>
+              <a:p>
+                <a:r>
+                  <a:rPr lang="en-CA">
+                    <a:noFill/>
+                  </a:rPr>
+                  <a:t> </a:t>
+                </a:r>
+              </a:p>
+            </p:txBody>
+          </p:sp>
+        </mc:Fallback>
+      </mc:AlternateContent>
+      <mc:AlternateContent xmlns:mc="http://schemas.openxmlformats.org/markup-compatibility/2006">
+        <mc:Choice xmlns:a14="http://schemas.microsoft.com/office/drawing/2010/main" Requires="a14">
+          <p:graphicFrame>
+            <p:nvGraphicFramePr>
+              <p:cNvPr id="4" name="Table 4">
+                <a:extLst>
+                  <a:ext uri="{FF2B5EF4-FFF2-40B4-BE49-F238E27FC236}">
+                    <a16:creationId xmlns:a16="http://schemas.microsoft.com/office/drawing/2014/main" id="{1BE8FCA0-F26E-4D52-A775-AF67A31A2758}"/>
+                  </a:ext>
+                </a:extLst>
+              </p:cNvPr>
+              <p:cNvGraphicFramePr>
+                <a:graphicFrameLocks noGrp="1"/>
+              </p:cNvGraphicFramePr>
+              <p:nvPr>
+                <p:extLst>
+                  <p:ext uri="{D42A27DB-BD31-4B8C-83A1-F6EECF244321}">
+                    <p14:modId xmlns:p14="http://schemas.microsoft.com/office/powerpoint/2010/main" val="2204221462"/>
+                  </p:ext>
+                </p:extLst>
+              </p:nvPr>
+            </p:nvGraphicFramePr>
+            <p:xfrm>
+              <a:off x="1615089" y="4001294"/>
+              <a:ext cx="8961822" cy="1771206"/>
+            </p:xfrm>
+            <a:graphic>
+              <a:graphicData uri="http://schemas.openxmlformats.org/drawingml/2006/table">
+                <a:tbl>
+                  <a:tblPr>
+                    <a:tableStyleId>{073A0DAA-6AF3-43AB-8588-CEC1D06C72B9}</a:tableStyleId>
+                  </a:tblPr>
+                  <a:tblGrid>
+                    <a:gridCol w="4480911">
+                      <a:extLst>
+                        <a:ext uri="{9D8B030D-6E8A-4147-A177-3AD203B41FA5}">
+                          <a16:colId xmlns:a16="http://schemas.microsoft.com/office/drawing/2014/main" val="705846906"/>
+                        </a:ext>
+                      </a:extLst>
+                    </a:gridCol>
+                    <a:gridCol w="4480911">
+                      <a:extLst>
+                        <a:ext uri="{9D8B030D-6E8A-4147-A177-3AD203B41FA5}">
+                          <a16:colId xmlns:a16="http://schemas.microsoft.com/office/drawing/2014/main" val="1624902210"/>
+                        </a:ext>
+                      </a:extLst>
+                    </a:gridCol>
+                  </a:tblGrid>
+                  <a:tr h="370840">
+                    <a:tc>
+                      <a:txBody>
+                        <a:bodyPr/>
+                        <a:lstStyle/>
+                        <a:p>
+                          <a:pPr marL="457200" indent="-457200" algn="ctr">
+                            <a:buFont typeface="Arial" panose="020B0604020202020204" pitchFamily="34" charset="0"/>
+                            <a:buChar char="•"/>
+                          </a:pPr>
+                          <a14:m>
+                            <m:oMath xmlns:m="http://schemas.openxmlformats.org/officeDocument/2006/math">
+                              <m:r>
+                                <a:rPr lang="en-CA" sz="3200" smtClean="0"/>
+                                <m:t>𝑍</m:t>
+                              </m:r>
+                              <m:r>
+                                <a:rPr lang="en-CA" sz="3200" smtClean="0"/>
+                                <m:t>=</m:t>
+                              </m:r>
+                              <m:r>
+                                <m:rPr>
+                                  <m:sty m:val="p"/>
+                                </m:rPr>
+                                <a:rPr lang="en-CA" sz="3200" smtClean="0"/>
+                                <m:t>X</m:t>
+                              </m:r>
+                              <m:r>
+                                <a:rPr lang="en-CA" sz="3200" smtClean="0"/>
+                                <m:t>𝛽</m:t>
+                              </m:r>
+                              <m:r>
+                                <a:rPr lang="en-CA" sz="3200" smtClean="0"/>
+                                <m:t>+</m:t>
+                              </m:r>
+                              <m:r>
+                                <a:rPr lang="en-CA" sz="3200" smtClean="0"/>
+                                <m:t>𝜎𝜀</m:t>
+                              </m:r>
+                            </m:oMath>
+                          </a14:m>
+                          <a:endParaRPr lang="en-CA" sz="3200" dirty="0"/>
+                        </a:p>
+                      </a:txBody>
+                      <a:tcPr/>
+                    </a:tc>
+                    <a:tc>
+                      <a:txBody>
+                        <a:bodyPr/>
+                        <a:lstStyle/>
+                        <a:p>
+                          <a:pPr marL="457200" marR="0" lvl="0" indent="-457200" algn="ctr" defTabSz="914400" rtl="0" eaLnBrk="1" fontAlgn="auto" latinLnBrk="0" hangingPunct="1">
+                            <a:lnSpc>
+                              <a:spcPct val="100000"/>
+                            </a:lnSpc>
+                            <a:spcBef>
+                              <a:spcPts val="0"/>
+                            </a:spcBef>
+                            <a:spcAft>
+                              <a:spcPts val="0"/>
+                            </a:spcAft>
+                            <a:buClrTx/>
+                            <a:buSzTx/>
+                            <a:buFont typeface="Arial" panose="020B0604020202020204" pitchFamily="34" charset="0"/>
+                            <a:buChar char="•"/>
+                            <a:tabLst/>
+                            <a:defRPr/>
+                          </a:pPr>
+                          <a14:m>
+                            <m:oMath xmlns:m="http://schemas.openxmlformats.org/officeDocument/2006/math">
+                              <m:r>
+                                <a:rPr lang="en-CA" sz="3200" smtClean="0"/>
+                                <m:t>𝑛</m:t>
+                              </m:r>
+                              <m:r>
+                                <a:rPr lang="en-CA" sz="3200" smtClean="0"/>
+                                <m:t>=100</m:t>
+                              </m:r>
+                            </m:oMath>
+                          </a14:m>
+                          <a:endParaRPr lang="en-CA" sz="3200" dirty="0"/>
+                        </a:p>
+                      </a:txBody>
+                      <a:tcPr/>
+                    </a:tc>
+                    <a:extLst>
+                      <a:ext uri="{0D108BD9-81ED-4DB2-BD59-A6C34878D82A}">
+                        <a16:rowId xmlns:a16="http://schemas.microsoft.com/office/drawing/2014/main" val="13183627"/>
+                      </a:ext>
+                    </a:extLst>
+                  </a:tr>
+                  <a:tr h="370840">
+                    <a:tc>
+                      <a:txBody>
+                        <a:bodyPr/>
+                        <a:lstStyle/>
+                        <a:p>
+                          <a:pPr marL="457200" indent="-457200" algn="ctr">
+                            <a:buFont typeface="Arial" panose="020B0604020202020204" pitchFamily="34" charset="0"/>
+                            <a:buChar char="•"/>
+                          </a:pPr>
+                          <a14:m>
+                            <m:oMath xmlns:m="http://schemas.openxmlformats.org/officeDocument/2006/math">
+                              <m:r>
+                                <a:rPr lang="en-CA" sz="3200" smtClean="0"/>
+                                <m:t>𝜀</m:t>
+                              </m:r>
+                            </m:oMath>
+                          </a14:m>
+                          <a:r>
+                            <a:rPr lang="en-CA" sz="3200" dirty="0"/>
+                            <a:t> standard normal</a:t>
+                          </a:r>
+                        </a:p>
+                      </a:txBody>
+                      <a:tcPr/>
+                    </a:tc>
+                    <a:tc>
+                      <a:txBody>
+                        <a:bodyPr/>
+                        <a:lstStyle/>
+                        <a:p>
+                          <a:pPr marL="457200" indent="-457200" algn="ctr">
+                            <a:buFont typeface="Arial" panose="020B0604020202020204" pitchFamily="34" charset="0"/>
+                            <a:buChar char="•"/>
+                          </a:pPr>
+                          <a14:m>
+                            <m:oMath xmlns:m="http://schemas.openxmlformats.org/officeDocument/2006/math">
+                              <m:r>
+                                <a:rPr lang="en-CA" sz="3200" smtClean="0"/>
+                                <m:t>𝑌</m:t>
+                              </m:r>
+                              <m:r>
+                                <a:rPr lang="en-CA" sz="3200" smtClean="0"/>
+                                <m:t>=</m:t>
+                              </m:r>
+                              <m:sSubSup>
+                                <m:sSubSupPr>
+                                  <m:ctrlPr>
+                                    <a:rPr lang="en-CA" sz="3200" smtClean="0"/>
+                                  </m:ctrlPr>
+                                </m:sSubSupPr>
+                                <m:e>
+                                  <m:r>
+                                    <a:rPr lang="en-CA" sz="3200" smtClean="0"/>
+                                    <m:t>h</m:t>
+                                  </m:r>
+                                </m:e>
+                                <m:sub>
+                                  <m:r>
+                                    <a:rPr lang="en-CA" sz="3200" smtClean="0"/>
+                                    <m:t>0</m:t>
+                                  </m:r>
+                                </m:sub>
+                                <m:sup>
+                                  <m:r>
+                                    <a:rPr lang="en-CA" sz="3200" smtClean="0"/>
+                                    <m:t>−1</m:t>
+                                  </m:r>
+                                </m:sup>
+                              </m:sSubSup>
+                              <m:d>
+                                <m:dPr>
+                                  <m:ctrlPr>
+                                    <a:rPr lang="en-CA" sz="3200" smtClean="0"/>
+                                  </m:ctrlPr>
+                                </m:dPr>
+                                <m:e>
+                                  <m:r>
+                                    <a:rPr lang="en-CA" sz="3200" smtClean="0"/>
+                                    <m:t>𝑍</m:t>
+                                  </m:r>
+                                </m:e>
+                              </m:d>
+                              <m:r>
+                                <a:rPr lang="en-CA" sz="3200" smtClean="0"/>
+                                <m:t>=</m:t>
+                              </m:r>
+                              <m:func>
+                                <m:funcPr>
+                                  <m:ctrlPr>
+                                    <a:rPr lang="en-CA" sz="3200" smtClean="0"/>
+                                  </m:ctrlPr>
+                                </m:funcPr>
+                                <m:fName>
+                                  <m:r>
+                                    <m:rPr>
+                                      <m:sty m:val="p"/>
+                                    </m:rPr>
+                                    <a:rPr lang="en-CA" sz="3200" smtClean="0"/>
+                                    <m:t>exp</m:t>
+                                  </m:r>
+                                </m:fName>
+                                <m:e>
+                                  <m:d>
+                                    <m:dPr>
+                                      <m:ctrlPr>
+                                        <a:rPr lang="en-CA" sz="3200" smtClean="0"/>
+                                      </m:ctrlPr>
+                                    </m:dPr>
+                                    <m:e>
+                                      <m:r>
+                                        <a:rPr lang="en-CA" sz="3200" smtClean="0"/>
+                                        <m:t>𝑍</m:t>
+                                      </m:r>
+                                    </m:e>
+                                  </m:d>
+                                </m:e>
+                              </m:func>
+                            </m:oMath>
+                          </a14:m>
+                          <a:endParaRPr lang="en-CA" sz="3200" dirty="0"/>
+                        </a:p>
+                      </a:txBody>
+                      <a:tcPr/>
+                    </a:tc>
+                    <a:extLst>
+                      <a:ext uri="{0D108BD9-81ED-4DB2-BD59-A6C34878D82A}">
+                        <a16:rowId xmlns:a16="http://schemas.microsoft.com/office/drawing/2014/main" val="1894105132"/>
+                      </a:ext>
+                    </a:extLst>
+                  </a:tr>
+                  <a:tr h="370840">
+                    <a:tc>
+                      <a:txBody>
+                        <a:bodyPr/>
+                        <a:lstStyle/>
+                        <a:p>
+                          <a:pPr marL="457200" indent="-457200" algn="ctr">
+                            <a:buFont typeface="Arial" panose="020B0604020202020204" pitchFamily="34" charset="0"/>
+                            <a:buChar char="•"/>
+                          </a:pPr>
+                          <a14:m>
+                            <m:oMath xmlns:m="http://schemas.openxmlformats.org/officeDocument/2006/math">
+                              <m:r>
+                                <a:rPr lang="en-CA" sz="3200" smtClean="0"/>
+                                <m:t>𝛽</m:t>
+                              </m:r>
+                            </m:oMath>
+                          </a14:m>
+                          <a:r>
+                            <a:rPr lang="en-CA" sz="3200" dirty="0"/>
+                            <a:t> square-root sparse</a:t>
+                          </a:r>
+                        </a:p>
+                      </a:txBody>
+                      <a:tcPr/>
+                    </a:tc>
+                    <a:tc>
+                      <a:txBody>
+                        <a:bodyPr/>
+                        <a:lstStyle/>
+                        <a:p>
+                          <a:pPr marL="457200" indent="-457200" algn="ctr">
+                            <a:buFont typeface="Arial" panose="020B0604020202020204" pitchFamily="34" charset="0"/>
+                            <a:buChar char="•"/>
+                          </a:pPr>
+                          <a:endParaRPr lang="en-CA" sz="3200" dirty="0"/>
+                        </a:p>
+                      </a:txBody>
+                      <a:tcPr/>
+                    </a:tc>
+                    <a:extLst>
+                      <a:ext uri="{0D108BD9-81ED-4DB2-BD59-A6C34878D82A}">
+                        <a16:rowId xmlns:a16="http://schemas.microsoft.com/office/drawing/2014/main" val="1653310339"/>
+                      </a:ext>
+                    </a:extLst>
+                  </a:tr>
+                </a:tbl>
+              </a:graphicData>
+            </a:graphic>
+          </p:graphicFrame>
+        </mc:Choice>
+        <mc:Fallback>
+          <p:graphicFrame>
+            <p:nvGraphicFramePr>
+              <p:cNvPr id="4" name="Table 4">
+                <a:extLst>
+                  <a:ext uri="{FF2B5EF4-FFF2-40B4-BE49-F238E27FC236}">
+                    <a16:creationId xmlns:a16="http://schemas.microsoft.com/office/drawing/2014/main" id="{1BE8FCA0-F26E-4D52-A775-AF67A31A2758}"/>
+                  </a:ext>
+                </a:extLst>
+              </p:cNvPr>
+              <p:cNvGraphicFramePr>
+                <a:graphicFrameLocks noGrp="1"/>
+              </p:cNvGraphicFramePr>
+              <p:nvPr>
+                <p:extLst>
+                  <p:ext uri="{D42A27DB-BD31-4B8C-83A1-F6EECF244321}">
+                    <p14:modId xmlns:p14="http://schemas.microsoft.com/office/powerpoint/2010/main" val="2204221462"/>
+                  </p:ext>
+                </p:extLst>
+              </p:nvPr>
+            </p:nvGraphicFramePr>
+            <p:xfrm>
+              <a:off x="1615089" y="4001294"/>
+              <a:ext cx="8961822" cy="1771206"/>
+            </p:xfrm>
+            <a:graphic>
+              <a:graphicData uri="http://schemas.openxmlformats.org/drawingml/2006/table">
+                <a:tbl>
+                  <a:tblPr>
+                    <a:tableStyleId>{073A0DAA-6AF3-43AB-8588-CEC1D06C72B9}</a:tableStyleId>
+                  </a:tblPr>
+                  <a:tblGrid>
+                    <a:gridCol w="4480911">
+                      <a:extLst>
+                        <a:ext uri="{9D8B030D-6E8A-4147-A177-3AD203B41FA5}">
+                          <a16:colId xmlns:a16="http://schemas.microsoft.com/office/drawing/2014/main" val="705846906"/>
+                        </a:ext>
+                      </a:extLst>
+                    </a:gridCol>
+                    <a:gridCol w="4480911">
+                      <a:extLst>
+                        <a:ext uri="{9D8B030D-6E8A-4147-A177-3AD203B41FA5}">
+                          <a16:colId xmlns:a16="http://schemas.microsoft.com/office/drawing/2014/main" val="1624902210"/>
+                        </a:ext>
+                      </a:extLst>
+                    </a:gridCol>
+                  </a:tblGrid>
+                  <a:tr h="579120">
+                    <a:tc>
+                      <a:txBody>
+                        <a:bodyPr/>
+                        <a:lstStyle/>
+                        <a:p>
+                          <a:endParaRPr lang="en-US"/>
+                        </a:p>
+                      </a:txBody>
+                      <a:tcPr>
+                        <a:blipFill>
+                          <a:blip r:embed="rId3"/>
+                          <a:stretch>
+                            <a:fillRect l="-136" t="-1053" r="-100272" b="-242105"/>
+                          </a:stretch>
+                        </a:blipFill>
+                      </a:tcPr>
+                    </a:tc>
+                    <a:tc>
+                      <a:txBody>
+                        <a:bodyPr/>
+                        <a:lstStyle/>
+                        <a:p>
+                          <a:endParaRPr lang="en-US"/>
+                        </a:p>
+                      </a:txBody>
+                      <a:tcPr>
+                        <a:blipFill>
+                          <a:blip r:embed="rId3"/>
+                          <a:stretch>
+                            <a:fillRect l="-100136" t="-1053" r="-272" b="-242105"/>
+                          </a:stretch>
+                        </a:blipFill>
+                      </a:tcPr>
+                    </a:tc>
+                    <a:extLst>
+                      <a:ext uri="{0D108BD9-81ED-4DB2-BD59-A6C34878D82A}">
+                        <a16:rowId xmlns:a16="http://schemas.microsoft.com/office/drawing/2014/main" val="13183627"/>
+                      </a:ext>
+                    </a:extLst>
+                  </a:tr>
+                  <a:tr h="612966">
+                    <a:tc>
+                      <a:txBody>
+                        <a:bodyPr/>
+                        <a:lstStyle/>
+                        <a:p>
+                          <a:endParaRPr lang="en-US"/>
+                        </a:p>
+                      </a:txBody>
+                      <a:tcPr>
+                        <a:blipFill>
+                          <a:blip r:embed="rId3"/>
+                          <a:stretch>
+                            <a:fillRect l="-136" t="-95050" r="-100272" b="-127723"/>
+                          </a:stretch>
+                        </a:blipFill>
+                      </a:tcPr>
+                    </a:tc>
+                    <a:tc>
+                      <a:txBody>
+                        <a:bodyPr/>
+                        <a:lstStyle/>
+                        <a:p>
+                          <a:endParaRPr lang="en-US"/>
+                        </a:p>
+                      </a:txBody>
+                      <a:tcPr>
+                        <a:blipFill>
+                          <a:blip r:embed="rId3"/>
+                          <a:stretch>
+                            <a:fillRect l="-100136" t="-95050" r="-272" b="-127723"/>
+                          </a:stretch>
+                        </a:blipFill>
+                      </a:tcPr>
+                    </a:tc>
+                    <a:extLst>
+                      <a:ext uri="{0D108BD9-81ED-4DB2-BD59-A6C34878D82A}">
+                        <a16:rowId xmlns:a16="http://schemas.microsoft.com/office/drawing/2014/main" val="1894105132"/>
+                      </a:ext>
+                    </a:extLst>
+                  </a:tr>
+                  <a:tr h="579120">
+                    <a:tc>
+                      <a:txBody>
+                        <a:bodyPr/>
+                        <a:lstStyle/>
+                        <a:p>
+                          <a:endParaRPr lang="en-US"/>
+                        </a:p>
+                      </a:txBody>
+                      <a:tcPr>
+                        <a:blipFill>
+                          <a:blip r:embed="rId3"/>
+                          <a:stretch>
+                            <a:fillRect l="-136" t="-207368" r="-100272" b="-35789"/>
+                          </a:stretch>
+                        </a:blipFill>
+                      </a:tcPr>
+                    </a:tc>
+                    <a:tc>
+                      <a:txBody>
+                        <a:bodyPr/>
+                        <a:lstStyle/>
+                        <a:p>
+                          <a:pPr marL="457200" indent="-457200" algn="ctr">
+                            <a:buFont typeface="Arial" panose="020B0604020202020204" pitchFamily="34" charset="0"/>
+                            <a:buChar char="•"/>
+                          </a:pPr>
+                          <a:endParaRPr lang="en-CA" sz="3200" dirty="0"/>
+                        </a:p>
+                      </a:txBody>
+                      <a:tcPr/>
+                    </a:tc>
+                    <a:extLst>
+                      <a:ext uri="{0D108BD9-81ED-4DB2-BD59-A6C34878D82A}">
+                        <a16:rowId xmlns:a16="http://schemas.microsoft.com/office/drawing/2014/main" val="1653310339"/>
+                      </a:ext>
+                    </a:extLst>
+                  </a:tr>
+                </a:tbl>
+              </a:graphicData>
+            </a:graphic>
+          </p:graphicFrame>
+        </mc:Fallback>
+      </mc:AlternateContent>
+    </p:spTree>
+    <p:extLst>
+      <p:ext uri="{BB962C8B-B14F-4D97-AF65-F5344CB8AC3E}">
+        <p14:creationId xmlns:p14="http://schemas.microsoft.com/office/powerpoint/2010/main" val="515403854"/>
       </p:ext>
     </p:extLst>
   </p:cSld>
@@ -6766,6 +8212,1574 @@
 </p:sld>
 </file>
 
+<file path=ppt/slides/slide20.xml><?xml version="1.0" encoding="utf-8"?>
+<p:sld xmlns:a="http://schemas.openxmlformats.org/drawingml/2006/main" xmlns:r="http://schemas.openxmlformats.org/officeDocument/2006/relationships" xmlns:p="http://schemas.openxmlformats.org/presentationml/2006/main">
+  <p:cSld>
+    <p:spTree>
+      <p:nvGrpSpPr>
+        <p:cNvPr id="1" name=""/>
+        <p:cNvGrpSpPr/>
+        <p:nvPr/>
+      </p:nvGrpSpPr>
+      <p:grpSpPr>
+        <a:xfrm>
+          <a:off x="0" y="0"/>
+          <a:ext cx="0" cy="0"/>
+          <a:chOff x="0" y="0"/>
+          <a:chExt cx="0" cy="0"/>
+        </a:xfrm>
+      </p:grpSpPr>
+      <p:sp>
+        <p:nvSpPr>
+          <p:cNvPr id="2" name="Title 1">
+            <a:extLst>
+              <a:ext uri="{FF2B5EF4-FFF2-40B4-BE49-F238E27FC236}">
+                <a16:creationId xmlns:a16="http://schemas.microsoft.com/office/drawing/2014/main" id="{17BF818F-B2B8-4C3C-91B4-CE672CD4C18B}"/>
+              </a:ext>
+            </a:extLst>
+          </p:cNvPr>
+          <p:cNvSpPr>
+            <a:spLocks noGrp="1"/>
+          </p:cNvSpPr>
+          <p:nvPr>
+            <p:ph type="title"/>
+          </p:nvPr>
+        </p:nvSpPr>
+        <p:spPr>
+          <a:xfrm>
+            <a:off x="838200" y="365125"/>
+            <a:ext cx="10515600" cy="1325563"/>
+          </a:xfrm>
+        </p:spPr>
+        <p:txBody>
+          <a:bodyPr/>
+          <a:lstStyle/>
+          <a:p>
+            <a:r>
+              <a:rPr lang="en-CA" dirty="0"/>
+              <a:t>Box-Cox Inference</a:t>
+            </a:r>
+          </a:p>
+        </p:txBody>
+      </p:sp>
+      <mc:AlternateContent xmlns:mc="http://schemas.openxmlformats.org/markup-compatibility/2006">
+        <mc:Choice xmlns:a14="http://schemas.microsoft.com/office/drawing/2010/main" Requires="a14">
+          <p:graphicFrame>
+            <p:nvGraphicFramePr>
+              <p:cNvPr id="4" name="Table 4">
+                <a:extLst>
+                  <a:ext uri="{FF2B5EF4-FFF2-40B4-BE49-F238E27FC236}">
+                    <a16:creationId xmlns:a16="http://schemas.microsoft.com/office/drawing/2014/main" id="{AFC202DD-30BA-49E8-83F4-830A76520B09}"/>
+                  </a:ext>
+                </a:extLst>
+              </p:cNvPr>
+              <p:cNvGraphicFramePr>
+                <a:graphicFrameLocks noGrp="1"/>
+              </p:cNvGraphicFramePr>
+              <p:nvPr>
+                <p:ph idx="1"/>
+                <p:extLst>
+                  <p:ext uri="{D42A27DB-BD31-4B8C-83A1-F6EECF244321}">
+                    <p14:modId xmlns:p14="http://schemas.microsoft.com/office/powerpoint/2010/main" val="3007764813"/>
+                  </p:ext>
+                </p:extLst>
+              </p:nvPr>
+            </p:nvGraphicFramePr>
+            <p:xfrm>
+              <a:off x="838200" y="1844040"/>
+              <a:ext cx="10515603" cy="1584960"/>
+            </p:xfrm>
+            <a:graphic>
+              <a:graphicData uri="http://schemas.openxmlformats.org/drawingml/2006/table">
+                <a:tbl>
+                  <a:tblPr bandRow="1">
+                    <a:tableStyleId>{073A0DAA-6AF3-43AB-8588-CEC1D06C72B9}</a:tableStyleId>
+                  </a:tblPr>
+                  <a:tblGrid>
+                    <a:gridCol w="1502229">
+                      <a:extLst>
+                        <a:ext uri="{9D8B030D-6E8A-4147-A177-3AD203B41FA5}">
+                          <a16:colId xmlns:a16="http://schemas.microsoft.com/office/drawing/2014/main" val="902157614"/>
+                        </a:ext>
+                      </a:extLst>
+                    </a:gridCol>
+                    <a:gridCol w="1502229">
+                      <a:extLst>
+                        <a:ext uri="{9D8B030D-6E8A-4147-A177-3AD203B41FA5}">
+                          <a16:colId xmlns:a16="http://schemas.microsoft.com/office/drawing/2014/main" val="3810277463"/>
+                        </a:ext>
+                      </a:extLst>
+                    </a:gridCol>
+                    <a:gridCol w="1502229">
+                      <a:extLst>
+                        <a:ext uri="{9D8B030D-6E8A-4147-A177-3AD203B41FA5}">
+                          <a16:colId xmlns:a16="http://schemas.microsoft.com/office/drawing/2014/main" val="3835867625"/>
+                        </a:ext>
+                      </a:extLst>
+                    </a:gridCol>
+                    <a:gridCol w="1502229">
+                      <a:extLst>
+                        <a:ext uri="{9D8B030D-6E8A-4147-A177-3AD203B41FA5}">
+                          <a16:colId xmlns:a16="http://schemas.microsoft.com/office/drawing/2014/main" val="4259846121"/>
+                        </a:ext>
+                      </a:extLst>
+                    </a:gridCol>
+                    <a:gridCol w="1502229">
+                      <a:extLst>
+                        <a:ext uri="{9D8B030D-6E8A-4147-A177-3AD203B41FA5}">
+                          <a16:colId xmlns:a16="http://schemas.microsoft.com/office/drawing/2014/main" val="12837104"/>
+                        </a:ext>
+                      </a:extLst>
+                    </a:gridCol>
+                    <a:gridCol w="1502229">
+                      <a:extLst>
+                        <a:ext uri="{9D8B030D-6E8A-4147-A177-3AD203B41FA5}">
+                          <a16:colId xmlns:a16="http://schemas.microsoft.com/office/drawing/2014/main" val="2058178894"/>
+                        </a:ext>
+                      </a:extLst>
+                    </a:gridCol>
+                    <a:gridCol w="1502229">
+                      <a:extLst>
+                        <a:ext uri="{9D8B030D-6E8A-4147-A177-3AD203B41FA5}">
+                          <a16:colId xmlns:a16="http://schemas.microsoft.com/office/drawing/2014/main" val="3076216707"/>
+                        </a:ext>
+                      </a:extLst>
+                    </a:gridCol>
+                  </a:tblGrid>
+                  <a:tr h="370840">
+                    <a:tc rowSpan="2">
+                      <a:txBody>
+                        <a:bodyPr/>
+                        <a:lstStyle/>
+                        <a:p>
+                          <a:pPr algn="ctr"/>
+                          <a:r>
+                            <a:rPr lang="en-CA" sz="2000" dirty="0"/>
+                            <a:t>Coverage Probability</a:t>
+                          </a:r>
+                        </a:p>
+                      </a:txBody>
+                      <a:tcPr/>
+                    </a:tc>
+                    <a:tc gridSpan="2">
+                      <a:txBody>
+                        <a:bodyPr/>
+                        <a:lstStyle/>
+                        <a:p>
+                          <a:pPr algn="ctr"/>
+                          <a14:m>
+                            <m:oMathPara xmlns:m="http://schemas.openxmlformats.org/officeDocument/2006/math">
+                              <m:oMathParaPr>
+                                <m:jc m:val="centerGroup"/>
+                              </m:oMathParaPr>
+                              <m:oMath xmlns:m="http://schemas.openxmlformats.org/officeDocument/2006/math">
+                                <m:r>
+                                  <a:rPr lang="en-CA" sz="2000" smtClean="0"/>
+                                  <m:t>𝑝</m:t>
+                                </m:r>
+                                <m:r>
+                                  <a:rPr lang="en-CA" sz="2000" smtClean="0"/>
+                                  <m:t>=10</m:t>
+                                </m:r>
+                              </m:oMath>
+                            </m:oMathPara>
+                          </a14:m>
+                          <a:endParaRPr lang="en-CA" sz="2000" dirty="0"/>
+                        </a:p>
+                      </a:txBody>
+                      <a:tcPr/>
+                    </a:tc>
+                    <a:tc hMerge="1">
+                      <a:txBody>
+                        <a:bodyPr/>
+                        <a:lstStyle/>
+                        <a:p>
+                          <a:pPr algn="ctr"/>
+                          <a:endParaRPr lang="en-CA" dirty="0"/>
+                        </a:p>
+                      </a:txBody>
+                      <a:tcPr/>
+                    </a:tc>
+                    <a:tc gridSpan="2">
+                      <a:txBody>
+                        <a:bodyPr/>
+                        <a:lstStyle/>
+                        <a:p>
+                          <a:pPr algn="ctr"/>
+                          <a14:m>
+                            <m:oMathPara xmlns:m="http://schemas.openxmlformats.org/officeDocument/2006/math">
+                              <m:oMathParaPr>
+                                <m:jc m:val="centerGroup"/>
+                              </m:oMathParaPr>
+                              <m:oMath xmlns:m="http://schemas.openxmlformats.org/officeDocument/2006/math">
+                                <m:r>
+                                  <a:rPr lang="en-CA" sz="2000" smtClean="0"/>
+                                  <m:t>𝑝</m:t>
+                                </m:r>
+                                <m:r>
+                                  <a:rPr lang="en-CA" sz="2000" smtClean="0"/>
+                                  <m:t>=50</m:t>
+                                </m:r>
+                              </m:oMath>
+                            </m:oMathPara>
+                          </a14:m>
+                          <a:endParaRPr lang="en-CA" sz="2000" dirty="0"/>
+                        </a:p>
+                      </a:txBody>
+                      <a:tcPr/>
+                    </a:tc>
+                    <a:tc hMerge="1">
+                      <a:txBody>
+                        <a:bodyPr/>
+                        <a:lstStyle/>
+                        <a:p>
+                          <a:pPr algn="ctr"/>
+                          <a:endParaRPr lang="en-CA" dirty="0"/>
+                        </a:p>
+                      </a:txBody>
+                      <a:tcPr/>
+                    </a:tc>
+                    <a:tc gridSpan="2">
+                      <a:txBody>
+                        <a:bodyPr/>
+                        <a:lstStyle/>
+                        <a:p>
+                          <a:pPr algn="ctr"/>
+                          <a14:m>
+                            <m:oMathPara xmlns:m="http://schemas.openxmlformats.org/officeDocument/2006/math">
+                              <m:oMathParaPr>
+                                <m:jc m:val="centerGroup"/>
+                              </m:oMathParaPr>
+                              <m:oMath xmlns:m="http://schemas.openxmlformats.org/officeDocument/2006/math">
+                                <m:r>
+                                  <a:rPr lang="en-CA" sz="2000" smtClean="0"/>
+                                  <m:t>𝑝</m:t>
+                                </m:r>
+                                <m:r>
+                                  <a:rPr lang="en-CA" sz="2000" smtClean="0"/>
+                                  <m:t>=200</m:t>
+                                </m:r>
+                              </m:oMath>
+                            </m:oMathPara>
+                          </a14:m>
+                          <a:endParaRPr lang="en-CA" sz="2000" dirty="0"/>
+                        </a:p>
+                      </a:txBody>
+                      <a:tcPr/>
+                    </a:tc>
+                    <a:tc hMerge="1">
+                      <a:txBody>
+                        <a:bodyPr/>
+                        <a:lstStyle/>
+                        <a:p>
+                          <a:pPr algn="ctr"/>
+                          <a:endParaRPr lang="en-CA" dirty="0"/>
+                        </a:p>
+                      </a:txBody>
+                      <a:tcPr/>
+                    </a:tc>
+                    <a:extLst>
+                      <a:ext uri="{0D108BD9-81ED-4DB2-BD59-A6C34878D82A}">
+                        <a16:rowId xmlns:a16="http://schemas.microsoft.com/office/drawing/2014/main" val="3851112357"/>
+                      </a:ext>
+                    </a:extLst>
+                  </a:tr>
+                  <a:tr h="370840">
+                    <a:tc vMerge="1">
+                      <a:txBody>
+                        <a:bodyPr/>
+                        <a:lstStyle/>
+                        <a:p>
+                          <a:pPr algn="ctr"/>
+                          <a:endParaRPr lang="en-CA" dirty="0"/>
+                        </a:p>
+                      </a:txBody>
+                      <a:tcPr/>
+                    </a:tc>
+                    <a:tc>
+                      <a:txBody>
+                        <a:bodyPr/>
+                        <a:lstStyle/>
+                        <a:p>
+                          <a:pPr algn="ctr"/>
+                          <a:r>
+                            <a:rPr lang="en-CA" sz="2000" dirty="0"/>
+                            <a:t>SNR low</a:t>
+                          </a:r>
+                        </a:p>
+                      </a:txBody>
+                      <a:tcPr/>
+                    </a:tc>
+                    <a:tc>
+                      <a:txBody>
+                        <a:bodyPr/>
+                        <a:lstStyle/>
+                        <a:p>
+                          <a:pPr algn="ctr"/>
+                          <a:r>
+                            <a:rPr lang="en-CA" sz="2000" dirty="0"/>
+                            <a:t>SNR high</a:t>
+                          </a:r>
+                        </a:p>
+                      </a:txBody>
+                      <a:tcPr/>
+                    </a:tc>
+                    <a:tc>
+                      <a:txBody>
+                        <a:bodyPr/>
+                        <a:lstStyle/>
+                        <a:p>
+                          <a:pPr algn="ctr"/>
+                          <a:r>
+                            <a:rPr lang="en-CA" sz="2000" dirty="0"/>
+                            <a:t>SNR low</a:t>
+                          </a:r>
+                        </a:p>
+                      </a:txBody>
+                      <a:tcPr/>
+                    </a:tc>
+                    <a:tc>
+                      <a:txBody>
+                        <a:bodyPr/>
+                        <a:lstStyle/>
+                        <a:p>
+                          <a:pPr algn="ctr"/>
+                          <a:r>
+                            <a:rPr lang="en-CA" sz="2000" dirty="0"/>
+                            <a:t>SNR high</a:t>
+                          </a:r>
+                        </a:p>
+                      </a:txBody>
+                      <a:tcPr/>
+                    </a:tc>
+                    <a:tc>
+                      <a:txBody>
+                        <a:bodyPr/>
+                        <a:lstStyle/>
+                        <a:p>
+                          <a:pPr algn="ctr"/>
+                          <a:r>
+                            <a:rPr lang="en-CA" sz="2000" dirty="0"/>
+                            <a:t>SNR low</a:t>
+                          </a:r>
+                        </a:p>
+                      </a:txBody>
+                      <a:tcPr/>
+                    </a:tc>
+                    <a:tc>
+                      <a:txBody>
+                        <a:bodyPr/>
+                        <a:lstStyle/>
+                        <a:p>
+                          <a:pPr algn="ctr"/>
+                          <a:r>
+                            <a:rPr lang="en-CA" sz="2000" dirty="0"/>
+                            <a:t>SNR high</a:t>
+                          </a:r>
+                        </a:p>
+                      </a:txBody>
+                      <a:tcPr/>
+                    </a:tc>
+                    <a:extLst>
+                      <a:ext uri="{0D108BD9-81ED-4DB2-BD59-A6C34878D82A}">
+                        <a16:rowId xmlns:a16="http://schemas.microsoft.com/office/drawing/2014/main" val="2906929121"/>
+                      </a:ext>
+                    </a:extLst>
+                  </a:tr>
+                  <a:tr h="370840">
+                    <a:tc>
+                      <a:txBody>
+                        <a:bodyPr/>
+                        <a:lstStyle/>
+                        <a:p>
+                          <a:pPr algn="ctr"/>
+                          <a:r>
+                            <a:rPr lang="en-CA" sz="2000" dirty="0"/>
+                            <a:t>LS</a:t>
+                          </a:r>
+                        </a:p>
+                      </a:txBody>
+                      <a:tcPr/>
+                    </a:tc>
+                    <a:tc>
+                      <a:txBody>
+                        <a:bodyPr/>
+                        <a:lstStyle/>
+                        <a:p>
+                          <a:pPr algn="ctr"/>
+                          <a:r>
+                            <a:rPr lang="en-CA" sz="2000" dirty="0"/>
+                            <a:t>0.94</a:t>
+                          </a:r>
+                        </a:p>
+                      </a:txBody>
+                      <a:tcPr/>
+                    </a:tc>
+                    <a:tc>
+                      <a:txBody>
+                        <a:bodyPr/>
+                        <a:lstStyle/>
+                        <a:p>
+                          <a:pPr algn="ctr"/>
+                          <a:r>
+                            <a:rPr lang="en-CA" sz="2000" dirty="0"/>
+                            <a:t>0.95</a:t>
+                          </a:r>
+                        </a:p>
+                      </a:txBody>
+                      <a:tcPr/>
+                    </a:tc>
+                    <a:tc>
+                      <a:txBody>
+                        <a:bodyPr/>
+                        <a:lstStyle/>
+                        <a:p>
+                          <a:pPr algn="ctr"/>
+                          <a:r>
+                            <a:rPr lang="en-CA" sz="2000" dirty="0"/>
+                            <a:t>0.93</a:t>
+                          </a:r>
+                        </a:p>
+                      </a:txBody>
+                      <a:tcPr/>
+                    </a:tc>
+                    <a:tc>
+                      <a:txBody>
+                        <a:bodyPr/>
+                        <a:lstStyle/>
+                        <a:p>
+                          <a:pPr algn="ctr"/>
+                          <a:r>
+                            <a:rPr lang="en-CA" sz="2000"/>
+                            <a:t>0.83</a:t>
+                          </a:r>
+                          <a:endParaRPr lang="en-CA" sz="2000" dirty="0"/>
+                        </a:p>
+                      </a:txBody>
+                      <a:tcPr/>
+                    </a:tc>
+                    <a:tc>
+                      <a:txBody>
+                        <a:bodyPr/>
+                        <a:lstStyle/>
+                        <a:p>
+                          <a:pPr algn="ctr"/>
+                          <a:r>
+                            <a:rPr lang="en-CA" sz="2000" dirty="0"/>
+                            <a:t>X</a:t>
+                          </a:r>
+                        </a:p>
+                      </a:txBody>
+                      <a:tcPr/>
+                    </a:tc>
+                    <a:tc>
+                      <a:txBody>
+                        <a:bodyPr/>
+                        <a:lstStyle/>
+                        <a:p>
+                          <a:pPr algn="ctr"/>
+                          <a:r>
+                            <a:rPr lang="en-CA" sz="2000" dirty="0"/>
+                            <a:t>X</a:t>
+                          </a:r>
+                        </a:p>
+                      </a:txBody>
+                      <a:tcPr/>
+                    </a:tc>
+                    <a:extLst>
+                      <a:ext uri="{0D108BD9-81ED-4DB2-BD59-A6C34878D82A}">
+                        <a16:rowId xmlns:a16="http://schemas.microsoft.com/office/drawing/2014/main" val="2845625525"/>
+                      </a:ext>
+                    </a:extLst>
+                  </a:tr>
+                  <a:tr h="370840">
+                    <a:tc>
+                      <a:txBody>
+                        <a:bodyPr/>
+                        <a:lstStyle/>
+                        <a:p>
+                          <a:pPr algn="ctr"/>
+                          <a:r>
+                            <a:rPr lang="en-CA" sz="2000" dirty="0"/>
+                            <a:t>LASSO</a:t>
+                          </a:r>
+                        </a:p>
+                      </a:txBody>
+                      <a:tcPr/>
+                    </a:tc>
+                    <a:tc>
+                      <a:txBody>
+                        <a:bodyPr/>
+                        <a:lstStyle/>
+                        <a:p>
+                          <a:pPr algn="ctr"/>
+                          <a:endParaRPr lang="en-CA" sz="2000"/>
+                        </a:p>
+                      </a:txBody>
+                      <a:tcPr/>
+                    </a:tc>
+                    <a:tc>
+                      <a:txBody>
+                        <a:bodyPr/>
+                        <a:lstStyle/>
+                        <a:p>
+                          <a:pPr algn="ctr"/>
+                          <a:endParaRPr lang="en-CA" sz="2000"/>
+                        </a:p>
+                      </a:txBody>
+                      <a:tcPr/>
+                    </a:tc>
+                    <a:tc>
+                      <a:txBody>
+                        <a:bodyPr/>
+                        <a:lstStyle/>
+                        <a:p>
+                          <a:pPr algn="ctr"/>
+                          <a:endParaRPr lang="en-CA" sz="2000"/>
+                        </a:p>
+                      </a:txBody>
+                      <a:tcPr/>
+                    </a:tc>
+                    <a:tc>
+                      <a:txBody>
+                        <a:bodyPr/>
+                        <a:lstStyle/>
+                        <a:p>
+                          <a:pPr algn="ctr"/>
+                          <a:endParaRPr lang="en-CA" sz="2000" dirty="0"/>
+                        </a:p>
+                      </a:txBody>
+                      <a:tcPr/>
+                    </a:tc>
+                    <a:tc>
+                      <a:txBody>
+                        <a:bodyPr/>
+                        <a:lstStyle/>
+                        <a:p>
+                          <a:pPr algn="ctr"/>
+                          <a:endParaRPr lang="en-CA" sz="2000" dirty="0"/>
+                        </a:p>
+                      </a:txBody>
+                      <a:tcPr/>
+                    </a:tc>
+                    <a:tc>
+                      <a:txBody>
+                        <a:bodyPr/>
+                        <a:lstStyle/>
+                        <a:p>
+                          <a:pPr algn="ctr"/>
+                          <a:endParaRPr lang="en-CA" sz="2000" dirty="0"/>
+                        </a:p>
+                      </a:txBody>
+                      <a:tcPr/>
+                    </a:tc>
+                    <a:extLst>
+                      <a:ext uri="{0D108BD9-81ED-4DB2-BD59-A6C34878D82A}">
+                        <a16:rowId xmlns:a16="http://schemas.microsoft.com/office/drawing/2014/main" val="3108683704"/>
+                      </a:ext>
+                    </a:extLst>
+                  </a:tr>
+                </a:tbl>
+              </a:graphicData>
+            </a:graphic>
+          </p:graphicFrame>
+        </mc:Choice>
+        <mc:Fallback>
+          <p:graphicFrame>
+            <p:nvGraphicFramePr>
+              <p:cNvPr id="4" name="Table 4">
+                <a:extLst>
+                  <a:ext uri="{FF2B5EF4-FFF2-40B4-BE49-F238E27FC236}">
+                    <a16:creationId xmlns:a16="http://schemas.microsoft.com/office/drawing/2014/main" id="{AFC202DD-30BA-49E8-83F4-830A76520B09}"/>
+                  </a:ext>
+                </a:extLst>
+              </p:cNvPr>
+              <p:cNvGraphicFramePr>
+                <a:graphicFrameLocks noGrp="1"/>
+              </p:cNvGraphicFramePr>
+              <p:nvPr>
+                <p:ph idx="1"/>
+                <p:extLst>
+                  <p:ext uri="{D42A27DB-BD31-4B8C-83A1-F6EECF244321}">
+                    <p14:modId xmlns:p14="http://schemas.microsoft.com/office/powerpoint/2010/main" val="3007764813"/>
+                  </p:ext>
+                </p:extLst>
+              </p:nvPr>
+            </p:nvGraphicFramePr>
+            <p:xfrm>
+              <a:off x="838200" y="1844040"/>
+              <a:ext cx="10515603" cy="1584960"/>
+            </p:xfrm>
+            <a:graphic>
+              <a:graphicData uri="http://schemas.openxmlformats.org/drawingml/2006/table">
+                <a:tbl>
+                  <a:tblPr bandRow="1">
+                    <a:tableStyleId>{073A0DAA-6AF3-43AB-8588-CEC1D06C72B9}</a:tableStyleId>
+                  </a:tblPr>
+                  <a:tblGrid>
+                    <a:gridCol w="1502229">
+                      <a:extLst>
+                        <a:ext uri="{9D8B030D-6E8A-4147-A177-3AD203B41FA5}">
+                          <a16:colId xmlns:a16="http://schemas.microsoft.com/office/drawing/2014/main" val="902157614"/>
+                        </a:ext>
+                      </a:extLst>
+                    </a:gridCol>
+                    <a:gridCol w="1502229">
+                      <a:extLst>
+                        <a:ext uri="{9D8B030D-6E8A-4147-A177-3AD203B41FA5}">
+                          <a16:colId xmlns:a16="http://schemas.microsoft.com/office/drawing/2014/main" val="3810277463"/>
+                        </a:ext>
+                      </a:extLst>
+                    </a:gridCol>
+                    <a:gridCol w="1502229">
+                      <a:extLst>
+                        <a:ext uri="{9D8B030D-6E8A-4147-A177-3AD203B41FA5}">
+                          <a16:colId xmlns:a16="http://schemas.microsoft.com/office/drawing/2014/main" val="3835867625"/>
+                        </a:ext>
+                      </a:extLst>
+                    </a:gridCol>
+                    <a:gridCol w="1502229">
+                      <a:extLst>
+                        <a:ext uri="{9D8B030D-6E8A-4147-A177-3AD203B41FA5}">
+                          <a16:colId xmlns:a16="http://schemas.microsoft.com/office/drawing/2014/main" val="4259846121"/>
+                        </a:ext>
+                      </a:extLst>
+                    </a:gridCol>
+                    <a:gridCol w="1502229">
+                      <a:extLst>
+                        <a:ext uri="{9D8B030D-6E8A-4147-A177-3AD203B41FA5}">
+                          <a16:colId xmlns:a16="http://schemas.microsoft.com/office/drawing/2014/main" val="12837104"/>
+                        </a:ext>
+                      </a:extLst>
+                    </a:gridCol>
+                    <a:gridCol w="1502229">
+                      <a:extLst>
+                        <a:ext uri="{9D8B030D-6E8A-4147-A177-3AD203B41FA5}">
+                          <a16:colId xmlns:a16="http://schemas.microsoft.com/office/drawing/2014/main" val="2058178894"/>
+                        </a:ext>
+                      </a:extLst>
+                    </a:gridCol>
+                    <a:gridCol w="1502229">
+                      <a:extLst>
+                        <a:ext uri="{9D8B030D-6E8A-4147-A177-3AD203B41FA5}">
+                          <a16:colId xmlns:a16="http://schemas.microsoft.com/office/drawing/2014/main" val="3076216707"/>
+                        </a:ext>
+                      </a:extLst>
+                    </a:gridCol>
+                  </a:tblGrid>
+                  <a:tr h="396240">
+                    <a:tc rowSpan="2">
+                      <a:txBody>
+                        <a:bodyPr/>
+                        <a:lstStyle/>
+                        <a:p>
+                          <a:pPr algn="ctr"/>
+                          <a:r>
+                            <a:rPr lang="en-CA" sz="2000" dirty="0"/>
+                            <a:t>Coverage Probability</a:t>
+                          </a:r>
+                        </a:p>
+                      </a:txBody>
+                      <a:tcPr/>
+                    </a:tc>
+                    <a:tc gridSpan="2">
+                      <a:txBody>
+                        <a:bodyPr/>
+                        <a:lstStyle/>
+                        <a:p>
+                          <a:endParaRPr lang="en-US"/>
+                        </a:p>
+                      </a:txBody>
+                      <a:tcPr>
+                        <a:blipFill>
+                          <a:blip r:embed="rId2"/>
+                          <a:stretch>
+                            <a:fillRect l="-50304" t="-7692" r="-200406" b="-327692"/>
+                          </a:stretch>
+                        </a:blipFill>
+                      </a:tcPr>
+                    </a:tc>
+                    <a:tc hMerge="1">
+                      <a:txBody>
+                        <a:bodyPr/>
+                        <a:lstStyle/>
+                        <a:p>
+                          <a:pPr algn="ctr"/>
+                          <a:endParaRPr lang="en-CA" dirty="0"/>
+                        </a:p>
+                      </a:txBody>
+                      <a:tcPr/>
+                    </a:tc>
+                    <a:tc gridSpan="2">
+                      <a:txBody>
+                        <a:bodyPr/>
+                        <a:lstStyle/>
+                        <a:p>
+                          <a:endParaRPr lang="en-US"/>
+                        </a:p>
+                      </a:txBody>
+                      <a:tcPr>
+                        <a:blipFill>
+                          <a:blip r:embed="rId2"/>
+                          <a:stretch>
+                            <a:fillRect l="-150304" t="-7692" r="-100406" b="-327692"/>
+                          </a:stretch>
+                        </a:blipFill>
+                      </a:tcPr>
+                    </a:tc>
+                    <a:tc hMerge="1">
+                      <a:txBody>
+                        <a:bodyPr/>
+                        <a:lstStyle/>
+                        <a:p>
+                          <a:pPr algn="ctr"/>
+                          <a:endParaRPr lang="en-CA" dirty="0"/>
+                        </a:p>
+                      </a:txBody>
+                      <a:tcPr/>
+                    </a:tc>
+                    <a:tc gridSpan="2">
+                      <a:txBody>
+                        <a:bodyPr/>
+                        <a:lstStyle/>
+                        <a:p>
+                          <a:endParaRPr lang="en-US"/>
+                        </a:p>
+                      </a:txBody>
+                      <a:tcPr>
+                        <a:blipFill>
+                          <a:blip r:embed="rId2"/>
+                          <a:stretch>
+                            <a:fillRect l="-250304" t="-7692" r="-406" b="-327692"/>
+                          </a:stretch>
+                        </a:blipFill>
+                      </a:tcPr>
+                    </a:tc>
+                    <a:tc hMerge="1">
+                      <a:txBody>
+                        <a:bodyPr/>
+                        <a:lstStyle/>
+                        <a:p>
+                          <a:pPr algn="ctr"/>
+                          <a:endParaRPr lang="en-CA" dirty="0"/>
+                        </a:p>
+                      </a:txBody>
+                      <a:tcPr/>
+                    </a:tc>
+                    <a:extLst>
+                      <a:ext uri="{0D108BD9-81ED-4DB2-BD59-A6C34878D82A}">
+                        <a16:rowId xmlns:a16="http://schemas.microsoft.com/office/drawing/2014/main" val="3851112357"/>
+                      </a:ext>
+                    </a:extLst>
+                  </a:tr>
+                  <a:tr h="396240">
+                    <a:tc vMerge="1">
+                      <a:txBody>
+                        <a:bodyPr/>
+                        <a:lstStyle/>
+                        <a:p>
+                          <a:pPr algn="ctr"/>
+                          <a:endParaRPr lang="en-CA" dirty="0"/>
+                        </a:p>
+                      </a:txBody>
+                      <a:tcPr/>
+                    </a:tc>
+                    <a:tc>
+                      <a:txBody>
+                        <a:bodyPr/>
+                        <a:lstStyle/>
+                        <a:p>
+                          <a:pPr algn="ctr"/>
+                          <a:r>
+                            <a:rPr lang="en-CA" sz="2000" dirty="0"/>
+                            <a:t>SNR low</a:t>
+                          </a:r>
+                        </a:p>
+                      </a:txBody>
+                      <a:tcPr/>
+                    </a:tc>
+                    <a:tc>
+                      <a:txBody>
+                        <a:bodyPr/>
+                        <a:lstStyle/>
+                        <a:p>
+                          <a:pPr algn="ctr"/>
+                          <a:r>
+                            <a:rPr lang="en-CA" sz="2000" dirty="0"/>
+                            <a:t>SNR high</a:t>
+                          </a:r>
+                        </a:p>
+                      </a:txBody>
+                      <a:tcPr/>
+                    </a:tc>
+                    <a:tc>
+                      <a:txBody>
+                        <a:bodyPr/>
+                        <a:lstStyle/>
+                        <a:p>
+                          <a:pPr algn="ctr"/>
+                          <a:r>
+                            <a:rPr lang="en-CA" sz="2000" dirty="0"/>
+                            <a:t>SNR low</a:t>
+                          </a:r>
+                        </a:p>
+                      </a:txBody>
+                      <a:tcPr/>
+                    </a:tc>
+                    <a:tc>
+                      <a:txBody>
+                        <a:bodyPr/>
+                        <a:lstStyle/>
+                        <a:p>
+                          <a:pPr algn="ctr"/>
+                          <a:r>
+                            <a:rPr lang="en-CA" sz="2000" dirty="0"/>
+                            <a:t>SNR high</a:t>
+                          </a:r>
+                        </a:p>
+                      </a:txBody>
+                      <a:tcPr/>
+                    </a:tc>
+                    <a:tc>
+                      <a:txBody>
+                        <a:bodyPr/>
+                        <a:lstStyle/>
+                        <a:p>
+                          <a:pPr algn="ctr"/>
+                          <a:r>
+                            <a:rPr lang="en-CA" sz="2000" dirty="0"/>
+                            <a:t>SNR low</a:t>
+                          </a:r>
+                        </a:p>
+                      </a:txBody>
+                      <a:tcPr/>
+                    </a:tc>
+                    <a:tc>
+                      <a:txBody>
+                        <a:bodyPr/>
+                        <a:lstStyle/>
+                        <a:p>
+                          <a:pPr algn="ctr"/>
+                          <a:r>
+                            <a:rPr lang="en-CA" sz="2000" dirty="0"/>
+                            <a:t>SNR high</a:t>
+                          </a:r>
+                        </a:p>
+                      </a:txBody>
+                      <a:tcPr/>
+                    </a:tc>
+                    <a:extLst>
+                      <a:ext uri="{0D108BD9-81ED-4DB2-BD59-A6C34878D82A}">
+                        <a16:rowId xmlns:a16="http://schemas.microsoft.com/office/drawing/2014/main" val="2906929121"/>
+                      </a:ext>
+                    </a:extLst>
+                  </a:tr>
+                  <a:tr h="396240">
+                    <a:tc>
+                      <a:txBody>
+                        <a:bodyPr/>
+                        <a:lstStyle/>
+                        <a:p>
+                          <a:pPr algn="ctr"/>
+                          <a:r>
+                            <a:rPr lang="en-CA" sz="2000" dirty="0"/>
+                            <a:t>LS</a:t>
+                          </a:r>
+                        </a:p>
+                      </a:txBody>
+                      <a:tcPr/>
+                    </a:tc>
+                    <a:tc>
+                      <a:txBody>
+                        <a:bodyPr/>
+                        <a:lstStyle/>
+                        <a:p>
+                          <a:pPr algn="ctr"/>
+                          <a:r>
+                            <a:rPr lang="en-CA" sz="2000" dirty="0"/>
+                            <a:t>0.94</a:t>
+                          </a:r>
+                        </a:p>
+                      </a:txBody>
+                      <a:tcPr/>
+                    </a:tc>
+                    <a:tc>
+                      <a:txBody>
+                        <a:bodyPr/>
+                        <a:lstStyle/>
+                        <a:p>
+                          <a:pPr algn="ctr"/>
+                          <a:r>
+                            <a:rPr lang="en-CA" sz="2000" dirty="0"/>
+                            <a:t>0.95</a:t>
+                          </a:r>
+                        </a:p>
+                      </a:txBody>
+                      <a:tcPr/>
+                    </a:tc>
+                    <a:tc>
+                      <a:txBody>
+                        <a:bodyPr/>
+                        <a:lstStyle/>
+                        <a:p>
+                          <a:pPr algn="ctr"/>
+                          <a:r>
+                            <a:rPr lang="en-CA" sz="2000" dirty="0"/>
+                            <a:t>0.93</a:t>
+                          </a:r>
+                        </a:p>
+                      </a:txBody>
+                      <a:tcPr/>
+                    </a:tc>
+                    <a:tc>
+                      <a:txBody>
+                        <a:bodyPr/>
+                        <a:lstStyle/>
+                        <a:p>
+                          <a:pPr algn="ctr"/>
+                          <a:r>
+                            <a:rPr lang="en-CA" sz="2000"/>
+                            <a:t>0.83</a:t>
+                          </a:r>
+                          <a:endParaRPr lang="en-CA" sz="2000" dirty="0"/>
+                        </a:p>
+                      </a:txBody>
+                      <a:tcPr/>
+                    </a:tc>
+                    <a:tc>
+                      <a:txBody>
+                        <a:bodyPr/>
+                        <a:lstStyle/>
+                        <a:p>
+                          <a:pPr algn="ctr"/>
+                          <a:r>
+                            <a:rPr lang="en-CA" sz="2000" dirty="0"/>
+                            <a:t>X</a:t>
+                          </a:r>
+                        </a:p>
+                      </a:txBody>
+                      <a:tcPr/>
+                    </a:tc>
+                    <a:tc>
+                      <a:txBody>
+                        <a:bodyPr/>
+                        <a:lstStyle/>
+                        <a:p>
+                          <a:pPr algn="ctr"/>
+                          <a:r>
+                            <a:rPr lang="en-CA" sz="2000" dirty="0"/>
+                            <a:t>X</a:t>
+                          </a:r>
+                        </a:p>
+                      </a:txBody>
+                      <a:tcPr/>
+                    </a:tc>
+                    <a:extLst>
+                      <a:ext uri="{0D108BD9-81ED-4DB2-BD59-A6C34878D82A}">
+                        <a16:rowId xmlns:a16="http://schemas.microsoft.com/office/drawing/2014/main" val="2845625525"/>
+                      </a:ext>
+                    </a:extLst>
+                  </a:tr>
+                  <a:tr h="396240">
+                    <a:tc>
+                      <a:txBody>
+                        <a:bodyPr/>
+                        <a:lstStyle/>
+                        <a:p>
+                          <a:pPr algn="ctr"/>
+                          <a:r>
+                            <a:rPr lang="en-CA" sz="2000" dirty="0"/>
+                            <a:t>LASSO</a:t>
+                          </a:r>
+                        </a:p>
+                      </a:txBody>
+                      <a:tcPr/>
+                    </a:tc>
+                    <a:tc>
+                      <a:txBody>
+                        <a:bodyPr/>
+                        <a:lstStyle/>
+                        <a:p>
+                          <a:pPr algn="ctr"/>
+                          <a:endParaRPr lang="en-CA" sz="2000"/>
+                        </a:p>
+                      </a:txBody>
+                      <a:tcPr/>
+                    </a:tc>
+                    <a:tc>
+                      <a:txBody>
+                        <a:bodyPr/>
+                        <a:lstStyle/>
+                        <a:p>
+                          <a:pPr algn="ctr"/>
+                          <a:endParaRPr lang="en-CA" sz="2000"/>
+                        </a:p>
+                      </a:txBody>
+                      <a:tcPr/>
+                    </a:tc>
+                    <a:tc>
+                      <a:txBody>
+                        <a:bodyPr/>
+                        <a:lstStyle/>
+                        <a:p>
+                          <a:pPr algn="ctr"/>
+                          <a:endParaRPr lang="en-CA" sz="2000"/>
+                        </a:p>
+                      </a:txBody>
+                      <a:tcPr/>
+                    </a:tc>
+                    <a:tc>
+                      <a:txBody>
+                        <a:bodyPr/>
+                        <a:lstStyle/>
+                        <a:p>
+                          <a:pPr algn="ctr"/>
+                          <a:endParaRPr lang="en-CA" sz="2000" dirty="0"/>
+                        </a:p>
+                      </a:txBody>
+                      <a:tcPr/>
+                    </a:tc>
+                    <a:tc>
+                      <a:txBody>
+                        <a:bodyPr/>
+                        <a:lstStyle/>
+                        <a:p>
+                          <a:pPr algn="ctr"/>
+                          <a:endParaRPr lang="en-CA" sz="2000" dirty="0"/>
+                        </a:p>
+                      </a:txBody>
+                      <a:tcPr/>
+                    </a:tc>
+                    <a:tc>
+                      <a:txBody>
+                        <a:bodyPr/>
+                        <a:lstStyle/>
+                        <a:p>
+                          <a:pPr algn="ctr"/>
+                          <a:endParaRPr lang="en-CA" sz="2000" dirty="0"/>
+                        </a:p>
+                      </a:txBody>
+                      <a:tcPr/>
+                    </a:tc>
+                    <a:extLst>
+                      <a:ext uri="{0D108BD9-81ED-4DB2-BD59-A6C34878D82A}">
+                        <a16:rowId xmlns:a16="http://schemas.microsoft.com/office/drawing/2014/main" val="3108683704"/>
+                      </a:ext>
+                    </a:extLst>
+                  </a:tr>
+                </a:tbl>
+              </a:graphicData>
+            </a:graphic>
+          </p:graphicFrame>
+        </mc:Fallback>
+      </mc:AlternateContent>
+      <mc:AlternateContent xmlns:mc="http://schemas.openxmlformats.org/markup-compatibility/2006">
+        <mc:Choice xmlns:a14="http://schemas.microsoft.com/office/drawing/2010/main" Requires="a14">
+          <p:graphicFrame>
+            <p:nvGraphicFramePr>
+              <p:cNvPr id="6" name="Table 4">
+                <a:extLst>
+                  <a:ext uri="{FF2B5EF4-FFF2-40B4-BE49-F238E27FC236}">
+                    <a16:creationId xmlns:a16="http://schemas.microsoft.com/office/drawing/2014/main" id="{EC9A1A88-7117-459C-844B-96A8C127E17D}"/>
+                  </a:ext>
+                </a:extLst>
+              </p:cNvPr>
+              <p:cNvGraphicFramePr>
+                <a:graphicFrameLocks noGrp="1"/>
+              </p:cNvGraphicFramePr>
+              <p:nvPr>
+                <p:extLst>
+                  <p:ext uri="{D42A27DB-BD31-4B8C-83A1-F6EECF244321}">
+                    <p14:modId xmlns:p14="http://schemas.microsoft.com/office/powerpoint/2010/main" val="368546746"/>
+                  </p:ext>
+                </p:extLst>
+              </p:nvPr>
+            </p:nvGraphicFramePr>
+            <p:xfrm>
+              <a:off x="1615089" y="4001294"/>
+              <a:ext cx="8961822" cy="1771206"/>
+            </p:xfrm>
+            <a:graphic>
+              <a:graphicData uri="http://schemas.openxmlformats.org/drawingml/2006/table">
+                <a:tbl>
+                  <a:tblPr>
+                    <a:tableStyleId>{073A0DAA-6AF3-43AB-8588-CEC1D06C72B9}</a:tableStyleId>
+                  </a:tblPr>
+                  <a:tblGrid>
+                    <a:gridCol w="4480911">
+                      <a:extLst>
+                        <a:ext uri="{9D8B030D-6E8A-4147-A177-3AD203B41FA5}">
+                          <a16:colId xmlns:a16="http://schemas.microsoft.com/office/drawing/2014/main" val="705846906"/>
+                        </a:ext>
+                      </a:extLst>
+                    </a:gridCol>
+                    <a:gridCol w="4480911">
+                      <a:extLst>
+                        <a:ext uri="{9D8B030D-6E8A-4147-A177-3AD203B41FA5}">
+                          <a16:colId xmlns:a16="http://schemas.microsoft.com/office/drawing/2014/main" val="1624902210"/>
+                        </a:ext>
+                      </a:extLst>
+                    </a:gridCol>
+                  </a:tblGrid>
+                  <a:tr h="370840">
+                    <a:tc>
+                      <a:txBody>
+                        <a:bodyPr/>
+                        <a:lstStyle/>
+                        <a:p>
+                          <a:pPr marL="457200" indent="-457200" algn="ctr">
+                            <a:buFont typeface="Arial" panose="020B0604020202020204" pitchFamily="34" charset="0"/>
+                            <a:buChar char="•"/>
+                          </a:pPr>
+                          <a14:m>
+                            <m:oMath xmlns:m="http://schemas.openxmlformats.org/officeDocument/2006/math">
+                              <m:r>
+                                <a:rPr lang="en-CA" sz="3200" smtClean="0"/>
+                                <m:t>𝑍</m:t>
+                              </m:r>
+                              <m:r>
+                                <a:rPr lang="en-CA" sz="3200" smtClean="0"/>
+                                <m:t>=</m:t>
+                              </m:r>
+                              <m:r>
+                                <m:rPr>
+                                  <m:sty m:val="p"/>
+                                </m:rPr>
+                                <a:rPr lang="en-CA" sz="3200" smtClean="0"/>
+                                <m:t>X</m:t>
+                              </m:r>
+                              <m:r>
+                                <a:rPr lang="en-CA" sz="3200" smtClean="0"/>
+                                <m:t>𝛽</m:t>
+                              </m:r>
+                              <m:r>
+                                <a:rPr lang="en-CA" sz="3200" smtClean="0"/>
+                                <m:t>+</m:t>
+                              </m:r>
+                              <m:r>
+                                <a:rPr lang="en-CA" sz="3200" smtClean="0"/>
+                                <m:t>𝜎𝜀</m:t>
+                              </m:r>
+                            </m:oMath>
+                          </a14:m>
+                          <a:endParaRPr lang="en-CA" sz="3200" dirty="0"/>
+                        </a:p>
+                      </a:txBody>
+                      <a:tcPr/>
+                    </a:tc>
+                    <a:tc>
+                      <a:txBody>
+                        <a:bodyPr/>
+                        <a:lstStyle/>
+                        <a:p>
+                          <a:pPr marL="457200" marR="0" lvl="0" indent="-457200" algn="ctr" defTabSz="914400" rtl="0" eaLnBrk="1" fontAlgn="auto" latinLnBrk="0" hangingPunct="1">
+                            <a:lnSpc>
+                              <a:spcPct val="100000"/>
+                            </a:lnSpc>
+                            <a:spcBef>
+                              <a:spcPts val="0"/>
+                            </a:spcBef>
+                            <a:spcAft>
+                              <a:spcPts val="0"/>
+                            </a:spcAft>
+                            <a:buClrTx/>
+                            <a:buSzTx/>
+                            <a:buFont typeface="Arial" panose="020B0604020202020204" pitchFamily="34" charset="0"/>
+                            <a:buChar char="•"/>
+                            <a:tabLst/>
+                            <a:defRPr/>
+                          </a:pPr>
+                          <a14:m>
+                            <m:oMath xmlns:m="http://schemas.openxmlformats.org/officeDocument/2006/math">
+                              <m:r>
+                                <a:rPr lang="en-CA" sz="3200" smtClean="0"/>
+                                <m:t>𝑛</m:t>
+                              </m:r>
+                              <m:r>
+                                <a:rPr lang="en-CA" sz="3200" smtClean="0"/>
+                                <m:t>=100</m:t>
+                              </m:r>
+                            </m:oMath>
+                          </a14:m>
+                          <a:endParaRPr lang="en-CA" sz="3200" dirty="0"/>
+                        </a:p>
+                      </a:txBody>
+                      <a:tcPr/>
+                    </a:tc>
+                    <a:extLst>
+                      <a:ext uri="{0D108BD9-81ED-4DB2-BD59-A6C34878D82A}">
+                        <a16:rowId xmlns:a16="http://schemas.microsoft.com/office/drawing/2014/main" val="13183627"/>
+                      </a:ext>
+                    </a:extLst>
+                  </a:tr>
+                  <a:tr h="370840">
+                    <a:tc>
+                      <a:txBody>
+                        <a:bodyPr/>
+                        <a:lstStyle/>
+                        <a:p>
+                          <a:pPr marL="457200" indent="-457200" algn="ctr">
+                            <a:buFont typeface="Arial" panose="020B0604020202020204" pitchFamily="34" charset="0"/>
+                            <a:buChar char="•"/>
+                          </a:pPr>
+                          <a14:m>
+                            <m:oMath xmlns:m="http://schemas.openxmlformats.org/officeDocument/2006/math">
+                              <m:r>
+                                <a:rPr lang="en-CA" sz="3200" smtClean="0"/>
+                                <m:t>𝜀</m:t>
+                              </m:r>
+                            </m:oMath>
+                          </a14:m>
+                          <a:r>
+                            <a:rPr lang="en-CA" sz="3200" dirty="0"/>
+                            <a:t> standard normal</a:t>
+                          </a:r>
+                        </a:p>
+                      </a:txBody>
+                      <a:tcPr/>
+                    </a:tc>
+                    <a:tc>
+                      <a:txBody>
+                        <a:bodyPr/>
+                        <a:lstStyle/>
+                        <a:p>
+                          <a:pPr marL="457200" indent="-457200" algn="ctr">
+                            <a:buFont typeface="Arial" panose="020B0604020202020204" pitchFamily="34" charset="0"/>
+                            <a:buChar char="•"/>
+                          </a:pPr>
+                          <a14:m>
+                            <m:oMath xmlns:m="http://schemas.openxmlformats.org/officeDocument/2006/math">
+                              <m:r>
+                                <a:rPr lang="en-CA" sz="3200" smtClean="0"/>
+                                <m:t>𝑌</m:t>
+                              </m:r>
+                              <m:r>
+                                <a:rPr lang="en-CA" sz="3200" smtClean="0"/>
+                                <m:t>=</m:t>
+                              </m:r>
+                              <m:sSubSup>
+                                <m:sSubSupPr>
+                                  <m:ctrlPr>
+                                    <a:rPr lang="en-CA" sz="3200" smtClean="0"/>
+                                  </m:ctrlPr>
+                                </m:sSubSupPr>
+                                <m:e>
+                                  <m:r>
+                                    <a:rPr lang="en-CA" sz="3200" smtClean="0"/>
+                                    <m:t>h</m:t>
+                                  </m:r>
+                                </m:e>
+                                <m:sub>
+                                  <m:r>
+                                    <a:rPr lang="en-CA" sz="3200" smtClean="0"/>
+                                    <m:t>0</m:t>
+                                  </m:r>
+                                </m:sub>
+                                <m:sup>
+                                  <m:r>
+                                    <a:rPr lang="en-CA" sz="3200" smtClean="0"/>
+                                    <m:t>−1</m:t>
+                                  </m:r>
+                                </m:sup>
+                              </m:sSubSup>
+                              <m:d>
+                                <m:dPr>
+                                  <m:ctrlPr>
+                                    <a:rPr lang="en-CA" sz="3200" smtClean="0"/>
+                                  </m:ctrlPr>
+                                </m:dPr>
+                                <m:e>
+                                  <m:r>
+                                    <a:rPr lang="en-CA" sz="3200" smtClean="0"/>
+                                    <m:t>𝑍</m:t>
+                                  </m:r>
+                                </m:e>
+                              </m:d>
+                              <m:r>
+                                <a:rPr lang="en-CA" sz="3200" smtClean="0"/>
+                                <m:t>=</m:t>
+                              </m:r>
+                              <m:func>
+                                <m:funcPr>
+                                  <m:ctrlPr>
+                                    <a:rPr lang="en-CA" sz="3200" smtClean="0"/>
+                                  </m:ctrlPr>
+                                </m:funcPr>
+                                <m:fName>
+                                  <m:r>
+                                    <m:rPr>
+                                      <m:sty m:val="p"/>
+                                    </m:rPr>
+                                    <a:rPr lang="en-CA" sz="3200" smtClean="0"/>
+                                    <m:t>exp</m:t>
+                                  </m:r>
+                                </m:fName>
+                                <m:e>
+                                  <m:d>
+                                    <m:dPr>
+                                      <m:ctrlPr>
+                                        <a:rPr lang="en-CA" sz="3200" smtClean="0"/>
+                                      </m:ctrlPr>
+                                    </m:dPr>
+                                    <m:e>
+                                      <m:r>
+                                        <a:rPr lang="en-CA" sz="3200" smtClean="0"/>
+                                        <m:t>𝑍</m:t>
+                                      </m:r>
+                                    </m:e>
+                                  </m:d>
+                                </m:e>
+                              </m:func>
+                            </m:oMath>
+                          </a14:m>
+                          <a:endParaRPr lang="en-CA" sz="3200" dirty="0"/>
+                        </a:p>
+                      </a:txBody>
+                      <a:tcPr/>
+                    </a:tc>
+                    <a:extLst>
+                      <a:ext uri="{0D108BD9-81ED-4DB2-BD59-A6C34878D82A}">
+                        <a16:rowId xmlns:a16="http://schemas.microsoft.com/office/drawing/2014/main" val="1894105132"/>
+                      </a:ext>
+                    </a:extLst>
+                  </a:tr>
+                  <a:tr h="370840">
+                    <a:tc>
+                      <a:txBody>
+                        <a:bodyPr/>
+                        <a:lstStyle/>
+                        <a:p>
+                          <a:pPr marL="457200" indent="-457200" algn="ctr">
+                            <a:buFont typeface="Arial" panose="020B0604020202020204" pitchFamily="34" charset="0"/>
+                            <a:buChar char="•"/>
+                          </a:pPr>
+                          <a14:m>
+                            <m:oMath xmlns:m="http://schemas.openxmlformats.org/officeDocument/2006/math">
+                              <m:r>
+                                <a:rPr lang="en-CA" sz="3200" smtClean="0"/>
+                                <m:t>𝛽</m:t>
+                              </m:r>
+                            </m:oMath>
+                          </a14:m>
+                          <a:r>
+                            <a:rPr lang="en-CA" sz="3200" dirty="0"/>
+                            <a:t> square-root sparse</a:t>
+                          </a:r>
+                        </a:p>
+                      </a:txBody>
+                      <a:tcPr/>
+                    </a:tc>
+                    <a:tc>
+                      <a:txBody>
+                        <a:bodyPr/>
+                        <a:lstStyle/>
+                        <a:p>
+                          <a:pPr marL="457200" indent="-457200" algn="ctr">
+                            <a:buFont typeface="Arial" panose="020B0604020202020204" pitchFamily="34" charset="0"/>
+                            <a:buChar char="•"/>
+                          </a:pPr>
+                          <a:endParaRPr lang="en-CA" sz="3200" dirty="0"/>
+                        </a:p>
+                      </a:txBody>
+                      <a:tcPr/>
+                    </a:tc>
+                    <a:extLst>
+                      <a:ext uri="{0D108BD9-81ED-4DB2-BD59-A6C34878D82A}">
+                        <a16:rowId xmlns:a16="http://schemas.microsoft.com/office/drawing/2014/main" val="1653310339"/>
+                      </a:ext>
+                    </a:extLst>
+                  </a:tr>
+                </a:tbl>
+              </a:graphicData>
+            </a:graphic>
+          </p:graphicFrame>
+        </mc:Choice>
+        <mc:Fallback>
+          <p:graphicFrame>
+            <p:nvGraphicFramePr>
+              <p:cNvPr id="6" name="Table 4">
+                <a:extLst>
+                  <a:ext uri="{FF2B5EF4-FFF2-40B4-BE49-F238E27FC236}">
+                    <a16:creationId xmlns:a16="http://schemas.microsoft.com/office/drawing/2014/main" id="{EC9A1A88-7117-459C-844B-96A8C127E17D}"/>
+                  </a:ext>
+                </a:extLst>
+              </p:cNvPr>
+              <p:cNvGraphicFramePr>
+                <a:graphicFrameLocks noGrp="1"/>
+              </p:cNvGraphicFramePr>
+              <p:nvPr>
+                <p:extLst>
+                  <p:ext uri="{D42A27DB-BD31-4B8C-83A1-F6EECF244321}">
+                    <p14:modId xmlns:p14="http://schemas.microsoft.com/office/powerpoint/2010/main" val="368546746"/>
+                  </p:ext>
+                </p:extLst>
+              </p:nvPr>
+            </p:nvGraphicFramePr>
+            <p:xfrm>
+              <a:off x="1615089" y="4001294"/>
+              <a:ext cx="8961822" cy="1771206"/>
+            </p:xfrm>
+            <a:graphic>
+              <a:graphicData uri="http://schemas.openxmlformats.org/drawingml/2006/table">
+                <a:tbl>
+                  <a:tblPr>
+                    <a:tableStyleId>{073A0DAA-6AF3-43AB-8588-CEC1D06C72B9}</a:tableStyleId>
+                  </a:tblPr>
+                  <a:tblGrid>
+                    <a:gridCol w="4480911">
+                      <a:extLst>
+                        <a:ext uri="{9D8B030D-6E8A-4147-A177-3AD203B41FA5}">
+                          <a16:colId xmlns:a16="http://schemas.microsoft.com/office/drawing/2014/main" val="705846906"/>
+                        </a:ext>
+                      </a:extLst>
+                    </a:gridCol>
+                    <a:gridCol w="4480911">
+                      <a:extLst>
+                        <a:ext uri="{9D8B030D-6E8A-4147-A177-3AD203B41FA5}">
+                          <a16:colId xmlns:a16="http://schemas.microsoft.com/office/drawing/2014/main" val="1624902210"/>
+                        </a:ext>
+                      </a:extLst>
+                    </a:gridCol>
+                  </a:tblGrid>
+                  <a:tr h="579120">
+                    <a:tc>
+                      <a:txBody>
+                        <a:bodyPr/>
+                        <a:lstStyle/>
+                        <a:p>
+                          <a:endParaRPr lang="en-US"/>
+                        </a:p>
+                      </a:txBody>
+                      <a:tcPr>
+                        <a:blipFill>
+                          <a:blip r:embed="rId3"/>
+                          <a:stretch>
+                            <a:fillRect l="-136" t="-1053" r="-100272" b="-242105"/>
+                          </a:stretch>
+                        </a:blipFill>
+                      </a:tcPr>
+                    </a:tc>
+                    <a:tc>
+                      <a:txBody>
+                        <a:bodyPr/>
+                        <a:lstStyle/>
+                        <a:p>
+                          <a:endParaRPr lang="en-US"/>
+                        </a:p>
+                      </a:txBody>
+                      <a:tcPr>
+                        <a:blipFill>
+                          <a:blip r:embed="rId3"/>
+                          <a:stretch>
+                            <a:fillRect l="-100136" t="-1053" r="-272" b="-242105"/>
+                          </a:stretch>
+                        </a:blipFill>
+                      </a:tcPr>
+                    </a:tc>
+                    <a:extLst>
+                      <a:ext uri="{0D108BD9-81ED-4DB2-BD59-A6C34878D82A}">
+                        <a16:rowId xmlns:a16="http://schemas.microsoft.com/office/drawing/2014/main" val="13183627"/>
+                      </a:ext>
+                    </a:extLst>
+                  </a:tr>
+                  <a:tr h="612966">
+                    <a:tc>
+                      <a:txBody>
+                        <a:bodyPr/>
+                        <a:lstStyle/>
+                        <a:p>
+                          <a:endParaRPr lang="en-US"/>
+                        </a:p>
+                      </a:txBody>
+                      <a:tcPr>
+                        <a:blipFill>
+                          <a:blip r:embed="rId3"/>
+                          <a:stretch>
+                            <a:fillRect l="-136" t="-95050" r="-100272" b="-127723"/>
+                          </a:stretch>
+                        </a:blipFill>
+                      </a:tcPr>
+                    </a:tc>
+                    <a:tc>
+                      <a:txBody>
+                        <a:bodyPr/>
+                        <a:lstStyle/>
+                        <a:p>
+                          <a:endParaRPr lang="en-US"/>
+                        </a:p>
+                      </a:txBody>
+                      <a:tcPr>
+                        <a:blipFill>
+                          <a:blip r:embed="rId3"/>
+                          <a:stretch>
+                            <a:fillRect l="-100136" t="-95050" r="-272" b="-127723"/>
+                          </a:stretch>
+                        </a:blipFill>
+                      </a:tcPr>
+                    </a:tc>
+                    <a:extLst>
+                      <a:ext uri="{0D108BD9-81ED-4DB2-BD59-A6C34878D82A}">
+                        <a16:rowId xmlns:a16="http://schemas.microsoft.com/office/drawing/2014/main" val="1894105132"/>
+                      </a:ext>
+                    </a:extLst>
+                  </a:tr>
+                  <a:tr h="579120">
+                    <a:tc>
+                      <a:txBody>
+                        <a:bodyPr/>
+                        <a:lstStyle/>
+                        <a:p>
+                          <a:endParaRPr lang="en-US"/>
+                        </a:p>
+                      </a:txBody>
+                      <a:tcPr>
+                        <a:blipFill>
+                          <a:blip r:embed="rId3"/>
+                          <a:stretch>
+                            <a:fillRect l="-136" t="-207368" r="-100272" b="-35789"/>
+                          </a:stretch>
+                        </a:blipFill>
+                      </a:tcPr>
+                    </a:tc>
+                    <a:tc>
+                      <a:txBody>
+                        <a:bodyPr/>
+                        <a:lstStyle/>
+                        <a:p>
+                          <a:pPr marL="457200" indent="-457200" algn="ctr">
+                            <a:buFont typeface="Arial" panose="020B0604020202020204" pitchFamily="34" charset="0"/>
+                            <a:buChar char="•"/>
+                          </a:pPr>
+                          <a:endParaRPr lang="en-CA" sz="3200" dirty="0"/>
+                        </a:p>
+                      </a:txBody>
+                      <a:tcPr/>
+                    </a:tc>
+                    <a:extLst>
+                      <a:ext uri="{0D108BD9-81ED-4DB2-BD59-A6C34878D82A}">
+                        <a16:rowId xmlns:a16="http://schemas.microsoft.com/office/drawing/2014/main" val="1653310339"/>
+                      </a:ext>
+                    </a:extLst>
+                  </a:tr>
+                </a:tbl>
+              </a:graphicData>
+            </a:graphic>
+          </p:graphicFrame>
+        </mc:Fallback>
+      </mc:AlternateContent>
+    </p:spTree>
+    <p:extLst>
+      <p:ext uri="{BB962C8B-B14F-4D97-AF65-F5344CB8AC3E}">
+        <p14:creationId xmlns:p14="http://schemas.microsoft.com/office/powerpoint/2010/main" val="990426515"/>
+      </p:ext>
+    </p:extLst>
+  </p:cSld>
+  <p:clrMapOvr>
+    <a:masterClrMapping/>
+  </p:clrMapOvr>
+</p:sld>
+</file>
+
 <file path=ppt/slides/slide3.xml><?xml version="1.0" encoding="utf-8"?>
 <p:sld xmlns:a="http://schemas.openxmlformats.org/drawingml/2006/main" xmlns:r="http://schemas.openxmlformats.org/officeDocument/2006/relationships" xmlns:p="http://schemas.openxmlformats.org/presentationml/2006/main">
   <p:cSld>
@@ -6811,8 +9825,8 @@
           </a:p>
         </p:txBody>
       </p:sp>
-      <mc:AlternateContent xmlns:mc="http://schemas.openxmlformats.org/markup-compatibility/2006">
-        <mc:Choice xmlns:a14="http://schemas.microsoft.com/office/drawing/2010/main" Requires="a14">
+      <mc:AlternateContent xmlns:mc="http://schemas.openxmlformats.org/markup-compatibility/2006" xmlns:a14="http://schemas.microsoft.com/office/drawing/2010/main">
+        <mc:Choice Requires="a14">
           <p:sp>
             <p:nvSpPr>
               <p:cNvPr id="3" name="Content Placeholder 2">
@@ -6884,7 +9898,7 @@
             </p:txBody>
           </p:sp>
         </mc:Choice>
-        <mc:Fallback>
+        <mc:Fallback xmlns="">
           <p:sp>
             <p:nvSpPr>
               <p:cNvPr id="3" name="Content Placeholder 2">
@@ -6982,8 +9996,8 @@
           </a:p>
         </p:txBody>
       </p:sp>
-      <mc:AlternateContent xmlns:mc="http://schemas.openxmlformats.org/markup-compatibility/2006" xmlns:a14="http://schemas.microsoft.com/office/drawing/2010/main">
-        <mc:Choice Requires="a14">
+      <mc:AlternateContent xmlns:mc="http://schemas.openxmlformats.org/markup-compatibility/2006">
+        <mc:Choice xmlns:a14="http://schemas.microsoft.com/office/drawing/2010/main" Requires="a14">
           <p:sp>
             <p:nvSpPr>
               <p:cNvPr id="3" name="Content Placeholder 2">
@@ -7050,13 +10064,13 @@
                 <a:pPr lvl="1"/>
                 <a:r>
                   <a:rPr lang="en-CA" dirty="0"/>
-                  <a:t>Confidence interval for Box-Cox transformation parameter</a:t>
+                  <a:t>“Confidence interval” for Box-Cox transformation parameter</a:t>
                 </a:r>
               </a:p>
             </p:txBody>
           </p:sp>
         </mc:Choice>
-        <mc:Fallback xmlns="">
+        <mc:Fallback>
           <p:sp>
             <p:nvSpPr>
               <p:cNvPr id="3" name="Content Placeholder 2">
@@ -7193,7 +10207,7 @@
                 </a14:m>
                 <a:r>
                   <a:rPr lang="en-CA" dirty="0"/>
-                  <a:t> is between about </a:t>
+                  <a:t> is between </a:t>
                 </a:r>
                 <a14:m>
                   <m:oMath xmlns:m="http://schemas.openxmlformats.org/officeDocument/2006/math">
@@ -7201,13 +10215,7 @@
                       <a:rPr lang="en-CA" b="0" i="1" smtClean="0">
                         <a:latin typeface="Cambria Math" panose="02040503050406030204" pitchFamily="18" charset="0"/>
                       </a:rPr>
-                      <m:t>0.5</m:t>
-                    </m:r>
-                    <m:r>
-                      <a:rPr lang="en-CA" b="0" i="1" smtClean="0">
-                        <a:latin typeface="Cambria Math" panose="02040503050406030204" pitchFamily="18" charset="0"/>
-                      </a:rPr>
-                      <m:t>5</m:t>
+                      <m:t>0.55</m:t>
                     </m:r>
                   </m:oMath>
                 </a14:m>
@@ -7910,8 +10918,8 @@
           </a:p>
         </p:txBody>
       </p:sp>
-      <mc:AlternateContent xmlns:mc="http://schemas.openxmlformats.org/markup-compatibility/2006">
-        <mc:Choice xmlns:a14="http://schemas.microsoft.com/office/drawing/2010/main" Requires="a14">
+      <mc:AlternateContent xmlns:mc="http://schemas.openxmlformats.org/markup-compatibility/2006" xmlns:a14="http://schemas.microsoft.com/office/drawing/2010/main">
+        <mc:Choice Requires="a14">
           <p:sp>
             <p:nvSpPr>
               <p:cNvPr id="3" name="Content Placeholder 2">
@@ -8140,7 +11148,7 @@
             </p:txBody>
           </p:sp>
         </mc:Choice>
-        <mc:Fallback>
+        <mc:Fallback xmlns="">
           <p:sp>
             <p:nvSpPr>
               <p:cNvPr id="3" name="Content Placeholder 2">

--- a/Presentations/JSM 2020.pptx
+++ b/Presentations/JSM 2020.pptx
@@ -3,17 +3,17 @@
 <p:presentation xmlns:a="http://schemas.openxmlformats.org/drawingml/2006/main" xmlns:r="http://schemas.openxmlformats.org/officeDocument/2006/relationships" xmlns:p="http://schemas.openxmlformats.org/presentationml/2006/main" saveSubsetFonts="1">
   <p:sldMasterIdLst>
     <p:sldMasterId id="2147483648" r:id="rId1"/>
+    <p:sldMasterId id="2147483660" r:id="rId2"/>
   </p:sldMasterIdLst>
   <p:notesMasterIdLst>
-    <p:notesMasterId r:id="rId22"/>
+    <p:notesMasterId r:id="rId32"/>
   </p:notesMasterIdLst>
   <p:sldIdLst>
-    <p:sldId id="256" r:id="rId2"/>
-    <p:sldId id="268" r:id="rId3"/>
-    <p:sldId id="269" r:id="rId4"/>
-    <p:sldId id="270" r:id="rId5"/>
-    <p:sldId id="271" r:id="rId6"/>
-    <p:sldId id="272" r:id="rId7"/>
+    <p:sldId id="289" r:id="rId3"/>
+    <p:sldId id="286" r:id="rId4"/>
+    <p:sldId id="268" r:id="rId5"/>
+    <p:sldId id="269" r:id="rId6"/>
+    <p:sldId id="288" r:id="rId7"/>
     <p:sldId id="257" r:id="rId8"/>
     <p:sldId id="258" r:id="rId9"/>
     <p:sldId id="266" r:id="rId10"/>
@@ -25,9 +25,19 @@
     <p:sldId id="264" r:id="rId16"/>
     <p:sldId id="273" r:id="rId17"/>
     <p:sldId id="274" r:id="rId18"/>
-    <p:sldId id="275" r:id="rId19"/>
-    <p:sldId id="276" r:id="rId20"/>
-    <p:sldId id="277" r:id="rId21"/>
+    <p:sldId id="291" r:id="rId19"/>
+    <p:sldId id="292" r:id="rId20"/>
+    <p:sldId id="293" r:id="rId21"/>
+    <p:sldId id="278" r:id="rId22"/>
+    <p:sldId id="280" r:id="rId23"/>
+    <p:sldId id="290" r:id="rId24"/>
+    <p:sldId id="282" r:id="rId25"/>
+    <p:sldId id="281" r:id="rId26"/>
+    <p:sldId id="279" r:id="rId27"/>
+    <p:sldId id="284" r:id="rId28"/>
+    <p:sldId id="285" r:id="rId29"/>
+    <p:sldId id="287" r:id="rId30"/>
+    <p:sldId id="294" r:id="rId31"/>
   </p:sldIdLst>
   <p:sldSz cx="12192000" cy="6858000"/>
   <p:notesSz cx="6858000" cy="9144000"/>
@@ -228,7 +238,7 @@
           <a:p>
             <a:fld id="{9EA8D123-6CF9-4AE0-B70B-23762727A01D}" type="datetimeFigureOut">
               <a:rPr lang="en-CA" smtClean="0"/>
-              <a:t>2020-05-12</a:t>
+              <a:t>2020-05-14</a:t>
             </a:fld>
             <a:endParaRPr lang="en-CA"/>
           </a:p>
@@ -542,95 +552,130 @@
             <p:ph type="sldImg"/>
           </p:nvPr>
         </p:nvSpPr>
+        <p:spPr>
+          <a:xfrm>
+            <a:off x="685800" y="1143000"/>
+            <a:ext cx="5486400" cy="3086100"/>
+          </a:xfrm>
+        </p:spPr>
+      </p:sp>
+      <p:sp>
+        <p:nvSpPr>
+          <p:cNvPr id="3" name="Notes Placeholder 2"/>
+          <p:cNvSpPr>
+            <a:spLocks noGrp="1"/>
+          </p:cNvSpPr>
+          <p:nvPr>
+            <p:ph type="body" idx="1"/>
+          </p:nvPr>
+        </p:nvSpPr>
         <p:spPr/>
+        <p:txBody>
+          <a:bodyPr/>
+          <a:lstStyle/>
+          <a:p>
+            <a:r>
+              <a:rPr lang="en-US" b="1" dirty="0"/>
+              <a:t>HOW TO CHANGE IMAGE:</a:t>
+            </a:r>
+          </a:p>
+          <a:p>
+            <a:pPr marL="171450" indent="-171450">
+              <a:buFontTx/>
+              <a:buChar char="-"/>
+            </a:pPr>
+            <a:r>
+              <a:rPr lang="en-US" dirty="0"/>
+              <a:t>Click on image box.</a:t>
+            </a:r>
+          </a:p>
+          <a:p>
+            <a:pPr marL="171450" indent="-171450">
+              <a:buFontTx/>
+              <a:buChar char="-"/>
+            </a:pPr>
+            <a:r>
+              <a:rPr lang="en-US" dirty="0"/>
+              <a:t>Go to “Picture Format” tab</a:t>
+            </a:r>
+          </a:p>
+          <a:p>
+            <a:pPr marL="171450" indent="-171450">
+              <a:buFontTx/>
+              <a:buChar char="-"/>
+            </a:pPr>
+            <a:r>
+              <a:rPr lang="en-US" dirty="0"/>
+              <a:t>Click “Change Picture”</a:t>
+            </a:r>
+          </a:p>
+          <a:p>
+            <a:pPr marL="171450" indent="-171450">
+              <a:buFontTx/>
+              <a:buChar char="-"/>
+            </a:pPr>
+            <a:endParaRPr lang="en-US" dirty="0"/>
+          </a:p>
+          <a:p>
+            <a:r>
+              <a:rPr lang="en-US" b="1" dirty="0"/>
+              <a:t>FONT: </a:t>
+            </a:r>
+            <a:br>
+              <a:rPr lang="en-US" b="1" dirty="0"/>
+            </a:br>
+            <a:r>
+              <a:rPr lang="en-US" dirty="0"/>
+              <a:t>Impact, uppercase</a:t>
+            </a:r>
+          </a:p>
+          <a:p>
+            <a:r>
+              <a:rPr lang="en-US" dirty="0"/>
+              <a:t>Do not extend text outside of red </a:t>
+            </a:r>
+            <a:r>
+              <a:rPr lang="en-US" baseline="0" dirty="0"/>
+              <a:t>section.</a:t>
+            </a:r>
+          </a:p>
+          <a:p>
+            <a:endParaRPr lang="en-US" baseline="0" dirty="0"/>
+          </a:p>
+          <a:p>
+            <a:r>
+              <a:rPr lang="en-US" b="1" dirty="0"/>
+              <a:t>SUBHEADS</a:t>
+            </a:r>
+            <a:r>
+              <a:rPr lang="en-US" b="1" baseline="0" dirty="0"/>
+              <a:t> / </a:t>
+            </a:r>
+            <a:r>
+              <a:rPr lang="en-US" b="1" dirty="0"/>
+              <a:t>DAY MONTH YEAR:</a:t>
+            </a:r>
+          </a:p>
+          <a:p>
+            <a:r>
+              <a:rPr lang="en-US" dirty="0"/>
+              <a:t>Trebuchet MS, bold, uppercase</a:t>
+            </a:r>
+          </a:p>
+          <a:p>
+            <a:endParaRPr lang="en-US" dirty="0"/>
+          </a:p>
+          <a:p>
+            <a:endParaRPr lang="en-US" dirty="0"/>
+          </a:p>
+          <a:p>
+            <a:endParaRPr lang="en-US" dirty="0"/>
+          </a:p>
+          <a:p>
+            <a:endParaRPr lang="en-US" dirty="0"/>
+          </a:p>
+        </p:txBody>
       </p:sp>
-      <mc:AlternateContent xmlns:mc="http://schemas.openxmlformats.org/markup-compatibility/2006" xmlns:a14="http://schemas.microsoft.com/office/drawing/2010/main">
-        <mc:Choice Requires="a14">
-          <p:sp>
-            <p:nvSpPr>
-              <p:cNvPr id="3" name="Notes Placeholder 2"/>
-              <p:cNvSpPr>
-                <a:spLocks noGrp="1"/>
-              </p:cNvSpPr>
-              <p:nvPr>
-                <p:ph type="body" idx="1"/>
-              </p:nvPr>
-            </p:nvSpPr>
-            <p:spPr/>
-            <p:txBody>
-              <a:bodyPr/>
-              <a:lstStyle/>
-              <a:p>
-                <a:r>
-                  <a:rPr lang="en-CA" dirty="0"/>
-                  <a:t>Log corresponds to </a:t>
-                </a:r>
-                <a14:m>
-                  <m:oMath xmlns:m="http://schemas.openxmlformats.org/officeDocument/2006/math">
-                    <m:sSup>
-                      <m:sSupPr>
-                        <m:ctrlPr>
-                          <a:rPr lang="en-CA" b="0" i="1" smtClean="0">
-                            <a:latin typeface="Cambria Math" panose="02040503050406030204" pitchFamily="18" charset="0"/>
-                          </a:rPr>
-                        </m:ctrlPr>
-                      </m:sSupPr>
-                      <m:e>
-                        <m:r>
-                          <a:rPr lang="en-CA" b="0" i="1" smtClean="0">
-                            <a:latin typeface="Cambria Math" panose="02040503050406030204" pitchFamily="18" charset="0"/>
-                          </a:rPr>
-                          <m:t>𝑌</m:t>
-                        </m:r>
-                      </m:e>
-                      <m:sup>
-                        <m:r>
-                          <a:rPr lang="en-CA" b="0" i="1" smtClean="0">
-                            <a:latin typeface="Cambria Math" panose="02040503050406030204" pitchFamily="18" charset="0"/>
-                          </a:rPr>
-                          <m:t>0</m:t>
-                        </m:r>
-                      </m:sup>
-                    </m:sSup>
-                  </m:oMath>
-                </a14:m>
-                <a:endParaRPr lang="en-CA" dirty="0"/>
-              </a:p>
-            </p:txBody>
-          </p:sp>
-        </mc:Choice>
-        <mc:Fallback xmlns="">
-          <p:sp>
-            <p:nvSpPr>
-              <p:cNvPr id="3" name="Notes Placeholder 2"/>
-              <p:cNvSpPr>
-                <a:spLocks noGrp="1"/>
-              </p:cNvSpPr>
-              <p:nvPr>
-                <p:ph type="body" idx="1"/>
-              </p:nvPr>
-            </p:nvSpPr>
-            <p:spPr/>
-            <p:txBody>
-              <a:bodyPr/>
-              <a:lstStyle/>
-              <a:p>
-                <a:r>
-                  <a:rPr lang="en-CA" dirty="0"/>
-                  <a:t>Log corresponds to </a:t>
-                </a:r>
-                <a:r>
-                  <a:rPr lang="en-CA" b="0" i="0">
-                    <a:latin typeface="Cambria Math" panose="02040503050406030204" pitchFamily="18" charset="0"/>
-                  </a:rPr>
-                  <a:t>𝑌^0</a:t>
-                </a:r>
-                <a:endParaRPr lang="en-CA" dirty="0"/>
-              </a:p>
-            </p:txBody>
-          </p:sp>
-        </mc:Fallback>
-      </mc:AlternateContent>
       <p:sp>
         <p:nvSpPr>
           <p:cNvPr id="4" name="Slide Number Placeholder 3"/>
@@ -646,18 +691,18 @@
           <a:bodyPr/>
           <a:lstStyle/>
           <a:p>
-            <a:fld id="{6421C23F-0B46-4F81-AD7E-018EBC87B4C7}" type="slidenum">
-              <a:rPr lang="en-CA" smtClean="0"/>
-              <a:t>4</a:t>
+            <a:fld id="{E162F7FF-80E9-EA46-8276-FB972CB01D29}" type="slidenum">
+              <a:rPr lang="en-US" smtClean="0"/>
+              <a:t>1</a:t>
             </a:fld>
-            <a:endParaRPr lang="en-CA"/>
+            <a:endParaRPr lang="en-US"/>
           </a:p>
         </p:txBody>
       </p:sp>
     </p:spTree>
     <p:extLst>
       <p:ext uri="{BB962C8B-B14F-4D97-AF65-F5344CB8AC3E}">
-        <p14:creationId xmlns:p14="http://schemas.microsoft.com/office/powerpoint/2010/main" val="3785098705"/>
+        <p14:creationId xmlns:p14="http://schemas.microsoft.com/office/powerpoint/2010/main" val="1458470328"/>
       </p:ext>
     </p:extLst>
   </p:cSld>
@@ -808,7 +853,7 @@
           <a:p>
             <a:fld id="{6421C23F-0B46-4F81-AD7E-018EBC87B4C7}" type="slidenum">
               <a:rPr lang="en-CA" smtClean="0"/>
-              <a:t>8</a:t>
+              <a:t>7</a:t>
             </a:fld>
             <a:endParaRPr lang="en-CA"/>
           </a:p>
@@ -895,7 +940,7 @@
           <a:p>
             <a:fld id="{6421C23F-0B46-4F81-AD7E-018EBC87B4C7}" type="slidenum">
               <a:rPr lang="en-CA" smtClean="0"/>
-              <a:t>10</a:t>
+              <a:t>9</a:t>
             </a:fld>
             <a:endParaRPr lang="en-CA"/>
           </a:p>
@@ -1036,7 +1081,7 @@
           <a:p>
             <a:fld id="{6421C23F-0B46-4F81-AD7E-018EBC87B4C7}" type="slidenum">
               <a:rPr lang="en-CA" smtClean="0"/>
-              <a:t>13</a:t>
+              <a:t>12</a:t>
             </a:fld>
             <a:endParaRPr lang="en-CA"/>
           </a:p>
@@ -1204,7 +1249,7 @@
           <a:p>
             <a:fld id="{93FCFB22-32B5-4F91-A4F9-56A84F0F6750}" type="datetimeFigureOut">
               <a:rPr lang="en-CA" smtClean="0"/>
-              <a:t>2020-05-12</a:t>
+              <a:t>2020-05-14</a:t>
             </a:fld>
             <a:endParaRPr lang="en-CA"/>
           </a:p>
@@ -1404,7 +1449,7 @@
           <a:p>
             <a:fld id="{93FCFB22-32B5-4F91-A4F9-56A84F0F6750}" type="datetimeFigureOut">
               <a:rPr lang="en-CA" smtClean="0"/>
-              <a:t>2020-05-12</a:t>
+              <a:t>2020-05-14</a:t>
             </a:fld>
             <a:endParaRPr lang="en-CA"/>
           </a:p>
@@ -1614,7 +1659,7 @@
           <a:p>
             <a:fld id="{93FCFB22-32B5-4F91-A4F9-56A84F0F6750}" type="datetimeFigureOut">
               <a:rPr lang="en-CA" smtClean="0"/>
-              <a:t>2020-05-12</a:t>
+              <a:t>2020-05-14</a:t>
             </a:fld>
             <a:endParaRPr lang="en-CA"/>
           </a:p>
@@ -1678,6 +1723,181 @@
     <p:extLst>
       <p:ext uri="{BB962C8B-B14F-4D97-AF65-F5344CB8AC3E}">
         <p14:creationId xmlns:p14="http://schemas.microsoft.com/office/powerpoint/2010/main" val="1875430426"/>
+      </p:ext>
+    </p:extLst>
+  </p:cSld>
+  <p:clrMapOvr>
+    <a:masterClrMapping/>
+  </p:clrMapOvr>
+</p:sldLayout>
+</file>
+
+<file path=ppt/slideLayouts/slideLayout12.xml><?xml version="1.0" encoding="utf-8"?>
+<p:sldLayout xmlns:a="http://schemas.openxmlformats.org/drawingml/2006/main" xmlns:r="http://schemas.openxmlformats.org/officeDocument/2006/relationships" xmlns:p="http://schemas.openxmlformats.org/presentationml/2006/main" preserve="1" userDrawn="1">
+  <p:cSld name="RED BAR | Title Page with top image">
+    <p:spTree>
+      <p:nvGrpSpPr>
+        <p:cNvPr id="1" name=""/>
+        <p:cNvGrpSpPr/>
+        <p:nvPr/>
+      </p:nvGrpSpPr>
+      <p:grpSpPr>
+        <a:xfrm>
+          <a:off x="0" y="0"/>
+          <a:ext cx="0" cy="0"/>
+          <a:chOff x="0" y="0"/>
+          <a:chExt cx="0" cy="0"/>
+        </a:xfrm>
+      </p:grpSpPr>
+      <p:sp>
+        <p:nvSpPr>
+          <p:cNvPr id="4" name="TextBox 3">
+            <a:extLst>
+              <a:ext uri="{FF2B5EF4-FFF2-40B4-BE49-F238E27FC236}">
+                <a16:creationId xmlns:a16="http://schemas.microsoft.com/office/drawing/2014/main" id="{ECC24254-722A-B146-BECC-4895EC4DA86A}"/>
+              </a:ext>
+            </a:extLst>
+          </p:cNvPr>
+          <p:cNvSpPr txBox="1"/>
+          <p:nvPr userDrawn="1"/>
+        </p:nvSpPr>
+        <p:spPr>
+          <a:xfrm>
+            <a:off x="1" y="3743325"/>
+            <a:ext cx="12191999" cy="3114675"/>
+          </a:xfrm>
+          <a:prstGeom prst="rect">
+            <a:avLst/>
+          </a:prstGeom>
+          <a:solidFill>
+            <a:srgbClr val="CC0633"/>
+          </a:solidFill>
+        </p:spPr>
+        <p:txBody>
+          <a:bodyPr wrap="square" rtlCol="0">
+            <a:spAutoFit/>
+          </a:bodyPr>
+          <a:lstStyle/>
+          <a:p>
+            <a:endParaRPr lang="en-US" sz="1800" dirty="0"/>
+          </a:p>
+        </p:txBody>
+      </p:sp>
+      <p:sp>
+        <p:nvSpPr>
+          <p:cNvPr id="5" name="Title 1">
+            <a:extLst>
+              <a:ext uri="{FF2B5EF4-FFF2-40B4-BE49-F238E27FC236}">
+                <a16:creationId xmlns:a16="http://schemas.microsoft.com/office/drawing/2014/main" id="{A9135019-64D5-5141-B3AA-B6B20940587F}"/>
+              </a:ext>
+            </a:extLst>
+          </p:cNvPr>
+          <p:cNvSpPr>
+            <a:spLocks noGrp="1"/>
+          </p:cNvSpPr>
+          <p:nvPr>
+            <p:ph type="ctrTitle" hasCustomPrompt="1"/>
+          </p:nvPr>
+        </p:nvSpPr>
+        <p:spPr>
+          <a:xfrm>
+            <a:off x="974221" y="4101753"/>
+            <a:ext cx="10363200" cy="3278721"/>
+          </a:xfrm>
+        </p:spPr>
+        <p:txBody>
+          <a:bodyPr anchor="t">
+            <a:noAutofit/>
+          </a:bodyPr>
+          <a:lstStyle>
+            <a:lvl1pPr algn="l">
+              <a:defRPr sz="6000">
+                <a:solidFill>
+                  <a:schemeClr val="bg1"/>
+                </a:solidFill>
+              </a:defRPr>
+            </a:lvl1pPr>
+          </a:lstStyle>
+          <a:p>
+            <a:r>
+              <a:rPr lang="en-US" dirty="0"/>
+              <a:t>PRESENTATION</a:t>
+            </a:r>
+            <a:br>
+              <a:rPr lang="en-US" dirty="0"/>
+            </a:br>
+            <a:r>
+              <a:rPr lang="en-US" dirty="0"/>
+              <a:t>TITLE PAGE</a:t>
+            </a:r>
+            <a:br>
+              <a:rPr lang="en-US" dirty="0"/>
+            </a:br>
+            <a:r>
+              <a:rPr lang="en-US" dirty="0"/>
+              <a:t>WITH TOP IMAGE</a:t>
+            </a:r>
+          </a:p>
+        </p:txBody>
+      </p:sp>
+      <p:sp>
+        <p:nvSpPr>
+          <p:cNvPr id="6" name="Picture Placeholder 3"/>
+          <p:cNvSpPr>
+            <a:spLocks noGrp="1"/>
+          </p:cNvSpPr>
+          <p:nvPr>
+            <p:ph type="pic" sz="quarter" idx="11"/>
+          </p:nvPr>
+        </p:nvSpPr>
+        <p:spPr>
+          <a:xfrm>
+            <a:off x="0" y="-1"/>
+            <a:ext cx="12192000" cy="3743325"/>
+          </a:xfrm>
+        </p:spPr>
+        <p:txBody>
+          <a:bodyPr/>
+          <a:lstStyle/>
+          <a:p>
+            <a:endParaRPr lang="en-US"/>
+          </a:p>
+        </p:txBody>
+      </p:sp>
+      <p:pic>
+        <p:nvPicPr>
+          <p:cNvPr id="8" name="Picture 7">
+            <a:extLst>
+              <a:ext uri="{FF2B5EF4-FFF2-40B4-BE49-F238E27FC236}">
+                <a16:creationId xmlns:a16="http://schemas.microsoft.com/office/drawing/2014/main" id="{D54AFDEA-ECA5-5949-BBA0-CB12683808AD}"/>
+              </a:ext>
+            </a:extLst>
+          </p:cNvPr>
+          <p:cNvPicPr>
+            <a:picLocks noChangeAspect="1"/>
+          </p:cNvPicPr>
+          <p:nvPr userDrawn="1"/>
+        </p:nvPicPr>
+        <p:blipFill>
+          <a:blip r:embed="rId2"/>
+          <a:stretch>
+            <a:fillRect/>
+          </a:stretch>
+        </p:blipFill>
+        <p:spPr>
+          <a:xfrm>
+            <a:off x="9628261" y="1"/>
+            <a:ext cx="1709160" cy="640935"/>
+          </a:xfrm>
+          <a:prstGeom prst="rect">
+            <a:avLst/>
+          </a:prstGeom>
+        </p:spPr>
+      </p:pic>
+    </p:spTree>
+    <p:extLst>
+      <p:ext uri="{BB962C8B-B14F-4D97-AF65-F5344CB8AC3E}">
+        <p14:creationId xmlns:p14="http://schemas.microsoft.com/office/powerpoint/2010/main" val="3834892485"/>
       </p:ext>
     </p:extLst>
   </p:cSld>
@@ -1836,7 +2056,7 @@
           <a:p>
             <a:fld id="{93FCFB22-32B5-4F91-A4F9-56A84F0F6750}" type="datetimeFigureOut">
               <a:rPr lang="en-CA" smtClean="0"/>
-              <a:t>2020-05-12</a:t>
+              <a:t>2020-05-14</a:t>
             </a:fld>
             <a:endParaRPr lang="en-CA"/>
           </a:p>
@@ -2112,7 +2332,7 @@
           <a:p>
             <a:fld id="{93FCFB22-32B5-4F91-A4F9-56A84F0F6750}" type="datetimeFigureOut">
               <a:rPr lang="en-CA" smtClean="0"/>
-              <a:t>2020-05-12</a:t>
+              <a:t>2020-05-14</a:t>
             </a:fld>
             <a:endParaRPr lang="en-CA"/>
           </a:p>
@@ -2380,7 +2600,7 @@
           <a:p>
             <a:fld id="{93FCFB22-32B5-4F91-A4F9-56A84F0F6750}" type="datetimeFigureOut">
               <a:rPr lang="en-CA" smtClean="0"/>
-              <a:t>2020-05-12</a:t>
+              <a:t>2020-05-14</a:t>
             </a:fld>
             <a:endParaRPr lang="en-CA"/>
           </a:p>
@@ -2795,7 +3015,7 @@
           <a:p>
             <a:fld id="{93FCFB22-32B5-4F91-A4F9-56A84F0F6750}" type="datetimeFigureOut">
               <a:rPr lang="en-CA" smtClean="0"/>
-              <a:t>2020-05-12</a:t>
+              <a:t>2020-05-14</a:t>
             </a:fld>
             <a:endParaRPr lang="en-CA"/>
           </a:p>
@@ -2937,7 +3157,7 @@
           <a:p>
             <a:fld id="{93FCFB22-32B5-4F91-A4F9-56A84F0F6750}" type="datetimeFigureOut">
               <a:rPr lang="en-CA" smtClean="0"/>
-              <a:t>2020-05-12</a:t>
+              <a:t>2020-05-14</a:t>
             </a:fld>
             <a:endParaRPr lang="en-CA"/>
           </a:p>
@@ -3050,7 +3270,7 @@
           <a:p>
             <a:fld id="{93FCFB22-32B5-4F91-A4F9-56A84F0F6750}" type="datetimeFigureOut">
               <a:rPr lang="en-CA" smtClean="0"/>
-              <a:t>2020-05-12</a:t>
+              <a:t>2020-05-14</a:t>
             </a:fld>
             <a:endParaRPr lang="en-CA"/>
           </a:p>
@@ -3363,7 +3583,7 @@
           <a:p>
             <a:fld id="{93FCFB22-32B5-4F91-A4F9-56A84F0F6750}" type="datetimeFigureOut">
               <a:rPr lang="en-CA" smtClean="0"/>
-              <a:t>2020-05-12</a:t>
+              <a:t>2020-05-14</a:t>
             </a:fld>
             <a:endParaRPr lang="en-CA"/>
           </a:p>
@@ -3652,7 +3872,7 @@
           <a:p>
             <a:fld id="{93FCFB22-32B5-4F91-A4F9-56A84F0F6750}" type="datetimeFigureOut">
               <a:rPr lang="en-CA" smtClean="0"/>
-              <a:t>2020-05-12</a:t>
+              <a:t>2020-05-14</a:t>
             </a:fld>
             <a:endParaRPr lang="en-CA"/>
           </a:p>
@@ -3895,7 +4115,7 @@
           <a:p>
             <a:fld id="{93FCFB22-32B5-4F91-A4F9-56A84F0F6750}" type="datetimeFigureOut">
               <a:rPr lang="en-CA" smtClean="0"/>
-              <a:t>2020-05-12</a:t>
+              <a:t>2020-05-14</a:t>
             </a:fld>
             <a:endParaRPr lang="en-CA"/>
           </a:p>
@@ -4295,6 +4515,482 @@
 </p:sldMaster>
 </file>
 
+<file path=ppt/slideMasters/slideMaster2.xml><?xml version="1.0" encoding="utf-8"?>
+<p:sldMaster xmlns:a="http://schemas.openxmlformats.org/drawingml/2006/main" xmlns:r="http://schemas.openxmlformats.org/officeDocument/2006/relationships" xmlns:p="http://schemas.openxmlformats.org/presentationml/2006/main">
+  <p:cSld>
+    <p:bg>
+      <p:bgRef idx="1001">
+        <a:schemeClr val="bg1"/>
+      </p:bgRef>
+    </p:bg>
+    <p:spTree>
+      <p:nvGrpSpPr>
+        <p:cNvPr id="1" name=""/>
+        <p:cNvGrpSpPr/>
+        <p:nvPr/>
+      </p:nvGrpSpPr>
+      <p:grpSpPr>
+        <a:xfrm>
+          <a:off x="0" y="0"/>
+          <a:ext cx="0" cy="0"/>
+          <a:chOff x="0" y="0"/>
+          <a:chExt cx="0" cy="0"/>
+        </a:xfrm>
+      </p:grpSpPr>
+      <p:sp>
+        <p:nvSpPr>
+          <p:cNvPr id="2" name="Title Placeholder 1"/>
+          <p:cNvSpPr>
+            <a:spLocks noGrp="1"/>
+          </p:cNvSpPr>
+          <p:nvPr>
+            <p:ph type="title"/>
+          </p:nvPr>
+        </p:nvSpPr>
+        <p:spPr>
+          <a:xfrm>
+            <a:off x="838200" y="841267"/>
+            <a:ext cx="10515600" cy="849423"/>
+          </a:xfrm>
+          <a:prstGeom prst="rect">
+            <a:avLst/>
+          </a:prstGeom>
+        </p:spPr>
+        <p:txBody>
+          <a:bodyPr vert="horz" lIns="91440" tIns="45720" rIns="91440" bIns="45720" rtlCol="0" anchor="t" anchorCtr="0">
+            <a:noAutofit/>
+          </a:bodyPr>
+          <a:lstStyle/>
+          <a:p>
+            <a:r>
+              <a:rPr lang="en-US" dirty="0"/>
+              <a:t>CLICK TO EDIT MASTER TITLE STYLE</a:t>
+            </a:r>
+          </a:p>
+        </p:txBody>
+      </p:sp>
+      <p:sp>
+        <p:nvSpPr>
+          <p:cNvPr id="3" name="Text Placeholder 2"/>
+          <p:cNvSpPr>
+            <a:spLocks noGrp="1"/>
+          </p:cNvSpPr>
+          <p:nvPr>
+            <p:ph type="body" idx="1"/>
+          </p:nvPr>
+        </p:nvSpPr>
+        <p:spPr>
+          <a:xfrm>
+            <a:off x="838200" y="1825626"/>
+            <a:ext cx="10515600" cy="3296981"/>
+          </a:xfrm>
+          <a:prstGeom prst="rect">
+            <a:avLst/>
+          </a:prstGeom>
+        </p:spPr>
+        <p:txBody>
+          <a:bodyPr vert="horz" lIns="91440" tIns="45720" rIns="91440" bIns="45720" rtlCol="0">
+            <a:noAutofit/>
+          </a:bodyPr>
+          <a:lstStyle/>
+          <a:p>
+            <a:pPr lvl="0"/>
+            <a:r>
+              <a:rPr lang="en-US" dirty="0"/>
+              <a:t>EDIT MASTER TEXT STYLES</a:t>
+            </a:r>
+          </a:p>
+          <a:p>
+            <a:pPr lvl="1"/>
+            <a:r>
+              <a:rPr lang="en-US" dirty="0"/>
+              <a:t>Second level</a:t>
+            </a:r>
+          </a:p>
+          <a:p>
+            <a:pPr lvl="2"/>
+            <a:r>
+              <a:rPr lang="en-US" dirty="0"/>
+              <a:t>Third level</a:t>
+            </a:r>
+          </a:p>
+          <a:p>
+            <a:pPr lvl="3"/>
+            <a:r>
+              <a:rPr lang="en-US" dirty="0"/>
+              <a:t>Fourth level</a:t>
+            </a:r>
+          </a:p>
+          <a:p>
+            <a:pPr lvl="4"/>
+            <a:r>
+              <a:rPr lang="en-US" dirty="0"/>
+              <a:t>Fifth level</a:t>
+            </a:r>
+          </a:p>
+        </p:txBody>
+      </p:sp>
+      <p:sp>
+        <p:nvSpPr>
+          <p:cNvPr id="4" name="Date Placeholder 3"/>
+          <p:cNvSpPr>
+            <a:spLocks noGrp="1"/>
+          </p:cNvSpPr>
+          <p:nvPr>
+            <p:ph type="dt" sz="half" idx="2"/>
+          </p:nvPr>
+        </p:nvSpPr>
+        <p:spPr>
+          <a:xfrm>
+            <a:off x="838200" y="5322938"/>
+            <a:ext cx="2743200" cy="365125"/>
+          </a:xfrm>
+          <a:prstGeom prst="rect">
+            <a:avLst/>
+          </a:prstGeom>
+        </p:spPr>
+        <p:txBody>
+          <a:bodyPr vert="horz" lIns="91440" tIns="45720" rIns="91440" bIns="45720" rtlCol="0" anchor="ctr"/>
+          <a:lstStyle>
+            <a:lvl1pPr algn="l">
+              <a:defRPr sz="1600" b="1">
+                <a:solidFill>
+                  <a:schemeClr val="bg1"/>
+                </a:solidFill>
+                <a:latin typeface="Trebuchet MS" panose="020B0703020202090204" pitchFamily="34" charset="0"/>
+              </a:defRPr>
+            </a:lvl1pPr>
+          </a:lstStyle>
+          <a:p>
+            <a:endParaRPr lang="en-US" dirty="0"/>
+          </a:p>
+        </p:txBody>
+      </p:sp>
+      <p:pic>
+        <p:nvPicPr>
+          <p:cNvPr id="10" name="Picture 9">
+            <a:extLst>
+              <a:ext uri="{FF2B5EF4-FFF2-40B4-BE49-F238E27FC236}">
+                <a16:creationId xmlns:a16="http://schemas.microsoft.com/office/drawing/2014/main" id="{3913B9BE-9F57-4747-AEFA-02E77983E8B9}"/>
+              </a:ext>
+            </a:extLst>
+          </p:cNvPr>
+          <p:cNvPicPr>
+            <a:picLocks noChangeAspect="1"/>
+          </p:cNvPicPr>
+          <p:nvPr userDrawn="1"/>
+        </p:nvPicPr>
+        <p:blipFill>
+          <a:blip r:embed="rId3"/>
+          <a:stretch>
+            <a:fillRect/>
+          </a:stretch>
+        </p:blipFill>
+        <p:spPr>
+          <a:xfrm>
+            <a:off x="9644640" y="1"/>
+            <a:ext cx="1709160" cy="640935"/>
+          </a:xfrm>
+          <a:prstGeom prst="rect">
+            <a:avLst/>
+          </a:prstGeom>
+        </p:spPr>
+      </p:pic>
+    </p:spTree>
+    <p:extLst>
+      <p:ext uri="{BB962C8B-B14F-4D97-AF65-F5344CB8AC3E}">
+        <p14:creationId xmlns:p14="http://schemas.microsoft.com/office/powerpoint/2010/main" val="4021742897"/>
+      </p:ext>
+    </p:extLst>
+  </p:cSld>
+  <p:clrMap bg1="lt1" tx1="dk1" bg2="lt2" tx2="dk2" accent1="accent1" accent2="accent2" accent3="accent3" accent4="accent4" accent5="accent5" accent6="accent6" hlink="hlink" folHlink="folHlink"/>
+  <p:sldLayoutIdLst>
+    <p:sldLayoutId id="2147483707" r:id="rId1"/>
+  </p:sldLayoutIdLst>
+  <p:hf sldNum="0" hdr="0" ftr="0"/>
+  <p:txStyles>
+    <p:titleStyle>
+      <a:lvl1pPr algn="l" defTabSz="914400" rtl="0" eaLnBrk="1" latinLnBrk="0" hangingPunct="1">
+        <a:lnSpc>
+          <a:spcPct val="90000"/>
+        </a:lnSpc>
+        <a:spcBef>
+          <a:spcPct val="0"/>
+        </a:spcBef>
+        <a:buNone/>
+        <a:defRPr sz="4400" kern="1200">
+          <a:solidFill>
+            <a:srgbClr val="CC0633"/>
+          </a:solidFill>
+          <a:latin typeface="Impact" panose="020B0806030902050204" pitchFamily="34" charset="0"/>
+          <a:ea typeface="+mj-ea"/>
+          <a:cs typeface="+mj-cs"/>
+        </a:defRPr>
+      </a:lvl1pPr>
+    </p:titleStyle>
+    <p:bodyStyle>
+      <a:lvl1pPr marL="228600" indent="-228600" algn="l" defTabSz="914400" rtl="0" eaLnBrk="1" latinLnBrk="0" hangingPunct="1">
+        <a:lnSpc>
+          <a:spcPct val="90000"/>
+        </a:lnSpc>
+        <a:spcBef>
+          <a:spcPts val="1000"/>
+        </a:spcBef>
+        <a:buFont typeface="Arial" panose="020B0604020202020204" pitchFamily="34" charset="0"/>
+        <a:buChar char="•"/>
+        <a:defRPr sz="2800" b="1" kern="1200">
+          <a:solidFill>
+            <a:schemeClr val="tx1"/>
+          </a:solidFill>
+          <a:latin typeface="Trebuchet MS" panose="020B0703020202090204" pitchFamily="34" charset="0"/>
+          <a:ea typeface="+mn-ea"/>
+          <a:cs typeface="+mn-cs"/>
+        </a:defRPr>
+      </a:lvl1pPr>
+      <a:lvl2pPr marL="685800" indent="-228600" algn="l" defTabSz="914400" rtl="0" eaLnBrk="1" latinLnBrk="0" hangingPunct="1">
+        <a:lnSpc>
+          <a:spcPct val="90000"/>
+        </a:lnSpc>
+        <a:spcBef>
+          <a:spcPts val="500"/>
+        </a:spcBef>
+        <a:buFont typeface="Arial" panose="020B0604020202020204" pitchFamily="34" charset="0"/>
+        <a:buChar char="•"/>
+        <a:defRPr sz="2400" kern="1200">
+          <a:solidFill>
+            <a:schemeClr val="tx1"/>
+          </a:solidFill>
+          <a:latin typeface="Times" pitchFamily="2" charset="0"/>
+          <a:ea typeface="+mn-ea"/>
+          <a:cs typeface="+mn-cs"/>
+        </a:defRPr>
+      </a:lvl2pPr>
+      <a:lvl3pPr marL="1143000" indent="-228600" algn="l" defTabSz="914400" rtl="0" eaLnBrk="1" latinLnBrk="0" hangingPunct="1">
+        <a:lnSpc>
+          <a:spcPct val="90000"/>
+        </a:lnSpc>
+        <a:spcBef>
+          <a:spcPts val="500"/>
+        </a:spcBef>
+        <a:buFont typeface="Arial" panose="020B0604020202020204" pitchFamily="34" charset="0"/>
+        <a:buChar char="•"/>
+        <a:defRPr sz="2000" kern="1200">
+          <a:solidFill>
+            <a:schemeClr val="tx1"/>
+          </a:solidFill>
+          <a:latin typeface="Times" pitchFamily="2" charset="0"/>
+          <a:ea typeface="+mn-ea"/>
+          <a:cs typeface="+mn-cs"/>
+        </a:defRPr>
+      </a:lvl3pPr>
+      <a:lvl4pPr marL="1600200" indent="-228600" algn="l" defTabSz="914400" rtl="0" eaLnBrk="1" latinLnBrk="0" hangingPunct="1">
+        <a:lnSpc>
+          <a:spcPct val="90000"/>
+        </a:lnSpc>
+        <a:spcBef>
+          <a:spcPts val="500"/>
+        </a:spcBef>
+        <a:buFont typeface="Arial" panose="020B0604020202020204" pitchFamily="34" charset="0"/>
+        <a:buChar char="•"/>
+        <a:defRPr sz="1800" kern="1200">
+          <a:solidFill>
+            <a:schemeClr val="tx1"/>
+          </a:solidFill>
+          <a:latin typeface="Times" pitchFamily="2" charset="0"/>
+          <a:ea typeface="+mn-ea"/>
+          <a:cs typeface="+mn-cs"/>
+        </a:defRPr>
+      </a:lvl4pPr>
+      <a:lvl5pPr marL="2057400" indent="-228600" algn="l" defTabSz="914400" rtl="0" eaLnBrk="1" latinLnBrk="0" hangingPunct="1">
+        <a:lnSpc>
+          <a:spcPct val="90000"/>
+        </a:lnSpc>
+        <a:spcBef>
+          <a:spcPts val="500"/>
+        </a:spcBef>
+        <a:buFont typeface="Arial" panose="020B0604020202020204" pitchFamily="34" charset="0"/>
+        <a:buChar char="•"/>
+        <a:defRPr sz="1800" kern="1200">
+          <a:solidFill>
+            <a:schemeClr val="tx1"/>
+          </a:solidFill>
+          <a:latin typeface="Times" pitchFamily="2" charset="0"/>
+          <a:ea typeface="+mn-ea"/>
+          <a:cs typeface="+mn-cs"/>
+        </a:defRPr>
+      </a:lvl5pPr>
+      <a:lvl6pPr marL="2514600" indent="-228600" algn="l" defTabSz="914400" rtl="0" eaLnBrk="1" latinLnBrk="0" hangingPunct="1">
+        <a:lnSpc>
+          <a:spcPct val="90000"/>
+        </a:lnSpc>
+        <a:spcBef>
+          <a:spcPts val="500"/>
+        </a:spcBef>
+        <a:buFont typeface="Arial" panose="020B0604020202020204" pitchFamily="34" charset="0"/>
+        <a:buChar char="•"/>
+        <a:defRPr sz="1800" kern="1200">
+          <a:solidFill>
+            <a:schemeClr val="tx1"/>
+          </a:solidFill>
+          <a:latin typeface="+mn-lt"/>
+          <a:ea typeface="+mn-ea"/>
+          <a:cs typeface="+mn-cs"/>
+        </a:defRPr>
+      </a:lvl6pPr>
+      <a:lvl7pPr marL="2971800" indent="-228600" algn="l" defTabSz="914400" rtl="0" eaLnBrk="1" latinLnBrk="0" hangingPunct="1">
+        <a:lnSpc>
+          <a:spcPct val="90000"/>
+        </a:lnSpc>
+        <a:spcBef>
+          <a:spcPts val="500"/>
+        </a:spcBef>
+        <a:buFont typeface="Arial" panose="020B0604020202020204" pitchFamily="34" charset="0"/>
+        <a:buChar char="•"/>
+        <a:defRPr sz="1800" kern="1200">
+          <a:solidFill>
+            <a:schemeClr val="tx1"/>
+          </a:solidFill>
+          <a:latin typeface="+mn-lt"/>
+          <a:ea typeface="+mn-ea"/>
+          <a:cs typeface="+mn-cs"/>
+        </a:defRPr>
+      </a:lvl7pPr>
+      <a:lvl8pPr marL="3429000" indent="-228600" algn="l" defTabSz="914400" rtl="0" eaLnBrk="1" latinLnBrk="0" hangingPunct="1">
+        <a:lnSpc>
+          <a:spcPct val="90000"/>
+        </a:lnSpc>
+        <a:spcBef>
+          <a:spcPts val="500"/>
+        </a:spcBef>
+        <a:buFont typeface="Arial" panose="020B0604020202020204" pitchFamily="34" charset="0"/>
+        <a:buChar char="•"/>
+        <a:defRPr sz="1800" kern="1200">
+          <a:solidFill>
+            <a:schemeClr val="tx1"/>
+          </a:solidFill>
+          <a:latin typeface="+mn-lt"/>
+          <a:ea typeface="+mn-ea"/>
+          <a:cs typeface="+mn-cs"/>
+        </a:defRPr>
+      </a:lvl8pPr>
+      <a:lvl9pPr marL="3886200" indent="-228600" algn="l" defTabSz="914400" rtl="0" eaLnBrk="1" latinLnBrk="0" hangingPunct="1">
+        <a:lnSpc>
+          <a:spcPct val="90000"/>
+        </a:lnSpc>
+        <a:spcBef>
+          <a:spcPts val="500"/>
+        </a:spcBef>
+        <a:buFont typeface="Arial" panose="020B0604020202020204" pitchFamily="34" charset="0"/>
+        <a:buChar char="•"/>
+        <a:defRPr sz="1800" kern="1200">
+          <a:solidFill>
+            <a:schemeClr val="tx1"/>
+          </a:solidFill>
+          <a:latin typeface="+mn-lt"/>
+          <a:ea typeface="+mn-ea"/>
+          <a:cs typeface="+mn-cs"/>
+        </a:defRPr>
+      </a:lvl9pPr>
+    </p:bodyStyle>
+    <p:otherStyle>
+      <a:defPPr>
+        <a:defRPr lang="en-US"/>
+      </a:defPPr>
+      <a:lvl1pPr marL="0" algn="l" defTabSz="914400" rtl="0" eaLnBrk="1" latinLnBrk="0" hangingPunct="1">
+        <a:defRPr sz="1800" kern="1200">
+          <a:solidFill>
+            <a:schemeClr val="tx1"/>
+          </a:solidFill>
+          <a:latin typeface="+mn-lt"/>
+          <a:ea typeface="+mn-ea"/>
+          <a:cs typeface="+mn-cs"/>
+        </a:defRPr>
+      </a:lvl1pPr>
+      <a:lvl2pPr marL="457200" algn="l" defTabSz="914400" rtl="0" eaLnBrk="1" latinLnBrk="0" hangingPunct="1">
+        <a:defRPr sz="1800" kern="1200">
+          <a:solidFill>
+            <a:schemeClr val="tx1"/>
+          </a:solidFill>
+          <a:latin typeface="+mn-lt"/>
+          <a:ea typeface="+mn-ea"/>
+          <a:cs typeface="+mn-cs"/>
+        </a:defRPr>
+      </a:lvl2pPr>
+      <a:lvl3pPr marL="914400" algn="l" defTabSz="914400" rtl="0" eaLnBrk="1" latinLnBrk="0" hangingPunct="1">
+        <a:defRPr sz="1800" kern="1200">
+          <a:solidFill>
+            <a:schemeClr val="tx1"/>
+          </a:solidFill>
+          <a:latin typeface="+mn-lt"/>
+          <a:ea typeface="+mn-ea"/>
+          <a:cs typeface="+mn-cs"/>
+        </a:defRPr>
+      </a:lvl3pPr>
+      <a:lvl4pPr marL="1371600" algn="l" defTabSz="914400" rtl="0" eaLnBrk="1" latinLnBrk="0" hangingPunct="1">
+        <a:defRPr sz="1800" kern="1200">
+          <a:solidFill>
+            <a:schemeClr val="tx1"/>
+          </a:solidFill>
+          <a:latin typeface="+mn-lt"/>
+          <a:ea typeface="+mn-ea"/>
+          <a:cs typeface="+mn-cs"/>
+        </a:defRPr>
+      </a:lvl4pPr>
+      <a:lvl5pPr marL="1828800" algn="l" defTabSz="914400" rtl="0" eaLnBrk="1" latinLnBrk="0" hangingPunct="1">
+        <a:defRPr sz="1800" kern="1200">
+          <a:solidFill>
+            <a:schemeClr val="tx1"/>
+          </a:solidFill>
+          <a:latin typeface="+mn-lt"/>
+          <a:ea typeface="+mn-ea"/>
+          <a:cs typeface="+mn-cs"/>
+        </a:defRPr>
+      </a:lvl5pPr>
+      <a:lvl6pPr marL="2286000" algn="l" defTabSz="914400" rtl="0" eaLnBrk="1" latinLnBrk="0" hangingPunct="1">
+        <a:defRPr sz="1800" kern="1200">
+          <a:solidFill>
+            <a:schemeClr val="tx1"/>
+          </a:solidFill>
+          <a:latin typeface="+mn-lt"/>
+          <a:ea typeface="+mn-ea"/>
+          <a:cs typeface="+mn-cs"/>
+        </a:defRPr>
+      </a:lvl6pPr>
+      <a:lvl7pPr marL="2743200" algn="l" defTabSz="914400" rtl="0" eaLnBrk="1" latinLnBrk="0" hangingPunct="1">
+        <a:defRPr sz="1800" kern="1200">
+          <a:solidFill>
+            <a:schemeClr val="tx1"/>
+          </a:solidFill>
+          <a:latin typeface="+mn-lt"/>
+          <a:ea typeface="+mn-ea"/>
+          <a:cs typeface="+mn-cs"/>
+        </a:defRPr>
+      </a:lvl7pPr>
+      <a:lvl8pPr marL="3200400" algn="l" defTabSz="914400" rtl="0" eaLnBrk="1" latinLnBrk="0" hangingPunct="1">
+        <a:defRPr sz="1800" kern="1200">
+          <a:solidFill>
+            <a:schemeClr val="tx1"/>
+          </a:solidFill>
+          <a:latin typeface="+mn-lt"/>
+          <a:ea typeface="+mn-ea"/>
+          <a:cs typeface="+mn-cs"/>
+        </a:defRPr>
+      </a:lvl8pPr>
+      <a:lvl9pPr marL="3657600" algn="l" defTabSz="914400" rtl="0" eaLnBrk="1" latinLnBrk="0" hangingPunct="1">
+        <a:defRPr sz="1800" kern="1200">
+          <a:solidFill>
+            <a:schemeClr val="tx1"/>
+          </a:solidFill>
+          <a:latin typeface="+mn-lt"/>
+          <a:ea typeface="+mn-ea"/>
+          <a:cs typeface="+mn-cs"/>
+        </a:defRPr>
+      </a:lvl9pPr>
+    </p:otherStyle>
+  </p:txStyles>
+</p:sldMaster>
+</file>
+
 <file path=ppt/slides/slide1.xml><?xml version="1.0" encoding="utf-8"?>
 <p:sld xmlns:a="http://schemas.openxmlformats.org/drawingml/2006/main" xmlns:r="http://schemas.openxmlformats.org/officeDocument/2006/relationships" xmlns:p="http://schemas.openxmlformats.org/presentationml/2006/main">
   <p:cSld>
@@ -4312,12 +5008,45 @@
           <a:chExt cx="0" cy="0"/>
         </a:xfrm>
       </p:grpSpPr>
+      <p:pic>
+        <p:nvPicPr>
+          <p:cNvPr id="7" name="Picture Placeholder 6">
+            <a:extLst>
+              <a:ext uri="{FF2B5EF4-FFF2-40B4-BE49-F238E27FC236}">
+                <a16:creationId xmlns:a16="http://schemas.microsoft.com/office/drawing/2014/main" id="{2411487A-47E6-1445-802F-ECCED51F2111}"/>
+              </a:ext>
+            </a:extLst>
+          </p:cNvPr>
+          <p:cNvPicPr>
+            <a:picLocks noGrp="1" noChangeAspect="1"/>
+          </p:cNvPicPr>
+          <p:nvPr>
+            <p:ph type="pic" sz="quarter" idx="11"/>
+          </p:nvPr>
+        </p:nvPicPr>
+        <p:blipFill rotWithShape="1">
+          <a:blip r:embed="rId3">
+            <a:extLst>
+              <a:ext uri="{28A0092B-C50C-407E-A947-70E740481C1C}">
+                <a14:useLocalDpi xmlns:a14="http://schemas.microsoft.com/office/drawing/2010/main"/>
+              </a:ext>
+            </a:extLst>
+          </a:blip>
+          <a:srcRect/>
+          <a:stretch/>
+        </p:blipFill>
+        <p:spPr>
+          <a:prstGeom prst="rect">
+            <a:avLst/>
+          </a:prstGeom>
+        </p:spPr>
+      </p:pic>
       <p:sp>
         <p:nvSpPr>
           <p:cNvPr id="2" name="Title 1">
             <a:extLst>
               <a:ext uri="{FF2B5EF4-FFF2-40B4-BE49-F238E27FC236}">
-                <a16:creationId xmlns:a16="http://schemas.microsoft.com/office/drawing/2014/main" id="{46EDCBC8-BA18-4019-913C-F2256CD2C921}"/>
+                <a16:creationId xmlns:a16="http://schemas.microsoft.com/office/drawing/2014/main" id="{EFEF4F39-4789-264B-9202-5A3048005000}"/>
               </a:ext>
             </a:extLst>
           </p:cNvPr>
@@ -4334,41 +5063,54 @@
           <a:lstStyle/>
           <a:p>
             <a:r>
-              <a:rPr lang="en-CA" dirty="0"/>
-              <a:t>High-Dimensional Box-Cox</a:t>
-            </a:r>
+              <a:rPr lang="en-US" dirty="0"/>
+              <a:t>Box-Cox Transformations in High-Dimensional Linear Models</a:t>
+            </a:r>
+            <a:br>
+              <a:rPr lang="en-US" dirty="0"/>
+            </a:br>
+            <a:r>
+              <a:rPr lang="en-US" sz="3200" dirty="0"/>
+              <a:t>William Ruth and Richard Lockhart</a:t>
+            </a:r>
+            <a:endParaRPr lang="en-US" dirty="0"/>
           </a:p>
         </p:txBody>
       </p:sp>
-      <p:sp>
-        <p:nvSpPr>
-          <p:cNvPr id="3" name="Subtitle 2">
+      <p:pic>
+        <p:nvPicPr>
+          <p:cNvPr id="4" name="Picture 3">
             <a:extLst>
               <a:ext uri="{FF2B5EF4-FFF2-40B4-BE49-F238E27FC236}">
-                <a16:creationId xmlns:a16="http://schemas.microsoft.com/office/drawing/2014/main" id="{8E808CCA-E149-4B0D-9545-95785F657CFE}"/>
+                <a16:creationId xmlns:a16="http://schemas.microsoft.com/office/drawing/2014/main" id="{99757000-9EF8-124D-9AA6-C9F45FE0037A}"/>
               </a:ext>
             </a:extLst>
           </p:cNvPr>
-          <p:cNvSpPr>
-            <a:spLocks noGrp="1"/>
-          </p:cNvSpPr>
-          <p:nvPr>
-            <p:ph type="subTitle" idx="1"/>
-          </p:nvPr>
-        </p:nvSpPr>
-        <p:spPr/>
-        <p:txBody>
-          <a:bodyPr/>
-          <a:lstStyle/>
-          <a:p>
-            <a:endParaRPr lang="en-CA"/>
-          </a:p>
-        </p:txBody>
-      </p:sp>
+          <p:cNvPicPr>
+            <a:picLocks noChangeAspect="1"/>
+          </p:cNvPicPr>
+          <p:nvPr/>
+        </p:nvPicPr>
+        <p:blipFill>
+          <a:blip r:embed="rId4"/>
+          <a:stretch>
+            <a:fillRect/>
+          </a:stretch>
+        </p:blipFill>
+        <p:spPr>
+          <a:xfrm>
+            <a:off x="8745196" y="1"/>
+            <a:ext cx="1281870" cy="640935"/>
+          </a:xfrm>
+          <a:prstGeom prst="rect">
+            <a:avLst/>
+          </a:prstGeom>
+        </p:spPr>
+      </p:pic>
     </p:spTree>
     <p:extLst>
       <p:ext uri="{BB962C8B-B14F-4D97-AF65-F5344CB8AC3E}">
-        <p14:creationId xmlns:p14="http://schemas.microsoft.com/office/powerpoint/2010/main" val="1055201990"/>
+        <p14:creationId xmlns:p14="http://schemas.microsoft.com/office/powerpoint/2010/main" val="1673149381"/>
       </p:ext>
     </p:extLst>
   </p:cSld>
@@ -4379,376 +5121,6 @@
 </file>
 
 <file path=ppt/slides/slide10.xml><?xml version="1.0" encoding="utf-8"?>
-<p:sld xmlns:a="http://schemas.openxmlformats.org/drawingml/2006/main" xmlns:r="http://schemas.openxmlformats.org/officeDocument/2006/relationships" xmlns:p="http://schemas.openxmlformats.org/presentationml/2006/main">
-  <p:cSld>
-    <p:spTree>
-      <p:nvGrpSpPr>
-        <p:cNvPr id="1" name=""/>
-        <p:cNvGrpSpPr/>
-        <p:nvPr/>
-      </p:nvGrpSpPr>
-      <p:grpSpPr>
-        <a:xfrm>
-          <a:off x="0" y="0"/>
-          <a:ext cx="0" cy="0"/>
-          <a:chOff x="0" y="0"/>
-          <a:chExt cx="0" cy="0"/>
-        </a:xfrm>
-      </p:grpSpPr>
-      <mc:AlternateContent xmlns:mc="http://schemas.openxmlformats.org/markup-compatibility/2006" xmlns:a14="http://schemas.microsoft.com/office/drawing/2010/main">
-        <mc:Choice Requires="a14">
-          <p:sp>
-            <p:nvSpPr>
-              <p:cNvPr id="2" name="Title 1">
-                <a:extLst>
-                  <a:ext uri="{FF2B5EF4-FFF2-40B4-BE49-F238E27FC236}">
-                    <a16:creationId xmlns:a16="http://schemas.microsoft.com/office/drawing/2014/main" id="{6AC807DE-33BC-4918-A606-BB9B5093E9A8}"/>
-                  </a:ext>
-                </a:extLst>
-              </p:cNvPr>
-              <p:cNvSpPr>
-                <a:spLocks noGrp="1"/>
-              </p:cNvSpPr>
-              <p:nvPr>
-                <p:ph type="title"/>
-              </p:nvPr>
-            </p:nvSpPr>
-            <p:spPr/>
-            <p:txBody>
-              <a:bodyPr/>
-              <a:lstStyle/>
-              <a:p>
-                <a:r>
-                  <a:rPr lang="en-CA" dirty="0"/>
-                  <a:t>Estimating </a:t>
-                </a:r>
-                <a14:m>
-                  <m:oMath xmlns:m="http://schemas.openxmlformats.org/officeDocument/2006/math">
-                    <m:r>
-                      <a:rPr lang="en-CA" b="0" i="1" smtClean="0">
-                        <a:latin typeface="Cambria Math" panose="02040503050406030204" pitchFamily="18" charset="0"/>
-                      </a:rPr>
-                      <m:t>𝛾</m:t>
-                    </m:r>
-                  </m:oMath>
-                </a14:m>
-                <a:endParaRPr lang="en-CA" dirty="0"/>
-              </a:p>
-            </p:txBody>
-          </p:sp>
-        </mc:Choice>
-        <mc:Fallback xmlns="">
-          <p:sp>
-            <p:nvSpPr>
-              <p:cNvPr id="2" name="Title 1">
-                <a:extLst>
-                  <a:ext uri="{FF2B5EF4-FFF2-40B4-BE49-F238E27FC236}">
-                    <a16:creationId xmlns:a16="http://schemas.microsoft.com/office/drawing/2014/main" id="{6AC807DE-33BC-4918-A606-BB9B5093E9A8}"/>
-                  </a:ext>
-                </a:extLst>
-              </p:cNvPr>
-              <p:cNvSpPr>
-                <a:spLocks noGrp="1" noRot="1" noChangeAspect="1" noMove="1" noResize="1" noEditPoints="1" noAdjustHandles="1" noChangeArrowheads="1" noChangeShapeType="1" noTextEdit="1"/>
-              </p:cNvSpPr>
-              <p:nvPr>
-                <p:ph type="title"/>
-              </p:nvPr>
-            </p:nvSpPr>
-            <p:spPr>
-              <a:blipFill>
-                <a:blip r:embed="rId3"/>
-                <a:stretch>
-                  <a:fillRect/>
-                </a:stretch>
-              </a:blipFill>
-            </p:spPr>
-            <p:txBody>
-              <a:bodyPr/>
-              <a:lstStyle/>
-              <a:p>
-                <a:r>
-                  <a:rPr lang="en-CA">
-                    <a:noFill/>
-                  </a:rPr>
-                  <a:t> </a:t>
-                </a:r>
-              </a:p>
-            </p:txBody>
-          </p:sp>
-        </mc:Fallback>
-      </mc:AlternateContent>
-      <mc:AlternateContent xmlns:mc="http://schemas.openxmlformats.org/markup-compatibility/2006" xmlns:a14="http://schemas.microsoft.com/office/drawing/2010/main">
-        <mc:Choice Requires="a14">
-          <p:sp>
-            <p:nvSpPr>
-              <p:cNvPr id="3" name="Content Placeholder 2">
-                <a:extLst>
-                  <a:ext uri="{FF2B5EF4-FFF2-40B4-BE49-F238E27FC236}">
-                    <a16:creationId xmlns:a16="http://schemas.microsoft.com/office/drawing/2014/main" id="{63DDD8E2-EE7C-4872-B984-9E756A78905E}"/>
-                  </a:ext>
-                </a:extLst>
-              </p:cNvPr>
-              <p:cNvSpPr>
-                <a:spLocks noGrp="1"/>
-              </p:cNvSpPr>
-              <p:nvPr>
-                <p:ph idx="1"/>
-              </p:nvPr>
-            </p:nvSpPr>
-            <p:spPr/>
-            <p:txBody>
-              <a:bodyPr/>
-              <a:lstStyle/>
-              <a:p>
-                <a:r>
-                  <a:rPr lang="en-CA" dirty="0"/>
-                  <a:t>Can write log-likelihood for </a:t>
-                </a:r>
-                <a14:m>
-                  <m:oMath xmlns:m="http://schemas.openxmlformats.org/officeDocument/2006/math">
-                    <m:r>
-                      <a:rPr lang="en-CA" b="0" i="1" smtClean="0">
-                        <a:latin typeface="Cambria Math" panose="02040503050406030204" pitchFamily="18" charset="0"/>
-                      </a:rPr>
-                      <m:t>𝑌</m:t>
-                    </m:r>
-                  </m:oMath>
-                </a14:m>
-                <a:r>
-                  <a:rPr lang="en-CA" dirty="0"/>
-                  <a:t> in terms of </a:t>
-                </a:r>
-                <a14:m>
-                  <m:oMath xmlns:m="http://schemas.openxmlformats.org/officeDocument/2006/math">
-                    <m:r>
-                      <a:rPr lang="en-CA" b="0" i="1" smtClean="0">
-                        <a:latin typeface="Cambria Math" panose="02040503050406030204" pitchFamily="18" charset="0"/>
-                      </a:rPr>
-                      <m:t>𝛽</m:t>
-                    </m:r>
-                    <m:r>
-                      <a:rPr lang="en-CA" b="0" i="1" smtClean="0">
-                        <a:latin typeface="Cambria Math" panose="02040503050406030204" pitchFamily="18" charset="0"/>
-                      </a:rPr>
-                      <m:t>,</m:t>
-                    </m:r>
-                    <m:r>
-                      <a:rPr lang="en-CA" b="0" i="1" smtClean="0">
-                        <a:latin typeface="Cambria Math" panose="02040503050406030204" pitchFamily="18" charset="0"/>
-                      </a:rPr>
-                      <m:t>𝜎</m:t>
-                    </m:r>
-                  </m:oMath>
-                </a14:m>
-                <a:r>
-                  <a:rPr lang="en-CA" dirty="0"/>
-                  <a:t> and </a:t>
-                </a:r>
-                <a14:m>
-                  <m:oMath xmlns:m="http://schemas.openxmlformats.org/officeDocument/2006/math">
-                    <m:r>
-                      <a:rPr lang="en-CA" b="0" i="1" smtClean="0">
-                        <a:latin typeface="Cambria Math" panose="02040503050406030204" pitchFamily="18" charset="0"/>
-                      </a:rPr>
-                      <m:t>𝛾</m:t>
-                    </m:r>
-                  </m:oMath>
-                </a14:m>
-                <a:endParaRPr lang="en-CA" dirty="0"/>
-              </a:p>
-              <a:p>
-                <a:endParaRPr lang="en-CA" dirty="0"/>
-              </a:p>
-              <a:p>
-                <a:r>
-                  <a:rPr lang="en-CA" dirty="0"/>
-                  <a:t>“Profile out” </a:t>
-                </a:r>
-                <a14:m>
-                  <m:oMath xmlns:m="http://schemas.openxmlformats.org/officeDocument/2006/math">
-                    <m:r>
-                      <a:rPr lang="en-CA" b="0" i="1" smtClean="0">
-                        <a:latin typeface="Cambria Math" panose="02040503050406030204" pitchFamily="18" charset="0"/>
-                      </a:rPr>
-                      <m:t>𝛽</m:t>
-                    </m:r>
-                  </m:oMath>
-                </a14:m>
-                <a:r>
-                  <a:rPr lang="en-CA" dirty="0"/>
-                  <a:t> and </a:t>
-                </a:r>
-                <a14:m>
-                  <m:oMath xmlns:m="http://schemas.openxmlformats.org/officeDocument/2006/math">
-                    <m:r>
-                      <a:rPr lang="en-CA" b="0" i="1" smtClean="0">
-                        <a:latin typeface="Cambria Math" panose="02040503050406030204" pitchFamily="18" charset="0"/>
-                      </a:rPr>
-                      <m:t>𝜎</m:t>
-                    </m:r>
-                  </m:oMath>
-                </a14:m>
-                <a:r>
-                  <a:rPr lang="en-CA" dirty="0"/>
-                  <a:t> for fixed </a:t>
-                </a:r>
-                <a14:m>
-                  <m:oMath xmlns:m="http://schemas.openxmlformats.org/officeDocument/2006/math">
-                    <m:r>
-                      <a:rPr lang="en-CA" b="0" i="1" smtClean="0">
-                        <a:latin typeface="Cambria Math" panose="02040503050406030204" pitchFamily="18" charset="0"/>
-                      </a:rPr>
-                      <m:t>𝛾</m:t>
-                    </m:r>
-                  </m:oMath>
-                </a14:m>
-                <a:endParaRPr lang="en-CA" dirty="0"/>
-              </a:p>
-              <a:p>
-                <a:pPr lvl="1"/>
-                <a:r>
-                  <a:rPr lang="en-CA" dirty="0"/>
-                  <a:t>Do least squares regression with response </a:t>
-                </a:r>
-                <a14:m>
-                  <m:oMath xmlns:m="http://schemas.openxmlformats.org/officeDocument/2006/math">
-                    <m:sSub>
-                      <m:sSubPr>
-                        <m:ctrlPr>
-                          <a:rPr lang="en-CA" b="0" i="1" smtClean="0">
-                            <a:latin typeface="Cambria Math" panose="02040503050406030204" pitchFamily="18" charset="0"/>
-                          </a:rPr>
-                        </m:ctrlPr>
-                      </m:sSubPr>
-                      <m:e>
-                        <m:r>
-                          <a:rPr lang="en-CA" b="0" i="1" smtClean="0">
-                            <a:latin typeface="Cambria Math" panose="02040503050406030204" pitchFamily="18" charset="0"/>
-                          </a:rPr>
-                          <m:t>h</m:t>
-                        </m:r>
-                      </m:e>
-                      <m:sub>
-                        <m:r>
-                          <a:rPr lang="en-CA" b="0" i="1" smtClean="0">
-                            <a:latin typeface="Cambria Math" panose="02040503050406030204" pitchFamily="18" charset="0"/>
-                          </a:rPr>
-                          <m:t>𝛾</m:t>
-                        </m:r>
-                      </m:sub>
-                    </m:sSub>
-                    <m:r>
-                      <a:rPr lang="en-CA" b="0" i="1" smtClean="0">
-                        <a:latin typeface="Cambria Math" panose="02040503050406030204" pitchFamily="18" charset="0"/>
-                      </a:rPr>
-                      <m:t>(</m:t>
-                    </m:r>
-                    <m:r>
-                      <a:rPr lang="en-CA" b="0" i="1" smtClean="0">
-                        <a:latin typeface="Cambria Math" panose="02040503050406030204" pitchFamily="18" charset="0"/>
-                      </a:rPr>
-                      <m:t>𝑌</m:t>
-                    </m:r>
-                    <m:r>
-                      <a:rPr lang="en-CA" b="0" i="1" smtClean="0">
-                        <a:latin typeface="Cambria Math" panose="02040503050406030204" pitchFamily="18" charset="0"/>
-                      </a:rPr>
-                      <m:t>)</m:t>
-                    </m:r>
-                  </m:oMath>
-                </a14:m>
-                <a:endParaRPr lang="en-CA" dirty="0"/>
-              </a:p>
-              <a:p>
-                <a:pPr lvl="1"/>
-                <a:r>
-                  <a:rPr lang="en-CA" dirty="0"/>
-                  <a:t>Gives a closed-form profile log-likelihood</a:t>
-                </a:r>
-              </a:p>
-              <a:p>
-                <a:endParaRPr lang="en-CA" dirty="0"/>
-              </a:p>
-              <a:p>
-                <a:r>
-                  <a:rPr lang="en-CA" dirty="0"/>
-                  <a:t>Maximize profile log-likelihood for </a:t>
-                </a:r>
-                <a14:m>
-                  <m:oMath xmlns:m="http://schemas.openxmlformats.org/officeDocument/2006/math">
-                    <m:r>
-                      <a:rPr lang="en-CA" b="0" i="1" smtClean="0">
-                        <a:latin typeface="Cambria Math" panose="02040503050406030204" pitchFamily="18" charset="0"/>
-                      </a:rPr>
-                      <m:t>𝛾</m:t>
-                    </m:r>
-                  </m:oMath>
-                </a14:m>
-                <a:endParaRPr lang="en-CA" dirty="0"/>
-              </a:p>
-              <a:p>
-                <a:r>
-                  <a:rPr lang="en-CA" dirty="0"/>
-                  <a:t>Use standard likelihood inference tools</a:t>
-                </a:r>
-              </a:p>
-            </p:txBody>
-          </p:sp>
-        </mc:Choice>
-        <mc:Fallback xmlns="">
-          <p:sp>
-            <p:nvSpPr>
-              <p:cNvPr id="3" name="Content Placeholder 2">
-                <a:extLst>
-                  <a:ext uri="{FF2B5EF4-FFF2-40B4-BE49-F238E27FC236}">
-                    <a16:creationId xmlns:a16="http://schemas.microsoft.com/office/drawing/2014/main" id="{63DDD8E2-EE7C-4872-B984-9E756A78905E}"/>
-                  </a:ext>
-                </a:extLst>
-              </p:cNvPr>
-              <p:cNvSpPr>
-                <a:spLocks noGrp="1" noRot="1" noChangeAspect="1" noMove="1" noResize="1" noEditPoints="1" noAdjustHandles="1" noChangeArrowheads="1" noChangeShapeType="1" noTextEdit="1"/>
-              </p:cNvSpPr>
-              <p:nvPr>
-                <p:ph idx="1"/>
-              </p:nvPr>
-            </p:nvSpPr>
-            <p:spPr>
-              <a:blipFill>
-                <a:blip r:embed="rId4"/>
-                <a:stretch>
-                  <a:fillRect l="-1333" t="-2801" b="-3081"/>
-                </a:stretch>
-              </a:blipFill>
-            </p:spPr>
-            <p:txBody>
-              <a:bodyPr/>
-              <a:lstStyle/>
-              <a:p>
-                <a:r>
-                  <a:rPr lang="en-CA">
-                    <a:noFill/>
-                  </a:rPr>
-                  <a:t> </a:t>
-                </a:r>
-              </a:p>
-            </p:txBody>
-          </p:sp>
-        </mc:Fallback>
-      </mc:AlternateContent>
-    </p:spTree>
-    <p:extLst>
-      <p:ext uri="{BB962C8B-B14F-4D97-AF65-F5344CB8AC3E}">
-        <p14:creationId xmlns:p14="http://schemas.microsoft.com/office/powerpoint/2010/main" val="3914942248"/>
-      </p:ext>
-    </p:extLst>
-  </p:cSld>
-  <p:clrMapOvr>
-    <a:masterClrMapping/>
-  </p:clrMapOvr>
-</p:sld>
-</file>
-
-<file path=ppt/slides/slide11.xml><?xml version="1.0" encoding="utf-8"?>
 <p:sld xmlns:a="http://schemas.openxmlformats.org/drawingml/2006/main" xmlns:r="http://schemas.openxmlformats.org/officeDocument/2006/relationships" xmlns:p="http://schemas.openxmlformats.org/presentationml/2006/main">
   <p:cSld>
     <p:spTree>
@@ -5515,7 +5887,7 @@
 </p:sld>
 </file>
 
-<file path=ppt/slides/slide12.xml><?xml version="1.0" encoding="utf-8"?>
+<file path=ppt/slides/slide11.xml><?xml version="1.0" encoding="utf-8"?>
 <p:sld xmlns:a="http://schemas.openxmlformats.org/drawingml/2006/main" xmlns:r="http://schemas.openxmlformats.org/officeDocument/2006/relationships" xmlns:p="http://schemas.openxmlformats.org/presentationml/2006/main">
   <p:cSld>
     <p:spTree>
@@ -5727,7 +6099,7 @@
 </p:sld>
 </file>
 
-<file path=ppt/slides/slide13.xml><?xml version="1.0" encoding="utf-8"?>
+<file path=ppt/slides/slide12.xml><?xml version="1.0" encoding="utf-8"?>
 <p:sld xmlns:a="http://schemas.openxmlformats.org/drawingml/2006/main" xmlns:r="http://schemas.openxmlformats.org/officeDocument/2006/relationships" xmlns:p="http://schemas.openxmlformats.org/presentationml/2006/main">
   <p:cSld>
     <p:spTree>
@@ -6007,7 +6379,7 @@
 </p:sld>
 </file>
 
-<file path=ppt/slides/slide14.xml><?xml version="1.0" encoding="utf-8"?>
+<file path=ppt/slides/slide13.xml><?xml version="1.0" encoding="utf-8"?>
 <p:sld xmlns:a="http://schemas.openxmlformats.org/drawingml/2006/main" xmlns:r="http://schemas.openxmlformats.org/officeDocument/2006/relationships" xmlns:p="http://schemas.openxmlformats.org/presentationml/2006/main">
   <p:cSld>
     <p:spTree>
@@ -6254,7 +6626,7 @@
 </p:sld>
 </file>
 
-<file path=ppt/slides/slide15.xml><?xml version="1.0" encoding="utf-8"?>
+<file path=ppt/slides/slide14.xml><?xml version="1.0" encoding="utf-8"?>
 <p:sld xmlns:a="http://schemas.openxmlformats.org/drawingml/2006/main" xmlns:r="http://schemas.openxmlformats.org/officeDocument/2006/relationships" xmlns:p="http://schemas.openxmlformats.org/presentationml/2006/main">
   <p:cSld>
     <p:spTree>
@@ -6393,21 +6765,13 @@
               <a:p>
                 <a:r>
                   <a:rPr lang="en-CA" dirty="0"/>
-                  <a:t>Use LASSO estimate of </a:t>
+                  <a:t>Use LASSO residuals instead of LS</a:t>
                 </a:r>
-                <a14:m>
-                  <m:oMath xmlns:m="http://schemas.openxmlformats.org/officeDocument/2006/math">
-                    <m:r>
-                      <a:rPr lang="en-CA" b="0" i="1" smtClean="0">
-                        <a:latin typeface="Cambria Math" panose="02040503050406030204" pitchFamily="18" charset="0"/>
-                      </a:rPr>
-                      <m:t>𝛽</m:t>
-                    </m:r>
-                  </m:oMath>
-                </a14:m>
+              </a:p>
+              <a:p>
                 <a:r>
                   <a:rPr lang="en-CA" dirty="0"/>
-                  <a:t> instead of LS</a:t>
+                  <a:t>Called the “Residual Substitution” method</a:t>
                 </a:r>
               </a:p>
               <a:p>
@@ -6469,7 +6833,7 @@
 </p:sld>
 </file>
 
-<file path=ppt/slides/slide16.xml><?xml version="1.0" encoding="utf-8"?>
+<file path=ppt/slides/slide15.xml><?xml version="1.0" encoding="utf-8"?>
 <p:sld xmlns:a="http://schemas.openxmlformats.org/drawingml/2006/main" xmlns:r="http://schemas.openxmlformats.org/officeDocument/2006/relationships" xmlns:p="http://schemas.openxmlformats.org/presentationml/2006/main">
   <p:cSld>
     <p:spTree>
@@ -6509,13 +6873,13 @@
           <a:p>
             <a:r>
               <a:rPr lang="en-CA" dirty="0"/>
-              <a:t>LASSO with Box-Cox</a:t>
+              <a:t>Residual Substitution</a:t>
             </a:r>
           </a:p>
         </p:txBody>
       </p:sp>
-      <mc:AlternateContent xmlns:mc="http://schemas.openxmlformats.org/markup-compatibility/2006">
-        <mc:Choice xmlns:a14="http://schemas.microsoft.com/office/drawing/2010/main" Requires="a14">
+      <mc:AlternateContent xmlns:mc="http://schemas.openxmlformats.org/markup-compatibility/2006" xmlns:a14="http://schemas.microsoft.com/office/drawing/2010/main">
+        <mc:Choice Requires="a14">
           <p:sp>
             <p:nvSpPr>
               <p:cNvPr id="3" name="Content Placeholder 2">
@@ -6667,7 +7031,7 @@
             </p:txBody>
           </p:sp>
         </mc:Choice>
-        <mc:Fallback>
+        <mc:Fallback xmlns="">
           <p:sp>
             <p:nvSpPr>
               <p:cNvPr id="3" name="Content Placeholder 2">
@@ -6720,7 +7084,7 @@
 </p:sld>
 </file>
 
-<file path=ppt/slides/slide17.xml><?xml version="1.0" encoding="utf-8"?>
+<file path=ppt/slides/slide16.xml><?xml version="1.0" encoding="utf-8"?>
 <p:sld xmlns:a="http://schemas.openxmlformats.org/drawingml/2006/main" xmlns:r="http://schemas.openxmlformats.org/officeDocument/2006/relationships" xmlns:p="http://schemas.openxmlformats.org/presentationml/2006/main">
   <p:cSld>
     <p:spTree>
@@ -6760,7 +7124,7 @@
           <a:p>
             <a:r>
               <a:rPr lang="en-CA" dirty="0"/>
-              <a:t>LASSO with Box-Cox</a:t>
+              <a:t>Residual Substitution</a:t>
             </a:r>
           </a:p>
         </p:txBody>
@@ -7255,7 +7619,7 @@
 </p:sld>
 </file>
 
-<file path=ppt/slides/slide18.xml><?xml version="1.0" encoding="utf-8"?>
+<file path=ppt/slides/slide17.xml><?xml version="1.0" encoding="utf-8"?>
 <p:sld xmlns:a="http://schemas.openxmlformats.org/drawingml/2006/main" xmlns:r="http://schemas.openxmlformats.org/officeDocument/2006/relationships" xmlns:p="http://schemas.openxmlformats.org/presentationml/2006/main">
   <p:cSld>
     <p:spTree>
@@ -7277,7 +7641,7 @@
           <p:cNvPr id="2" name="Title 1">
             <a:extLst>
               <a:ext uri="{FF2B5EF4-FFF2-40B4-BE49-F238E27FC236}">
-                <a16:creationId xmlns:a16="http://schemas.microsoft.com/office/drawing/2014/main" id="{B7B876A9-BC99-45F1-B1CE-BB5A45B5404B}"/>
+                <a16:creationId xmlns:a16="http://schemas.microsoft.com/office/drawing/2014/main" id="{A5C3D409-9253-4B62-99A8-68997D7320CF}"/>
               </a:ext>
             </a:extLst>
           </p:cNvPr>
@@ -7294,119 +7658,10 @@
           <a:lstStyle/>
           <a:p>
             <a:r>
-              <a:rPr lang="en-CA" dirty="0"/>
-              <a:t>Box-Cox Inference</a:t>
-            </a:r>
-          </a:p>
-        </p:txBody>
-      </p:sp>
-      <p:sp>
-        <p:nvSpPr>
-          <p:cNvPr id="3" name="Content Placeholder 2">
-            <a:extLst>
-              <a:ext uri="{FF2B5EF4-FFF2-40B4-BE49-F238E27FC236}">
-                <a16:creationId xmlns:a16="http://schemas.microsoft.com/office/drawing/2014/main" id="{22E89C37-6632-46B8-B168-AC12BD1B9B49}"/>
-              </a:ext>
-            </a:extLst>
-          </p:cNvPr>
-          <p:cNvSpPr>
-            <a:spLocks noGrp="1"/>
-          </p:cNvSpPr>
-          <p:nvPr>
-            <p:ph idx="1"/>
-          </p:nvPr>
-        </p:nvSpPr>
-        <p:spPr/>
-        <p:txBody>
-          <a:bodyPr/>
-          <a:lstStyle/>
-          <a:p>
-            <a:r>
-              <a:rPr lang="en-CA" dirty="0"/>
-              <a:t>LS Box-Cox methodology gives confidence intervals</a:t>
-            </a:r>
-          </a:p>
-          <a:p>
+              <a:rPr lang="en-US" dirty="0"/>
+              <a:t>Riboflavin Data</a:t>
+            </a:r>
             <a:endParaRPr lang="en-CA" dirty="0"/>
-          </a:p>
-          <a:p>
-            <a:r>
-              <a:rPr lang="en-CA" dirty="0"/>
-              <a:t>We can apply the same process with LASSO</a:t>
-            </a:r>
-          </a:p>
-          <a:p>
-            <a:endParaRPr lang="en-CA" dirty="0"/>
-          </a:p>
-          <a:p>
-            <a:r>
-              <a:rPr lang="en-CA" dirty="0"/>
-              <a:t>Still a work in progress</a:t>
-            </a:r>
-          </a:p>
-          <a:p>
-            <a:r>
-              <a:rPr lang="en-CA" dirty="0"/>
-              <a:t>Some empirical results</a:t>
-            </a:r>
-          </a:p>
-        </p:txBody>
-      </p:sp>
-    </p:spTree>
-    <p:extLst>
-      <p:ext uri="{BB962C8B-B14F-4D97-AF65-F5344CB8AC3E}">
-        <p14:creationId xmlns:p14="http://schemas.microsoft.com/office/powerpoint/2010/main" val="3342363398"/>
-      </p:ext>
-    </p:extLst>
-  </p:cSld>
-  <p:clrMapOvr>
-    <a:masterClrMapping/>
-  </p:clrMapOvr>
-</p:sld>
-</file>
-
-<file path=ppt/slides/slide19.xml><?xml version="1.0" encoding="utf-8"?>
-<p:sld xmlns:a="http://schemas.openxmlformats.org/drawingml/2006/main" xmlns:r="http://schemas.openxmlformats.org/officeDocument/2006/relationships" xmlns:p="http://schemas.openxmlformats.org/presentationml/2006/main">
-  <p:cSld>
-    <p:spTree>
-      <p:nvGrpSpPr>
-        <p:cNvPr id="1" name=""/>
-        <p:cNvGrpSpPr/>
-        <p:nvPr/>
-      </p:nvGrpSpPr>
-      <p:grpSpPr>
-        <a:xfrm>
-          <a:off x="0" y="0"/>
-          <a:ext cx="0" cy="0"/>
-          <a:chOff x="0" y="0"/>
-          <a:chExt cx="0" cy="0"/>
-        </a:xfrm>
-      </p:grpSpPr>
-      <p:sp>
-        <p:nvSpPr>
-          <p:cNvPr id="2" name="Title 1">
-            <a:extLst>
-              <a:ext uri="{FF2B5EF4-FFF2-40B4-BE49-F238E27FC236}">
-                <a16:creationId xmlns:a16="http://schemas.microsoft.com/office/drawing/2014/main" id="{4F79089B-F368-4CC7-BB7D-6AB24A7F0A10}"/>
-              </a:ext>
-            </a:extLst>
-          </p:cNvPr>
-          <p:cNvSpPr>
-            <a:spLocks noGrp="1"/>
-          </p:cNvSpPr>
-          <p:nvPr>
-            <p:ph type="title"/>
-          </p:nvPr>
-        </p:nvSpPr>
-        <p:spPr/>
-        <p:txBody>
-          <a:bodyPr/>
-          <a:lstStyle/>
-          <a:p>
-            <a:r>
-              <a:rPr lang="en-CA" dirty="0"/>
-              <a:t>Box-Cox Inference</a:t>
-            </a:r>
           </a:p>
         </p:txBody>
       </p:sp>
@@ -7417,7 +7672,7 @@
               <p:cNvPr id="3" name="Content Placeholder 2">
                 <a:extLst>
                   <a:ext uri="{FF2B5EF4-FFF2-40B4-BE49-F238E27FC236}">
-                    <a16:creationId xmlns:a16="http://schemas.microsoft.com/office/drawing/2014/main" id="{899A185B-0966-4635-B23D-062B4F969B65}"/>
+                    <a16:creationId xmlns:a16="http://schemas.microsoft.com/office/drawing/2014/main" id="{3CB6B7B2-EB52-41F8-9C85-464B1562C977}"/>
                   </a:ext>
                 </a:extLst>
               </p:cNvPr>
@@ -7434,9 +7689,37 @@
               <a:lstStyle/>
               <a:p>
                 <a:r>
-                  <a:rPr lang="en-CA" dirty="0"/>
-                  <a:t>Maximize profile likelihood</a:t>
+                  <a:rPr lang="en-US" dirty="0"/>
+                  <a:t>Log-transform appropriate?</a:t>
                 </a:r>
+              </a:p>
+              <a:p>
+                <a:endParaRPr lang="en-US" dirty="0"/>
+              </a:p>
+              <a:p>
+                <a14:m>
+                  <m:oMath xmlns:m="http://schemas.openxmlformats.org/officeDocument/2006/math">
+                    <m:r>
+                      <a:rPr lang="en-US" b="0" i="1" smtClean="0">
+                        <a:latin typeface="Cambria Math" panose="02040503050406030204" pitchFamily="18" charset="0"/>
+                      </a:rPr>
+                      <m:t>𝑝</m:t>
+                    </m:r>
+                    <m:r>
+                      <a:rPr lang="en-US" b="0" i="1" smtClean="0">
+                        <a:latin typeface="Cambria Math" panose="02040503050406030204" pitchFamily="18" charset="0"/>
+                      </a:rPr>
+                      <m:t>≫</m:t>
+                    </m:r>
+                    <m:r>
+                      <a:rPr lang="en-US" b="0" i="1" smtClean="0">
+                        <a:latin typeface="Cambria Math" panose="02040503050406030204" pitchFamily="18" charset="0"/>
+                      </a:rPr>
+                      <m:t>𝑛</m:t>
+                    </m:r>
+                  </m:oMath>
+                </a14:m>
+                <a:endParaRPr lang="en-CA" dirty="0"/>
               </a:p>
               <a:p>
                 <a:endParaRPr lang="en-CA" dirty="0"/>
@@ -7444,51 +7727,8 @@
               <a:p>
                 <a:r>
                   <a:rPr lang="en-CA" dirty="0"/>
-                  <a:t>Include all </a:t>
+                  <a:t>Use residual substitution method</a:t>
                 </a:r>
-                <a14:m>
-                  <m:oMath xmlns:m="http://schemas.openxmlformats.org/officeDocument/2006/math">
-                    <m:r>
-                      <a:rPr lang="en-CA" b="0" i="1" smtClean="0">
-                        <a:latin typeface="Cambria Math" panose="02040503050406030204" pitchFamily="18" charset="0"/>
-                      </a:rPr>
-                      <m:t>𝛾</m:t>
-                    </m:r>
-                  </m:oMath>
-                </a14:m>
-                <a:r>
-                  <a:rPr lang="en-CA" dirty="0"/>
-                  <a:t> with likelihood within </a:t>
-                </a:r>
-                <a14:m>
-                  <m:oMath xmlns:m="http://schemas.openxmlformats.org/officeDocument/2006/math">
-                    <m:r>
-                      <a:rPr lang="en-CA" b="0" i="0" smtClean="0">
-                        <a:latin typeface="Cambria Math" panose="02040503050406030204" pitchFamily="18" charset="0"/>
-                      </a:rPr>
-                      <m:t>~</m:t>
-                    </m:r>
-                    <m:r>
-                      <a:rPr lang="en-CA" b="0" i="1" smtClean="0">
-                        <a:latin typeface="Cambria Math" panose="02040503050406030204" pitchFamily="18" charset="0"/>
-                      </a:rPr>
-                      <m:t>2</m:t>
-                    </m:r>
-                  </m:oMath>
-                </a14:m>
-                <a:r>
-                  <a:rPr lang="en-CA" dirty="0"/>
-                  <a:t> of maximum</a:t>
-                </a:r>
-              </a:p>
-              <a:p>
-                <a:endParaRPr lang="en-CA" dirty="0"/>
-              </a:p>
-              <a:p>
-                <a:endParaRPr lang="en-CA" dirty="0"/>
-              </a:p>
-              <a:p>
-                <a:endParaRPr lang="en-CA" dirty="0"/>
               </a:p>
             </p:txBody>
           </p:sp>
@@ -7499,7 +7739,7 @@
               <p:cNvPr id="3" name="Content Placeholder 2">
                 <a:extLst>
                   <a:ext uri="{FF2B5EF4-FFF2-40B4-BE49-F238E27FC236}">
-                    <a16:creationId xmlns:a16="http://schemas.microsoft.com/office/drawing/2014/main" id="{899A185B-0966-4635-B23D-062B4F969B65}"/>
+                    <a16:creationId xmlns:a16="http://schemas.microsoft.com/office/drawing/2014/main" id="{3CB6B7B2-EB52-41F8-9C85-464B1562C977}"/>
                   </a:ext>
                 </a:extLst>
               </p:cNvPr>
@@ -7533,504 +7773,524 @@
           </p:sp>
         </mc:Fallback>
       </mc:AlternateContent>
+    </p:spTree>
+    <p:extLst>
+      <p:ext uri="{BB962C8B-B14F-4D97-AF65-F5344CB8AC3E}">
+        <p14:creationId xmlns:p14="http://schemas.microsoft.com/office/powerpoint/2010/main" val="2186087702"/>
+      </p:ext>
+    </p:extLst>
+  </p:cSld>
+  <p:clrMapOvr>
+    <a:masterClrMapping/>
+  </p:clrMapOvr>
+</p:sld>
+</file>
+
+<file path=ppt/slides/slide18.xml><?xml version="1.0" encoding="utf-8"?>
+<p:sld xmlns:a="http://schemas.openxmlformats.org/drawingml/2006/main" xmlns:r="http://schemas.openxmlformats.org/officeDocument/2006/relationships" xmlns:p="http://schemas.openxmlformats.org/presentationml/2006/main">
+  <p:cSld>
+    <p:spTree>
+      <p:nvGrpSpPr>
+        <p:cNvPr id="1" name=""/>
+        <p:cNvGrpSpPr/>
+        <p:nvPr/>
+      </p:nvGrpSpPr>
+      <p:grpSpPr>
+        <a:xfrm>
+          <a:off x="0" y="0"/>
+          <a:ext cx="0" cy="0"/>
+          <a:chOff x="0" y="0"/>
+          <a:chExt cx="0" cy="0"/>
+        </a:xfrm>
+      </p:grpSpPr>
+      <p:sp>
+        <p:nvSpPr>
+          <p:cNvPr id="2" name="Title 1">
+            <a:extLst>
+              <a:ext uri="{FF2B5EF4-FFF2-40B4-BE49-F238E27FC236}">
+                <a16:creationId xmlns:a16="http://schemas.microsoft.com/office/drawing/2014/main" id="{34CD64B0-7EF1-4D01-9214-93F3A5A38FFE}"/>
+              </a:ext>
+            </a:extLst>
+          </p:cNvPr>
+          <p:cNvSpPr>
+            <a:spLocks noGrp="1"/>
+          </p:cNvSpPr>
+          <p:nvPr>
+            <p:ph type="title"/>
+          </p:nvPr>
+        </p:nvSpPr>
+        <p:spPr/>
+        <p:txBody>
+          <a:bodyPr/>
+          <a:lstStyle/>
+          <a:p>
+            <a:r>
+              <a:rPr lang="en-US" dirty="0"/>
+              <a:t>Riboflavin Data</a:t>
+            </a:r>
+            <a:endParaRPr lang="en-CA" dirty="0"/>
+          </a:p>
+        </p:txBody>
+      </p:sp>
+      <p:pic>
+        <p:nvPicPr>
+          <p:cNvPr id="5" name="Picture 4" descr="A picture containing water, man, table, air&#10;&#10;Description automatically generated">
+            <a:extLst>
+              <a:ext uri="{FF2B5EF4-FFF2-40B4-BE49-F238E27FC236}">
+                <a16:creationId xmlns:a16="http://schemas.microsoft.com/office/drawing/2014/main" id="{828F0EB7-3712-4ECD-9BD6-F6E476CB40CA}"/>
+              </a:ext>
+            </a:extLst>
+          </p:cNvPr>
+          <p:cNvPicPr>
+            <a:picLocks noChangeAspect="1"/>
+          </p:cNvPicPr>
+          <p:nvPr/>
+        </p:nvPicPr>
+        <p:blipFill>
+          <a:blip r:embed="rId2">
+            <a:extLst>
+              <a:ext uri="{28A0092B-C50C-407E-A947-70E740481C1C}">
+                <a14:useLocalDpi xmlns:a14="http://schemas.microsoft.com/office/drawing/2010/main" val="0"/>
+              </a:ext>
+            </a:extLst>
+          </a:blip>
+          <a:stretch>
+            <a:fillRect/>
+          </a:stretch>
+        </p:blipFill>
+        <p:spPr>
+          <a:xfrm>
+            <a:off x="2761784" y="1690688"/>
+            <a:ext cx="6668431" cy="4763165"/>
+          </a:xfrm>
+          <a:prstGeom prst="rect">
+            <a:avLst/>
+          </a:prstGeom>
+        </p:spPr>
+      </p:pic>
+      <p:pic>
+        <p:nvPicPr>
+          <p:cNvPr id="9" name="Picture 8" descr="A close up of a map&#10;&#10;Description automatically generated">
+            <a:extLst>
+              <a:ext uri="{FF2B5EF4-FFF2-40B4-BE49-F238E27FC236}">
+                <a16:creationId xmlns:a16="http://schemas.microsoft.com/office/drawing/2014/main" id="{04AF867B-5612-4F38-AB23-07316D828F3C}"/>
+              </a:ext>
+            </a:extLst>
+          </p:cNvPr>
+          <p:cNvPicPr>
+            <a:picLocks noChangeAspect="1"/>
+          </p:cNvPicPr>
+          <p:nvPr/>
+        </p:nvPicPr>
+        <p:blipFill>
+          <a:blip r:embed="rId3">
+            <a:extLst>
+              <a:ext uri="{28A0092B-C50C-407E-A947-70E740481C1C}">
+                <a14:useLocalDpi xmlns:a14="http://schemas.microsoft.com/office/drawing/2010/main" val="0"/>
+              </a:ext>
+            </a:extLst>
+          </a:blip>
+          <a:stretch>
+            <a:fillRect/>
+          </a:stretch>
+        </p:blipFill>
+        <p:spPr>
+          <a:xfrm>
+            <a:off x="2761783" y="1690687"/>
+            <a:ext cx="6668431" cy="4763165"/>
+          </a:xfrm>
+          <a:prstGeom prst="rect">
+            <a:avLst/>
+          </a:prstGeom>
+        </p:spPr>
+      </p:pic>
+    </p:spTree>
+    <p:extLst>
+      <p:ext uri="{BB962C8B-B14F-4D97-AF65-F5344CB8AC3E}">
+        <p14:creationId xmlns:p14="http://schemas.microsoft.com/office/powerpoint/2010/main" val="2084470030"/>
+      </p:ext>
+    </p:extLst>
+  </p:cSld>
+  <p:clrMapOvr>
+    <a:masterClrMapping/>
+  </p:clrMapOvr>
+  <p:timing>
+    <p:tnLst>
+      <p:par>
+        <p:cTn id="1" dur="indefinite" restart="never" nodeType="tmRoot">
+          <p:childTnLst>
+            <p:seq concurrent="1" nextAc="seek">
+              <p:cTn id="2" dur="indefinite" nodeType="mainSeq">
+                <p:childTnLst>
+                  <p:par>
+                    <p:cTn id="3" fill="hold">
+                      <p:stCondLst>
+                        <p:cond delay="indefinite"/>
+                        <p:cond evt="onBegin" delay="0">
+                          <p:tn val="2"/>
+                        </p:cond>
+                      </p:stCondLst>
+                      <p:childTnLst>
+                        <p:par>
+                          <p:cTn id="4" fill="hold">
+                            <p:stCondLst>
+                              <p:cond delay="0"/>
+                            </p:stCondLst>
+                            <p:childTnLst>
+                              <p:par>
+                                <p:cTn id="5" presetID="10" presetClass="entr" presetSubtype="0" fill="hold" nodeType="withEffect">
+                                  <p:stCondLst>
+                                    <p:cond delay="0"/>
+                                  </p:stCondLst>
+                                  <p:childTnLst>
+                                    <p:set>
+                                      <p:cBhvr>
+                                        <p:cTn id="6" dur="1" fill="hold">
+                                          <p:stCondLst>
+                                            <p:cond delay="0"/>
+                                          </p:stCondLst>
+                                        </p:cTn>
+                                        <p:tgtEl>
+                                          <p:spTgt spid="5"/>
+                                        </p:tgtEl>
+                                        <p:attrNameLst>
+                                          <p:attrName>style.visibility</p:attrName>
+                                        </p:attrNameLst>
+                                      </p:cBhvr>
+                                      <p:to>
+                                        <p:strVal val="visible"/>
+                                      </p:to>
+                                    </p:set>
+                                    <p:animEffect transition="in" filter="fade">
+                                      <p:cBhvr>
+                                        <p:cTn id="7" dur="500"/>
+                                        <p:tgtEl>
+                                          <p:spTgt spid="5"/>
+                                        </p:tgtEl>
+                                      </p:cBhvr>
+                                    </p:animEffect>
+                                  </p:childTnLst>
+                                </p:cTn>
+                              </p:par>
+                            </p:childTnLst>
+                          </p:cTn>
+                        </p:par>
+                      </p:childTnLst>
+                    </p:cTn>
+                  </p:par>
+                  <p:par>
+                    <p:cTn id="8" fill="hold">
+                      <p:stCondLst>
+                        <p:cond delay="indefinite"/>
+                      </p:stCondLst>
+                      <p:childTnLst>
+                        <p:par>
+                          <p:cTn id="9" fill="hold">
+                            <p:stCondLst>
+                              <p:cond delay="0"/>
+                            </p:stCondLst>
+                            <p:childTnLst>
+                              <p:par>
+                                <p:cTn id="10" presetID="10" presetClass="entr" presetSubtype="0" fill="hold" nodeType="clickEffect">
+                                  <p:stCondLst>
+                                    <p:cond delay="0"/>
+                                  </p:stCondLst>
+                                  <p:childTnLst>
+                                    <p:set>
+                                      <p:cBhvr>
+                                        <p:cTn id="11" dur="1" fill="hold">
+                                          <p:stCondLst>
+                                            <p:cond delay="0"/>
+                                          </p:stCondLst>
+                                        </p:cTn>
+                                        <p:tgtEl>
+                                          <p:spTgt spid="9"/>
+                                        </p:tgtEl>
+                                        <p:attrNameLst>
+                                          <p:attrName>style.visibility</p:attrName>
+                                        </p:attrNameLst>
+                                      </p:cBhvr>
+                                      <p:to>
+                                        <p:strVal val="visible"/>
+                                      </p:to>
+                                    </p:set>
+                                    <p:animEffect transition="in" filter="fade">
+                                      <p:cBhvr>
+                                        <p:cTn id="12" dur="500"/>
+                                        <p:tgtEl>
+                                          <p:spTgt spid="9"/>
+                                        </p:tgtEl>
+                                      </p:cBhvr>
+                                    </p:animEffect>
+                                  </p:childTnLst>
+                                </p:cTn>
+                              </p:par>
+                            </p:childTnLst>
+                          </p:cTn>
+                        </p:par>
+                      </p:childTnLst>
+                    </p:cTn>
+                  </p:par>
+                </p:childTnLst>
+              </p:cTn>
+              <p:prevCondLst>
+                <p:cond evt="onPrev" delay="0">
+                  <p:tgtEl>
+                    <p:sldTgt/>
+                  </p:tgtEl>
+                </p:cond>
+              </p:prevCondLst>
+              <p:nextCondLst>
+                <p:cond evt="onNext" delay="0">
+                  <p:tgtEl>
+                    <p:sldTgt/>
+                  </p:tgtEl>
+                </p:cond>
+              </p:nextCondLst>
+            </p:seq>
+          </p:childTnLst>
+        </p:cTn>
+      </p:par>
+    </p:tnLst>
+  </p:timing>
+</p:sld>
+</file>
+
+<file path=ppt/slides/slide19.xml><?xml version="1.0" encoding="utf-8"?>
+<p:sld xmlns:a="http://schemas.openxmlformats.org/drawingml/2006/main" xmlns:r="http://schemas.openxmlformats.org/officeDocument/2006/relationships" xmlns:p="http://schemas.openxmlformats.org/presentationml/2006/main">
+  <p:cSld>
+    <p:spTree>
+      <p:nvGrpSpPr>
+        <p:cNvPr id="1" name=""/>
+        <p:cNvGrpSpPr/>
+        <p:nvPr/>
+      </p:nvGrpSpPr>
+      <p:grpSpPr>
+        <a:xfrm>
+          <a:off x="0" y="0"/>
+          <a:ext cx="0" cy="0"/>
+          <a:chOff x="0" y="0"/>
+          <a:chExt cx="0" cy="0"/>
+        </a:xfrm>
+      </p:grpSpPr>
+      <p:sp>
+        <p:nvSpPr>
+          <p:cNvPr id="2" name="Title 1">
+            <a:extLst>
+              <a:ext uri="{FF2B5EF4-FFF2-40B4-BE49-F238E27FC236}">
+                <a16:creationId xmlns:a16="http://schemas.microsoft.com/office/drawing/2014/main" id="{78768053-E11D-493A-B5C4-5113929854CF}"/>
+              </a:ext>
+            </a:extLst>
+          </p:cNvPr>
+          <p:cNvSpPr>
+            <a:spLocks noGrp="1"/>
+          </p:cNvSpPr>
+          <p:nvPr>
+            <p:ph type="title"/>
+          </p:nvPr>
+        </p:nvSpPr>
+        <p:spPr/>
+        <p:txBody>
+          <a:bodyPr/>
+          <a:lstStyle/>
+          <a:p>
+            <a:r>
+              <a:rPr lang="en-US" dirty="0"/>
+              <a:t>Riboflavin Data</a:t>
+            </a:r>
+            <a:endParaRPr lang="en-CA" dirty="0"/>
+          </a:p>
+        </p:txBody>
+      </p:sp>
       <mc:AlternateContent xmlns:mc="http://schemas.openxmlformats.org/markup-compatibility/2006">
         <mc:Choice xmlns:a14="http://schemas.microsoft.com/office/drawing/2010/main" Requires="a14">
-          <p:graphicFrame>
-            <p:nvGraphicFramePr>
-              <p:cNvPr id="4" name="Table 4">
+          <p:sp>
+            <p:nvSpPr>
+              <p:cNvPr id="3" name="Content Placeholder 2">
                 <a:extLst>
                   <a:ext uri="{FF2B5EF4-FFF2-40B4-BE49-F238E27FC236}">
-                    <a16:creationId xmlns:a16="http://schemas.microsoft.com/office/drawing/2014/main" id="{1BE8FCA0-F26E-4D52-A775-AF67A31A2758}"/>
+                    <a16:creationId xmlns:a16="http://schemas.microsoft.com/office/drawing/2014/main" id="{670C204C-4CDA-48C2-AB18-F275B6DDAC63}"/>
                   </a:ext>
                 </a:extLst>
               </p:cNvPr>
-              <p:cNvGraphicFramePr>
-                <a:graphicFrameLocks noGrp="1"/>
-              </p:cNvGraphicFramePr>
+              <p:cNvSpPr>
+                <a:spLocks noGrp="1"/>
+              </p:cNvSpPr>
               <p:nvPr>
-                <p:extLst>
-                  <p:ext uri="{D42A27DB-BD31-4B8C-83A1-F6EECF244321}">
-                    <p14:modId xmlns:p14="http://schemas.microsoft.com/office/powerpoint/2010/main" val="2204221462"/>
-                  </p:ext>
-                </p:extLst>
+                <p:ph idx="1"/>
               </p:nvPr>
-            </p:nvGraphicFramePr>
-            <p:xfrm>
-              <a:off x="1615089" y="4001294"/>
-              <a:ext cx="8961822" cy="1771206"/>
-            </p:xfrm>
-            <a:graphic>
-              <a:graphicData uri="http://schemas.openxmlformats.org/drawingml/2006/table">
-                <a:tbl>
-                  <a:tblPr>
-                    <a:tableStyleId>{073A0DAA-6AF3-43AB-8588-CEC1D06C72B9}</a:tableStyleId>
-                  </a:tblPr>
-                  <a:tblGrid>
-                    <a:gridCol w="4480911">
-                      <a:extLst>
-                        <a:ext uri="{9D8B030D-6E8A-4147-A177-3AD203B41FA5}">
-                          <a16:colId xmlns:a16="http://schemas.microsoft.com/office/drawing/2014/main" val="705846906"/>
-                        </a:ext>
-                      </a:extLst>
-                    </a:gridCol>
-                    <a:gridCol w="4480911">
-                      <a:extLst>
-                        <a:ext uri="{9D8B030D-6E8A-4147-A177-3AD203B41FA5}">
-                          <a16:colId xmlns:a16="http://schemas.microsoft.com/office/drawing/2014/main" val="1624902210"/>
-                        </a:ext>
-                      </a:extLst>
-                    </a:gridCol>
-                  </a:tblGrid>
-                  <a:tr h="370840">
-                    <a:tc>
-                      <a:txBody>
-                        <a:bodyPr/>
-                        <a:lstStyle/>
-                        <a:p>
-                          <a:pPr marL="457200" indent="-457200" algn="ctr">
-                            <a:buFont typeface="Arial" panose="020B0604020202020204" pitchFamily="34" charset="0"/>
-                            <a:buChar char="•"/>
-                          </a:pPr>
-                          <a14:m>
-                            <m:oMath xmlns:m="http://schemas.openxmlformats.org/officeDocument/2006/math">
-                              <m:r>
-                                <a:rPr lang="en-CA" sz="3200" smtClean="0"/>
-                                <m:t>𝑍</m:t>
-                              </m:r>
-                              <m:r>
-                                <a:rPr lang="en-CA" sz="3200" smtClean="0"/>
-                                <m:t>=</m:t>
-                              </m:r>
-                              <m:r>
-                                <m:rPr>
-                                  <m:sty m:val="p"/>
-                                </m:rPr>
-                                <a:rPr lang="en-CA" sz="3200" smtClean="0"/>
-                                <m:t>X</m:t>
-                              </m:r>
-                              <m:r>
-                                <a:rPr lang="en-CA" sz="3200" smtClean="0"/>
-                                <m:t>𝛽</m:t>
-                              </m:r>
-                              <m:r>
-                                <a:rPr lang="en-CA" sz="3200" smtClean="0"/>
-                                <m:t>+</m:t>
-                              </m:r>
-                              <m:r>
-                                <a:rPr lang="en-CA" sz="3200" smtClean="0"/>
-                                <m:t>𝜎𝜀</m:t>
-                              </m:r>
-                            </m:oMath>
-                          </a14:m>
-                          <a:endParaRPr lang="en-CA" sz="3200" dirty="0"/>
-                        </a:p>
-                      </a:txBody>
-                      <a:tcPr/>
-                    </a:tc>
-                    <a:tc>
-                      <a:txBody>
-                        <a:bodyPr/>
-                        <a:lstStyle/>
-                        <a:p>
-                          <a:pPr marL="457200" marR="0" lvl="0" indent="-457200" algn="ctr" defTabSz="914400" rtl="0" eaLnBrk="1" fontAlgn="auto" latinLnBrk="0" hangingPunct="1">
-                            <a:lnSpc>
-                              <a:spcPct val="100000"/>
-                            </a:lnSpc>
-                            <a:spcBef>
-                              <a:spcPts val="0"/>
-                            </a:spcBef>
-                            <a:spcAft>
-                              <a:spcPts val="0"/>
-                            </a:spcAft>
-                            <a:buClrTx/>
-                            <a:buSzTx/>
-                            <a:buFont typeface="Arial" panose="020B0604020202020204" pitchFamily="34" charset="0"/>
-                            <a:buChar char="•"/>
-                            <a:tabLst/>
-                            <a:defRPr/>
-                          </a:pPr>
-                          <a14:m>
-                            <m:oMath xmlns:m="http://schemas.openxmlformats.org/officeDocument/2006/math">
-                              <m:r>
-                                <a:rPr lang="en-CA" sz="3200" smtClean="0"/>
-                                <m:t>𝑛</m:t>
-                              </m:r>
-                              <m:r>
-                                <a:rPr lang="en-CA" sz="3200" smtClean="0"/>
-                                <m:t>=100</m:t>
-                              </m:r>
-                            </m:oMath>
-                          </a14:m>
-                          <a:endParaRPr lang="en-CA" sz="3200" dirty="0"/>
-                        </a:p>
-                      </a:txBody>
-                      <a:tcPr/>
-                    </a:tc>
-                    <a:extLst>
-                      <a:ext uri="{0D108BD9-81ED-4DB2-BD59-A6C34878D82A}">
-                        <a16:rowId xmlns:a16="http://schemas.microsoft.com/office/drawing/2014/main" val="13183627"/>
-                      </a:ext>
-                    </a:extLst>
-                  </a:tr>
-                  <a:tr h="370840">
-                    <a:tc>
-                      <a:txBody>
-                        <a:bodyPr/>
-                        <a:lstStyle/>
-                        <a:p>
-                          <a:pPr marL="457200" indent="-457200" algn="ctr">
-                            <a:buFont typeface="Arial" panose="020B0604020202020204" pitchFamily="34" charset="0"/>
-                            <a:buChar char="•"/>
-                          </a:pPr>
-                          <a14:m>
-                            <m:oMath xmlns:m="http://schemas.openxmlformats.org/officeDocument/2006/math">
-                              <m:r>
-                                <a:rPr lang="en-CA" sz="3200" smtClean="0"/>
-                                <m:t>𝜀</m:t>
-                              </m:r>
-                            </m:oMath>
-                          </a14:m>
-                          <a:r>
-                            <a:rPr lang="en-CA" sz="3200" dirty="0"/>
-                            <a:t> standard normal</a:t>
-                          </a:r>
-                        </a:p>
-                      </a:txBody>
-                      <a:tcPr/>
-                    </a:tc>
-                    <a:tc>
-                      <a:txBody>
-                        <a:bodyPr/>
-                        <a:lstStyle/>
-                        <a:p>
-                          <a:pPr marL="457200" indent="-457200" algn="ctr">
-                            <a:buFont typeface="Arial" panose="020B0604020202020204" pitchFamily="34" charset="0"/>
-                            <a:buChar char="•"/>
-                          </a:pPr>
-                          <a14:m>
-                            <m:oMath xmlns:m="http://schemas.openxmlformats.org/officeDocument/2006/math">
-                              <m:r>
-                                <a:rPr lang="en-CA" sz="3200" smtClean="0"/>
-                                <m:t>𝑌</m:t>
-                              </m:r>
-                              <m:r>
-                                <a:rPr lang="en-CA" sz="3200" smtClean="0"/>
-                                <m:t>=</m:t>
-                              </m:r>
-                              <m:sSubSup>
-                                <m:sSubSupPr>
-                                  <m:ctrlPr>
-                                    <a:rPr lang="en-CA" sz="3200" smtClean="0"/>
-                                  </m:ctrlPr>
-                                </m:sSubSupPr>
-                                <m:e>
-                                  <m:r>
-                                    <a:rPr lang="en-CA" sz="3200" smtClean="0"/>
-                                    <m:t>h</m:t>
-                                  </m:r>
-                                </m:e>
-                                <m:sub>
-                                  <m:r>
-                                    <a:rPr lang="en-CA" sz="3200" smtClean="0"/>
-                                    <m:t>0</m:t>
-                                  </m:r>
-                                </m:sub>
-                                <m:sup>
-                                  <m:r>
-                                    <a:rPr lang="en-CA" sz="3200" smtClean="0"/>
-                                    <m:t>−1</m:t>
-                                  </m:r>
-                                </m:sup>
-                              </m:sSubSup>
-                              <m:d>
-                                <m:dPr>
-                                  <m:ctrlPr>
-                                    <a:rPr lang="en-CA" sz="3200" smtClean="0"/>
-                                  </m:ctrlPr>
-                                </m:dPr>
-                                <m:e>
-                                  <m:r>
-                                    <a:rPr lang="en-CA" sz="3200" smtClean="0"/>
-                                    <m:t>𝑍</m:t>
-                                  </m:r>
-                                </m:e>
-                              </m:d>
-                              <m:r>
-                                <a:rPr lang="en-CA" sz="3200" smtClean="0"/>
-                                <m:t>=</m:t>
-                              </m:r>
-                              <m:func>
-                                <m:funcPr>
-                                  <m:ctrlPr>
-                                    <a:rPr lang="en-CA" sz="3200" smtClean="0"/>
-                                  </m:ctrlPr>
-                                </m:funcPr>
-                                <m:fName>
-                                  <m:r>
-                                    <m:rPr>
-                                      <m:sty m:val="p"/>
-                                    </m:rPr>
-                                    <a:rPr lang="en-CA" sz="3200" smtClean="0"/>
-                                    <m:t>exp</m:t>
-                                  </m:r>
-                                </m:fName>
-                                <m:e>
-                                  <m:d>
-                                    <m:dPr>
-                                      <m:ctrlPr>
-                                        <a:rPr lang="en-CA" sz="3200" smtClean="0"/>
-                                      </m:ctrlPr>
-                                    </m:dPr>
-                                    <m:e>
-                                      <m:r>
-                                        <a:rPr lang="en-CA" sz="3200" smtClean="0"/>
-                                        <m:t>𝑍</m:t>
-                                      </m:r>
-                                    </m:e>
-                                  </m:d>
-                                </m:e>
-                              </m:func>
-                            </m:oMath>
-                          </a14:m>
-                          <a:endParaRPr lang="en-CA" sz="3200" dirty="0"/>
-                        </a:p>
-                      </a:txBody>
-                      <a:tcPr/>
-                    </a:tc>
-                    <a:extLst>
-                      <a:ext uri="{0D108BD9-81ED-4DB2-BD59-A6C34878D82A}">
-                        <a16:rowId xmlns:a16="http://schemas.microsoft.com/office/drawing/2014/main" val="1894105132"/>
-                      </a:ext>
-                    </a:extLst>
-                  </a:tr>
-                  <a:tr h="370840">
-                    <a:tc>
-                      <a:txBody>
-                        <a:bodyPr/>
-                        <a:lstStyle/>
-                        <a:p>
-                          <a:pPr marL="457200" indent="-457200" algn="ctr">
-                            <a:buFont typeface="Arial" panose="020B0604020202020204" pitchFamily="34" charset="0"/>
-                            <a:buChar char="•"/>
-                          </a:pPr>
-                          <a14:m>
-                            <m:oMath xmlns:m="http://schemas.openxmlformats.org/officeDocument/2006/math">
-                              <m:r>
-                                <a:rPr lang="en-CA" sz="3200" smtClean="0"/>
-                                <m:t>𝛽</m:t>
-                              </m:r>
-                            </m:oMath>
-                          </a14:m>
-                          <a:r>
-                            <a:rPr lang="en-CA" sz="3200" dirty="0"/>
-                            <a:t> square-root sparse</a:t>
-                          </a:r>
-                        </a:p>
-                      </a:txBody>
-                      <a:tcPr/>
-                    </a:tc>
-                    <a:tc>
-                      <a:txBody>
-                        <a:bodyPr/>
-                        <a:lstStyle/>
-                        <a:p>
-                          <a:pPr marL="457200" indent="-457200" algn="ctr">
-                            <a:buFont typeface="Arial" panose="020B0604020202020204" pitchFamily="34" charset="0"/>
-                            <a:buChar char="•"/>
-                          </a:pPr>
-                          <a:endParaRPr lang="en-CA" sz="3200" dirty="0"/>
-                        </a:p>
-                      </a:txBody>
-                      <a:tcPr/>
-                    </a:tc>
-                    <a:extLst>
-                      <a:ext uri="{0D108BD9-81ED-4DB2-BD59-A6C34878D82A}">
-                        <a16:rowId xmlns:a16="http://schemas.microsoft.com/office/drawing/2014/main" val="1653310339"/>
-                      </a:ext>
-                    </a:extLst>
-                  </a:tr>
-                </a:tbl>
-              </a:graphicData>
-            </a:graphic>
-          </p:graphicFrame>
+            </p:nvSpPr>
+            <p:spPr/>
+            <p:txBody>
+              <a:bodyPr/>
+              <a:lstStyle/>
+              <a:p>
+                <a:r>
+                  <a:rPr lang="en-US" dirty="0"/>
+                  <a:t>Interval for transformation parameter: </a:t>
+                </a:r>
+                <a14:m>
+                  <m:oMath xmlns:m="http://schemas.openxmlformats.org/officeDocument/2006/math">
+                    <m:r>
+                      <a:rPr lang="en-US" b="0" i="1" smtClean="0">
+                        <a:latin typeface="Cambria Math" panose="02040503050406030204" pitchFamily="18" charset="0"/>
+                      </a:rPr>
+                      <m:t>(0.30, 0.54)</m:t>
+                    </m:r>
+                  </m:oMath>
+                </a14:m>
+                <a:endParaRPr lang="en-US" dirty="0"/>
+              </a:p>
+              <a:p>
+                <a:pPr lvl="1"/>
+                <a:r>
+                  <a:rPr lang="en-US" dirty="0"/>
+                  <a:t>Favors </a:t>
+                </a:r>
+                <a14:m>
+                  <m:oMath xmlns:m="http://schemas.openxmlformats.org/officeDocument/2006/math">
+                    <m:rad>
+                      <m:radPr>
+                        <m:degHide m:val="on"/>
+                        <m:ctrlPr>
+                          <a:rPr lang="en-US" b="0" i="1" smtClean="0">
+                            <a:latin typeface="Cambria Math" panose="02040503050406030204" pitchFamily="18" charset="0"/>
+                          </a:rPr>
+                        </m:ctrlPr>
+                      </m:radPr>
+                      <m:deg/>
+                      <m:e>
+                        <m:r>
+                          <a:rPr lang="en-US" b="0" i="1" smtClean="0">
+                            <a:latin typeface="Cambria Math" panose="02040503050406030204" pitchFamily="18" charset="0"/>
+                          </a:rPr>
+                          <m:t>𝑌</m:t>
+                        </m:r>
+                      </m:e>
+                    </m:rad>
+                  </m:oMath>
+                </a14:m>
+                <a:endParaRPr lang="en-US" dirty="0"/>
+              </a:p>
+              <a:p>
+                <a:pPr lvl="1"/>
+                <a14:m>
+                  <m:oMath xmlns:m="http://schemas.openxmlformats.org/officeDocument/2006/math">
+                    <m:func>
+                      <m:funcPr>
+                        <m:ctrlPr>
+                          <a:rPr lang="en-US" b="0" i="1" smtClean="0">
+                            <a:latin typeface="Cambria Math" panose="02040503050406030204" pitchFamily="18" charset="0"/>
+                          </a:rPr>
+                        </m:ctrlPr>
+                      </m:funcPr>
+                      <m:fName>
+                        <m:r>
+                          <m:rPr>
+                            <m:sty m:val="p"/>
+                          </m:rPr>
+                          <a:rPr lang="en-US" b="0" i="0" smtClean="0">
+                            <a:latin typeface="Cambria Math" panose="02040503050406030204" pitchFamily="18" charset="0"/>
+                          </a:rPr>
+                          <m:t>log</m:t>
+                        </m:r>
+                      </m:fName>
+                      <m:e>
+                        <m:d>
+                          <m:dPr>
+                            <m:ctrlPr>
+                              <a:rPr lang="en-US" b="0" i="1" smtClean="0">
+                                <a:latin typeface="Cambria Math" panose="02040503050406030204" pitchFamily="18" charset="0"/>
+                              </a:rPr>
+                            </m:ctrlPr>
+                          </m:dPr>
+                          <m:e>
+                            <m:r>
+                              <a:rPr lang="en-US" b="0" i="1" smtClean="0">
+                                <a:latin typeface="Cambria Math" panose="02040503050406030204" pitchFamily="18" charset="0"/>
+                              </a:rPr>
+                              <m:t>𝑌</m:t>
+                            </m:r>
+                          </m:e>
+                        </m:d>
+                      </m:e>
+                    </m:func>
+                  </m:oMath>
+                </a14:m>
+                <a:r>
+                  <a:rPr lang="en-US" dirty="0"/>
+                  <a:t> well outside interval</a:t>
+                </a:r>
+              </a:p>
+              <a:p>
+                <a:endParaRPr lang="en-US" dirty="0"/>
+              </a:p>
+              <a:p>
+                <a:r>
+                  <a:rPr lang="en-US" dirty="0"/>
+                  <a:t>Disclaimer: This is not valid inference!!!</a:t>
+                </a:r>
+              </a:p>
+              <a:p>
+                <a:pPr lvl="1"/>
+                <a:r>
+                  <a:rPr lang="en-US" dirty="0"/>
+                  <a:t>Not explicitly doing maximum likelihood</a:t>
+                </a:r>
+              </a:p>
+              <a:p>
+                <a:endParaRPr lang="en-US" dirty="0"/>
+              </a:p>
+              <a:p>
+                <a:endParaRPr lang="en-US" dirty="0"/>
+              </a:p>
+            </p:txBody>
+          </p:sp>
         </mc:Choice>
         <mc:Fallback>
-          <p:graphicFrame>
-            <p:nvGraphicFramePr>
-              <p:cNvPr id="4" name="Table 4">
+          <p:sp>
+            <p:nvSpPr>
+              <p:cNvPr id="3" name="Content Placeholder 2">
                 <a:extLst>
                   <a:ext uri="{FF2B5EF4-FFF2-40B4-BE49-F238E27FC236}">
-                    <a16:creationId xmlns:a16="http://schemas.microsoft.com/office/drawing/2014/main" id="{1BE8FCA0-F26E-4D52-A775-AF67A31A2758}"/>
+                    <a16:creationId xmlns:a16="http://schemas.microsoft.com/office/drawing/2014/main" id="{670C204C-4CDA-48C2-AB18-F275B6DDAC63}"/>
                   </a:ext>
                 </a:extLst>
               </p:cNvPr>
-              <p:cNvGraphicFramePr>
-                <a:graphicFrameLocks noGrp="1"/>
-              </p:cNvGraphicFramePr>
+              <p:cNvSpPr>
+                <a:spLocks noGrp="1" noRot="1" noChangeAspect="1" noMove="1" noResize="1" noEditPoints="1" noAdjustHandles="1" noChangeArrowheads="1" noChangeShapeType="1" noTextEdit="1"/>
+              </p:cNvSpPr>
               <p:nvPr>
-                <p:extLst>
-                  <p:ext uri="{D42A27DB-BD31-4B8C-83A1-F6EECF244321}">
-                    <p14:modId xmlns:p14="http://schemas.microsoft.com/office/powerpoint/2010/main" val="2204221462"/>
-                  </p:ext>
-                </p:extLst>
+                <p:ph idx="1"/>
               </p:nvPr>
-            </p:nvGraphicFramePr>
-            <p:xfrm>
-              <a:off x="1615089" y="4001294"/>
-              <a:ext cx="8961822" cy="1771206"/>
-            </p:xfrm>
-            <a:graphic>
-              <a:graphicData uri="http://schemas.openxmlformats.org/drawingml/2006/table">
-                <a:tbl>
-                  <a:tblPr>
-                    <a:tableStyleId>{073A0DAA-6AF3-43AB-8588-CEC1D06C72B9}</a:tableStyleId>
-                  </a:tblPr>
-                  <a:tblGrid>
-                    <a:gridCol w="4480911">
-                      <a:extLst>
-                        <a:ext uri="{9D8B030D-6E8A-4147-A177-3AD203B41FA5}">
-                          <a16:colId xmlns:a16="http://schemas.microsoft.com/office/drawing/2014/main" val="705846906"/>
-                        </a:ext>
-                      </a:extLst>
-                    </a:gridCol>
-                    <a:gridCol w="4480911">
-                      <a:extLst>
-                        <a:ext uri="{9D8B030D-6E8A-4147-A177-3AD203B41FA5}">
-                          <a16:colId xmlns:a16="http://schemas.microsoft.com/office/drawing/2014/main" val="1624902210"/>
-                        </a:ext>
-                      </a:extLst>
-                    </a:gridCol>
-                  </a:tblGrid>
-                  <a:tr h="579120">
-                    <a:tc>
-                      <a:txBody>
-                        <a:bodyPr/>
-                        <a:lstStyle/>
-                        <a:p>
-                          <a:endParaRPr lang="en-US"/>
-                        </a:p>
-                      </a:txBody>
-                      <a:tcPr>
-                        <a:blipFill>
-                          <a:blip r:embed="rId3"/>
-                          <a:stretch>
-                            <a:fillRect l="-136" t="-1053" r="-100272" b="-242105"/>
-                          </a:stretch>
-                        </a:blipFill>
-                      </a:tcPr>
-                    </a:tc>
-                    <a:tc>
-                      <a:txBody>
-                        <a:bodyPr/>
-                        <a:lstStyle/>
-                        <a:p>
-                          <a:endParaRPr lang="en-US"/>
-                        </a:p>
-                      </a:txBody>
-                      <a:tcPr>
-                        <a:blipFill>
-                          <a:blip r:embed="rId3"/>
-                          <a:stretch>
-                            <a:fillRect l="-100136" t="-1053" r="-272" b="-242105"/>
-                          </a:stretch>
-                        </a:blipFill>
-                      </a:tcPr>
-                    </a:tc>
-                    <a:extLst>
-                      <a:ext uri="{0D108BD9-81ED-4DB2-BD59-A6C34878D82A}">
-                        <a16:rowId xmlns:a16="http://schemas.microsoft.com/office/drawing/2014/main" val="13183627"/>
-                      </a:ext>
-                    </a:extLst>
-                  </a:tr>
-                  <a:tr h="612966">
-                    <a:tc>
-                      <a:txBody>
-                        <a:bodyPr/>
-                        <a:lstStyle/>
-                        <a:p>
-                          <a:endParaRPr lang="en-US"/>
-                        </a:p>
-                      </a:txBody>
-                      <a:tcPr>
-                        <a:blipFill>
-                          <a:blip r:embed="rId3"/>
-                          <a:stretch>
-                            <a:fillRect l="-136" t="-95050" r="-100272" b="-127723"/>
-                          </a:stretch>
-                        </a:blipFill>
-                      </a:tcPr>
-                    </a:tc>
-                    <a:tc>
-                      <a:txBody>
-                        <a:bodyPr/>
-                        <a:lstStyle/>
-                        <a:p>
-                          <a:endParaRPr lang="en-US"/>
-                        </a:p>
-                      </a:txBody>
-                      <a:tcPr>
-                        <a:blipFill>
-                          <a:blip r:embed="rId3"/>
-                          <a:stretch>
-                            <a:fillRect l="-100136" t="-95050" r="-272" b="-127723"/>
-                          </a:stretch>
-                        </a:blipFill>
-                      </a:tcPr>
-                    </a:tc>
-                    <a:extLst>
-                      <a:ext uri="{0D108BD9-81ED-4DB2-BD59-A6C34878D82A}">
-                        <a16:rowId xmlns:a16="http://schemas.microsoft.com/office/drawing/2014/main" val="1894105132"/>
-                      </a:ext>
-                    </a:extLst>
-                  </a:tr>
-                  <a:tr h="579120">
-                    <a:tc>
-                      <a:txBody>
-                        <a:bodyPr/>
-                        <a:lstStyle/>
-                        <a:p>
-                          <a:endParaRPr lang="en-US"/>
-                        </a:p>
-                      </a:txBody>
-                      <a:tcPr>
-                        <a:blipFill>
-                          <a:blip r:embed="rId3"/>
-                          <a:stretch>
-                            <a:fillRect l="-136" t="-207368" r="-100272" b="-35789"/>
-                          </a:stretch>
-                        </a:blipFill>
-                      </a:tcPr>
-                    </a:tc>
-                    <a:tc>
-                      <a:txBody>
-                        <a:bodyPr/>
-                        <a:lstStyle/>
-                        <a:p>
-                          <a:pPr marL="457200" indent="-457200" algn="ctr">
-                            <a:buFont typeface="Arial" panose="020B0604020202020204" pitchFamily="34" charset="0"/>
-                            <a:buChar char="•"/>
-                          </a:pPr>
-                          <a:endParaRPr lang="en-CA" sz="3200" dirty="0"/>
-                        </a:p>
-                      </a:txBody>
-                      <a:tcPr/>
-                    </a:tc>
-                    <a:extLst>
-                      <a:ext uri="{0D108BD9-81ED-4DB2-BD59-A6C34878D82A}">
-                        <a16:rowId xmlns:a16="http://schemas.microsoft.com/office/drawing/2014/main" val="1653310339"/>
-                      </a:ext>
-                    </a:extLst>
-                  </a:tr>
-                </a:tbl>
-              </a:graphicData>
-            </a:graphic>
-          </p:graphicFrame>
+            </p:nvSpPr>
+            <p:spPr>
+              <a:blipFill>
+                <a:blip r:embed="rId2"/>
+                <a:stretch>
+                  <a:fillRect l="-1333" t="-2801"/>
+                </a:stretch>
+              </a:blipFill>
+            </p:spPr>
+            <p:txBody>
+              <a:bodyPr/>
+              <a:lstStyle/>
+              <a:p>
+                <a:r>
+                  <a:rPr lang="en-CA">
+                    <a:noFill/>
+                  </a:rPr>
+                  <a:t> </a:t>
+                </a:r>
+              </a:p>
+            </p:txBody>
+          </p:sp>
         </mc:Fallback>
       </mc:AlternateContent>
     </p:spTree>
     <p:extLst>
       <p:ext uri="{BB962C8B-B14F-4D97-AF65-F5344CB8AC3E}">
-        <p14:creationId xmlns:p14="http://schemas.microsoft.com/office/powerpoint/2010/main" val="515403854"/>
+        <p14:creationId xmlns:p14="http://schemas.microsoft.com/office/powerpoint/2010/main" val="331607481"/>
       </p:ext>
     </p:extLst>
   </p:cSld>
@@ -8041,6 +8301,2944 @@
 </file>
 
 <file path=ppt/slides/slide2.xml><?xml version="1.0" encoding="utf-8"?>
+<p:sld xmlns:a="http://schemas.openxmlformats.org/drawingml/2006/main" xmlns:r="http://schemas.openxmlformats.org/officeDocument/2006/relationships" xmlns:p="http://schemas.openxmlformats.org/presentationml/2006/main">
+  <p:cSld>
+    <p:spTree>
+      <p:nvGrpSpPr>
+        <p:cNvPr id="1" name=""/>
+        <p:cNvGrpSpPr/>
+        <p:nvPr/>
+      </p:nvGrpSpPr>
+      <p:grpSpPr>
+        <a:xfrm>
+          <a:off x="0" y="0"/>
+          <a:ext cx="0" cy="0"/>
+          <a:chOff x="0" y="0"/>
+          <a:chExt cx="0" cy="0"/>
+        </a:xfrm>
+      </p:grpSpPr>
+      <p:sp>
+        <p:nvSpPr>
+          <p:cNvPr id="2" name="Title 1">
+            <a:extLst>
+              <a:ext uri="{FF2B5EF4-FFF2-40B4-BE49-F238E27FC236}">
+                <a16:creationId xmlns:a16="http://schemas.microsoft.com/office/drawing/2014/main" id="{43EEA365-B023-4B12-80D2-5BF368657EED}"/>
+              </a:ext>
+            </a:extLst>
+          </p:cNvPr>
+          <p:cNvSpPr>
+            <a:spLocks noGrp="1"/>
+          </p:cNvSpPr>
+          <p:nvPr>
+            <p:ph type="title"/>
+          </p:nvPr>
+        </p:nvSpPr>
+        <p:spPr/>
+        <p:txBody>
+          <a:bodyPr/>
+          <a:lstStyle/>
+          <a:p>
+            <a:r>
+              <a:rPr lang="en-CA" dirty="0"/>
+              <a:t>Outline</a:t>
+            </a:r>
+          </a:p>
+        </p:txBody>
+      </p:sp>
+      <p:sp>
+        <p:nvSpPr>
+          <p:cNvPr id="3" name="Content Placeholder 2">
+            <a:extLst>
+              <a:ext uri="{FF2B5EF4-FFF2-40B4-BE49-F238E27FC236}">
+                <a16:creationId xmlns:a16="http://schemas.microsoft.com/office/drawing/2014/main" id="{3150A095-1FE4-4260-9DDF-C713010A55AE}"/>
+              </a:ext>
+            </a:extLst>
+          </p:cNvPr>
+          <p:cNvSpPr>
+            <a:spLocks noGrp="1"/>
+          </p:cNvSpPr>
+          <p:nvPr>
+            <p:ph idx="1"/>
+          </p:nvPr>
+        </p:nvSpPr>
+        <p:spPr/>
+        <p:txBody>
+          <a:bodyPr>
+            <a:normAutofit lnSpcReduction="10000"/>
+          </a:bodyPr>
+          <a:lstStyle/>
+          <a:p>
+            <a:r>
+              <a:rPr lang="en-CA" dirty="0"/>
+              <a:t>Riboflavin Data Example</a:t>
+            </a:r>
+          </a:p>
+          <a:p>
+            <a:endParaRPr lang="en-CA" dirty="0"/>
+          </a:p>
+          <a:p>
+            <a:r>
+              <a:rPr lang="en-CA" dirty="0"/>
+              <a:t>Introduction</a:t>
+            </a:r>
+          </a:p>
+          <a:p>
+            <a:pPr lvl="1"/>
+            <a:r>
+              <a:rPr lang="en-CA" dirty="0"/>
+              <a:t>Box-Cox</a:t>
+            </a:r>
+          </a:p>
+          <a:p>
+            <a:pPr lvl="1"/>
+            <a:r>
+              <a:rPr lang="en-CA" dirty="0"/>
+              <a:t>LASSO</a:t>
+            </a:r>
+          </a:p>
+          <a:p>
+            <a:pPr lvl="1"/>
+            <a:endParaRPr lang="en-CA" dirty="0"/>
+          </a:p>
+          <a:p>
+            <a:r>
+              <a:rPr lang="en-CA" dirty="0"/>
+              <a:t>Box-Cox with LASSO</a:t>
+            </a:r>
+          </a:p>
+          <a:p>
+            <a:pPr lvl="1"/>
+            <a:r>
+              <a:rPr lang="en-CA" dirty="0"/>
+              <a:t>Residual Substitution</a:t>
+            </a:r>
+          </a:p>
+          <a:p>
+            <a:pPr lvl="1"/>
+            <a:r>
+              <a:rPr lang="en-CA" dirty="0"/>
+              <a:t>Penalized Likelihood</a:t>
+            </a:r>
+          </a:p>
+          <a:p>
+            <a:endParaRPr lang="en-CA" dirty="0"/>
+          </a:p>
+        </p:txBody>
+      </p:sp>
+    </p:spTree>
+    <p:extLst>
+      <p:ext uri="{BB962C8B-B14F-4D97-AF65-F5344CB8AC3E}">
+        <p14:creationId xmlns:p14="http://schemas.microsoft.com/office/powerpoint/2010/main" val="2360538020"/>
+      </p:ext>
+    </p:extLst>
+  </p:cSld>
+  <p:clrMapOvr>
+    <a:masterClrMapping/>
+  </p:clrMapOvr>
+</p:sld>
+</file>
+
+<file path=ppt/slides/slide20.xml><?xml version="1.0" encoding="utf-8"?>
+<p:sld xmlns:a="http://schemas.openxmlformats.org/drawingml/2006/main" xmlns:r="http://schemas.openxmlformats.org/officeDocument/2006/relationships" xmlns:p="http://schemas.openxmlformats.org/presentationml/2006/main">
+  <p:cSld>
+    <p:spTree>
+      <p:nvGrpSpPr>
+        <p:cNvPr id="1" name=""/>
+        <p:cNvGrpSpPr/>
+        <p:nvPr/>
+      </p:nvGrpSpPr>
+      <p:grpSpPr>
+        <a:xfrm>
+          <a:off x="0" y="0"/>
+          <a:ext cx="0" cy="0"/>
+          <a:chOff x="0" y="0"/>
+          <a:chExt cx="0" cy="0"/>
+        </a:xfrm>
+      </p:grpSpPr>
+      <p:sp>
+        <p:nvSpPr>
+          <p:cNvPr id="2" name="Title 1">
+            <a:extLst>
+              <a:ext uri="{FF2B5EF4-FFF2-40B4-BE49-F238E27FC236}">
+                <a16:creationId xmlns:a16="http://schemas.microsoft.com/office/drawing/2014/main" id="{914BECA9-FB5C-4ABC-B2A7-DDFBCB0380AF}"/>
+              </a:ext>
+            </a:extLst>
+          </p:cNvPr>
+          <p:cNvSpPr>
+            <a:spLocks noGrp="1"/>
+          </p:cNvSpPr>
+          <p:nvPr>
+            <p:ph type="title"/>
+          </p:nvPr>
+        </p:nvSpPr>
+        <p:spPr/>
+        <p:txBody>
+          <a:bodyPr/>
+          <a:lstStyle/>
+          <a:p>
+            <a:r>
+              <a:rPr lang="en-CA" dirty="0"/>
+              <a:t>Residual Substitution: Problem</a:t>
+            </a:r>
+          </a:p>
+        </p:txBody>
+      </p:sp>
+      <p:sp>
+        <p:nvSpPr>
+          <p:cNvPr id="3" name="Content Placeholder 2">
+            <a:extLst>
+              <a:ext uri="{FF2B5EF4-FFF2-40B4-BE49-F238E27FC236}">
+                <a16:creationId xmlns:a16="http://schemas.microsoft.com/office/drawing/2014/main" id="{EF6FEA31-8105-4416-8B86-8B267B81CF82}"/>
+              </a:ext>
+            </a:extLst>
+          </p:cNvPr>
+          <p:cNvSpPr>
+            <a:spLocks noGrp="1"/>
+          </p:cNvSpPr>
+          <p:nvPr>
+            <p:ph idx="1"/>
+          </p:nvPr>
+        </p:nvSpPr>
+        <p:spPr/>
+        <p:txBody>
+          <a:bodyPr/>
+          <a:lstStyle/>
+          <a:p>
+            <a:r>
+              <a:rPr lang="en-CA" dirty="0"/>
+              <a:t>The above approach is based on an analogy with LS:</a:t>
+            </a:r>
+          </a:p>
+          <a:p>
+            <a:endParaRPr lang="en-CA" dirty="0"/>
+          </a:p>
+          <a:p>
+            <a:r>
+              <a:rPr lang="en-CA" dirty="0"/>
+              <a:t>Start with LS likelihood</a:t>
+            </a:r>
+          </a:p>
+          <a:p>
+            <a:endParaRPr lang="en-CA" dirty="0"/>
+          </a:p>
+          <a:p>
+            <a:endParaRPr lang="en-CA" dirty="0"/>
+          </a:p>
+          <a:p>
+            <a:endParaRPr lang="en-CA" dirty="0"/>
+          </a:p>
+        </p:txBody>
+      </p:sp>
+    </p:spTree>
+    <p:extLst>
+      <p:ext uri="{BB962C8B-B14F-4D97-AF65-F5344CB8AC3E}">
+        <p14:creationId xmlns:p14="http://schemas.microsoft.com/office/powerpoint/2010/main" val="1374851941"/>
+      </p:ext>
+    </p:extLst>
+  </p:cSld>
+  <p:clrMapOvr>
+    <a:masterClrMapping/>
+  </p:clrMapOvr>
+</p:sld>
+</file>
+
+<file path=ppt/slides/slide21.xml><?xml version="1.0" encoding="utf-8"?>
+<p:sld xmlns:a="http://schemas.openxmlformats.org/drawingml/2006/main" xmlns:r="http://schemas.openxmlformats.org/officeDocument/2006/relationships" xmlns:p="http://schemas.openxmlformats.org/presentationml/2006/main">
+  <p:cSld>
+    <p:spTree>
+      <p:nvGrpSpPr>
+        <p:cNvPr id="1" name=""/>
+        <p:cNvGrpSpPr/>
+        <p:nvPr/>
+      </p:nvGrpSpPr>
+      <p:grpSpPr>
+        <a:xfrm>
+          <a:off x="0" y="0"/>
+          <a:ext cx="0" cy="0"/>
+          <a:chOff x="0" y="0"/>
+          <a:chExt cx="0" cy="0"/>
+        </a:xfrm>
+      </p:grpSpPr>
+      <p:sp>
+        <p:nvSpPr>
+          <p:cNvPr id="2" name="Title 1">
+            <a:extLst>
+              <a:ext uri="{FF2B5EF4-FFF2-40B4-BE49-F238E27FC236}">
+                <a16:creationId xmlns:a16="http://schemas.microsoft.com/office/drawing/2014/main" id="{194B96B1-613A-41C9-BE6A-0D107FCA2C18}"/>
+              </a:ext>
+            </a:extLst>
+          </p:cNvPr>
+          <p:cNvSpPr>
+            <a:spLocks noGrp="1"/>
+          </p:cNvSpPr>
+          <p:nvPr>
+            <p:ph type="title"/>
+          </p:nvPr>
+        </p:nvSpPr>
+        <p:spPr/>
+        <p:txBody>
+          <a:bodyPr/>
+          <a:lstStyle/>
+          <a:p>
+            <a:r>
+              <a:rPr lang="en-CA" dirty="0"/>
+              <a:t>Residual Substitution: Problem</a:t>
+            </a:r>
+          </a:p>
+        </p:txBody>
+      </p:sp>
+      <mc:AlternateContent xmlns:mc="http://schemas.openxmlformats.org/markup-compatibility/2006" xmlns:a14="http://schemas.microsoft.com/office/drawing/2010/main">
+        <mc:Choice Requires="a14">
+          <p:sp>
+            <p:nvSpPr>
+              <p:cNvPr id="3" name="Content Placeholder 2">
+                <a:extLst>
+                  <a:ext uri="{FF2B5EF4-FFF2-40B4-BE49-F238E27FC236}">
+                    <a16:creationId xmlns:a16="http://schemas.microsoft.com/office/drawing/2014/main" id="{B09E1F0F-F42E-4E54-B5FC-7895815740EE}"/>
+                  </a:ext>
+                </a:extLst>
+              </p:cNvPr>
+              <p:cNvSpPr>
+                <a:spLocks noGrp="1"/>
+              </p:cNvSpPr>
+              <p:nvPr>
+                <p:ph idx="1"/>
+              </p:nvPr>
+            </p:nvSpPr>
+            <p:spPr>
+              <a:xfrm>
+                <a:off x="838200" y="1825625"/>
+                <a:ext cx="10515600" cy="4351338"/>
+              </a:xfrm>
+            </p:spPr>
+            <p:txBody>
+              <a:bodyPr/>
+              <a:lstStyle/>
+              <a:p>
+                <a:r>
+                  <a:rPr lang="en-CA" dirty="0"/>
+                  <a:t>LS profile likelihood</a:t>
+                </a:r>
+              </a:p>
+              <a:p>
+                <a:endParaRPr lang="en-CA" dirty="0"/>
+              </a:p>
+              <a:p>
+                <a:pPr marL="0" indent="0">
+                  <a:buNone/>
+                </a:pPr>
+                <a14:m>
+                  <m:oMathPara xmlns:m="http://schemas.openxmlformats.org/officeDocument/2006/math">
+                    <m:oMathParaPr>
+                      <m:jc m:val="centerGroup"/>
+                    </m:oMathParaPr>
+                    <m:oMath xmlns:m="http://schemas.openxmlformats.org/officeDocument/2006/math">
+                      <m:r>
+                        <a:rPr lang="en-CA" b="0" i="1" smtClean="0">
+                          <a:latin typeface="Cambria Math" panose="02040503050406030204" pitchFamily="18" charset="0"/>
+                        </a:rPr>
+                        <m:t>−</m:t>
+                      </m:r>
+                      <m:f>
+                        <m:fPr>
+                          <m:ctrlPr>
+                            <a:rPr lang="en-CA" b="0" i="1" smtClean="0">
+                              <a:latin typeface="Cambria Math" panose="02040503050406030204" pitchFamily="18" charset="0"/>
+                            </a:rPr>
+                          </m:ctrlPr>
+                        </m:fPr>
+                        <m:num>
+                          <m:r>
+                            <a:rPr lang="en-CA" b="0" i="1" smtClean="0">
+                              <a:latin typeface="Cambria Math" panose="02040503050406030204" pitchFamily="18" charset="0"/>
+                            </a:rPr>
+                            <m:t>𝑛</m:t>
+                          </m:r>
+                        </m:num>
+                        <m:den>
+                          <m:r>
+                            <a:rPr lang="en-CA" b="0" i="1" smtClean="0">
+                              <a:latin typeface="Cambria Math" panose="02040503050406030204" pitchFamily="18" charset="0"/>
+                            </a:rPr>
+                            <m:t>2</m:t>
+                          </m:r>
+                        </m:den>
+                      </m:f>
+                      <m:func>
+                        <m:funcPr>
+                          <m:ctrlPr>
+                            <a:rPr lang="en-CA" b="0" i="1" smtClean="0">
+                              <a:latin typeface="Cambria Math" panose="02040503050406030204" pitchFamily="18" charset="0"/>
+                            </a:rPr>
+                          </m:ctrlPr>
+                        </m:funcPr>
+                        <m:fName>
+                          <m:r>
+                            <m:rPr>
+                              <m:sty m:val="p"/>
+                            </m:rPr>
+                            <a:rPr lang="en-CA" b="0" i="0" smtClean="0">
+                              <a:latin typeface="Cambria Math" panose="02040503050406030204" pitchFamily="18" charset="0"/>
+                            </a:rPr>
+                            <m:t>log</m:t>
+                          </m:r>
+                        </m:fName>
+                        <m:e>
+                          <m:d>
+                            <m:dPr>
+                              <m:begChr m:val="["/>
+                              <m:endChr m:val="]"/>
+                              <m:ctrlPr>
+                                <a:rPr lang="en-CA" b="0" i="1" smtClean="0">
+                                  <a:latin typeface="Cambria Math" panose="02040503050406030204" pitchFamily="18" charset="0"/>
+                                </a:rPr>
+                              </m:ctrlPr>
+                            </m:dPr>
+                            <m:e>
+                              <m:r>
+                                <a:rPr lang="en-CA" b="0" i="1" smtClean="0">
+                                  <a:latin typeface="Cambria Math" panose="02040503050406030204" pitchFamily="18" charset="0"/>
+                                </a:rPr>
+                                <m:t>∑</m:t>
+                              </m:r>
+                              <m:sSup>
+                                <m:sSupPr>
+                                  <m:ctrlPr>
+                                    <a:rPr lang="en-CA" b="0" i="1" smtClean="0">
+                                      <a:latin typeface="Cambria Math" panose="02040503050406030204" pitchFamily="18" charset="0"/>
+                                    </a:rPr>
+                                  </m:ctrlPr>
+                                </m:sSupPr>
+                                <m:e>
+                                  <m:d>
+                                    <m:dPr>
+                                      <m:ctrlPr>
+                                        <a:rPr lang="en-CA" b="0" i="1" smtClean="0">
+                                          <a:latin typeface="Cambria Math" panose="02040503050406030204" pitchFamily="18" charset="0"/>
+                                        </a:rPr>
+                                      </m:ctrlPr>
+                                    </m:dPr>
+                                    <m:e>
+                                      <m:sSub>
+                                        <m:sSubPr>
+                                          <m:ctrlPr>
+                                            <a:rPr lang="en-CA" b="0" i="1" smtClean="0">
+                                              <a:latin typeface="Cambria Math" panose="02040503050406030204" pitchFamily="18" charset="0"/>
+                                            </a:rPr>
+                                          </m:ctrlPr>
+                                        </m:sSubPr>
+                                        <m:e>
+                                          <m:r>
+                                            <a:rPr lang="en-CA" b="0" i="1" smtClean="0">
+                                              <a:latin typeface="Cambria Math" panose="02040503050406030204" pitchFamily="18" charset="0"/>
+                                            </a:rPr>
+                                            <m:t>h</m:t>
+                                          </m:r>
+                                        </m:e>
+                                        <m:sub>
+                                          <m:r>
+                                            <a:rPr lang="en-CA" b="0" i="1" smtClean="0">
+                                              <a:latin typeface="Cambria Math" panose="02040503050406030204" pitchFamily="18" charset="0"/>
+                                            </a:rPr>
+                                            <m:t>𝛾</m:t>
+                                          </m:r>
+                                        </m:sub>
+                                      </m:sSub>
+                                      <m:d>
+                                        <m:dPr>
+                                          <m:ctrlPr>
+                                            <a:rPr lang="en-CA" b="0" i="1" smtClean="0">
+                                              <a:latin typeface="Cambria Math" panose="02040503050406030204" pitchFamily="18" charset="0"/>
+                                            </a:rPr>
+                                          </m:ctrlPr>
+                                        </m:dPr>
+                                        <m:e>
+                                          <m:sSub>
+                                            <m:sSubPr>
+                                              <m:ctrlPr>
+                                                <a:rPr lang="en-CA" b="0" i="1" smtClean="0">
+                                                  <a:latin typeface="Cambria Math" panose="02040503050406030204" pitchFamily="18" charset="0"/>
+                                                </a:rPr>
+                                              </m:ctrlPr>
+                                            </m:sSubPr>
+                                            <m:e>
+                                              <m:r>
+                                                <a:rPr lang="en-CA" b="0" i="1" smtClean="0">
+                                                  <a:latin typeface="Cambria Math" panose="02040503050406030204" pitchFamily="18" charset="0"/>
+                                                </a:rPr>
+                                                <m:t>𝑌</m:t>
+                                              </m:r>
+                                            </m:e>
+                                            <m:sub>
+                                              <m:r>
+                                                <a:rPr lang="en-CA" b="0" i="1" smtClean="0">
+                                                  <a:latin typeface="Cambria Math" panose="02040503050406030204" pitchFamily="18" charset="0"/>
+                                                </a:rPr>
+                                                <m:t>𝑖</m:t>
+                                              </m:r>
+                                            </m:sub>
+                                          </m:sSub>
+                                        </m:e>
+                                      </m:d>
+                                      <m:r>
+                                        <a:rPr lang="en-CA" b="0" i="1" smtClean="0">
+                                          <a:latin typeface="Cambria Math" panose="02040503050406030204" pitchFamily="18" charset="0"/>
+                                        </a:rPr>
+                                        <m:t>−</m:t>
+                                      </m:r>
+                                      <m:r>
+                                        <a:rPr lang="en-CA" b="0" i="1" smtClean="0">
+                                          <a:latin typeface="Cambria Math" panose="02040503050406030204" pitchFamily="18" charset="0"/>
+                                        </a:rPr>
+                                        <m:t>𝑋</m:t>
+                                      </m:r>
+                                      <m:sSub>
+                                        <m:sSubPr>
+                                          <m:ctrlPr>
+                                            <a:rPr lang="en-CA" b="0" i="1" smtClean="0">
+                                              <a:latin typeface="Cambria Math" panose="02040503050406030204" pitchFamily="18" charset="0"/>
+                                            </a:rPr>
+                                          </m:ctrlPr>
+                                        </m:sSubPr>
+                                        <m:e>
+                                          <m:acc>
+                                            <m:accPr>
+                                              <m:chr m:val="̂"/>
+                                              <m:ctrlPr>
+                                                <a:rPr lang="en-CA" b="0" i="1" smtClean="0">
+                                                  <a:latin typeface="Cambria Math" panose="02040503050406030204" pitchFamily="18" charset="0"/>
+                                                </a:rPr>
+                                              </m:ctrlPr>
+                                            </m:accPr>
+                                            <m:e>
+                                              <m:r>
+                                                <a:rPr lang="en-CA" b="0" i="1" smtClean="0">
+                                                  <a:latin typeface="Cambria Math" panose="02040503050406030204" pitchFamily="18" charset="0"/>
+                                                </a:rPr>
+                                                <m:t>𝛽</m:t>
+                                              </m:r>
+                                            </m:e>
+                                          </m:acc>
+                                        </m:e>
+                                        <m:sub>
+                                          <m:r>
+                                            <a:rPr lang="en-CA" b="0" i="1" smtClean="0">
+                                              <a:latin typeface="Cambria Math" panose="02040503050406030204" pitchFamily="18" charset="0"/>
+                                            </a:rPr>
+                                            <m:t>𝐿𝑆</m:t>
+                                          </m:r>
+                                        </m:sub>
+                                      </m:sSub>
+                                    </m:e>
+                                  </m:d>
+                                </m:e>
+                                <m:sup>
+                                  <m:r>
+                                    <a:rPr lang="en-CA" b="0" i="1" smtClean="0">
+                                      <a:latin typeface="Cambria Math" panose="02040503050406030204" pitchFamily="18" charset="0"/>
+                                    </a:rPr>
+                                    <m:t>2</m:t>
+                                  </m:r>
+                                </m:sup>
+                              </m:sSup>
+                            </m:e>
+                          </m:d>
+                        </m:e>
+                      </m:func>
+                      <m:r>
+                        <a:rPr lang="en-CA" b="0" i="1" smtClean="0">
+                          <a:latin typeface="Cambria Math" panose="02040503050406030204" pitchFamily="18" charset="0"/>
+                        </a:rPr>
+                        <m:t>+</m:t>
+                      </m:r>
+                      <m:d>
+                        <m:dPr>
+                          <m:ctrlPr>
+                            <a:rPr lang="en-CA" b="0" i="1" smtClean="0">
+                              <a:latin typeface="Cambria Math" panose="02040503050406030204" pitchFamily="18" charset="0"/>
+                            </a:rPr>
+                          </m:ctrlPr>
+                        </m:dPr>
+                        <m:e>
+                          <m:r>
+                            <a:rPr lang="en-CA" b="0" i="1" smtClean="0">
+                              <a:latin typeface="Cambria Math" panose="02040503050406030204" pitchFamily="18" charset="0"/>
+                            </a:rPr>
+                            <m:t>𝛾</m:t>
+                          </m:r>
+                          <m:r>
+                            <a:rPr lang="en-CA" b="0" i="1" smtClean="0">
+                              <a:latin typeface="Cambria Math" panose="02040503050406030204" pitchFamily="18" charset="0"/>
+                            </a:rPr>
+                            <m:t>−1</m:t>
+                          </m:r>
+                        </m:e>
+                      </m:d>
+                      <m:r>
+                        <a:rPr lang="en-CA" b="0" i="1" smtClean="0">
+                          <a:latin typeface="Cambria Math" panose="02040503050406030204" pitchFamily="18" charset="0"/>
+                        </a:rPr>
+                        <m:t>∑</m:t>
+                      </m:r>
+                      <m:func>
+                        <m:funcPr>
+                          <m:ctrlPr>
+                            <a:rPr lang="en-CA" i="1">
+                              <a:latin typeface="Cambria Math" panose="02040503050406030204" pitchFamily="18" charset="0"/>
+                            </a:rPr>
+                          </m:ctrlPr>
+                        </m:funcPr>
+                        <m:fName>
+                          <m:r>
+                            <m:rPr>
+                              <m:sty m:val="p"/>
+                            </m:rPr>
+                            <a:rPr lang="en-CA">
+                              <a:latin typeface="Cambria Math" panose="02040503050406030204" pitchFamily="18" charset="0"/>
+                            </a:rPr>
+                            <m:t>log</m:t>
+                          </m:r>
+                        </m:fName>
+                        <m:e>
+                          <m:d>
+                            <m:dPr>
+                              <m:ctrlPr>
+                                <a:rPr lang="en-CA" i="1">
+                                  <a:latin typeface="Cambria Math" panose="02040503050406030204" pitchFamily="18" charset="0"/>
+                                </a:rPr>
+                              </m:ctrlPr>
+                            </m:dPr>
+                            <m:e>
+                              <m:sSub>
+                                <m:sSubPr>
+                                  <m:ctrlPr>
+                                    <a:rPr lang="en-CA" i="1">
+                                      <a:latin typeface="Cambria Math" panose="02040503050406030204" pitchFamily="18" charset="0"/>
+                                    </a:rPr>
+                                  </m:ctrlPr>
+                                </m:sSubPr>
+                                <m:e>
+                                  <m:r>
+                                    <a:rPr lang="en-CA" i="1">
+                                      <a:latin typeface="Cambria Math" panose="02040503050406030204" pitchFamily="18" charset="0"/>
+                                    </a:rPr>
+                                    <m:t>𝑌</m:t>
+                                  </m:r>
+                                </m:e>
+                                <m:sub>
+                                  <m:r>
+                                    <a:rPr lang="en-CA" i="1">
+                                      <a:latin typeface="Cambria Math" panose="02040503050406030204" pitchFamily="18" charset="0"/>
+                                    </a:rPr>
+                                    <m:t>𝑖</m:t>
+                                  </m:r>
+                                </m:sub>
+                              </m:sSub>
+                            </m:e>
+                          </m:d>
+                        </m:e>
+                      </m:func>
+                    </m:oMath>
+                  </m:oMathPara>
+                </a14:m>
+                <a:endParaRPr lang="en-CA" dirty="0"/>
+              </a:p>
+            </p:txBody>
+          </p:sp>
+        </mc:Choice>
+        <mc:Fallback xmlns="">
+          <p:sp>
+            <p:nvSpPr>
+              <p:cNvPr id="3" name="Content Placeholder 2">
+                <a:extLst>
+                  <a:ext uri="{FF2B5EF4-FFF2-40B4-BE49-F238E27FC236}">
+                    <a16:creationId xmlns:a16="http://schemas.microsoft.com/office/drawing/2014/main" id="{B09E1F0F-F42E-4E54-B5FC-7895815740EE}"/>
+                  </a:ext>
+                </a:extLst>
+              </p:cNvPr>
+              <p:cNvSpPr>
+                <a:spLocks noGrp="1" noRot="1" noChangeAspect="1" noMove="1" noResize="1" noEditPoints="1" noAdjustHandles="1" noChangeArrowheads="1" noChangeShapeType="1" noTextEdit="1"/>
+              </p:cNvSpPr>
+              <p:nvPr>
+                <p:ph idx="1"/>
+              </p:nvPr>
+            </p:nvSpPr>
+            <p:spPr>
+              <a:xfrm>
+                <a:off x="838200" y="1825625"/>
+                <a:ext cx="10515600" cy="4351338"/>
+              </a:xfrm>
+              <a:blipFill>
+                <a:blip r:embed="rId2"/>
+                <a:stretch>
+                  <a:fillRect l="-1333" t="-2941"/>
+                </a:stretch>
+              </a:blipFill>
+            </p:spPr>
+            <p:txBody>
+              <a:bodyPr/>
+              <a:lstStyle/>
+              <a:p>
+                <a:r>
+                  <a:rPr lang="en-CA">
+                    <a:noFill/>
+                  </a:rPr>
+                  <a:t> </a:t>
+                </a:r>
+              </a:p>
+            </p:txBody>
+          </p:sp>
+        </mc:Fallback>
+      </mc:AlternateContent>
+      <p:sp>
+        <p:nvSpPr>
+          <p:cNvPr id="4" name="Right Brace 3">
+            <a:extLst>
+              <a:ext uri="{FF2B5EF4-FFF2-40B4-BE49-F238E27FC236}">
+                <a16:creationId xmlns:a16="http://schemas.microsoft.com/office/drawing/2014/main" id="{71C803A4-0FCD-4EAE-8499-D899A3F98CAE}"/>
+              </a:ext>
+            </a:extLst>
+          </p:cNvPr>
+          <p:cNvSpPr/>
+          <p:nvPr/>
+        </p:nvSpPr>
+        <p:spPr>
+          <a:xfrm rot="5400000">
+            <a:off x="4524866" y="1815846"/>
+            <a:ext cx="659876" cy="4223208"/>
+          </a:xfrm>
+          <a:prstGeom prst="rightBrace">
+            <a:avLst/>
+          </a:prstGeom>
+          <a:ln w="38100"/>
+        </p:spPr>
+        <p:style>
+          <a:lnRef idx="1">
+            <a:schemeClr val="accent1"/>
+          </a:lnRef>
+          <a:fillRef idx="0">
+            <a:schemeClr val="accent1"/>
+          </a:fillRef>
+          <a:effectRef idx="0">
+            <a:schemeClr val="accent1"/>
+          </a:effectRef>
+          <a:fontRef idx="minor">
+            <a:schemeClr val="tx1"/>
+          </a:fontRef>
+        </p:style>
+        <p:txBody>
+          <a:bodyPr rtlCol="0" anchor="ctr"/>
+          <a:lstStyle/>
+          <a:p>
+            <a:pPr algn="ctr"/>
+            <a:endParaRPr lang="en-CA"/>
+          </a:p>
+        </p:txBody>
+      </p:sp>
+      <p:sp>
+        <p:nvSpPr>
+          <p:cNvPr id="5" name="Right Brace 4">
+            <a:extLst>
+              <a:ext uri="{FF2B5EF4-FFF2-40B4-BE49-F238E27FC236}">
+                <a16:creationId xmlns:a16="http://schemas.microsoft.com/office/drawing/2014/main" id="{4DE2614F-26E7-4A1E-89E0-6453FB3D5397}"/>
+              </a:ext>
+            </a:extLst>
+          </p:cNvPr>
+          <p:cNvSpPr/>
+          <p:nvPr/>
+        </p:nvSpPr>
+        <p:spPr>
+          <a:xfrm rot="5400000">
+            <a:off x="8436989" y="2560564"/>
+            <a:ext cx="659876" cy="2733773"/>
+          </a:xfrm>
+          <a:prstGeom prst="rightBrace">
+            <a:avLst/>
+          </a:prstGeom>
+          <a:ln w="38100"/>
+        </p:spPr>
+        <p:style>
+          <a:lnRef idx="1">
+            <a:schemeClr val="accent1"/>
+          </a:lnRef>
+          <a:fillRef idx="0">
+            <a:schemeClr val="accent1"/>
+          </a:fillRef>
+          <a:effectRef idx="0">
+            <a:schemeClr val="accent1"/>
+          </a:effectRef>
+          <a:fontRef idx="minor">
+            <a:schemeClr val="tx1"/>
+          </a:fontRef>
+        </p:style>
+        <p:txBody>
+          <a:bodyPr rtlCol="0" anchor="ctr"/>
+          <a:lstStyle/>
+          <a:p>
+            <a:pPr algn="ctr"/>
+            <a:endParaRPr lang="en-CA"/>
+          </a:p>
+        </p:txBody>
+      </p:sp>
+      <p:sp>
+        <p:nvSpPr>
+          <p:cNvPr id="6" name="TextBox 5">
+            <a:extLst>
+              <a:ext uri="{FF2B5EF4-FFF2-40B4-BE49-F238E27FC236}">
+                <a16:creationId xmlns:a16="http://schemas.microsoft.com/office/drawing/2014/main" id="{F68B5CA8-BCA8-4FA4-A74B-08CA9696907A}"/>
+              </a:ext>
+            </a:extLst>
+          </p:cNvPr>
+          <p:cNvSpPr txBox="1"/>
+          <p:nvPr/>
+        </p:nvSpPr>
+        <p:spPr>
+          <a:xfrm>
+            <a:off x="3071591" y="4331233"/>
+            <a:ext cx="3566426" cy="1077218"/>
+          </a:xfrm>
+          <a:prstGeom prst="rect">
+            <a:avLst/>
+          </a:prstGeom>
+          <a:noFill/>
+        </p:spPr>
+        <p:txBody>
+          <a:bodyPr wrap="none" rtlCol="0">
+            <a:spAutoFit/>
+          </a:bodyPr>
+          <a:lstStyle/>
+          <a:p>
+            <a:r>
+              <a:rPr lang="en-CA" sz="3200" dirty="0"/>
+              <a:t>Log-sum of squared </a:t>
+            </a:r>
+          </a:p>
+          <a:p>
+            <a:r>
+              <a:rPr lang="en-CA" sz="3200" dirty="0"/>
+              <a:t>LS residuals</a:t>
+            </a:r>
+          </a:p>
+        </p:txBody>
+      </p:sp>
+      <p:sp>
+        <p:nvSpPr>
+          <p:cNvPr id="7" name="TextBox 6">
+            <a:extLst>
+              <a:ext uri="{FF2B5EF4-FFF2-40B4-BE49-F238E27FC236}">
+                <a16:creationId xmlns:a16="http://schemas.microsoft.com/office/drawing/2014/main" id="{19F97DA2-70D3-4AF6-9450-862FCCC03CC0}"/>
+              </a:ext>
+            </a:extLst>
+          </p:cNvPr>
+          <p:cNvSpPr txBox="1"/>
+          <p:nvPr/>
+        </p:nvSpPr>
+        <p:spPr>
+          <a:xfrm>
+            <a:off x="7400040" y="4331233"/>
+            <a:ext cx="2727029" cy="1569660"/>
+          </a:xfrm>
+          <a:prstGeom prst="rect">
+            <a:avLst/>
+          </a:prstGeom>
+          <a:noFill/>
+        </p:spPr>
+        <p:txBody>
+          <a:bodyPr wrap="none" rtlCol="0">
+            <a:spAutoFit/>
+          </a:bodyPr>
+          <a:lstStyle/>
+          <a:p>
+            <a:r>
+              <a:rPr lang="en-CA" sz="3200" dirty="0"/>
+              <a:t>Jacobian of</a:t>
+            </a:r>
+          </a:p>
+          <a:p>
+            <a:r>
+              <a:rPr lang="en-CA" sz="3200" dirty="0"/>
+              <a:t>Box-Cox</a:t>
+            </a:r>
+          </a:p>
+          <a:p>
+            <a:r>
+              <a:rPr lang="en-CA" sz="3200" dirty="0"/>
+              <a:t>Transformation</a:t>
+            </a:r>
+          </a:p>
+        </p:txBody>
+      </p:sp>
+    </p:spTree>
+    <p:extLst>
+      <p:ext uri="{BB962C8B-B14F-4D97-AF65-F5344CB8AC3E}">
+        <p14:creationId xmlns:p14="http://schemas.microsoft.com/office/powerpoint/2010/main" val="3223978625"/>
+      </p:ext>
+    </p:extLst>
+  </p:cSld>
+  <p:clrMapOvr>
+    <a:masterClrMapping/>
+  </p:clrMapOvr>
+</p:sld>
+</file>
+
+<file path=ppt/slides/slide22.xml><?xml version="1.0" encoding="utf-8"?>
+<p:sld xmlns:a="http://schemas.openxmlformats.org/drawingml/2006/main" xmlns:r="http://schemas.openxmlformats.org/officeDocument/2006/relationships" xmlns:p="http://schemas.openxmlformats.org/presentationml/2006/main">
+  <p:cSld>
+    <p:spTree>
+      <p:nvGrpSpPr>
+        <p:cNvPr id="1" name=""/>
+        <p:cNvGrpSpPr/>
+        <p:nvPr/>
+      </p:nvGrpSpPr>
+      <p:grpSpPr>
+        <a:xfrm>
+          <a:off x="0" y="0"/>
+          <a:ext cx="0" cy="0"/>
+          <a:chOff x="0" y="0"/>
+          <a:chExt cx="0" cy="0"/>
+        </a:xfrm>
+      </p:grpSpPr>
+      <p:sp>
+        <p:nvSpPr>
+          <p:cNvPr id="2" name="Title 1">
+            <a:extLst>
+              <a:ext uri="{FF2B5EF4-FFF2-40B4-BE49-F238E27FC236}">
+                <a16:creationId xmlns:a16="http://schemas.microsoft.com/office/drawing/2014/main" id="{914BECA9-FB5C-4ABC-B2A7-DDFBCB0380AF}"/>
+              </a:ext>
+            </a:extLst>
+          </p:cNvPr>
+          <p:cNvSpPr>
+            <a:spLocks noGrp="1"/>
+          </p:cNvSpPr>
+          <p:nvPr>
+            <p:ph type="title"/>
+          </p:nvPr>
+        </p:nvSpPr>
+        <p:spPr/>
+        <p:txBody>
+          <a:bodyPr/>
+          <a:lstStyle/>
+          <a:p>
+            <a:r>
+              <a:rPr lang="en-CA" dirty="0"/>
+              <a:t>Residual Substitution: Problem</a:t>
+            </a:r>
+          </a:p>
+        </p:txBody>
+      </p:sp>
+      <p:sp>
+        <p:nvSpPr>
+          <p:cNvPr id="3" name="Content Placeholder 2">
+            <a:extLst>
+              <a:ext uri="{FF2B5EF4-FFF2-40B4-BE49-F238E27FC236}">
+                <a16:creationId xmlns:a16="http://schemas.microsoft.com/office/drawing/2014/main" id="{EF6FEA31-8105-4416-8B86-8B267B81CF82}"/>
+              </a:ext>
+            </a:extLst>
+          </p:cNvPr>
+          <p:cNvSpPr>
+            <a:spLocks noGrp="1"/>
+          </p:cNvSpPr>
+          <p:nvPr>
+            <p:ph idx="1"/>
+          </p:nvPr>
+        </p:nvSpPr>
+        <p:spPr/>
+        <p:txBody>
+          <a:bodyPr/>
+          <a:lstStyle/>
+          <a:p>
+            <a:r>
+              <a:rPr lang="en-CA" dirty="0"/>
+              <a:t>The above approach is based on an analogy with LS:</a:t>
+            </a:r>
+          </a:p>
+          <a:p>
+            <a:endParaRPr lang="en-CA" dirty="0"/>
+          </a:p>
+          <a:p>
+            <a:r>
+              <a:rPr lang="en-CA" dirty="0"/>
+              <a:t>Start with LS likelihood</a:t>
+            </a:r>
+          </a:p>
+          <a:p>
+            <a:r>
+              <a:rPr lang="en-CA" dirty="0"/>
+              <a:t>Replace LS residual with LASSO residual</a:t>
+            </a:r>
+          </a:p>
+          <a:p>
+            <a:endParaRPr lang="en-CA" dirty="0"/>
+          </a:p>
+          <a:p>
+            <a:endParaRPr lang="en-CA" dirty="0"/>
+          </a:p>
+          <a:p>
+            <a:endParaRPr lang="en-CA" dirty="0"/>
+          </a:p>
+        </p:txBody>
+      </p:sp>
+    </p:spTree>
+    <p:extLst>
+      <p:ext uri="{BB962C8B-B14F-4D97-AF65-F5344CB8AC3E}">
+        <p14:creationId xmlns:p14="http://schemas.microsoft.com/office/powerpoint/2010/main" val="2630981832"/>
+      </p:ext>
+    </p:extLst>
+  </p:cSld>
+  <p:clrMapOvr>
+    <a:masterClrMapping/>
+  </p:clrMapOvr>
+</p:sld>
+</file>
+
+<file path=ppt/slides/slide23.xml><?xml version="1.0" encoding="utf-8"?>
+<p:sld xmlns:a="http://schemas.openxmlformats.org/drawingml/2006/main" xmlns:r="http://schemas.openxmlformats.org/officeDocument/2006/relationships" xmlns:p="http://schemas.openxmlformats.org/presentationml/2006/main">
+  <p:cSld>
+    <p:spTree>
+      <p:nvGrpSpPr>
+        <p:cNvPr id="1" name=""/>
+        <p:cNvGrpSpPr/>
+        <p:nvPr/>
+      </p:nvGrpSpPr>
+      <p:grpSpPr>
+        <a:xfrm>
+          <a:off x="0" y="0"/>
+          <a:ext cx="0" cy="0"/>
+          <a:chOff x="0" y="0"/>
+          <a:chExt cx="0" cy="0"/>
+        </a:xfrm>
+      </p:grpSpPr>
+      <p:sp>
+        <p:nvSpPr>
+          <p:cNvPr id="2" name="Title 1">
+            <a:extLst>
+              <a:ext uri="{FF2B5EF4-FFF2-40B4-BE49-F238E27FC236}">
+                <a16:creationId xmlns:a16="http://schemas.microsoft.com/office/drawing/2014/main" id="{194B96B1-613A-41C9-BE6A-0D107FCA2C18}"/>
+              </a:ext>
+            </a:extLst>
+          </p:cNvPr>
+          <p:cNvSpPr>
+            <a:spLocks noGrp="1"/>
+          </p:cNvSpPr>
+          <p:nvPr>
+            <p:ph type="title"/>
+          </p:nvPr>
+        </p:nvSpPr>
+        <p:spPr/>
+        <p:txBody>
+          <a:bodyPr/>
+          <a:lstStyle/>
+          <a:p>
+            <a:r>
+              <a:rPr lang="en-CA" dirty="0"/>
+              <a:t>Residual Substitution: Problem</a:t>
+            </a:r>
+          </a:p>
+        </p:txBody>
+      </p:sp>
+      <mc:AlternateContent xmlns:mc="http://schemas.openxmlformats.org/markup-compatibility/2006" xmlns:a14="http://schemas.microsoft.com/office/drawing/2010/main">
+        <mc:Choice Requires="a14">
+          <p:sp>
+            <p:nvSpPr>
+              <p:cNvPr id="3" name="Content Placeholder 2">
+                <a:extLst>
+                  <a:ext uri="{FF2B5EF4-FFF2-40B4-BE49-F238E27FC236}">
+                    <a16:creationId xmlns:a16="http://schemas.microsoft.com/office/drawing/2014/main" id="{B09E1F0F-F42E-4E54-B5FC-7895815740EE}"/>
+                  </a:ext>
+                </a:extLst>
+              </p:cNvPr>
+              <p:cNvSpPr>
+                <a:spLocks noGrp="1"/>
+              </p:cNvSpPr>
+              <p:nvPr>
+                <p:ph idx="1"/>
+              </p:nvPr>
+            </p:nvSpPr>
+            <p:spPr>
+              <a:xfrm>
+                <a:off x="838200" y="1825625"/>
+                <a:ext cx="10515600" cy="4351338"/>
+              </a:xfrm>
+            </p:spPr>
+            <p:txBody>
+              <a:bodyPr/>
+              <a:lstStyle/>
+              <a:p>
+                <a:r>
+                  <a:rPr lang="en-CA" dirty="0"/>
+                  <a:t>LASSO “profile likelihood”</a:t>
+                </a:r>
+              </a:p>
+              <a:p>
+                <a:endParaRPr lang="en-CA" dirty="0"/>
+              </a:p>
+              <a:p>
+                <a:pPr marL="0" indent="0">
+                  <a:buNone/>
+                </a:pPr>
+                <a14:m>
+                  <m:oMathPara xmlns:m="http://schemas.openxmlformats.org/officeDocument/2006/math">
+                    <m:oMathParaPr>
+                      <m:jc m:val="centerGroup"/>
+                    </m:oMathParaPr>
+                    <m:oMath xmlns:m="http://schemas.openxmlformats.org/officeDocument/2006/math">
+                      <m:r>
+                        <a:rPr lang="en-CA" b="0" i="1" smtClean="0">
+                          <a:latin typeface="Cambria Math" panose="02040503050406030204" pitchFamily="18" charset="0"/>
+                        </a:rPr>
+                        <m:t>−</m:t>
+                      </m:r>
+                      <m:f>
+                        <m:fPr>
+                          <m:ctrlPr>
+                            <a:rPr lang="en-CA" b="0" i="1" smtClean="0">
+                              <a:latin typeface="Cambria Math" panose="02040503050406030204" pitchFamily="18" charset="0"/>
+                            </a:rPr>
+                          </m:ctrlPr>
+                        </m:fPr>
+                        <m:num>
+                          <m:r>
+                            <a:rPr lang="en-CA" b="0" i="1" smtClean="0">
+                              <a:latin typeface="Cambria Math" panose="02040503050406030204" pitchFamily="18" charset="0"/>
+                            </a:rPr>
+                            <m:t>𝑛</m:t>
+                          </m:r>
+                        </m:num>
+                        <m:den>
+                          <m:r>
+                            <a:rPr lang="en-CA" b="0" i="1" smtClean="0">
+                              <a:latin typeface="Cambria Math" panose="02040503050406030204" pitchFamily="18" charset="0"/>
+                            </a:rPr>
+                            <m:t>2</m:t>
+                          </m:r>
+                        </m:den>
+                      </m:f>
+                      <m:func>
+                        <m:funcPr>
+                          <m:ctrlPr>
+                            <a:rPr lang="en-CA" b="0" i="1" smtClean="0">
+                              <a:latin typeface="Cambria Math" panose="02040503050406030204" pitchFamily="18" charset="0"/>
+                            </a:rPr>
+                          </m:ctrlPr>
+                        </m:funcPr>
+                        <m:fName>
+                          <m:r>
+                            <m:rPr>
+                              <m:sty m:val="p"/>
+                            </m:rPr>
+                            <a:rPr lang="en-CA" b="0" i="0" smtClean="0">
+                              <a:latin typeface="Cambria Math" panose="02040503050406030204" pitchFamily="18" charset="0"/>
+                            </a:rPr>
+                            <m:t>log</m:t>
+                          </m:r>
+                        </m:fName>
+                        <m:e>
+                          <m:d>
+                            <m:dPr>
+                              <m:begChr m:val="["/>
+                              <m:endChr m:val="]"/>
+                              <m:ctrlPr>
+                                <a:rPr lang="en-CA" b="0" i="1" smtClean="0">
+                                  <a:latin typeface="Cambria Math" panose="02040503050406030204" pitchFamily="18" charset="0"/>
+                                </a:rPr>
+                              </m:ctrlPr>
+                            </m:dPr>
+                            <m:e>
+                              <m:r>
+                                <a:rPr lang="en-CA" b="0" i="1" smtClean="0">
+                                  <a:latin typeface="Cambria Math" panose="02040503050406030204" pitchFamily="18" charset="0"/>
+                                </a:rPr>
+                                <m:t>∑</m:t>
+                              </m:r>
+                              <m:sSup>
+                                <m:sSupPr>
+                                  <m:ctrlPr>
+                                    <a:rPr lang="en-CA" b="0" i="1" smtClean="0">
+                                      <a:latin typeface="Cambria Math" panose="02040503050406030204" pitchFamily="18" charset="0"/>
+                                    </a:rPr>
+                                  </m:ctrlPr>
+                                </m:sSupPr>
+                                <m:e>
+                                  <m:d>
+                                    <m:dPr>
+                                      <m:ctrlPr>
+                                        <a:rPr lang="en-CA" b="0" i="1" smtClean="0">
+                                          <a:latin typeface="Cambria Math" panose="02040503050406030204" pitchFamily="18" charset="0"/>
+                                        </a:rPr>
+                                      </m:ctrlPr>
+                                    </m:dPr>
+                                    <m:e>
+                                      <m:sSub>
+                                        <m:sSubPr>
+                                          <m:ctrlPr>
+                                            <a:rPr lang="en-CA" b="0" i="1" smtClean="0">
+                                              <a:latin typeface="Cambria Math" panose="02040503050406030204" pitchFamily="18" charset="0"/>
+                                            </a:rPr>
+                                          </m:ctrlPr>
+                                        </m:sSubPr>
+                                        <m:e>
+                                          <m:r>
+                                            <a:rPr lang="en-CA" b="0" i="1" smtClean="0">
+                                              <a:latin typeface="Cambria Math" panose="02040503050406030204" pitchFamily="18" charset="0"/>
+                                            </a:rPr>
+                                            <m:t>h</m:t>
+                                          </m:r>
+                                        </m:e>
+                                        <m:sub>
+                                          <m:r>
+                                            <a:rPr lang="en-CA" b="0" i="1" smtClean="0">
+                                              <a:latin typeface="Cambria Math" panose="02040503050406030204" pitchFamily="18" charset="0"/>
+                                            </a:rPr>
+                                            <m:t>𝛾</m:t>
+                                          </m:r>
+                                        </m:sub>
+                                      </m:sSub>
+                                      <m:d>
+                                        <m:dPr>
+                                          <m:ctrlPr>
+                                            <a:rPr lang="en-CA" b="0" i="1" smtClean="0">
+                                              <a:latin typeface="Cambria Math" panose="02040503050406030204" pitchFamily="18" charset="0"/>
+                                            </a:rPr>
+                                          </m:ctrlPr>
+                                        </m:dPr>
+                                        <m:e>
+                                          <m:sSub>
+                                            <m:sSubPr>
+                                              <m:ctrlPr>
+                                                <a:rPr lang="en-CA" b="0" i="1" smtClean="0">
+                                                  <a:latin typeface="Cambria Math" panose="02040503050406030204" pitchFamily="18" charset="0"/>
+                                                </a:rPr>
+                                              </m:ctrlPr>
+                                            </m:sSubPr>
+                                            <m:e>
+                                              <m:r>
+                                                <a:rPr lang="en-CA" b="0" i="1" smtClean="0">
+                                                  <a:latin typeface="Cambria Math" panose="02040503050406030204" pitchFamily="18" charset="0"/>
+                                                </a:rPr>
+                                                <m:t>𝑌</m:t>
+                                              </m:r>
+                                            </m:e>
+                                            <m:sub>
+                                              <m:r>
+                                                <a:rPr lang="en-CA" b="0" i="1" smtClean="0">
+                                                  <a:latin typeface="Cambria Math" panose="02040503050406030204" pitchFamily="18" charset="0"/>
+                                                </a:rPr>
+                                                <m:t>𝑖</m:t>
+                                              </m:r>
+                                            </m:sub>
+                                          </m:sSub>
+                                        </m:e>
+                                      </m:d>
+                                      <m:r>
+                                        <a:rPr lang="en-CA" b="0" i="1" smtClean="0">
+                                          <a:latin typeface="Cambria Math" panose="02040503050406030204" pitchFamily="18" charset="0"/>
+                                        </a:rPr>
+                                        <m:t>−</m:t>
+                                      </m:r>
+                                      <m:r>
+                                        <a:rPr lang="en-CA" b="0" i="1" smtClean="0">
+                                          <a:latin typeface="Cambria Math" panose="02040503050406030204" pitchFamily="18" charset="0"/>
+                                        </a:rPr>
+                                        <m:t>𝑋</m:t>
+                                      </m:r>
+                                      <m:sSub>
+                                        <m:sSubPr>
+                                          <m:ctrlPr>
+                                            <a:rPr lang="en-CA" b="0" i="1" smtClean="0">
+                                              <a:latin typeface="Cambria Math" panose="02040503050406030204" pitchFamily="18" charset="0"/>
+                                            </a:rPr>
+                                          </m:ctrlPr>
+                                        </m:sSubPr>
+                                        <m:e>
+                                          <m:acc>
+                                            <m:accPr>
+                                              <m:chr m:val="̂"/>
+                                              <m:ctrlPr>
+                                                <a:rPr lang="en-CA" b="0" i="1" smtClean="0">
+                                                  <a:latin typeface="Cambria Math" panose="02040503050406030204" pitchFamily="18" charset="0"/>
+                                                </a:rPr>
+                                              </m:ctrlPr>
+                                            </m:accPr>
+                                            <m:e>
+                                              <m:r>
+                                                <a:rPr lang="en-CA" b="0" i="1" smtClean="0">
+                                                  <a:latin typeface="Cambria Math" panose="02040503050406030204" pitchFamily="18" charset="0"/>
+                                                </a:rPr>
+                                                <m:t>𝛽</m:t>
+                                              </m:r>
+                                            </m:e>
+                                          </m:acc>
+                                        </m:e>
+                                        <m:sub>
+                                          <m:r>
+                                            <a:rPr lang="en-CA" b="0" i="1" smtClean="0">
+                                              <a:latin typeface="Cambria Math" panose="02040503050406030204" pitchFamily="18" charset="0"/>
+                                            </a:rPr>
+                                            <m:t>𝐿𝐴𝑆𝑆𝑂</m:t>
+                                          </m:r>
+                                        </m:sub>
+                                      </m:sSub>
+                                    </m:e>
+                                  </m:d>
+                                </m:e>
+                                <m:sup>
+                                  <m:r>
+                                    <a:rPr lang="en-CA" b="0" i="1" smtClean="0">
+                                      <a:latin typeface="Cambria Math" panose="02040503050406030204" pitchFamily="18" charset="0"/>
+                                    </a:rPr>
+                                    <m:t>2</m:t>
+                                  </m:r>
+                                </m:sup>
+                              </m:sSup>
+                            </m:e>
+                          </m:d>
+                        </m:e>
+                      </m:func>
+                      <m:r>
+                        <a:rPr lang="en-CA" b="0" i="1" smtClean="0">
+                          <a:latin typeface="Cambria Math" panose="02040503050406030204" pitchFamily="18" charset="0"/>
+                        </a:rPr>
+                        <m:t>+</m:t>
+                      </m:r>
+                      <m:d>
+                        <m:dPr>
+                          <m:ctrlPr>
+                            <a:rPr lang="en-CA" b="0" i="1" smtClean="0">
+                              <a:latin typeface="Cambria Math" panose="02040503050406030204" pitchFamily="18" charset="0"/>
+                            </a:rPr>
+                          </m:ctrlPr>
+                        </m:dPr>
+                        <m:e>
+                          <m:r>
+                            <a:rPr lang="en-CA" b="0" i="1" smtClean="0">
+                              <a:latin typeface="Cambria Math" panose="02040503050406030204" pitchFamily="18" charset="0"/>
+                            </a:rPr>
+                            <m:t>𝛾</m:t>
+                          </m:r>
+                          <m:r>
+                            <a:rPr lang="en-CA" b="0" i="1" smtClean="0">
+                              <a:latin typeface="Cambria Math" panose="02040503050406030204" pitchFamily="18" charset="0"/>
+                            </a:rPr>
+                            <m:t>−1</m:t>
+                          </m:r>
+                        </m:e>
+                      </m:d>
+                      <m:r>
+                        <a:rPr lang="en-CA" b="0" i="1" smtClean="0">
+                          <a:latin typeface="Cambria Math" panose="02040503050406030204" pitchFamily="18" charset="0"/>
+                        </a:rPr>
+                        <m:t>∑</m:t>
+                      </m:r>
+                      <m:func>
+                        <m:funcPr>
+                          <m:ctrlPr>
+                            <a:rPr lang="en-CA" i="1">
+                              <a:latin typeface="Cambria Math" panose="02040503050406030204" pitchFamily="18" charset="0"/>
+                            </a:rPr>
+                          </m:ctrlPr>
+                        </m:funcPr>
+                        <m:fName>
+                          <m:r>
+                            <m:rPr>
+                              <m:sty m:val="p"/>
+                            </m:rPr>
+                            <a:rPr lang="en-CA">
+                              <a:latin typeface="Cambria Math" panose="02040503050406030204" pitchFamily="18" charset="0"/>
+                            </a:rPr>
+                            <m:t>log</m:t>
+                          </m:r>
+                        </m:fName>
+                        <m:e>
+                          <m:d>
+                            <m:dPr>
+                              <m:ctrlPr>
+                                <a:rPr lang="en-CA" i="1">
+                                  <a:latin typeface="Cambria Math" panose="02040503050406030204" pitchFamily="18" charset="0"/>
+                                </a:rPr>
+                              </m:ctrlPr>
+                            </m:dPr>
+                            <m:e>
+                              <m:sSub>
+                                <m:sSubPr>
+                                  <m:ctrlPr>
+                                    <a:rPr lang="en-CA" i="1">
+                                      <a:latin typeface="Cambria Math" panose="02040503050406030204" pitchFamily="18" charset="0"/>
+                                    </a:rPr>
+                                  </m:ctrlPr>
+                                </m:sSubPr>
+                                <m:e>
+                                  <m:r>
+                                    <a:rPr lang="en-CA" i="1">
+                                      <a:latin typeface="Cambria Math" panose="02040503050406030204" pitchFamily="18" charset="0"/>
+                                    </a:rPr>
+                                    <m:t>𝑌</m:t>
+                                  </m:r>
+                                </m:e>
+                                <m:sub>
+                                  <m:r>
+                                    <a:rPr lang="en-CA" i="1">
+                                      <a:latin typeface="Cambria Math" panose="02040503050406030204" pitchFamily="18" charset="0"/>
+                                    </a:rPr>
+                                    <m:t>𝑖</m:t>
+                                  </m:r>
+                                </m:sub>
+                              </m:sSub>
+                            </m:e>
+                          </m:d>
+                        </m:e>
+                      </m:func>
+                    </m:oMath>
+                  </m:oMathPara>
+                </a14:m>
+                <a:endParaRPr lang="en-CA" dirty="0"/>
+              </a:p>
+            </p:txBody>
+          </p:sp>
+        </mc:Choice>
+        <mc:Fallback xmlns="">
+          <p:sp>
+            <p:nvSpPr>
+              <p:cNvPr id="3" name="Content Placeholder 2">
+                <a:extLst>
+                  <a:ext uri="{FF2B5EF4-FFF2-40B4-BE49-F238E27FC236}">
+                    <a16:creationId xmlns:a16="http://schemas.microsoft.com/office/drawing/2014/main" id="{B09E1F0F-F42E-4E54-B5FC-7895815740EE}"/>
+                  </a:ext>
+                </a:extLst>
+              </p:cNvPr>
+              <p:cNvSpPr>
+                <a:spLocks noGrp="1" noRot="1" noChangeAspect="1" noMove="1" noResize="1" noEditPoints="1" noAdjustHandles="1" noChangeArrowheads="1" noChangeShapeType="1" noTextEdit="1"/>
+              </p:cNvSpPr>
+              <p:nvPr>
+                <p:ph idx="1"/>
+              </p:nvPr>
+            </p:nvSpPr>
+            <p:spPr>
+              <a:xfrm>
+                <a:off x="838200" y="1825625"/>
+                <a:ext cx="10515600" cy="4351338"/>
+              </a:xfrm>
+              <a:blipFill>
+                <a:blip r:embed="rId2"/>
+                <a:stretch>
+                  <a:fillRect l="-1333" t="-2941"/>
+                </a:stretch>
+              </a:blipFill>
+            </p:spPr>
+            <p:txBody>
+              <a:bodyPr/>
+              <a:lstStyle/>
+              <a:p>
+                <a:r>
+                  <a:rPr lang="en-CA">
+                    <a:noFill/>
+                  </a:rPr>
+                  <a:t> </a:t>
+                </a:r>
+              </a:p>
+            </p:txBody>
+          </p:sp>
+        </mc:Fallback>
+      </mc:AlternateContent>
+      <p:sp>
+        <p:nvSpPr>
+          <p:cNvPr id="4" name="Right Brace 3">
+            <a:extLst>
+              <a:ext uri="{FF2B5EF4-FFF2-40B4-BE49-F238E27FC236}">
+                <a16:creationId xmlns:a16="http://schemas.microsoft.com/office/drawing/2014/main" id="{71C803A4-0FCD-4EAE-8499-D899A3F98CAE}"/>
+              </a:ext>
+            </a:extLst>
+          </p:cNvPr>
+          <p:cNvSpPr/>
+          <p:nvPr/>
+        </p:nvSpPr>
+        <p:spPr>
+          <a:xfrm rot="5400000">
+            <a:off x="4491872" y="1594316"/>
+            <a:ext cx="659876" cy="4666268"/>
+          </a:xfrm>
+          <a:prstGeom prst="rightBrace">
+            <a:avLst/>
+          </a:prstGeom>
+          <a:ln w="38100"/>
+        </p:spPr>
+        <p:style>
+          <a:lnRef idx="1">
+            <a:schemeClr val="accent1"/>
+          </a:lnRef>
+          <a:fillRef idx="0">
+            <a:schemeClr val="accent1"/>
+          </a:fillRef>
+          <a:effectRef idx="0">
+            <a:schemeClr val="accent1"/>
+          </a:effectRef>
+          <a:fontRef idx="minor">
+            <a:schemeClr val="tx1"/>
+          </a:fontRef>
+        </p:style>
+        <p:txBody>
+          <a:bodyPr rtlCol="0" anchor="ctr"/>
+          <a:lstStyle/>
+          <a:p>
+            <a:pPr algn="ctr"/>
+            <a:endParaRPr lang="en-CA"/>
+          </a:p>
+        </p:txBody>
+      </p:sp>
+      <p:sp>
+        <p:nvSpPr>
+          <p:cNvPr id="5" name="Right Brace 4">
+            <a:extLst>
+              <a:ext uri="{FF2B5EF4-FFF2-40B4-BE49-F238E27FC236}">
+                <a16:creationId xmlns:a16="http://schemas.microsoft.com/office/drawing/2014/main" id="{4DE2614F-26E7-4A1E-89E0-6453FB3D5397}"/>
+              </a:ext>
+            </a:extLst>
+          </p:cNvPr>
+          <p:cNvSpPr/>
+          <p:nvPr/>
+        </p:nvSpPr>
+        <p:spPr>
+          <a:xfrm rot="5400000">
+            <a:off x="8732591" y="2563936"/>
+            <a:ext cx="659876" cy="2727029"/>
+          </a:xfrm>
+          <a:prstGeom prst="rightBrace">
+            <a:avLst/>
+          </a:prstGeom>
+          <a:ln w="38100"/>
+        </p:spPr>
+        <p:style>
+          <a:lnRef idx="1">
+            <a:schemeClr val="accent1"/>
+          </a:lnRef>
+          <a:fillRef idx="0">
+            <a:schemeClr val="accent1"/>
+          </a:fillRef>
+          <a:effectRef idx="0">
+            <a:schemeClr val="accent1"/>
+          </a:effectRef>
+          <a:fontRef idx="minor">
+            <a:schemeClr val="tx1"/>
+          </a:fontRef>
+        </p:style>
+        <p:txBody>
+          <a:bodyPr rtlCol="0" anchor="ctr"/>
+          <a:lstStyle/>
+          <a:p>
+            <a:pPr algn="ctr"/>
+            <a:endParaRPr lang="en-CA"/>
+          </a:p>
+        </p:txBody>
+      </p:sp>
+      <p:sp>
+        <p:nvSpPr>
+          <p:cNvPr id="6" name="TextBox 5">
+            <a:extLst>
+              <a:ext uri="{FF2B5EF4-FFF2-40B4-BE49-F238E27FC236}">
+                <a16:creationId xmlns:a16="http://schemas.microsoft.com/office/drawing/2014/main" id="{F68B5CA8-BCA8-4FA4-A74B-08CA9696907A}"/>
+              </a:ext>
+            </a:extLst>
+          </p:cNvPr>
+          <p:cNvSpPr txBox="1"/>
+          <p:nvPr/>
+        </p:nvSpPr>
+        <p:spPr>
+          <a:xfrm>
+            <a:off x="3038597" y="4331233"/>
+            <a:ext cx="3566426" cy="1077218"/>
+          </a:xfrm>
+          <a:prstGeom prst="rect">
+            <a:avLst/>
+          </a:prstGeom>
+          <a:noFill/>
+        </p:spPr>
+        <p:txBody>
+          <a:bodyPr wrap="none" rtlCol="0">
+            <a:spAutoFit/>
+          </a:bodyPr>
+          <a:lstStyle/>
+          <a:p>
+            <a:r>
+              <a:rPr lang="en-CA" sz="3200" dirty="0"/>
+              <a:t>Log-sum of squared </a:t>
+            </a:r>
+          </a:p>
+          <a:p>
+            <a:r>
+              <a:rPr lang="en-CA" sz="3200" dirty="0"/>
+              <a:t>LASSO residuals</a:t>
+            </a:r>
+          </a:p>
+        </p:txBody>
+      </p:sp>
+      <p:sp>
+        <p:nvSpPr>
+          <p:cNvPr id="7" name="TextBox 6">
+            <a:extLst>
+              <a:ext uri="{FF2B5EF4-FFF2-40B4-BE49-F238E27FC236}">
+                <a16:creationId xmlns:a16="http://schemas.microsoft.com/office/drawing/2014/main" id="{19F97DA2-70D3-4AF6-9450-862FCCC03CC0}"/>
+              </a:ext>
+            </a:extLst>
+          </p:cNvPr>
+          <p:cNvSpPr txBox="1"/>
+          <p:nvPr/>
+        </p:nvSpPr>
+        <p:spPr>
+          <a:xfrm>
+            <a:off x="7699015" y="4331233"/>
+            <a:ext cx="2727029" cy="1569660"/>
+          </a:xfrm>
+          <a:prstGeom prst="rect">
+            <a:avLst/>
+          </a:prstGeom>
+          <a:noFill/>
+        </p:spPr>
+        <p:txBody>
+          <a:bodyPr wrap="none" rtlCol="0">
+            <a:spAutoFit/>
+          </a:bodyPr>
+          <a:lstStyle/>
+          <a:p>
+            <a:r>
+              <a:rPr lang="en-CA" sz="3200" dirty="0"/>
+              <a:t>Jacobian of</a:t>
+            </a:r>
+          </a:p>
+          <a:p>
+            <a:r>
+              <a:rPr lang="en-CA" sz="3200" dirty="0"/>
+              <a:t>Box-Cox</a:t>
+            </a:r>
+          </a:p>
+          <a:p>
+            <a:r>
+              <a:rPr lang="en-CA" sz="3200" dirty="0"/>
+              <a:t>Transformation</a:t>
+            </a:r>
+          </a:p>
+        </p:txBody>
+      </p:sp>
+    </p:spTree>
+    <p:extLst>
+      <p:ext uri="{BB962C8B-B14F-4D97-AF65-F5344CB8AC3E}">
+        <p14:creationId xmlns:p14="http://schemas.microsoft.com/office/powerpoint/2010/main" val="1934312515"/>
+      </p:ext>
+    </p:extLst>
+  </p:cSld>
+  <p:clrMapOvr>
+    <a:masterClrMapping/>
+  </p:clrMapOvr>
+</p:sld>
+</file>
+
+<file path=ppt/slides/slide24.xml><?xml version="1.0" encoding="utf-8"?>
+<p:sld xmlns:a="http://schemas.openxmlformats.org/drawingml/2006/main" xmlns:r="http://schemas.openxmlformats.org/officeDocument/2006/relationships" xmlns:p="http://schemas.openxmlformats.org/presentationml/2006/main">
+  <p:cSld>
+    <p:spTree>
+      <p:nvGrpSpPr>
+        <p:cNvPr id="1" name=""/>
+        <p:cNvGrpSpPr/>
+        <p:nvPr/>
+      </p:nvGrpSpPr>
+      <p:grpSpPr>
+        <a:xfrm>
+          <a:off x="0" y="0"/>
+          <a:ext cx="0" cy="0"/>
+          <a:chOff x="0" y="0"/>
+          <a:chExt cx="0" cy="0"/>
+        </a:xfrm>
+      </p:grpSpPr>
+      <p:sp>
+        <p:nvSpPr>
+          <p:cNvPr id="2" name="Title 1">
+            <a:extLst>
+              <a:ext uri="{FF2B5EF4-FFF2-40B4-BE49-F238E27FC236}">
+                <a16:creationId xmlns:a16="http://schemas.microsoft.com/office/drawing/2014/main" id="{7BB95096-536C-4018-A554-D9994F979CB3}"/>
+              </a:ext>
+            </a:extLst>
+          </p:cNvPr>
+          <p:cNvSpPr>
+            <a:spLocks noGrp="1"/>
+          </p:cNvSpPr>
+          <p:nvPr>
+            <p:ph type="title"/>
+          </p:nvPr>
+        </p:nvSpPr>
+        <p:spPr/>
+        <p:txBody>
+          <a:bodyPr/>
+          <a:lstStyle/>
+          <a:p>
+            <a:r>
+              <a:rPr lang="en-CA" dirty="0"/>
+              <a:t>Residual Substitution: Problem</a:t>
+            </a:r>
+          </a:p>
+        </p:txBody>
+      </p:sp>
+      <p:sp>
+        <p:nvSpPr>
+          <p:cNvPr id="3" name="Content Placeholder 2">
+            <a:extLst>
+              <a:ext uri="{FF2B5EF4-FFF2-40B4-BE49-F238E27FC236}">
+                <a16:creationId xmlns:a16="http://schemas.microsoft.com/office/drawing/2014/main" id="{99F311C6-423B-48DA-94E5-638E408B1B27}"/>
+              </a:ext>
+            </a:extLst>
+          </p:cNvPr>
+          <p:cNvSpPr>
+            <a:spLocks noGrp="1"/>
+          </p:cNvSpPr>
+          <p:nvPr>
+            <p:ph idx="1"/>
+          </p:nvPr>
+        </p:nvSpPr>
+        <p:spPr/>
+        <p:txBody>
+          <a:bodyPr/>
+          <a:lstStyle/>
+          <a:p>
+            <a:r>
+              <a:rPr lang="en-CA" dirty="0"/>
+              <a:t>This gives an answer, BUT…</a:t>
+            </a:r>
+          </a:p>
+          <a:p>
+            <a:pPr lvl="1"/>
+            <a:r>
+              <a:rPr lang="en-CA" dirty="0"/>
+              <a:t>LASSO estimator not tied to the objective</a:t>
+            </a:r>
+          </a:p>
+          <a:p>
+            <a:pPr lvl="1"/>
+            <a:r>
+              <a:rPr lang="en-CA" dirty="0"/>
+              <a:t>Not clear how to do inference</a:t>
+            </a:r>
+          </a:p>
+          <a:p>
+            <a:endParaRPr lang="en-CA" dirty="0"/>
+          </a:p>
+          <a:p>
+            <a:r>
+              <a:rPr lang="en-CA" dirty="0"/>
+              <a:t>Penalized likelihood method (Taylor and </a:t>
+            </a:r>
+            <a:r>
+              <a:rPr lang="en-CA" dirty="0" err="1"/>
+              <a:t>Tibshirani</a:t>
+            </a:r>
+            <a:r>
+              <a:rPr lang="en-CA" dirty="0"/>
+              <a:t>, 2018) </a:t>
+            </a:r>
+          </a:p>
+        </p:txBody>
+      </p:sp>
+    </p:spTree>
+    <p:extLst>
+      <p:ext uri="{BB962C8B-B14F-4D97-AF65-F5344CB8AC3E}">
+        <p14:creationId xmlns:p14="http://schemas.microsoft.com/office/powerpoint/2010/main" val="614617486"/>
+      </p:ext>
+    </p:extLst>
+  </p:cSld>
+  <p:clrMapOvr>
+    <a:masterClrMapping/>
+  </p:clrMapOvr>
+</p:sld>
+</file>
+
+<file path=ppt/slides/slide25.xml><?xml version="1.0" encoding="utf-8"?>
+<p:sld xmlns:a="http://schemas.openxmlformats.org/drawingml/2006/main" xmlns:r="http://schemas.openxmlformats.org/officeDocument/2006/relationships" xmlns:p="http://schemas.openxmlformats.org/presentationml/2006/main">
+  <p:cSld>
+    <p:spTree>
+      <p:nvGrpSpPr>
+        <p:cNvPr id="1" name=""/>
+        <p:cNvGrpSpPr/>
+        <p:nvPr/>
+      </p:nvGrpSpPr>
+      <p:grpSpPr>
+        <a:xfrm>
+          <a:off x="0" y="0"/>
+          <a:ext cx="0" cy="0"/>
+          <a:chOff x="0" y="0"/>
+          <a:chExt cx="0" cy="0"/>
+        </a:xfrm>
+      </p:grpSpPr>
+      <p:sp>
+        <p:nvSpPr>
+          <p:cNvPr id="2" name="Title 1">
+            <a:extLst>
+              <a:ext uri="{FF2B5EF4-FFF2-40B4-BE49-F238E27FC236}">
+                <a16:creationId xmlns:a16="http://schemas.microsoft.com/office/drawing/2014/main" id="{EAE504C5-6B23-49EB-8442-3C218AC15621}"/>
+              </a:ext>
+            </a:extLst>
+          </p:cNvPr>
+          <p:cNvSpPr>
+            <a:spLocks noGrp="1"/>
+          </p:cNvSpPr>
+          <p:nvPr>
+            <p:ph type="title"/>
+          </p:nvPr>
+        </p:nvSpPr>
+        <p:spPr/>
+        <p:txBody>
+          <a:bodyPr/>
+          <a:lstStyle/>
+          <a:p>
+            <a:r>
+              <a:rPr lang="en-CA" dirty="0"/>
+              <a:t>Penalized Likelihood</a:t>
+            </a:r>
+          </a:p>
+        </p:txBody>
+      </p:sp>
+      <mc:AlternateContent xmlns:mc="http://schemas.openxmlformats.org/markup-compatibility/2006">
+        <mc:Choice xmlns:a14="http://schemas.microsoft.com/office/drawing/2010/main" Requires="a14">
+          <p:sp>
+            <p:nvSpPr>
+              <p:cNvPr id="3" name="Content Placeholder 2">
+                <a:extLst>
+                  <a:ext uri="{FF2B5EF4-FFF2-40B4-BE49-F238E27FC236}">
+                    <a16:creationId xmlns:a16="http://schemas.microsoft.com/office/drawing/2014/main" id="{99BEEB57-D72D-4907-BA73-83A46DC4C80E}"/>
+                  </a:ext>
+                </a:extLst>
+              </p:cNvPr>
+              <p:cNvSpPr>
+                <a:spLocks noGrp="1"/>
+              </p:cNvSpPr>
+              <p:nvPr>
+                <p:ph idx="1"/>
+              </p:nvPr>
+            </p:nvSpPr>
+            <p:spPr/>
+            <p:txBody>
+              <a:bodyPr/>
+              <a:lstStyle/>
+              <a:p>
+                <a:r>
+                  <a:rPr lang="en-CA" dirty="0"/>
+                  <a:t>Don’t substitute penalized estimator into log-likelihood</a:t>
+                </a:r>
+              </a:p>
+              <a:p>
+                <a:endParaRPr lang="en-CA" dirty="0"/>
+              </a:p>
+              <a:p>
+                <a:r>
+                  <a:rPr lang="en-CA" dirty="0"/>
+                  <a:t>Instead optimize penalized log-likelihood:</a:t>
+                </a:r>
+              </a:p>
+              <a:p>
+                <a:endParaRPr lang="en-CA" dirty="0"/>
+              </a:p>
+              <a:p>
+                <a:pPr marL="0" indent="0" algn="ctr">
+                  <a:buNone/>
+                </a:pPr>
+                <a14:m>
+                  <m:oMath xmlns:m="http://schemas.openxmlformats.org/officeDocument/2006/math">
+                    <m:r>
+                      <a:rPr lang="en-CA" b="0" i="1" smtClean="0">
+                        <a:latin typeface="Cambria Math" panose="02040503050406030204" pitchFamily="18" charset="0"/>
+                      </a:rPr>
+                      <m:t>−2∗</m:t>
+                    </m:r>
+                  </m:oMath>
+                </a14:m>
+                <a:r>
+                  <a:rPr lang="en-CA" dirty="0"/>
+                  <a:t> log-likelihood </a:t>
+                </a:r>
+                <a14:m>
+                  <m:oMath xmlns:m="http://schemas.openxmlformats.org/officeDocument/2006/math">
+                    <m:r>
+                      <a:rPr lang="en-CA" b="0" i="1" smtClean="0">
+                        <a:latin typeface="Cambria Math" panose="02040503050406030204" pitchFamily="18" charset="0"/>
+                      </a:rPr>
+                      <m:t>+</m:t>
+                    </m:r>
+                  </m:oMath>
+                </a14:m>
+                <a:r>
+                  <a:rPr lang="en-CA" dirty="0"/>
+                  <a:t> </a:t>
+                </a:r>
+                <a14:m>
+                  <m:oMath xmlns:m="http://schemas.openxmlformats.org/officeDocument/2006/math">
+                    <m:r>
+                      <a:rPr lang="en-CA" b="0" i="1" dirty="0" smtClean="0">
+                        <a:latin typeface="Cambria Math" panose="02040503050406030204" pitchFamily="18" charset="0"/>
+                      </a:rPr>
+                      <m:t>𝜆</m:t>
+                    </m:r>
+                    <m:sSub>
+                      <m:sSubPr>
+                        <m:ctrlPr>
+                          <a:rPr lang="en-CA" b="0" i="1" dirty="0" smtClean="0">
+                            <a:latin typeface="Cambria Math" panose="02040503050406030204" pitchFamily="18" charset="0"/>
+                          </a:rPr>
+                        </m:ctrlPr>
+                      </m:sSubPr>
+                      <m:e>
+                        <m:d>
+                          <m:dPr>
+                            <m:begChr m:val="‖"/>
+                            <m:endChr m:val="‖"/>
+                            <m:ctrlPr>
+                              <a:rPr lang="en-CA" b="0" i="1" dirty="0" smtClean="0">
+                                <a:latin typeface="Cambria Math" panose="02040503050406030204" pitchFamily="18" charset="0"/>
+                              </a:rPr>
+                            </m:ctrlPr>
+                          </m:dPr>
+                          <m:e>
+                            <m:r>
+                              <a:rPr lang="en-CA" b="0" i="1" dirty="0" smtClean="0">
+                                <a:latin typeface="Cambria Math" panose="02040503050406030204" pitchFamily="18" charset="0"/>
+                              </a:rPr>
+                              <m:t>𝛽</m:t>
+                            </m:r>
+                          </m:e>
+                        </m:d>
+                      </m:e>
+                      <m:sub>
+                        <m:r>
+                          <a:rPr lang="en-CA" b="0" i="1" dirty="0" smtClean="0">
+                            <a:latin typeface="Cambria Math" panose="02040503050406030204" pitchFamily="18" charset="0"/>
+                          </a:rPr>
+                          <m:t>1</m:t>
+                        </m:r>
+                      </m:sub>
+                    </m:sSub>
+                  </m:oMath>
+                </a14:m>
+                <a:endParaRPr lang="en-CA" dirty="0"/>
+              </a:p>
+            </p:txBody>
+          </p:sp>
+        </mc:Choice>
+        <mc:Fallback>
+          <p:sp>
+            <p:nvSpPr>
+              <p:cNvPr id="3" name="Content Placeholder 2">
+                <a:extLst>
+                  <a:ext uri="{FF2B5EF4-FFF2-40B4-BE49-F238E27FC236}">
+                    <a16:creationId xmlns:a16="http://schemas.microsoft.com/office/drawing/2014/main" id="{99BEEB57-D72D-4907-BA73-83A46DC4C80E}"/>
+                  </a:ext>
+                </a:extLst>
+              </p:cNvPr>
+              <p:cNvSpPr>
+                <a:spLocks noGrp="1" noRot="1" noChangeAspect="1" noMove="1" noResize="1" noEditPoints="1" noAdjustHandles="1" noChangeArrowheads="1" noChangeShapeType="1" noTextEdit="1"/>
+              </p:cNvSpPr>
+              <p:nvPr>
+                <p:ph idx="1"/>
+              </p:nvPr>
+            </p:nvSpPr>
+            <p:spPr>
+              <a:blipFill>
+                <a:blip r:embed="rId2"/>
+                <a:stretch>
+                  <a:fillRect l="-1333" t="-2941"/>
+                </a:stretch>
+              </a:blipFill>
+            </p:spPr>
+            <p:txBody>
+              <a:bodyPr/>
+              <a:lstStyle/>
+              <a:p>
+                <a:r>
+                  <a:rPr lang="en-CA">
+                    <a:noFill/>
+                  </a:rPr>
+                  <a:t> </a:t>
+                </a:r>
+              </a:p>
+            </p:txBody>
+          </p:sp>
+        </mc:Fallback>
+      </mc:AlternateContent>
+    </p:spTree>
+    <p:extLst>
+      <p:ext uri="{BB962C8B-B14F-4D97-AF65-F5344CB8AC3E}">
+        <p14:creationId xmlns:p14="http://schemas.microsoft.com/office/powerpoint/2010/main" val="3123473708"/>
+      </p:ext>
+    </p:extLst>
+  </p:cSld>
+  <p:clrMapOvr>
+    <a:masterClrMapping/>
+  </p:clrMapOvr>
+</p:sld>
+</file>
+
+<file path=ppt/slides/slide26.xml><?xml version="1.0" encoding="utf-8"?>
+<p:sld xmlns:a="http://schemas.openxmlformats.org/drawingml/2006/main" xmlns:r="http://schemas.openxmlformats.org/officeDocument/2006/relationships" xmlns:p="http://schemas.openxmlformats.org/presentationml/2006/main">
+  <p:cSld>
+    <p:spTree>
+      <p:nvGrpSpPr>
+        <p:cNvPr id="1" name=""/>
+        <p:cNvGrpSpPr/>
+        <p:nvPr/>
+      </p:nvGrpSpPr>
+      <p:grpSpPr>
+        <a:xfrm>
+          <a:off x="0" y="0"/>
+          <a:ext cx="0" cy="0"/>
+          <a:chOff x="0" y="0"/>
+          <a:chExt cx="0" cy="0"/>
+        </a:xfrm>
+      </p:grpSpPr>
+      <p:sp>
+        <p:nvSpPr>
+          <p:cNvPr id="2" name="Title 1">
+            <a:extLst>
+              <a:ext uri="{FF2B5EF4-FFF2-40B4-BE49-F238E27FC236}">
+                <a16:creationId xmlns:a16="http://schemas.microsoft.com/office/drawing/2014/main" id="{E13C7960-E530-4EB2-B010-2F256D37D278}"/>
+              </a:ext>
+            </a:extLst>
+          </p:cNvPr>
+          <p:cNvSpPr>
+            <a:spLocks noGrp="1"/>
+          </p:cNvSpPr>
+          <p:nvPr>
+            <p:ph type="title"/>
+          </p:nvPr>
+        </p:nvSpPr>
+        <p:spPr/>
+        <p:txBody>
+          <a:bodyPr/>
+          <a:lstStyle/>
+          <a:p>
+            <a:r>
+              <a:rPr lang="en-CA" dirty="0"/>
+              <a:t>Penalized Likelihood</a:t>
+            </a:r>
+          </a:p>
+        </p:txBody>
+      </p:sp>
+      <mc:AlternateContent xmlns:mc="http://schemas.openxmlformats.org/markup-compatibility/2006" xmlns:a14="http://schemas.microsoft.com/office/drawing/2010/main">
+        <mc:Choice Requires="a14">
+          <p:sp>
+            <p:nvSpPr>
+              <p:cNvPr id="3" name="Content Placeholder 2">
+                <a:extLst>
+                  <a:ext uri="{FF2B5EF4-FFF2-40B4-BE49-F238E27FC236}">
+                    <a16:creationId xmlns:a16="http://schemas.microsoft.com/office/drawing/2014/main" id="{95E1A27B-632A-4CDE-93A4-6E64FC88B694}"/>
+                  </a:ext>
+                </a:extLst>
+              </p:cNvPr>
+              <p:cNvSpPr>
+                <a:spLocks noGrp="1"/>
+              </p:cNvSpPr>
+              <p:nvPr>
+                <p:ph idx="1"/>
+              </p:nvPr>
+            </p:nvSpPr>
+            <p:spPr/>
+            <p:txBody>
+              <a:bodyPr/>
+              <a:lstStyle/>
+              <a:p>
+                <a:r>
+                  <a:rPr lang="en-CA" dirty="0"/>
+                  <a:t>After profiling, our objective is:</a:t>
+                </a:r>
+              </a:p>
+              <a:p>
+                <a:endParaRPr lang="en-CA" dirty="0"/>
+              </a:p>
+              <a:p>
+                <a:pPr marL="0" indent="0">
+                  <a:buNone/>
+                </a:pPr>
+                <a14:m>
+                  <m:oMathPara xmlns:m="http://schemas.openxmlformats.org/officeDocument/2006/math">
+                    <m:oMathParaPr>
+                      <m:jc m:val="centerGroup"/>
+                    </m:oMathParaPr>
+                    <m:oMath xmlns:m="http://schemas.openxmlformats.org/officeDocument/2006/math">
+                      <m:r>
+                        <a:rPr lang="en-CA" i="1">
+                          <a:latin typeface="Cambria Math" panose="02040503050406030204" pitchFamily="18" charset="0"/>
+                        </a:rPr>
+                        <m:t>−</m:t>
+                      </m:r>
+                      <m:f>
+                        <m:fPr>
+                          <m:ctrlPr>
+                            <a:rPr lang="en-CA" i="1">
+                              <a:latin typeface="Cambria Math" panose="02040503050406030204" pitchFamily="18" charset="0"/>
+                            </a:rPr>
+                          </m:ctrlPr>
+                        </m:fPr>
+                        <m:num>
+                          <m:r>
+                            <a:rPr lang="en-CA" i="1">
+                              <a:latin typeface="Cambria Math" panose="02040503050406030204" pitchFamily="18" charset="0"/>
+                            </a:rPr>
+                            <m:t>𝑛</m:t>
+                          </m:r>
+                        </m:num>
+                        <m:den>
+                          <m:r>
+                            <a:rPr lang="en-CA" i="1">
+                              <a:latin typeface="Cambria Math" panose="02040503050406030204" pitchFamily="18" charset="0"/>
+                            </a:rPr>
+                            <m:t>2</m:t>
+                          </m:r>
+                        </m:den>
+                      </m:f>
+                      <m:func>
+                        <m:funcPr>
+                          <m:ctrlPr>
+                            <a:rPr lang="en-CA" i="1">
+                              <a:latin typeface="Cambria Math" panose="02040503050406030204" pitchFamily="18" charset="0"/>
+                            </a:rPr>
+                          </m:ctrlPr>
+                        </m:funcPr>
+                        <m:fName>
+                          <m:r>
+                            <m:rPr>
+                              <m:sty m:val="p"/>
+                            </m:rPr>
+                            <a:rPr lang="en-CA">
+                              <a:latin typeface="Cambria Math" panose="02040503050406030204" pitchFamily="18" charset="0"/>
+                            </a:rPr>
+                            <m:t>log</m:t>
+                          </m:r>
+                        </m:fName>
+                        <m:e>
+                          <m:d>
+                            <m:dPr>
+                              <m:begChr m:val="["/>
+                              <m:endChr m:val="]"/>
+                              <m:ctrlPr>
+                                <a:rPr lang="en-CA" i="1">
+                                  <a:latin typeface="Cambria Math" panose="02040503050406030204" pitchFamily="18" charset="0"/>
+                                </a:rPr>
+                              </m:ctrlPr>
+                            </m:dPr>
+                            <m:e>
+                              <m:r>
+                                <a:rPr lang="en-CA" i="1">
+                                  <a:latin typeface="Cambria Math" panose="02040503050406030204" pitchFamily="18" charset="0"/>
+                                </a:rPr>
+                                <m:t>∑</m:t>
+                              </m:r>
+                              <m:sSup>
+                                <m:sSupPr>
+                                  <m:ctrlPr>
+                                    <a:rPr lang="en-CA" i="1">
+                                      <a:latin typeface="Cambria Math" panose="02040503050406030204" pitchFamily="18" charset="0"/>
+                                    </a:rPr>
+                                  </m:ctrlPr>
+                                </m:sSupPr>
+                                <m:e>
+                                  <m:d>
+                                    <m:dPr>
+                                      <m:ctrlPr>
+                                        <a:rPr lang="en-CA" i="1">
+                                          <a:latin typeface="Cambria Math" panose="02040503050406030204" pitchFamily="18" charset="0"/>
+                                        </a:rPr>
+                                      </m:ctrlPr>
+                                    </m:dPr>
+                                    <m:e>
+                                      <m:sSub>
+                                        <m:sSubPr>
+                                          <m:ctrlPr>
+                                            <a:rPr lang="en-CA" i="1">
+                                              <a:latin typeface="Cambria Math" panose="02040503050406030204" pitchFamily="18" charset="0"/>
+                                            </a:rPr>
+                                          </m:ctrlPr>
+                                        </m:sSubPr>
+                                        <m:e>
+                                          <m:r>
+                                            <a:rPr lang="en-CA" i="1">
+                                              <a:latin typeface="Cambria Math" panose="02040503050406030204" pitchFamily="18" charset="0"/>
+                                            </a:rPr>
+                                            <m:t>h</m:t>
+                                          </m:r>
+                                        </m:e>
+                                        <m:sub>
+                                          <m:r>
+                                            <a:rPr lang="en-CA" i="1">
+                                              <a:latin typeface="Cambria Math" panose="02040503050406030204" pitchFamily="18" charset="0"/>
+                                            </a:rPr>
+                                            <m:t>𝛾</m:t>
+                                          </m:r>
+                                        </m:sub>
+                                      </m:sSub>
+                                      <m:d>
+                                        <m:dPr>
+                                          <m:ctrlPr>
+                                            <a:rPr lang="en-CA" i="1">
+                                              <a:latin typeface="Cambria Math" panose="02040503050406030204" pitchFamily="18" charset="0"/>
+                                            </a:rPr>
+                                          </m:ctrlPr>
+                                        </m:dPr>
+                                        <m:e>
+                                          <m:sSub>
+                                            <m:sSubPr>
+                                              <m:ctrlPr>
+                                                <a:rPr lang="en-CA" i="1">
+                                                  <a:latin typeface="Cambria Math" panose="02040503050406030204" pitchFamily="18" charset="0"/>
+                                                </a:rPr>
+                                              </m:ctrlPr>
+                                            </m:sSubPr>
+                                            <m:e>
+                                              <m:r>
+                                                <a:rPr lang="en-CA" i="1">
+                                                  <a:latin typeface="Cambria Math" panose="02040503050406030204" pitchFamily="18" charset="0"/>
+                                                </a:rPr>
+                                                <m:t>𝑌</m:t>
+                                              </m:r>
+                                            </m:e>
+                                            <m:sub>
+                                              <m:r>
+                                                <a:rPr lang="en-CA" i="1">
+                                                  <a:latin typeface="Cambria Math" panose="02040503050406030204" pitchFamily="18" charset="0"/>
+                                                </a:rPr>
+                                                <m:t>𝑖</m:t>
+                                              </m:r>
+                                            </m:sub>
+                                          </m:sSub>
+                                        </m:e>
+                                      </m:d>
+                                      <m:r>
+                                        <a:rPr lang="en-CA" i="1">
+                                          <a:latin typeface="Cambria Math" panose="02040503050406030204" pitchFamily="18" charset="0"/>
+                                        </a:rPr>
+                                        <m:t>−</m:t>
+                                      </m:r>
+                                      <m:r>
+                                        <a:rPr lang="en-CA" i="1">
+                                          <a:latin typeface="Cambria Math" panose="02040503050406030204" pitchFamily="18" charset="0"/>
+                                        </a:rPr>
+                                        <m:t>𝑋</m:t>
+                                      </m:r>
+                                      <m:acc>
+                                        <m:accPr>
+                                          <m:chr m:val="̂"/>
+                                          <m:ctrlPr>
+                                            <a:rPr lang="en-CA" b="0" i="1" smtClean="0">
+                                              <a:latin typeface="Cambria Math" panose="02040503050406030204" pitchFamily="18" charset="0"/>
+                                            </a:rPr>
+                                          </m:ctrlPr>
+                                        </m:accPr>
+                                        <m:e>
+                                          <m:r>
+                                            <a:rPr lang="en-CA" b="0" i="1" smtClean="0">
+                                              <a:latin typeface="Cambria Math" panose="02040503050406030204" pitchFamily="18" charset="0"/>
+                                            </a:rPr>
+                                            <m:t>𝛽</m:t>
+                                          </m:r>
+                                        </m:e>
+                                      </m:acc>
+                                    </m:e>
+                                  </m:d>
+                                </m:e>
+                                <m:sup>
+                                  <m:r>
+                                    <a:rPr lang="en-CA" i="1">
+                                      <a:latin typeface="Cambria Math" panose="02040503050406030204" pitchFamily="18" charset="0"/>
+                                    </a:rPr>
+                                    <m:t>2</m:t>
+                                  </m:r>
+                                </m:sup>
+                              </m:sSup>
+                              <m:r>
+                                <a:rPr lang="en-CA" b="0" i="1" smtClean="0">
+                                  <a:latin typeface="Cambria Math" panose="02040503050406030204" pitchFamily="18" charset="0"/>
+                                </a:rPr>
+                                <m:t>+</m:t>
+                              </m:r>
+                              <m:r>
+                                <a:rPr lang="en-CA" b="0" i="1" smtClean="0">
+                                  <a:latin typeface="Cambria Math" panose="02040503050406030204" pitchFamily="18" charset="0"/>
+                                </a:rPr>
+                                <m:t>𝜆</m:t>
+                              </m:r>
+                              <m:d>
+                                <m:dPr>
+                                  <m:begChr m:val="‖"/>
+                                  <m:endChr m:val="‖"/>
+                                  <m:ctrlPr>
+                                    <a:rPr lang="en-CA" b="0" i="1" smtClean="0">
+                                      <a:latin typeface="Cambria Math" panose="02040503050406030204" pitchFamily="18" charset="0"/>
+                                    </a:rPr>
+                                  </m:ctrlPr>
+                                </m:dPr>
+                                <m:e>
+                                  <m:acc>
+                                    <m:accPr>
+                                      <m:chr m:val="̂"/>
+                                      <m:ctrlPr>
+                                        <a:rPr lang="en-CA" i="1">
+                                          <a:latin typeface="Cambria Math" panose="02040503050406030204" pitchFamily="18" charset="0"/>
+                                        </a:rPr>
+                                      </m:ctrlPr>
+                                    </m:accPr>
+                                    <m:e>
+                                      <m:r>
+                                        <a:rPr lang="en-CA" i="1">
+                                          <a:latin typeface="Cambria Math" panose="02040503050406030204" pitchFamily="18" charset="0"/>
+                                        </a:rPr>
+                                        <m:t>𝛽</m:t>
+                                      </m:r>
+                                    </m:e>
+                                  </m:acc>
+                                </m:e>
+                              </m:d>
+                            </m:e>
+                          </m:d>
+                        </m:e>
+                      </m:func>
+                      <m:r>
+                        <a:rPr lang="en-CA" i="1">
+                          <a:latin typeface="Cambria Math" panose="02040503050406030204" pitchFamily="18" charset="0"/>
+                        </a:rPr>
+                        <m:t>+</m:t>
+                      </m:r>
+                      <m:d>
+                        <m:dPr>
+                          <m:ctrlPr>
+                            <a:rPr lang="en-CA" i="1">
+                              <a:latin typeface="Cambria Math" panose="02040503050406030204" pitchFamily="18" charset="0"/>
+                            </a:rPr>
+                          </m:ctrlPr>
+                        </m:dPr>
+                        <m:e>
+                          <m:r>
+                            <a:rPr lang="en-CA" i="1">
+                              <a:latin typeface="Cambria Math" panose="02040503050406030204" pitchFamily="18" charset="0"/>
+                            </a:rPr>
+                            <m:t>𝛾</m:t>
+                          </m:r>
+                          <m:r>
+                            <a:rPr lang="en-CA" i="1">
+                              <a:latin typeface="Cambria Math" panose="02040503050406030204" pitchFamily="18" charset="0"/>
+                            </a:rPr>
+                            <m:t>−1</m:t>
+                          </m:r>
+                        </m:e>
+                      </m:d>
+                      <m:r>
+                        <a:rPr lang="en-CA" i="1">
+                          <a:latin typeface="Cambria Math" panose="02040503050406030204" pitchFamily="18" charset="0"/>
+                        </a:rPr>
+                        <m:t>∑</m:t>
+                      </m:r>
+                      <m:func>
+                        <m:funcPr>
+                          <m:ctrlPr>
+                            <a:rPr lang="en-CA" i="1">
+                              <a:latin typeface="Cambria Math" panose="02040503050406030204" pitchFamily="18" charset="0"/>
+                            </a:rPr>
+                          </m:ctrlPr>
+                        </m:funcPr>
+                        <m:fName>
+                          <m:r>
+                            <m:rPr>
+                              <m:sty m:val="p"/>
+                            </m:rPr>
+                            <a:rPr lang="en-CA">
+                              <a:latin typeface="Cambria Math" panose="02040503050406030204" pitchFamily="18" charset="0"/>
+                            </a:rPr>
+                            <m:t>log</m:t>
+                          </m:r>
+                        </m:fName>
+                        <m:e>
+                          <m:d>
+                            <m:dPr>
+                              <m:ctrlPr>
+                                <a:rPr lang="en-CA" i="1">
+                                  <a:latin typeface="Cambria Math" panose="02040503050406030204" pitchFamily="18" charset="0"/>
+                                </a:rPr>
+                              </m:ctrlPr>
+                            </m:dPr>
+                            <m:e>
+                              <m:sSub>
+                                <m:sSubPr>
+                                  <m:ctrlPr>
+                                    <a:rPr lang="en-CA" i="1">
+                                      <a:latin typeface="Cambria Math" panose="02040503050406030204" pitchFamily="18" charset="0"/>
+                                    </a:rPr>
+                                  </m:ctrlPr>
+                                </m:sSubPr>
+                                <m:e>
+                                  <m:r>
+                                    <a:rPr lang="en-CA" i="1">
+                                      <a:latin typeface="Cambria Math" panose="02040503050406030204" pitchFamily="18" charset="0"/>
+                                    </a:rPr>
+                                    <m:t>𝑌</m:t>
+                                  </m:r>
+                                </m:e>
+                                <m:sub>
+                                  <m:r>
+                                    <a:rPr lang="en-CA" i="1">
+                                      <a:latin typeface="Cambria Math" panose="02040503050406030204" pitchFamily="18" charset="0"/>
+                                    </a:rPr>
+                                    <m:t>𝑖</m:t>
+                                  </m:r>
+                                </m:sub>
+                              </m:sSub>
+                            </m:e>
+                          </m:d>
+                        </m:e>
+                      </m:func>
+                    </m:oMath>
+                  </m:oMathPara>
+                </a14:m>
+                <a:endParaRPr lang="en-CA" dirty="0"/>
+              </a:p>
+            </p:txBody>
+          </p:sp>
+        </mc:Choice>
+        <mc:Fallback xmlns="">
+          <p:sp>
+            <p:nvSpPr>
+              <p:cNvPr id="3" name="Content Placeholder 2">
+                <a:extLst>
+                  <a:ext uri="{FF2B5EF4-FFF2-40B4-BE49-F238E27FC236}">
+                    <a16:creationId xmlns:a16="http://schemas.microsoft.com/office/drawing/2014/main" id="{95E1A27B-632A-4CDE-93A4-6E64FC88B694}"/>
+                  </a:ext>
+                </a:extLst>
+              </p:cNvPr>
+              <p:cNvSpPr>
+                <a:spLocks noGrp="1" noRot="1" noChangeAspect="1" noMove="1" noResize="1" noEditPoints="1" noAdjustHandles="1" noChangeArrowheads="1" noChangeShapeType="1" noTextEdit="1"/>
+              </p:cNvSpPr>
+              <p:nvPr>
+                <p:ph idx="1"/>
+              </p:nvPr>
+            </p:nvSpPr>
+            <p:spPr>
+              <a:blipFill>
+                <a:blip r:embed="rId2"/>
+                <a:stretch>
+                  <a:fillRect l="-1333" t="-2941"/>
+                </a:stretch>
+              </a:blipFill>
+            </p:spPr>
+            <p:txBody>
+              <a:bodyPr/>
+              <a:lstStyle/>
+              <a:p>
+                <a:r>
+                  <a:rPr lang="en-CA">
+                    <a:noFill/>
+                  </a:rPr>
+                  <a:t> </a:t>
+                </a:r>
+              </a:p>
+            </p:txBody>
+          </p:sp>
+        </mc:Fallback>
+      </mc:AlternateContent>
+      <p:sp>
+        <p:nvSpPr>
+          <p:cNvPr id="4" name="Right Brace 3">
+            <a:extLst>
+              <a:ext uri="{FF2B5EF4-FFF2-40B4-BE49-F238E27FC236}">
+                <a16:creationId xmlns:a16="http://schemas.microsoft.com/office/drawing/2014/main" id="{B4F383C1-4CBE-43DC-877D-B5A585053F12}"/>
+              </a:ext>
+            </a:extLst>
+          </p:cNvPr>
+          <p:cNvSpPr/>
+          <p:nvPr/>
+        </p:nvSpPr>
+        <p:spPr>
+          <a:xfrm rot="5400000">
+            <a:off x="4468305" y="1325652"/>
+            <a:ext cx="659876" cy="5203595"/>
+          </a:xfrm>
+          <a:prstGeom prst="rightBrace">
+            <a:avLst/>
+          </a:prstGeom>
+          <a:ln w="38100"/>
+        </p:spPr>
+        <p:style>
+          <a:lnRef idx="1">
+            <a:schemeClr val="accent1"/>
+          </a:lnRef>
+          <a:fillRef idx="0">
+            <a:schemeClr val="accent1"/>
+          </a:fillRef>
+          <a:effectRef idx="0">
+            <a:schemeClr val="accent1"/>
+          </a:effectRef>
+          <a:fontRef idx="minor">
+            <a:schemeClr val="tx1"/>
+          </a:fontRef>
+        </p:style>
+        <p:txBody>
+          <a:bodyPr rtlCol="0" anchor="ctr"/>
+          <a:lstStyle/>
+          <a:p>
+            <a:pPr algn="ctr"/>
+            <a:endParaRPr lang="en-CA"/>
+          </a:p>
+        </p:txBody>
+      </p:sp>
+      <p:sp>
+        <p:nvSpPr>
+          <p:cNvPr id="5" name="Right Brace 4">
+            <a:extLst>
+              <a:ext uri="{FF2B5EF4-FFF2-40B4-BE49-F238E27FC236}">
+                <a16:creationId xmlns:a16="http://schemas.microsoft.com/office/drawing/2014/main" id="{BB8E97BC-72CD-4371-81B8-771A5CE1BC24}"/>
+              </a:ext>
+            </a:extLst>
+          </p:cNvPr>
+          <p:cNvSpPr/>
+          <p:nvPr/>
+        </p:nvSpPr>
+        <p:spPr>
+          <a:xfrm rot="5400000">
+            <a:off x="8980371" y="2563936"/>
+            <a:ext cx="659876" cy="2727029"/>
+          </a:xfrm>
+          <a:prstGeom prst="rightBrace">
+            <a:avLst/>
+          </a:prstGeom>
+          <a:ln w="38100"/>
+        </p:spPr>
+        <p:style>
+          <a:lnRef idx="1">
+            <a:schemeClr val="accent1"/>
+          </a:lnRef>
+          <a:fillRef idx="0">
+            <a:schemeClr val="accent1"/>
+          </a:fillRef>
+          <a:effectRef idx="0">
+            <a:schemeClr val="accent1"/>
+          </a:effectRef>
+          <a:fontRef idx="minor">
+            <a:schemeClr val="tx1"/>
+          </a:fontRef>
+        </p:style>
+        <p:txBody>
+          <a:bodyPr rtlCol="0" anchor="ctr"/>
+          <a:lstStyle/>
+          <a:p>
+            <a:pPr algn="ctr"/>
+            <a:endParaRPr lang="en-CA"/>
+          </a:p>
+        </p:txBody>
+      </p:sp>
+      <p:sp>
+        <p:nvSpPr>
+          <p:cNvPr id="6" name="TextBox 5">
+            <a:extLst>
+              <a:ext uri="{FF2B5EF4-FFF2-40B4-BE49-F238E27FC236}">
+                <a16:creationId xmlns:a16="http://schemas.microsoft.com/office/drawing/2014/main" id="{5F45491B-8CAD-42A3-95E8-1074BA81D631}"/>
+              </a:ext>
+            </a:extLst>
+          </p:cNvPr>
+          <p:cNvSpPr txBox="1"/>
+          <p:nvPr/>
+        </p:nvSpPr>
+        <p:spPr>
+          <a:xfrm>
+            <a:off x="3274332" y="4331233"/>
+            <a:ext cx="3047822" cy="1077218"/>
+          </a:xfrm>
+          <a:prstGeom prst="rect">
+            <a:avLst/>
+          </a:prstGeom>
+          <a:noFill/>
+        </p:spPr>
+        <p:txBody>
+          <a:bodyPr wrap="none" rtlCol="0">
+            <a:spAutoFit/>
+          </a:bodyPr>
+          <a:lstStyle/>
+          <a:p>
+            <a:r>
+              <a:rPr lang="en-CA" sz="3200" dirty="0"/>
+              <a:t>Log of optimized </a:t>
+            </a:r>
+          </a:p>
+          <a:p>
+            <a:r>
+              <a:rPr lang="en-CA" sz="3200" dirty="0"/>
+              <a:t>LASSO objective</a:t>
+            </a:r>
+          </a:p>
+        </p:txBody>
+      </p:sp>
+      <p:sp>
+        <p:nvSpPr>
+          <p:cNvPr id="7" name="TextBox 6">
+            <a:extLst>
+              <a:ext uri="{FF2B5EF4-FFF2-40B4-BE49-F238E27FC236}">
+                <a16:creationId xmlns:a16="http://schemas.microsoft.com/office/drawing/2014/main" id="{00669574-4791-4F32-8485-320F0EF5CF74}"/>
+              </a:ext>
+            </a:extLst>
+          </p:cNvPr>
+          <p:cNvSpPr txBox="1"/>
+          <p:nvPr/>
+        </p:nvSpPr>
+        <p:spPr>
+          <a:xfrm>
+            <a:off x="7946794" y="4331233"/>
+            <a:ext cx="2727029" cy="1569660"/>
+          </a:xfrm>
+          <a:prstGeom prst="rect">
+            <a:avLst/>
+          </a:prstGeom>
+          <a:noFill/>
+        </p:spPr>
+        <p:txBody>
+          <a:bodyPr wrap="none" rtlCol="0">
+            <a:spAutoFit/>
+          </a:bodyPr>
+          <a:lstStyle/>
+          <a:p>
+            <a:r>
+              <a:rPr lang="en-CA" sz="3200" dirty="0"/>
+              <a:t>Jacobian of</a:t>
+            </a:r>
+          </a:p>
+          <a:p>
+            <a:r>
+              <a:rPr lang="en-CA" sz="3200" dirty="0"/>
+              <a:t>Box-Cox</a:t>
+            </a:r>
+          </a:p>
+          <a:p>
+            <a:r>
+              <a:rPr lang="en-CA" sz="3200" dirty="0"/>
+              <a:t>Transformation</a:t>
+            </a:r>
+          </a:p>
+        </p:txBody>
+      </p:sp>
+    </p:spTree>
+    <p:extLst>
+      <p:ext uri="{BB962C8B-B14F-4D97-AF65-F5344CB8AC3E}">
+        <p14:creationId xmlns:p14="http://schemas.microsoft.com/office/powerpoint/2010/main" val="2469397842"/>
+      </p:ext>
+    </p:extLst>
+  </p:cSld>
+  <p:clrMapOvr>
+    <a:masterClrMapping/>
+  </p:clrMapOvr>
+</p:sld>
+</file>
+
+<file path=ppt/slides/slide27.xml><?xml version="1.0" encoding="utf-8"?>
+<p:sld xmlns:a="http://schemas.openxmlformats.org/drawingml/2006/main" xmlns:r="http://schemas.openxmlformats.org/officeDocument/2006/relationships" xmlns:p="http://schemas.openxmlformats.org/presentationml/2006/main">
+  <p:cSld>
+    <p:spTree>
+      <p:nvGrpSpPr>
+        <p:cNvPr id="1" name=""/>
+        <p:cNvGrpSpPr/>
+        <p:nvPr/>
+      </p:nvGrpSpPr>
+      <p:grpSpPr>
+        <a:xfrm>
+          <a:off x="0" y="0"/>
+          <a:ext cx="0" cy="0"/>
+          <a:chOff x="0" y="0"/>
+          <a:chExt cx="0" cy="0"/>
+        </a:xfrm>
+      </p:grpSpPr>
+      <p:sp>
+        <p:nvSpPr>
+          <p:cNvPr id="2" name="Title 1">
+            <a:extLst>
+              <a:ext uri="{FF2B5EF4-FFF2-40B4-BE49-F238E27FC236}">
+                <a16:creationId xmlns:a16="http://schemas.microsoft.com/office/drawing/2014/main" id="{90B61CE0-C440-477A-A90D-4A1A4D98AE56}"/>
+              </a:ext>
+            </a:extLst>
+          </p:cNvPr>
+          <p:cNvSpPr>
+            <a:spLocks noGrp="1"/>
+          </p:cNvSpPr>
+          <p:nvPr>
+            <p:ph type="title"/>
+          </p:nvPr>
+        </p:nvSpPr>
+        <p:spPr/>
+        <p:txBody>
+          <a:bodyPr/>
+          <a:lstStyle/>
+          <a:p>
+            <a:r>
+              <a:rPr lang="en-CA" dirty="0"/>
+              <a:t>Penalized Likelihood</a:t>
+            </a:r>
+          </a:p>
+        </p:txBody>
+      </p:sp>
+      <p:sp>
+        <p:nvSpPr>
+          <p:cNvPr id="3" name="Content Placeholder 2">
+            <a:extLst>
+              <a:ext uri="{FF2B5EF4-FFF2-40B4-BE49-F238E27FC236}">
+                <a16:creationId xmlns:a16="http://schemas.microsoft.com/office/drawing/2014/main" id="{7105343B-136E-4B13-8767-FD6B7A0F2F1F}"/>
+              </a:ext>
+            </a:extLst>
+          </p:cNvPr>
+          <p:cNvSpPr>
+            <a:spLocks noGrp="1"/>
+          </p:cNvSpPr>
+          <p:nvPr>
+            <p:ph idx="1"/>
+          </p:nvPr>
+        </p:nvSpPr>
+        <p:spPr/>
+        <p:txBody>
+          <a:bodyPr/>
+          <a:lstStyle/>
+          <a:p>
+            <a:r>
+              <a:rPr lang="en-CA" dirty="0"/>
+              <a:t>This new method is promising</a:t>
+            </a:r>
+          </a:p>
+          <a:p>
+            <a:endParaRPr lang="en-CA" dirty="0"/>
+          </a:p>
+          <a:p>
+            <a:r>
+              <a:rPr lang="en-CA" dirty="0"/>
+              <a:t>Leverage inference tools from Taylor and </a:t>
+            </a:r>
+            <a:r>
+              <a:rPr lang="en-CA" dirty="0" err="1"/>
+              <a:t>Tibshirani</a:t>
+            </a:r>
+            <a:endParaRPr lang="en-CA" dirty="0"/>
+          </a:p>
+          <a:p>
+            <a:endParaRPr lang="en-CA" dirty="0"/>
+          </a:p>
+          <a:p>
+            <a:r>
+              <a:rPr lang="en-CA" dirty="0"/>
+              <a:t>Under active development</a:t>
+            </a:r>
+          </a:p>
+          <a:p>
+            <a:endParaRPr lang="en-CA" dirty="0"/>
+          </a:p>
+          <a:p>
+            <a:endParaRPr lang="en-CA" dirty="0"/>
+          </a:p>
+        </p:txBody>
+      </p:sp>
+    </p:spTree>
+    <p:extLst>
+      <p:ext uri="{BB962C8B-B14F-4D97-AF65-F5344CB8AC3E}">
+        <p14:creationId xmlns:p14="http://schemas.microsoft.com/office/powerpoint/2010/main" val="3711888394"/>
+      </p:ext>
+    </p:extLst>
+  </p:cSld>
+  <p:clrMapOvr>
+    <a:masterClrMapping/>
+  </p:clrMapOvr>
+</p:sld>
+</file>
+
+<file path=ppt/slides/slide28.xml><?xml version="1.0" encoding="utf-8"?>
+<p:sld xmlns:a="http://schemas.openxmlformats.org/drawingml/2006/main" xmlns:r="http://schemas.openxmlformats.org/officeDocument/2006/relationships" xmlns:p="http://schemas.openxmlformats.org/presentationml/2006/main">
+  <p:cSld>
+    <p:spTree>
+      <p:nvGrpSpPr>
+        <p:cNvPr id="1" name=""/>
+        <p:cNvGrpSpPr/>
+        <p:nvPr/>
+      </p:nvGrpSpPr>
+      <p:grpSpPr>
+        <a:xfrm>
+          <a:off x="0" y="0"/>
+          <a:ext cx="0" cy="0"/>
+          <a:chOff x="0" y="0"/>
+          <a:chExt cx="0" cy="0"/>
+        </a:xfrm>
+      </p:grpSpPr>
+      <p:sp>
+        <p:nvSpPr>
+          <p:cNvPr id="2" name="Title 1">
+            <a:extLst>
+              <a:ext uri="{FF2B5EF4-FFF2-40B4-BE49-F238E27FC236}">
+                <a16:creationId xmlns:a16="http://schemas.microsoft.com/office/drawing/2014/main" id="{0923351A-481E-4475-A094-D7B8DD4819E4}"/>
+              </a:ext>
+            </a:extLst>
+          </p:cNvPr>
+          <p:cNvSpPr>
+            <a:spLocks noGrp="1"/>
+          </p:cNvSpPr>
+          <p:nvPr>
+            <p:ph type="title"/>
+          </p:nvPr>
+        </p:nvSpPr>
+        <p:spPr/>
+        <p:txBody>
+          <a:bodyPr/>
+          <a:lstStyle/>
+          <a:p>
+            <a:r>
+              <a:rPr lang="en-CA" dirty="0"/>
+              <a:t>Conclusion</a:t>
+            </a:r>
+          </a:p>
+        </p:txBody>
+      </p:sp>
+      <p:sp>
+        <p:nvSpPr>
+          <p:cNvPr id="3" name="Content Placeholder 2">
+            <a:extLst>
+              <a:ext uri="{FF2B5EF4-FFF2-40B4-BE49-F238E27FC236}">
+                <a16:creationId xmlns:a16="http://schemas.microsoft.com/office/drawing/2014/main" id="{AD120D33-2414-49D5-ACA8-AADBB299626C}"/>
+              </a:ext>
+            </a:extLst>
+          </p:cNvPr>
+          <p:cNvSpPr>
+            <a:spLocks noGrp="1"/>
+          </p:cNvSpPr>
+          <p:nvPr>
+            <p:ph idx="1"/>
+          </p:nvPr>
+        </p:nvSpPr>
+        <p:spPr/>
+        <p:txBody>
+          <a:bodyPr/>
+          <a:lstStyle/>
+          <a:p>
+            <a:r>
+              <a:rPr lang="en-CA" dirty="0"/>
+              <a:t>Transformations relevant in high-dimensions</a:t>
+            </a:r>
+          </a:p>
+          <a:p>
+            <a:endParaRPr lang="en-CA" dirty="0"/>
+          </a:p>
+          <a:p>
+            <a:r>
+              <a:rPr lang="en-CA" dirty="0"/>
+              <a:t>Box-Cox with high dimensional data</a:t>
+            </a:r>
+          </a:p>
+          <a:p>
+            <a:pPr lvl="1"/>
+            <a:r>
+              <a:rPr lang="en-CA" dirty="0"/>
+              <a:t>Residual substitution</a:t>
+            </a:r>
+          </a:p>
+          <a:p>
+            <a:pPr lvl="1"/>
+            <a:r>
+              <a:rPr lang="en-CA" dirty="0"/>
+              <a:t>Penalized likelihood</a:t>
+            </a:r>
+          </a:p>
+          <a:p>
+            <a:endParaRPr lang="en-CA" dirty="0"/>
+          </a:p>
+          <a:p>
+            <a:endParaRPr lang="en-CA" dirty="0"/>
+          </a:p>
+        </p:txBody>
+      </p:sp>
+    </p:spTree>
+    <p:extLst>
+      <p:ext uri="{BB962C8B-B14F-4D97-AF65-F5344CB8AC3E}">
+        <p14:creationId xmlns:p14="http://schemas.microsoft.com/office/powerpoint/2010/main" val="802619342"/>
+      </p:ext>
+    </p:extLst>
+  </p:cSld>
+  <p:clrMapOvr>
+    <a:masterClrMapping/>
+  </p:clrMapOvr>
+</p:sld>
+</file>
+
+<file path=ppt/slides/slide29.xml><?xml version="1.0" encoding="utf-8"?>
+<p:sld xmlns:a="http://schemas.openxmlformats.org/drawingml/2006/main" xmlns:r="http://schemas.openxmlformats.org/officeDocument/2006/relationships" xmlns:p="http://schemas.openxmlformats.org/presentationml/2006/main">
+  <p:cSld>
+    <p:spTree>
+      <p:nvGrpSpPr>
+        <p:cNvPr id="1" name=""/>
+        <p:cNvGrpSpPr/>
+        <p:nvPr/>
+      </p:nvGrpSpPr>
+      <p:grpSpPr>
+        <a:xfrm>
+          <a:off x="0" y="0"/>
+          <a:ext cx="0" cy="0"/>
+          <a:chOff x="0" y="0"/>
+          <a:chExt cx="0" cy="0"/>
+        </a:xfrm>
+      </p:grpSpPr>
+      <p:sp>
+        <p:nvSpPr>
+          <p:cNvPr id="4" name="Title 3">
+            <a:extLst>
+              <a:ext uri="{FF2B5EF4-FFF2-40B4-BE49-F238E27FC236}">
+                <a16:creationId xmlns:a16="http://schemas.microsoft.com/office/drawing/2014/main" id="{990599EA-33DA-4409-B613-7F0653AC791F}"/>
+              </a:ext>
+            </a:extLst>
+          </p:cNvPr>
+          <p:cNvSpPr>
+            <a:spLocks noGrp="1"/>
+          </p:cNvSpPr>
+          <p:nvPr>
+            <p:ph type="ctrTitle"/>
+          </p:nvPr>
+        </p:nvSpPr>
+        <p:spPr/>
+        <p:txBody>
+          <a:bodyPr/>
+          <a:lstStyle/>
+          <a:p>
+            <a:r>
+              <a:rPr lang="en-US" dirty="0"/>
+              <a:t>Thank You</a:t>
+            </a:r>
+            <a:endParaRPr lang="en-CA" dirty="0"/>
+          </a:p>
+        </p:txBody>
+      </p:sp>
+      <p:sp>
+        <p:nvSpPr>
+          <p:cNvPr id="5" name="Subtitle 4">
+            <a:extLst>
+              <a:ext uri="{FF2B5EF4-FFF2-40B4-BE49-F238E27FC236}">
+                <a16:creationId xmlns:a16="http://schemas.microsoft.com/office/drawing/2014/main" id="{90E14E4E-049B-4C26-A334-57182E841730}"/>
+              </a:ext>
+            </a:extLst>
+          </p:cNvPr>
+          <p:cNvSpPr>
+            <a:spLocks noGrp="1"/>
+          </p:cNvSpPr>
+          <p:nvPr>
+            <p:ph type="subTitle" idx="1"/>
+          </p:nvPr>
+        </p:nvSpPr>
+        <p:spPr/>
+        <p:txBody>
+          <a:bodyPr/>
+          <a:lstStyle/>
+          <a:p>
+            <a:endParaRPr lang="en-CA"/>
+          </a:p>
+        </p:txBody>
+      </p:sp>
+    </p:spTree>
+    <p:extLst>
+      <p:ext uri="{BB962C8B-B14F-4D97-AF65-F5344CB8AC3E}">
+        <p14:creationId xmlns:p14="http://schemas.microsoft.com/office/powerpoint/2010/main" val="3030967482"/>
+      </p:ext>
+    </p:extLst>
+  </p:cSld>
+  <p:clrMapOvr>
+    <a:masterClrMapping/>
+  </p:clrMapOvr>
+</p:sld>
+</file>
+
+<file path=ppt/slides/slide3.xml><?xml version="1.0" encoding="utf-8"?>
 <p:sld xmlns:a="http://schemas.openxmlformats.org/drawingml/2006/main" xmlns:r="http://schemas.openxmlformats.org/officeDocument/2006/relationships" xmlns:p="http://schemas.openxmlformats.org/presentationml/2006/main">
   <p:cSld>
     <p:spTree>
@@ -8212,7 +11410,7 @@
 </p:sld>
 </file>
 
-<file path=ppt/slides/slide20.xml><?xml version="1.0" encoding="utf-8"?>
+<file path=ppt/slides/slide4.xml><?xml version="1.0" encoding="utf-8"?>
 <p:sld xmlns:a="http://schemas.openxmlformats.org/drawingml/2006/main" xmlns:r="http://schemas.openxmlformats.org/officeDocument/2006/relationships" xmlns:p="http://schemas.openxmlformats.org/presentationml/2006/main">
   <p:cSld>
     <p:spTree>
@@ -8234,1574 +11432,6 @@
           <p:cNvPr id="2" name="Title 1">
             <a:extLst>
               <a:ext uri="{FF2B5EF4-FFF2-40B4-BE49-F238E27FC236}">
-                <a16:creationId xmlns:a16="http://schemas.microsoft.com/office/drawing/2014/main" id="{17BF818F-B2B8-4C3C-91B4-CE672CD4C18B}"/>
-              </a:ext>
-            </a:extLst>
-          </p:cNvPr>
-          <p:cNvSpPr>
-            <a:spLocks noGrp="1"/>
-          </p:cNvSpPr>
-          <p:nvPr>
-            <p:ph type="title"/>
-          </p:nvPr>
-        </p:nvSpPr>
-        <p:spPr>
-          <a:xfrm>
-            <a:off x="838200" y="365125"/>
-            <a:ext cx="10515600" cy="1325563"/>
-          </a:xfrm>
-        </p:spPr>
-        <p:txBody>
-          <a:bodyPr/>
-          <a:lstStyle/>
-          <a:p>
-            <a:r>
-              <a:rPr lang="en-CA" dirty="0"/>
-              <a:t>Box-Cox Inference</a:t>
-            </a:r>
-          </a:p>
-        </p:txBody>
-      </p:sp>
-      <mc:AlternateContent xmlns:mc="http://schemas.openxmlformats.org/markup-compatibility/2006">
-        <mc:Choice xmlns:a14="http://schemas.microsoft.com/office/drawing/2010/main" Requires="a14">
-          <p:graphicFrame>
-            <p:nvGraphicFramePr>
-              <p:cNvPr id="4" name="Table 4">
-                <a:extLst>
-                  <a:ext uri="{FF2B5EF4-FFF2-40B4-BE49-F238E27FC236}">
-                    <a16:creationId xmlns:a16="http://schemas.microsoft.com/office/drawing/2014/main" id="{AFC202DD-30BA-49E8-83F4-830A76520B09}"/>
-                  </a:ext>
-                </a:extLst>
-              </p:cNvPr>
-              <p:cNvGraphicFramePr>
-                <a:graphicFrameLocks noGrp="1"/>
-              </p:cNvGraphicFramePr>
-              <p:nvPr>
-                <p:ph idx="1"/>
-                <p:extLst>
-                  <p:ext uri="{D42A27DB-BD31-4B8C-83A1-F6EECF244321}">
-                    <p14:modId xmlns:p14="http://schemas.microsoft.com/office/powerpoint/2010/main" val="3007764813"/>
-                  </p:ext>
-                </p:extLst>
-              </p:nvPr>
-            </p:nvGraphicFramePr>
-            <p:xfrm>
-              <a:off x="838200" y="1844040"/>
-              <a:ext cx="10515603" cy="1584960"/>
-            </p:xfrm>
-            <a:graphic>
-              <a:graphicData uri="http://schemas.openxmlformats.org/drawingml/2006/table">
-                <a:tbl>
-                  <a:tblPr bandRow="1">
-                    <a:tableStyleId>{073A0DAA-6AF3-43AB-8588-CEC1D06C72B9}</a:tableStyleId>
-                  </a:tblPr>
-                  <a:tblGrid>
-                    <a:gridCol w="1502229">
-                      <a:extLst>
-                        <a:ext uri="{9D8B030D-6E8A-4147-A177-3AD203B41FA5}">
-                          <a16:colId xmlns:a16="http://schemas.microsoft.com/office/drawing/2014/main" val="902157614"/>
-                        </a:ext>
-                      </a:extLst>
-                    </a:gridCol>
-                    <a:gridCol w="1502229">
-                      <a:extLst>
-                        <a:ext uri="{9D8B030D-6E8A-4147-A177-3AD203B41FA5}">
-                          <a16:colId xmlns:a16="http://schemas.microsoft.com/office/drawing/2014/main" val="3810277463"/>
-                        </a:ext>
-                      </a:extLst>
-                    </a:gridCol>
-                    <a:gridCol w="1502229">
-                      <a:extLst>
-                        <a:ext uri="{9D8B030D-6E8A-4147-A177-3AD203B41FA5}">
-                          <a16:colId xmlns:a16="http://schemas.microsoft.com/office/drawing/2014/main" val="3835867625"/>
-                        </a:ext>
-                      </a:extLst>
-                    </a:gridCol>
-                    <a:gridCol w="1502229">
-                      <a:extLst>
-                        <a:ext uri="{9D8B030D-6E8A-4147-A177-3AD203B41FA5}">
-                          <a16:colId xmlns:a16="http://schemas.microsoft.com/office/drawing/2014/main" val="4259846121"/>
-                        </a:ext>
-                      </a:extLst>
-                    </a:gridCol>
-                    <a:gridCol w="1502229">
-                      <a:extLst>
-                        <a:ext uri="{9D8B030D-6E8A-4147-A177-3AD203B41FA5}">
-                          <a16:colId xmlns:a16="http://schemas.microsoft.com/office/drawing/2014/main" val="12837104"/>
-                        </a:ext>
-                      </a:extLst>
-                    </a:gridCol>
-                    <a:gridCol w="1502229">
-                      <a:extLst>
-                        <a:ext uri="{9D8B030D-6E8A-4147-A177-3AD203B41FA5}">
-                          <a16:colId xmlns:a16="http://schemas.microsoft.com/office/drawing/2014/main" val="2058178894"/>
-                        </a:ext>
-                      </a:extLst>
-                    </a:gridCol>
-                    <a:gridCol w="1502229">
-                      <a:extLst>
-                        <a:ext uri="{9D8B030D-6E8A-4147-A177-3AD203B41FA5}">
-                          <a16:colId xmlns:a16="http://schemas.microsoft.com/office/drawing/2014/main" val="3076216707"/>
-                        </a:ext>
-                      </a:extLst>
-                    </a:gridCol>
-                  </a:tblGrid>
-                  <a:tr h="370840">
-                    <a:tc rowSpan="2">
-                      <a:txBody>
-                        <a:bodyPr/>
-                        <a:lstStyle/>
-                        <a:p>
-                          <a:pPr algn="ctr"/>
-                          <a:r>
-                            <a:rPr lang="en-CA" sz="2000" dirty="0"/>
-                            <a:t>Coverage Probability</a:t>
-                          </a:r>
-                        </a:p>
-                      </a:txBody>
-                      <a:tcPr/>
-                    </a:tc>
-                    <a:tc gridSpan="2">
-                      <a:txBody>
-                        <a:bodyPr/>
-                        <a:lstStyle/>
-                        <a:p>
-                          <a:pPr algn="ctr"/>
-                          <a14:m>
-                            <m:oMathPara xmlns:m="http://schemas.openxmlformats.org/officeDocument/2006/math">
-                              <m:oMathParaPr>
-                                <m:jc m:val="centerGroup"/>
-                              </m:oMathParaPr>
-                              <m:oMath xmlns:m="http://schemas.openxmlformats.org/officeDocument/2006/math">
-                                <m:r>
-                                  <a:rPr lang="en-CA" sz="2000" smtClean="0"/>
-                                  <m:t>𝑝</m:t>
-                                </m:r>
-                                <m:r>
-                                  <a:rPr lang="en-CA" sz="2000" smtClean="0"/>
-                                  <m:t>=10</m:t>
-                                </m:r>
-                              </m:oMath>
-                            </m:oMathPara>
-                          </a14:m>
-                          <a:endParaRPr lang="en-CA" sz="2000" dirty="0"/>
-                        </a:p>
-                      </a:txBody>
-                      <a:tcPr/>
-                    </a:tc>
-                    <a:tc hMerge="1">
-                      <a:txBody>
-                        <a:bodyPr/>
-                        <a:lstStyle/>
-                        <a:p>
-                          <a:pPr algn="ctr"/>
-                          <a:endParaRPr lang="en-CA" dirty="0"/>
-                        </a:p>
-                      </a:txBody>
-                      <a:tcPr/>
-                    </a:tc>
-                    <a:tc gridSpan="2">
-                      <a:txBody>
-                        <a:bodyPr/>
-                        <a:lstStyle/>
-                        <a:p>
-                          <a:pPr algn="ctr"/>
-                          <a14:m>
-                            <m:oMathPara xmlns:m="http://schemas.openxmlformats.org/officeDocument/2006/math">
-                              <m:oMathParaPr>
-                                <m:jc m:val="centerGroup"/>
-                              </m:oMathParaPr>
-                              <m:oMath xmlns:m="http://schemas.openxmlformats.org/officeDocument/2006/math">
-                                <m:r>
-                                  <a:rPr lang="en-CA" sz="2000" smtClean="0"/>
-                                  <m:t>𝑝</m:t>
-                                </m:r>
-                                <m:r>
-                                  <a:rPr lang="en-CA" sz="2000" smtClean="0"/>
-                                  <m:t>=50</m:t>
-                                </m:r>
-                              </m:oMath>
-                            </m:oMathPara>
-                          </a14:m>
-                          <a:endParaRPr lang="en-CA" sz="2000" dirty="0"/>
-                        </a:p>
-                      </a:txBody>
-                      <a:tcPr/>
-                    </a:tc>
-                    <a:tc hMerge="1">
-                      <a:txBody>
-                        <a:bodyPr/>
-                        <a:lstStyle/>
-                        <a:p>
-                          <a:pPr algn="ctr"/>
-                          <a:endParaRPr lang="en-CA" dirty="0"/>
-                        </a:p>
-                      </a:txBody>
-                      <a:tcPr/>
-                    </a:tc>
-                    <a:tc gridSpan="2">
-                      <a:txBody>
-                        <a:bodyPr/>
-                        <a:lstStyle/>
-                        <a:p>
-                          <a:pPr algn="ctr"/>
-                          <a14:m>
-                            <m:oMathPara xmlns:m="http://schemas.openxmlformats.org/officeDocument/2006/math">
-                              <m:oMathParaPr>
-                                <m:jc m:val="centerGroup"/>
-                              </m:oMathParaPr>
-                              <m:oMath xmlns:m="http://schemas.openxmlformats.org/officeDocument/2006/math">
-                                <m:r>
-                                  <a:rPr lang="en-CA" sz="2000" smtClean="0"/>
-                                  <m:t>𝑝</m:t>
-                                </m:r>
-                                <m:r>
-                                  <a:rPr lang="en-CA" sz="2000" smtClean="0"/>
-                                  <m:t>=200</m:t>
-                                </m:r>
-                              </m:oMath>
-                            </m:oMathPara>
-                          </a14:m>
-                          <a:endParaRPr lang="en-CA" sz="2000" dirty="0"/>
-                        </a:p>
-                      </a:txBody>
-                      <a:tcPr/>
-                    </a:tc>
-                    <a:tc hMerge="1">
-                      <a:txBody>
-                        <a:bodyPr/>
-                        <a:lstStyle/>
-                        <a:p>
-                          <a:pPr algn="ctr"/>
-                          <a:endParaRPr lang="en-CA" dirty="0"/>
-                        </a:p>
-                      </a:txBody>
-                      <a:tcPr/>
-                    </a:tc>
-                    <a:extLst>
-                      <a:ext uri="{0D108BD9-81ED-4DB2-BD59-A6C34878D82A}">
-                        <a16:rowId xmlns:a16="http://schemas.microsoft.com/office/drawing/2014/main" val="3851112357"/>
-                      </a:ext>
-                    </a:extLst>
-                  </a:tr>
-                  <a:tr h="370840">
-                    <a:tc vMerge="1">
-                      <a:txBody>
-                        <a:bodyPr/>
-                        <a:lstStyle/>
-                        <a:p>
-                          <a:pPr algn="ctr"/>
-                          <a:endParaRPr lang="en-CA" dirty="0"/>
-                        </a:p>
-                      </a:txBody>
-                      <a:tcPr/>
-                    </a:tc>
-                    <a:tc>
-                      <a:txBody>
-                        <a:bodyPr/>
-                        <a:lstStyle/>
-                        <a:p>
-                          <a:pPr algn="ctr"/>
-                          <a:r>
-                            <a:rPr lang="en-CA" sz="2000" dirty="0"/>
-                            <a:t>SNR low</a:t>
-                          </a:r>
-                        </a:p>
-                      </a:txBody>
-                      <a:tcPr/>
-                    </a:tc>
-                    <a:tc>
-                      <a:txBody>
-                        <a:bodyPr/>
-                        <a:lstStyle/>
-                        <a:p>
-                          <a:pPr algn="ctr"/>
-                          <a:r>
-                            <a:rPr lang="en-CA" sz="2000" dirty="0"/>
-                            <a:t>SNR high</a:t>
-                          </a:r>
-                        </a:p>
-                      </a:txBody>
-                      <a:tcPr/>
-                    </a:tc>
-                    <a:tc>
-                      <a:txBody>
-                        <a:bodyPr/>
-                        <a:lstStyle/>
-                        <a:p>
-                          <a:pPr algn="ctr"/>
-                          <a:r>
-                            <a:rPr lang="en-CA" sz="2000" dirty="0"/>
-                            <a:t>SNR low</a:t>
-                          </a:r>
-                        </a:p>
-                      </a:txBody>
-                      <a:tcPr/>
-                    </a:tc>
-                    <a:tc>
-                      <a:txBody>
-                        <a:bodyPr/>
-                        <a:lstStyle/>
-                        <a:p>
-                          <a:pPr algn="ctr"/>
-                          <a:r>
-                            <a:rPr lang="en-CA" sz="2000" dirty="0"/>
-                            <a:t>SNR high</a:t>
-                          </a:r>
-                        </a:p>
-                      </a:txBody>
-                      <a:tcPr/>
-                    </a:tc>
-                    <a:tc>
-                      <a:txBody>
-                        <a:bodyPr/>
-                        <a:lstStyle/>
-                        <a:p>
-                          <a:pPr algn="ctr"/>
-                          <a:r>
-                            <a:rPr lang="en-CA" sz="2000" dirty="0"/>
-                            <a:t>SNR low</a:t>
-                          </a:r>
-                        </a:p>
-                      </a:txBody>
-                      <a:tcPr/>
-                    </a:tc>
-                    <a:tc>
-                      <a:txBody>
-                        <a:bodyPr/>
-                        <a:lstStyle/>
-                        <a:p>
-                          <a:pPr algn="ctr"/>
-                          <a:r>
-                            <a:rPr lang="en-CA" sz="2000" dirty="0"/>
-                            <a:t>SNR high</a:t>
-                          </a:r>
-                        </a:p>
-                      </a:txBody>
-                      <a:tcPr/>
-                    </a:tc>
-                    <a:extLst>
-                      <a:ext uri="{0D108BD9-81ED-4DB2-BD59-A6C34878D82A}">
-                        <a16:rowId xmlns:a16="http://schemas.microsoft.com/office/drawing/2014/main" val="2906929121"/>
-                      </a:ext>
-                    </a:extLst>
-                  </a:tr>
-                  <a:tr h="370840">
-                    <a:tc>
-                      <a:txBody>
-                        <a:bodyPr/>
-                        <a:lstStyle/>
-                        <a:p>
-                          <a:pPr algn="ctr"/>
-                          <a:r>
-                            <a:rPr lang="en-CA" sz="2000" dirty="0"/>
-                            <a:t>LS</a:t>
-                          </a:r>
-                        </a:p>
-                      </a:txBody>
-                      <a:tcPr/>
-                    </a:tc>
-                    <a:tc>
-                      <a:txBody>
-                        <a:bodyPr/>
-                        <a:lstStyle/>
-                        <a:p>
-                          <a:pPr algn="ctr"/>
-                          <a:r>
-                            <a:rPr lang="en-CA" sz="2000" dirty="0"/>
-                            <a:t>0.94</a:t>
-                          </a:r>
-                        </a:p>
-                      </a:txBody>
-                      <a:tcPr/>
-                    </a:tc>
-                    <a:tc>
-                      <a:txBody>
-                        <a:bodyPr/>
-                        <a:lstStyle/>
-                        <a:p>
-                          <a:pPr algn="ctr"/>
-                          <a:r>
-                            <a:rPr lang="en-CA" sz="2000" dirty="0"/>
-                            <a:t>0.95</a:t>
-                          </a:r>
-                        </a:p>
-                      </a:txBody>
-                      <a:tcPr/>
-                    </a:tc>
-                    <a:tc>
-                      <a:txBody>
-                        <a:bodyPr/>
-                        <a:lstStyle/>
-                        <a:p>
-                          <a:pPr algn="ctr"/>
-                          <a:r>
-                            <a:rPr lang="en-CA" sz="2000" dirty="0"/>
-                            <a:t>0.93</a:t>
-                          </a:r>
-                        </a:p>
-                      </a:txBody>
-                      <a:tcPr/>
-                    </a:tc>
-                    <a:tc>
-                      <a:txBody>
-                        <a:bodyPr/>
-                        <a:lstStyle/>
-                        <a:p>
-                          <a:pPr algn="ctr"/>
-                          <a:r>
-                            <a:rPr lang="en-CA" sz="2000"/>
-                            <a:t>0.83</a:t>
-                          </a:r>
-                          <a:endParaRPr lang="en-CA" sz="2000" dirty="0"/>
-                        </a:p>
-                      </a:txBody>
-                      <a:tcPr/>
-                    </a:tc>
-                    <a:tc>
-                      <a:txBody>
-                        <a:bodyPr/>
-                        <a:lstStyle/>
-                        <a:p>
-                          <a:pPr algn="ctr"/>
-                          <a:r>
-                            <a:rPr lang="en-CA" sz="2000" dirty="0"/>
-                            <a:t>X</a:t>
-                          </a:r>
-                        </a:p>
-                      </a:txBody>
-                      <a:tcPr/>
-                    </a:tc>
-                    <a:tc>
-                      <a:txBody>
-                        <a:bodyPr/>
-                        <a:lstStyle/>
-                        <a:p>
-                          <a:pPr algn="ctr"/>
-                          <a:r>
-                            <a:rPr lang="en-CA" sz="2000" dirty="0"/>
-                            <a:t>X</a:t>
-                          </a:r>
-                        </a:p>
-                      </a:txBody>
-                      <a:tcPr/>
-                    </a:tc>
-                    <a:extLst>
-                      <a:ext uri="{0D108BD9-81ED-4DB2-BD59-A6C34878D82A}">
-                        <a16:rowId xmlns:a16="http://schemas.microsoft.com/office/drawing/2014/main" val="2845625525"/>
-                      </a:ext>
-                    </a:extLst>
-                  </a:tr>
-                  <a:tr h="370840">
-                    <a:tc>
-                      <a:txBody>
-                        <a:bodyPr/>
-                        <a:lstStyle/>
-                        <a:p>
-                          <a:pPr algn="ctr"/>
-                          <a:r>
-                            <a:rPr lang="en-CA" sz="2000" dirty="0"/>
-                            <a:t>LASSO</a:t>
-                          </a:r>
-                        </a:p>
-                      </a:txBody>
-                      <a:tcPr/>
-                    </a:tc>
-                    <a:tc>
-                      <a:txBody>
-                        <a:bodyPr/>
-                        <a:lstStyle/>
-                        <a:p>
-                          <a:pPr algn="ctr"/>
-                          <a:endParaRPr lang="en-CA" sz="2000"/>
-                        </a:p>
-                      </a:txBody>
-                      <a:tcPr/>
-                    </a:tc>
-                    <a:tc>
-                      <a:txBody>
-                        <a:bodyPr/>
-                        <a:lstStyle/>
-                        <a:p>
-                          <a:pPr algn="ctr"/>
-                          <a:endParaRPr lang="en-CA" sz="2000"/>
-                        </a:p>
-                      </a:txBody>
-                      <a:tcPr/>
-                    </a:tc>
-                    <a:tc>
-                      <a:txBody>
-                        <a:bodyPr/>
-                        <a:lstStyle/>
-                        <a:p>
-                          <a:pPr algn="ctr"/>
-                          <a:endParaRPr lang="en-CA" sz="2000"/>
-                        </a:p>
-                      </a:txBody>
-                      <a:tcPr/>
-                    </a:tc>
-                    <a:tc>
-                      <a:txBody>
-                        <a:bodyPr/>
-                        <a:lstStyle/>
-                        <a:p>
-                          <a:pPr algn="ctr"/>
-                          <a:endParaRPr lang="en-CA" sz="2000" dirty="0"/>
-                        </a:p>
-                      </a:txBody>
-                      <a:tcPr/>
-                    </a:tc>
-                    <a:tc>
-                      <a:txBody>
-                        <a:bodyPr/>
-                        <a:lstStyle/>
-                        <a:p>
-                          <a:pPr algn="ctr"/>
-                          <a:endParaRPr lang="en-CA" sz="2000" dirty="0"/>
-                        </a:p>
-                      </a:txBody>
-                      <a:tcPr/>
-                    </a:tc>
-                    <a:tc>
-                      <a:txBody>
-                        <a:bodyPr/>
-                        <a:lstStyle/>
-                        <a:p>
-                          <a:pPr algn="ctr"/>
-                          <a:endParaRPr lang="en-CA" sz="2000" dirty="0"/>
-                        </a:p>
-                      </a:txBody>
-                      <a:tcPr/>
-                    </a:tc>
-                    <a:extLst>
-                      <a:ext uri="{0D108BD9-81ED-4DB2-BD59-A6C34878D82A}">
-                        <a16:rowId xmlns:a16="http://schemas.microsoft.com/office/drawing/2014/main" val="3108683704"/>
-                      </a:ext>
-                    </a:extLst>
-                  </a:tr>
-                </a:tbl>
-              </a:graphicData>
-            </a:graphic>
-          </p:graphicFrame>
-        </mc:Choice>
-        <mc:Fallback>
-          <p:graphicFrame>
-            <p:nvGraphicFramePr>
-              <p:cNvPr id="4" name="Table 4">
-                <a:extLst>
-                  <a:ext uri="{FF2B5EF4-FFF2-40B4-BE49-F238E27FC236}">
-                    <a16:creationId xmlns:a16="http://schemas.microsoft.com/office/drawing/2014/main" id="{AFC202DD-30BA-49E8-83F4-830A76520B09}"/>
-                  </a:ext>
-                </a:extLst>
-              </p:cNvPr>
-              <p:cNvGraphicFramePr>
-                <a:graphicFrameLocks noGrp="1"/>
-              </p:cNvGraphicFramePr>
-              <p:nvPr>
-                <p:ph idx="1"/>
-                <p:extLst>
-                  <p:ext uri="{D42A27DB-BD31-4B8C-83A1-F6EECF244321}">
-                    <p14:modId xmlns:p14="http://schemas.microsoft.com/office/powerpoint/2010/main" val="3007764813"/>
-                  </p:ext>
-                </p:extLst>
-              </p:nvPr>
-            </p:nvGraphicFramePr>
-            <p:xfrm>
-              <a:off x="838200" y="1844040"/>
-              <a:ext cx="10515603" cy="1584960"/>
-            </p:xfrm>
-            <a:graphic>
-              <a:graphicData uri="http://schemas.openxmlformats.org/drawingml/2006/table">
-                <a:tbl>
-                  <a:tblPr bandRow="1">
-                    <a:tableStyleId>{073A0DAA-6AF3-43AB-8588-CEC1D06C72B9}</a:tableStyleId>
-                  </a:tblPr>
-                  <a:tblGrid>
-                    <a:gridCol w="1502229">
-                      <a:extLst>
-                        <a:ext uri="{9D8B030D-6E8A-4147-A177-3AD203B41FA5}">
-                          <a16:colId xmlns:a16="http://schemas.microsoft.com/office/drawing/2014/main" val="902157614"/>
-                        </a:ext>
-                      </a:extLst>
-                    </a:gridCol>
-                    <a:gridCol w="1502229">
-                      <a:extLst>
-                        <a:ext uri="{9D8B030D-6E8A-4147-A177-3AD203B41FA5}">
-                          <a16:colId xmlns:a16="http://schemas.microsoft.com/office/drawing/2014/main" val="3810277463"/>
-                        </a:ext>
-                      </a:extLst>
-                    </a:gridCol>
-                    <a:gridCol w="1502229">
-                      <a:extLst>
-                        <a:ext uri="{9D8B030D-6E8A-4147-A177-3AD203B41FA5}">
-                          <a16:colId xmlns:a16="http://schemas.microsoft.com/office/drawing/2014/main" val="3835867625"/>
-                        </a:ext>
-                      </a:extLst>
-                    </a:gridCol>
-                    <a:gridCol w="1502229">
-                      <a:extLst>
-                        <a:ext uri="{9D8B030D-6E8A-4147-A177-3AD203B41FA5}">
-                          <a16:colId xmlns:a16="http://schemas.microsoft.com/office/drawing/2014/main" val="4259846121"/>
-                        </a:ext>
-                      </a:extLst>
-                    </a:gridCol>
-                    <a:gridCol w="1502229">
-                      <a:extLst>
-                        <a:ext uri="{9D8B030D-6E8A-4147-A177-3AD203B41FA5}">
-                          <a16:colId xmlns:a16="http://schemas.microsoft.com/office/drawing/2014/main" val="12837104"/>
-                        </a:ext>
-                      </a:extLst>
-                    </a:gridCol>
-                    <a:gridCol w="1502229">
-                      <a:extLst>
-                        <a:ext uri="{9D8B030D-6E8A-4147-A177-3AD203B41FA5}">
-                          <a16:colId xmlns:a16="http://schemas.microsoft.com/office/drawing/2014/main" val="2058178894"/>
-                        </a:ext>
-                      </a:extLst>
-                    </a:gridCol>
-                    <a:gridCol w="1502229">
-                      <a:extLst>
-                        <a:ext uri="{9D8B030D-6E8A-4147-A177-3AD203B41FA5}">
-                          <a16:colId xmlns:a16="http://schemas.microsoft.com/office/drawing/2014/main" val="3076216707"/>
-                        </a:ext>
-                      </a:extLst>
-                    </a:gridCol>
-                  </a:tblGrid>
-                  <a:tr h="396240">
-                    <a:tc rowSpan="2">
-                      <a:txBody>
-                        <a:bodyPr/>
-                        <a:lstStyle/>
-                        <a:p>
-                          <a:pPr algn="ctr"/>
-                          <a:r>
-                            <a:rPr lang="en-CA" sz="2000" dirty="0"/>
-                            <a:t>Coverage Probability</a:t>
-                          </a:r>
-                        </a:p>
-                      </a:txBody>
-                      <a:tcPr/>
-                    </a:tc>
-                    <a:tc gridSpan="2">
-                      <a:txBody>
-                        <a:bodyPr/>
-                        <a:lstStyle/>
-                        <a:p>
-                          <a:endParaRPr lang="en-US"/>
-                        </a:p>
-                      </a:txBody>
-                      <a:tcPr>
-                        <a:blipFill>
-                          <a:blip r:embed="rId2"/>
-                          <a:stretch>
-                            <a:fillRect l="-50304" t="-7692" r="-200406" b="-327692"/>
-                          </a:stretch>
-                        </a:blipFill>
-                      </a:tcPr>
-                    </a:tc>
-                    <a:tc hMerge="1">
-                      <a:txBody>
-                        <a:bodyPr/>
-                        <a:lstStyle/>
-                        <a:p>
-                          <a:pPr algn="ctr"/>
-                          <a:endParaRPr lang="en-CA" dirty="0"/>
-                        </a:p>
-                      </a:txBody>
-                      <a:tcPr/>
-                    </a:tc>
-                    <a:tc gridSpan="2">
-                      <a:txBody>
-                        <a:bodyPr/>
-                        <a:lstStyle/>
-                        <a:p>
-                          <a:endParaRPr lang="en-US"/>
-                        </a:p>
-                      </a:txBody>
-                      <a:tcPr>
-                        <a:blipFill>
-                          <a:blip r:embed="rId2"/>
-                          <a:stretch>
-                            <a:fillRect l="-150304" t="-7692" r="-100406" b="-327692"/>
-                          </a:stretch>
-                        </a:blipFill>
-                      </a:tcPr>
-                    </a:tc>
-                    <a:tc hMerge="1">
-                      <a:txBody>
-                        <a:bodyPr/>
-                        <a:lstStyle/>
-                        <a:p>
-                          <a:pPr algn="ctr"/>
-                          <a:endParaRPr lang="en-CA" dirty="0"/>
-                        </a:p>
-                      </a:txBody>
-                      <a:tcPr/>
-                    </a:tc>
-                    <a:tc gridSpan="2">
-                      <a:txBody>
-                        <a:bodyPr/>
-                        <a:lstStyle/>
-                        <a:p>
-                          <a:endParaRPr lang="en-US"/>
-                        </a:p>
-                      </a:txBody>
-                      <a:tcPr>
-                        <a:blipFill>
-                          <a:blip r:embed="rId2"/>
-                          <a:stretch>
-                            <a:fillRect l="-250304" t="-7692" r="-406" b="-327692"/>
-                          </a:stretch>
-                        </a:blipFill>
-                      </a:tcPr>
-                    </a:tc>
-                    <a:tc hMerge="1">
-                      <a:txBody>
-                        <a:bodyPr/>
-                        <a:lstStyle/>
-                        <a:p>
-                          <a:pPr algn="ctr"/>
-                          <a:endParaRPr lang="en-CA" dirty="0"/>
-                        </a:p>
-                      </a:txBody>
-                      <a:tcPr/>
-                    </a:tc>
-                    <a:extLst>
-                      <a:ext uri="{0D108BD9-81ED-4DB2-BD59-A6C34878D82A}">
-                        <a16:rowId xmlns:a16="http://schemas.microsoft.com/office/drawing/2014/main" val="3851112357"/>
-                      </a:ext>
-                    </a:extLst>
-                  </a:tr>
-                  <a:tr h="396240">
-                    <a:tc vMerge="1">
-                      <a:txBody>
-                        <a:bodyPr/>
-                        <a:lstStyle/>
-                        <a:p>
-                          <a:pPr algn="ctr"/>
-                          <a:endParaRPr lang="en-CA" dirty="0"/>
-                        </a:p>
-                      </a:txBody>
-                      <a:tcPr/>
-                    </a:tc>
-                    <a:tc>
-                      <a:txBody>
-                        <a:bodyPr/>
-                        <a:lstStyle/>
-                        <a:p>
-                          <a:pPr algn="ctr"/>
-                          <a:r>
-                            <a:rPr lang="en-CA" sz="2000" dirty="0"/>
-                            <a:t>SNR low</a:t>
-                          </a:r>
-                        </a:p>
-                      </a:txBody>
-                      <a:tcPr/>
-                    </a:tc>
-                    <a:tc>
-                      <a:txBody>
-                        <a:bodyPr/>
-                        <a:lstStyle/>
-                        <a:p>
-                          <a:pPr algn="ctr"/>
-                          <a:r>
-                            <a:rPr lang="en-CA" sz="2000" dirty="0"/>
-                            <a:t>SNR high</a:t>
-                          </a:r>
-                        </a:p>
-                      </a:txBody>
-                      <a:tcPr/>
-                    </a:tc>
-                    <a:tc>
-                      <a:txBody>
-                        <a:bodyPr/>
-                        <a:lstStyle/>
-                        <a:p>
-                          <a:pPr algn="ctr"/>
-                          <a:r>
-                            <a:rPr lang="en-CA" sz="2000" dirty="0"/>
-                            <a:t>SNR low</a:t>
-                          </a:r>
-                        </a:p>
-                      </a:txBody>
-                      <a:tcPr/>
-                    </a:tc>
-                    <a:tc>
-                      <a:txBody>
-                        <a:bodyPr/>
-                        <a:lstStyle/>
-                        <a:p>
-                          <a:pPr algn="ctr"/>
-                          <a:r>
-                            <a:rPr lang="en-CA" sz="2000" dirty="0"/>
-                            <a:t>SNR high</a:t>
-                          </a:r>
-                        </a:p>
-                      </a:txBody>
-                      <a:tcPr/>
-                    </a:tc>
-                    <a:tc>
-                      <a:txBody>
-                        <a:bodyPr/>
-                        <a:lstStyle/>
-                        <a:p>
-                          <a:pPr algn="ctr"/>
-                          <a:r>
-                            <a:rPr lang="en-CA" sz="2000" dirty="0"/>
-                            <a:t>SNR low</a:t>
-                          </a:r>
-                        </a:p>
-                      </a:txBody>
-                      <a:tcPr/>
-                    </a:tc>
-                    <a:tc>
-                      <a:txBody>
-                        <a:bodyPr/>
-                        <a:lstStyle/>
-                        <a:p>
-                          <a:pPr algn="ctr"/>
-                          <a:r>
-                            <a:rPr lang="en-CA" sz="2000" dirty="0"/>
-                            <a:t>SNR high</a:t>
-                          </a:r>
-                        </a:p>
-                      </a:txBody>
-                      <a:tcPr/>
-                    </a:tc>
-                    <a:extLst>
-                      <a:ext uri="{0D108BD9-81ED-4DB2-BD59-A6C34878D82A}">
-                        <a16:rowId xmlns:a16="http://schemas.microsoft.com/office/drawing/2014/main" val="2906929121"/>
-                      </a:ext>
-                    </a:extLst>
-                  </a:tr>
-                  <a:tr h="396240">
-                    <a:tc>
-                      <a:txBody>
-                        <a:bodyPr/>
-                        <a:lstStyle/>
-                        <a:p>
-                          <a:pPr algn="ctr"/>
-                          <a:r>
-                            <a:rPr lang="en-CA" sz="2000" dirty="0"/>
-                            <a:t>LS</a:t>
-                          </a:r>
-                        </a:p>
-                      </a:txBody>
-                      <a:tcPr/>
-                    </a:tc>
-                    <a:tc>
-                      <a:txBody>
-                        <a:bodyPr/>
-                        <a:lstStyle/>
-                        <a:p>
-                          <a:pPr algn="ctr"/>
-                          <a:r>
-                            <a:rPr lang="en-CA" sz="2000" dirty="0"/>
-                            <a:t>0.94</a:t>
-                          </a:r>
-                        </a:p>
-                      </a:txBody>
-                      <a:tcPr/>
-                    </a:tc>
-                    <a:tc>
-                      <a:txBody>
-                        <a:bodyPr/>
-                        <a:lstStyle/>
-                        <a:p>
-                          <a:pPr algn="ctr"/>
-                          <a:r>
-                            <a:rPr lang="en-CA" sz="2000" dirty="0"/>
-                            <a:t>0.95</a:t>
-                          </a:r>
-                        </a:p>
-                      </a:txBody>
-                      <a:tcPr/>
-                    </a:tc>
-                    <a:tc>
-                      <a:txBody>
-                        <a:bodyPr/>
-                        <a:lstStyle/>
-                        <a:p>
-                          <a:pPr algn="ctr"/>
-                          <a:r>
-                            <a:rPr lang="en-CA" sz="2000" dirty="0"/>
-                            <a:t>0.93</a:t>
-                          </a:r>
-                        </a:p>
-                      </a:txBody>
-                      <a:tcPr/>
-                    </a:tc>
-                    <a:tc>
-                      <a:txBody>
-                        <a:bodyPr/>
-                        <a:lstStyle/>
-                        <a:p>
-                          <a:pPr algn="ctr"/>
-                          <a:r>
-                            <a:rPr lang="en-CA" sz="2000"/>
-                            <a:t>0.83</a:t>
-                          </a:r>
-                          <a:endParaRPr lang="en-CA" sz="2000" dirty="0"/>
-                        </a:p>
-                      </a:txBody>
-                      <a:tcPr/>
-                    </a:tc>
-                    <a:tc>
-                      <a:txBody>
-                        <a:bodyPr/>
-                        <a:lstStyle/>
-                        <a:p>
-                          <a:pPr algn="ctr"/>
-                          <a:r>
-                            <a:rPr lang="en-CA" sz="2000" dirty="0"/>
-                            <a:t>X</a:t>
-                          </a:r>
-                        </a:p>
-                      </a:txBody>
-                      <a:tcPr/>
-                    </a:tc>
-                    <a:tc>
-                      <a:txBody>
-                        <a:bodyPr/>
-                        <a:lstStyle/>
-                        <a:p>
-                          <a:pPr algn="ctr"/>
-                          <a:r>
-                            <a:rPr lang="en-CA" sz="2000" dirty="0"/>
-                            <a:t>X</a:t>
-                          </a:r>
-                        </a:p>
-                      </a:txBody>
-                      <a:tcPr/>
-                    </a:tc>
-                    <a:extLst>
-                      <a:ext uri="{0D108BD9-81ED-4DB2-BD59-A6C34878D82A}">
-                        <a16:rowId xmlns:a16="http://schemas.microsoft.com/office/drawing/2014/main" val="2845625525"/>
-                      </a:ext>
-                    </a:extLst>
-                  </a:tr>
-                  <a:tr h="396240">
-                    <a:tc>
-                      <a:txBody>
-                        <a:bodyPr/>
-                        <a:lstStyle/>
-                        <a:p>
-                          <a:pPr algn="ctr"/>
-                          <a:r>
-                            <a:rPr lang="en-CA" sz="2000" dirty="0"/>
-                            <a:t>LASSO</a:t>
-                          </a:r>
-                        </a:p>
-                      </a:txBody>
-                      <a:tcPr/>
-                    </a:tc>
-                    <a:tc>
-                      <a:txBody>
-                        <a:bodyPr/>
-                        <a:lstStyle/>
-                        <a:p>
-                          <a:pPr algn="ctr"/>
-                          <a:endParaRPr lang="en-CA" sz="2000"/>
-                        </a:p>
-                      </a:txBody>
-                      <a:tcPr/>
-                    </a:tc>
-                    <a:tc>
-                      <a:txBody>
-                        <a:bodyPr/>
-                        <a:lstStyle/>
-                        <a:p>
-                          <a:pPr algn="ctr"/>
-                          <a:endParaRPr lang="en-CA" sz="2000"/>
-                        </a:p>
-                      </a:txBody>
-                      <a:tcPr/>
-                    </a:tc>
-                    <a:tc>
-                      <a:txBody>
-                        <a:bodyPr/>
-                        <a:lstStyle/>
-                        <a:p>
-                          <a:pPr algn="ctr"/>
-                          <a:endParaRPr lang="en-CA" sz="2000"/>
-                        </a:p>
-                      </a:txBody>
-                      <a:tcPr/>
-                    </a:tc>
-                    <a:tc>
-                      <a:txBody>
-                        <a:bodyPr/>
-                        <a:lstStyle/>
-                        <a:p>
-                          <a:pPr algn="ctr"/>
-                          <a:endParaRPr lang="en-CA" sz="2000" dirty="0"/>
-                        </a:p>
-                      </a:txBody>
-                      <a:tcPr/>
-                    </a:tc>
-                    <a:tc>
-                      <a:txBody>
-                        <a:bodyPr/>
-                        <a:lstStyle/>
-                        <a:p>
-                          <a:pPr algn="ctr"/>
-                          <a:endParaRPr lang="en-CA" sz="2000" dirty="0"/>
-                        </a:p>
-                      </a:txBody>
-                      <a:tcPr/>
-                    </a:tc>
-                    <a:tc>
-                      <a:txBody>
-                        <a:bodyPr/>
-                        <a:lstStyle/>
-                        <a:p>
-                          <a:pPr algn="ctr"/>
-                          <a:endParaRPr lang="en-CA" sz="2000" dirty="0"/>
-                        </a:p>
-                      </a:txBody>
-                      <a:tcPr/>
-                    </a:tc>
-                    <a:extLst>
-                      <a:ext uri="{0D108BD9-81ED-4DB2-BD59-A6C34878D82A}">
-                        <a16:rowId xmlns:a16="http://schemas.microsoft.com/office/drawing/2014/main" val="3108683704"/>
-                      </a:ext>
-                    </a:extLst>
-                  </a:tr>
-                </a:tbl>
-              </a:graphicData>
-            </a:graphic>
-          </p:graphicFrame>
-        </mc:Fallback>
-      </mc:AlternateContent>
-      <mc:AlternateContent xmlns:mc="http://schemas.openxmlformats.org/markup-compatibility/2006">
-        <mc:Choice xmlns:a14="http://schemas.microsoft.com/office/drawing/2010/main" Requires="a14">
-          <p:graphicFrame>
-            <p:nvGraphicFramePr>
-              <p:cNvPr id="6" name="Table 4">
-                <a:extLst>
-                  <a:ext uri="{FF2B5EF4-FFF2-40B4-BE49-F238E27FC236}">
-                    <a16:creationId xmlns:a16="http://schemas.microsoft.com/office/drawing/2014/main" id="{EC9A1A88-7117-459C-844B-96A8C127E17D}"/>
-                  </a:ext>
-                </a:extLst>
-              </p:cNvPr>
-              <p:cNvGraphicFramePr>
-                <a:graphicFrameLocks noGrp="1"/>
-              </p:cNvGraphicFramePr>
-              <p:nvPr>
-                <p:extLst>
-                  <p:ext uri="{D42A27DB-BD31-4B8C-83A1-F6EECF244321}">
-                    <p14:modId xmlns:p14="http://schemas.microsoft.com/office/powerpoint/2010/main" val="368546746"/>
-                  </p:ext>
-                </p:extLst>
-              </p:nvPr>
-            </p:nvGraphicFramePr>
-            <p:xfrm>
-              <a:off x="1615089" y="4001294"/>
-              <a:ext cx="8961822" cy="1771206"/>
-            </p:xfrm>
-            <a:graphic>
-              <a:graphicData uri="http://schemas.openxmlformats.org/drawingml/2006/table">
-                <a:tbl>
-                  <a:tblPr>
-                    <a:tableStyleId>{073A0DAA-6AF3-43AB-8588-CEC1D06C72B9}</a:tableStyleId>
-                  </a:tblPr>
-                  <a:tblGrid>
-                    <a:gridCol w="4480911">
-                      <a:extLst>
-                        <a:ext uri="{9D8B030D-6E8A-4147-A177-3AD203B41FA5}">
-                          <a16:colId xmlns:a16="http://schemas.microsoft.com/office/drawing/2014/main" val="705846906"/>
-                        </a:ext>
-                      </a:extLst>
-                    </a:gridCol>
-                    <a:gridCol w="4480911">
-                      <a:extLst>
-                        <a:ext uri="{9D8B030D-6E8A-4147-A177-3AD203B41FA5}">
-                          <a16:colId xmlns:a16="http://schemas.microsoft.com/office/drawing/2014/main" val="1624902210"/>
-                        </a:ext>
-                      </a:extLst>
-                    </a:gridCol>
-                  </a:tblGrid>
-                  <a:tr h="370840">
-                    <a:tc>
-                      <a:txBody>
-                        <a:bodyPr/>
-                        <a:lstStyle/>
-                        <a:p>
-                          <a:pPr marL="457200" indent="-457200" algn="ctr">
-                            <a:buFont typeface="Arial" panose="020B0604020202020204" pitchFamily="34" charset="0"/>
-                            <a:buChar char="•"/>
-                          </a:pPr>
-                          <a14:m>
-                            <m:oMath xmlns:m="http://schemas.openxmlformats.org/officeDocument/2006/math">
-                              <m:r>
-                                <a:rPr lang="en-CA" sz="3200" smtClean="0"/>
-                                <m:t>𝑍</m:t>
-                              </m:r>
-                              <m:r>
-                                <a:rPr lang="en-CA" sz="3200" smtClean="0"/>
-                                <m:t>=</m:t>
-                              </m:r>
-                              <m:r>
-                                <m:rPr>
-                                  <m:sty m:val="p"/>
-                                </m:rPr>
-                                <a:rPr lang="en-CA" sz="3200" smtClean="0"/>
-                                <m:t>X</m:t>
-                              </m:r>
-                              <m:r>
-                                <a:rPr lang="en-CA" sz="3200" smtClean="0"/>
-                                <m:t>𝛽</m:t>
-                              </m:r>
-                              <m:r>
-                                <a:rPr lang="en-CA" sz="3200" smtClean="0"/>
-                                <m:t>+</m:t>
-                              </m:r>
-                              <m:r>
-                                <a:rPr lang="en-CA" sz="3200" smtClean="0"/>
-                                <m:t>𝜎𝜀</m:t>
-                              </m:r>
-                            </m:oMath>
-                          </a14:m>
-                          <a:endParaRPr lang="en-CA" sz="3200" dirty="0"/>
-                        </a:p>
-                      </a:txBody>
-                      <a:tcPr/>
-                    </a:tc>
-                    <a:tc>
-                      <a:txBody>
-                        <a:bodyPr/>
-                        <a:lstStyle/>
-                        <a:p>
-                          <a:pPr marL="457200" marR="0" lvl="0" indent="-457200" algn="ctr" defTabSz="914400" rtl="0" eaLnBrk="1" fontAlgn="auto" latinLnBrk="0" hangingPunct="1">
-                            <a:lnSpc>
-                              <a:spcPct val="100000"/>
-                            </a:lnSpc>
-                            <a:spcBef>
-                              <a:spcPts val="0"/>
-                            </a:spcBef>
-                            <a:spcAft>
-                              <a:spcPts val="0"/>
-                            </a:spcAft>
-                            <a:buClrTx/>
-                            <a:buSzTx/>
-                            <a:buFont typeface="Arial" panose="020B0604020202020204" pitchFamily="34" charset="0"/>
-                            <a:buChar char="•"/>
-                            <a:tabLst/>
-                            <a:defRPr/>
-                          </a:pPr>
-                          <a14:m>
-                            <m:oMath xmlns:m="http://schemas.openxmlformats.org/officeDocument/2006/math">
-                              <m:r>
-                                <a:rPr lang="en-CA" sz="3200" smtClean="0"/>
-                                <m:t>𝑛</m:t>
-                              </m:r>
-                              <m:r>
-                                <a:rPr lang="en-CA" sz="3200" smtClean="0"/>
-                                <m:t>=100</m:t>
-                              </m:r>
-                            </m:oMath>
-                          </a14:m>
-                          <a:endParaRPr lang="en-CA" sz="3200" dirty="0"/>
-                        </a:p>
-                      </a:txBody>
-                      <a:tcPr/>
-                    </a:tc>
-                    <a:extLst>
-                      <a:ext uri="{0D108BD9-81ED-4DB2-BD59-A6C34878D82A}">
-                        <a16:rowId xmlns:a16="http://schemas.microsoft.com/office/drawing/2014/main" val="13183627"/>
-                      </a:ext>
-                    </a:extLst>
-                  </a:tr>
-                  <a:tr h="370840">
-                    <a:tc>
-                      <a:txBody>
-                        <a:bodyPr/>
-                        <a:lstStyle/>
-                        <a:p>
-                          <a:pPr marL="457200" indent="-457200" algn="ctr">
-                            <a:buFont typeface="Arial" panose="020B0604020202020204" pitchFamily="34" charset="0"/>
-                            <a:buChar char="•"/>
-                          </a:pPr>
-                          <a14:m>
-                            <m:oMath xmlns:m="http://schemas.openxmlformats.org/officeDocument/2006/math">
-                              <m:r>
-                                <a:rPr lang="en-CA" sz="3200" smtClean="0"/>
-                                <m:t>𝜀</m:t>
-                              </m:r>
-                            </m:oMath>
-                          </a14:m>
-                          <a:r>
-                            <a:rPr lang="en-CA" sz="3200" dirty="0"/>
-                            <a:t> standard normal</a:t>
-                          </a:r>
-                        </a:p>
-                      </a:txBody>
-                      <a:tcPr/>
-                    </a:tc>
-                    <a:tc>
-                      <a:txBody>
-                        <a:bodyPr/>
-                        <a:lstStyle/>
-                        <a:p>
-                          <a:pPr marL="457200" indent="-457200" algn="ctr">
-                            <a:buFont typeface="Arial" panose="020B0604020202020204" pitchFamily="34" charset="0"/>
-                            <a:buChar char="•"/>
-                          </a:pPr>
-                          <a14:m>
-                            <m:oMath xmlns:m="http://schemas.openxmlformats.org/officeDocument/2006/math">
-                              <m:r>
-                                <a:rPr lang="en-CA" sz="3200" smtClean="0"/>
-                                <m:t>𝑌</m:t>
-                              </m:r>
-                              <m:r>
-                                <a:rPr lang="en-CA" sz="3200" smtClean="0"/>
-                                <m:t>=</m:t>
-                              </m:r>
-                              <m:sSubSup>
-                                <m:sSubSupPr>
-                                  <m:ctrlPr>
-                                    <a:rPr lang="en-CA" sz="3200" smtClean="0"/>
-                                  </m:ctrlPr>
-                                </m:sSubSupPr>
-                                <m:e>
-                                  <m:r>
-                                    <a:rPr lang="en-CA" sz="3200" smtClean="0"/>
-                                    <m:t>h</m:t>
-                                  </m:r>
-                                </m:e>
-                                <m:sub>
-                                  <m:r>
-                                    <a:rPr lang="en-CA" sz="3200" smtClean="0"/>
-                                    <m:t>0</m:t>
-                                  </m:r>
-                                </m:sub>
-                                <m:sup>
-                                  <m:r>
-                                    <a:rPr lang="en-CA" sz="3200" smtClean="0"/>
-                                    <m:t>−1</m:t>
-                                  </m:r>
-                                </m:sup>
-                              </m:sSubSup>
-                              <m:d>
-                                <m:dPr>
-                                  <m:ctrlPr>
-                                    <a:rPr lang="en-CA" sz="3200" smtClean="0"/>
-                                  </m:ctrlPr>
-                                </m:dPr>
-                                <m:e>
-                                  <m:r>
-                                    <a:rPr lang="en-CA" sz="3200" smtClean="0"/>
-                                    <m:t>𝑍</m:t>
-                                  </m:r>
-                                </m:e>
-                              </m:d>
-                              <m:r>
-                                <a:rPr lang="en-CA" sz="3200" smtClean="0"/>
-                                <m:t>=</m:t>
-                              </m:r>
-                              <m:func>
-                                <m:funcPr>
-                                  <m:ctrlPr>
-                                    <a:rPr lang="en-CA" sz="3200" smtClean="0"/>
-                                  </m:ctrlPr>
-                                </m:funcPr>
-                                <m:fName>
-                                  <m:r>
-                                    <m:rPr>
-                                      <m:sty m:val="p"/>
-                                    </m:rPr>
-                                    <a:rPr lang="en-CA" sz="3200" smtClean="0"/>
-                                    <m:t>exp</m:t>
-                                  </m:r>
-                                </m:fName>
-                                <m:e>
-                                  <m:d>
-                                    <m:dPr>
-                                      <m:ctrlPr>
-                                        <a:rPr lang="en-CA" sz="3200" smtClean="0"/>
-                                      </m:ctrlPr>
-                                    </m:dPr>
-                                    <m:e>
-                                      <m:r>
-                                        <a:rPr lang="en-CA" sz="3200" smtClean="0"/>
-                                        <m:t>𝑍</m:t>
-                                      </m:r>
-                                    </m:e>
-                                  </m:d>
-                                </m:e>
-                              </m:func>
-                            </m:oMath>
-                          </a14:m>
-                          <a:endParaRPr lang="en-CA" sz="3200" dirty="0"/>
-                        </a:p>
-                      </a:txBody>
-                      <a:tcPr/>
-                    </a:tc>
-                    <a:extLst>
-                      <a:ext uri="{0D108BD9-81ED-4DB2-BD59-A6C34878D82A}">
-                        <a16:rowId xmlns:a16="http://schemas.microsoft.com/office/drawing/2014/main" val="1894105132"/>
-                      </a:ext>
-                    </a:extLst>
-                  </a:tr>
-                  <a:tr h="370840">
-                    <a:tc>
-                      <a:txBody>
-                        <a:bodyPr/>
-                        <a:lstStyle/>
-                        <a:p>
-                          <a:pPr marL="457200" indent="-457200" algn="ctr">
-                            <a:buFont typeface="Arial" panose="020B0604020202020204" pitchFamily="34" charset="0"/>
-                            <a:buChar char="•"/>
-                          </a:pPr>
-                          <a14:m>
-                            <m:oMath xmlns:m="http://schemas.openxmlformats.org/officeDocument/2006/math">
-                              <m:r>
-                                <a:rPr lang="en-CA" sz="3200" smtClean="0"/>
-                                <m:t>𝛽</m:t>
-                              </m:r>
-                            </m:oMath>
-                          </a14:m>
-                          <a:r>
-                            <a:rPr lang="en-CA" sz="3200" dirty="0"/>
-                            <a:t> square-root sparse</a:t>
-                          </a:r>
-                        </a:p>
-                      </a:txBody>
-                      <a:tcPr/>
-                    </a:tc>
-                    <a:tc>
-                      <a:txBody>
-                        <a:bodyPr/>
-                        <a:lstStyle/>
-                        <a:p>
-                          <a:pPr marL="457200" indent="-457200" algn="ctr">
-                            <a:buFont typeface="Arial" panose="020B0604020202020204" pitchFamily="34" charset="0"/>
-                            <a:buChar char="•"/>
-                          </a:pPr>
-                          <a:endParaRPr lang="en-CA" sz="3200" dirty="0"/>
-                        </a:p>
-                      </a:txBody>
-                      <a:tcPr/>
-                    </a:tc>
-                    <a:extLst>
-                      <a:ext uri="{0D108BD9-81ED-4DB2-BD59-A6C34878D82A}">
-                        <a16:rowId xmlns:a16="http://schemas.microsoft.com/office/drawing/2014/main" val="1653310339"/>
-                      </a:ext>
-                    </a:extLst>
-                  </a:tr>
-                </a:tbl>
-              </a:graphicData>
-            </a:graphic>
-          </p:graphicFrame>
-        </mc:Choice>
-        <mc:Fallback>
-          <p:graphicFrame>
-            <p:nvGraphicFramePr>
-              <p:cNvPr id="6" name="Table 4">
-                <a:extLst>
-                  <a:ext uri="{FF2B5EF4-FFF2-40B4-BE49-F238E27FC236}">
-                    <a16:creationId xmlns:a16="http://schemas.microsoft.com/office/drawing/2014/main" id="{EC9A1A88-7117-459C-844B-96A8C127E17D}"/>
-                  </a:ext>
-                </a:extLst>
-              </p:cNvPr>
-              <p:cNvGraphicFramePr>
-                <a:graphicFrameLocks noGrp="1"/>
-              </p:cNvGraphicFramePr>
-              <p:nvPr>
-                <p:extLst>
-                  <p:ext uri="{D42A27DB-BD31-4B8C-83A1-F6EECF244321}">
-                    <p14:modId xmlns:p14="http://schemas.microsoft.com/office/powerpoint/2010/main" val="368546746"/>
-                  </p:ext>
-                </p:extLst>
-              </p:nvPr>
-            </p:nvGraphicFramePr>
-            <p:xfrm>
-              <a:off x="1615089" y="4001294"/>
-              <a:ext cx="8961822" cy="1771206"/>
-            </p:xfrm>
-            <a:graphic>
-              <a:graphicData uri="http://schemas.openxmlformats.org/drawingml/2006/table">
-                <a:tbl>
-                  <a:tblPr>
-                    <a:tableStyleId>{073A0DAA-6AF3-43AB-8588-CEC1D06C72B9}</a:tableStyleId>
-                  </a:tblPr>
-                  <a:tblGrid>
-                    <a:gridCol w="4480911">
-                      <a:extLst>
-                        <a:ext uri="{9D8B030D-6E8A-4147-A177-3AD203B41FA5}">
-                          <a16:colId xmlns:a16="http://schemas.microsoft.com/office/drawing/2014/main" val="705846906"/>
-                        </a:ext>
-                      </a:extLst>
-                    </a:gridCol>
-                    <a:gridCol w="4480911">
-                      <a:extLst>
-                        <a:ext uri="{9D8B030D-6E8A-4147-A177-3AD203B41FA5}">
-                          <a16:colId xmlns:a16="http://schemas.microsoft.com/office/drawing/2014/main" val="1624902210"/>
-                        </a:ext>
-                      </a:extLst>
-                    </a:gridCol>
-                  </a:tblGrid>
-                  <a:tr h="579120">
-                    <a:tc>
-                      <a:txBody>
-                        <a:bodyPr/>
-                        <a:lstStyle/>
-                        <a:p>
-                          <a:endParaRPr lang="en-US"/>
-                        </a:p>
-                      </a:txBody>
-                      <a:tcPr>
-                        <a:blipFill>
-                          <a:blip r:embed="rId3"/>
-                          <a:stretch>
-                            <a:fillRect l="-136" t="-1053" r="-100272" b="-242105"/>
-                          </a:stretch>
-                        </a:blipFill>
-                      </a:tcPr>
-                    </a:tc>
-                    <a:tc>
-                      <a:txBody>
-                        <a:bodyPr/>
-                        <a:lstStyle/>
-                        <a:p>
-                          <a:endParaRPr lang="en-US"/>
-                        </a:p>
-                      </a:txBody>
-                      <a:tcPr>
-                        <a:blipFill>
-                          <a:blip r:embed="rId3"/>
-                          <a:stretch>
-                            <a:fillRect l="-100136" t="-1053" r="-272" b="-242105"/>
-                          </a:stretch>
-                        </a:blipFill>
-                      </a:tcPr>
-                    </a:tc>
-                    <a:extLst>
-                      <a:ext uri="{0D108BD9-81ED-4DB2-BD59-A6C34878D82A}">
-                        <a16:rowId xmlns:a16="http://schemas.microsoft.com/office/drawing/2014/main" val="13183627"/>
-                      </a:ext>
-                    </a:extLst>
-                  </a:tr>
-                  <a:tr h="612966">
-                    <a:tc>
-                      <a:txBody>
-                        <a:bodyPr/>
-                        <a:lstStyle/>
-                        <a:p>
-                          <a:endParaRPr lang="en-US"/>
-                        </a:p>
-                      </a:txBody>
-                      <a:tcPr>
-                        <a:blipFill>
-                          <a:blip r:embed="rId3"/>
-                          <a:stretch>
-                            <a:fillRect l="-136" t="-95050" r="-100272" b="-127723"/>
-                          </a:stretch>
-                        </a:blipFill>
-                      </a:tcPr>
-                    </a:tc>
-                    <a:tc>
-                      <a:txBody>
-                        <a:bodyPr/>
-                        <a:lstStyle/>
-                        <a:p>
-                          <a:endParaRPr lang="en-US"/>
-                        </a:p>
-                      </a:txBody>
-                      <a:tcPr>
-                        <a:blipFill>
-                          <a:blip r:embed="rId3"/>
-                          <a:stretch>
-                            <a:fillRect l="-100136" t="-95050" r="-272" b="-127723"/>
-                          </a:stretch>
-                        </a:blipFill>
-                      </a:tcPr>
-                    </a:tc>
-                    <a:extLst>
-                      <a:ext uri="{0D108BD9-81ED-4DB2-BD59-A6C34878D82A}">
-                        <a16:rowId xmlns:a16="http://schemas.microsoft.com/office/drawing/2014/main" val="1894105132"/>
-                      </a:ext>
-                    </a:extLst>
-                  </a:tr>
-                  <a:tr h="579120">
-                    <a:tc>
-                      <a:txBody>
-                        <a:bodyPr/>
-                        <a:lstStyle/>
-                        <a:p>
-                          <a:endParaRPr lang="en-US"/>
-                        </a:p>
-                      </a:txBody>
-                      <a:tcPr>
-                        <a:blipFill>
-                          <a:blip r:embed="rId3"/>
-                          <a:stretch>
-                            <a:fillRect l="-136" t="-207368" r="-100272" b="-35789"/>
-                          </a:stretch>
-                        </a:blipFill>
-                      </a:tcPr>
-                    </a:tc>
-                    <a:tc>
-                      <a:txBody>
-                        <a:bodyPr/>
-                        <a:lstStyle/>
-                        <a:p>
-                          <a:pPr marL="457200" indent="-457200" algn="ctr">
-                            <a:buFont typeface="Arial" panose="020B0604020202020204" pitchFamily="34" charset="0"/>
-                            <a:buChar char="•"/>
-                          </a:pPr>
-                          <a:endParaRPr lang="en-CA" sz="3200" dirty="0"/>
-                        </a:p>
-                      </a:txBody>
-                      <a:tcPr/>
-                    </a:tc>
-                    <a:extLst>
-                      <a:ext uri="{0D108BD9-81ED-4DB2-BD59-A6C34878D82A}">
-                        <a16:rowId xmlns:a16="http://schemas.microsoft.com/office/drawing/2014/main" val="1653310339"/>
-                      </a:ext>
-                    </a:extLst>
-                  </a:tr>
-                </a:tbl>
-              </a:graphicData>
-            </a:graphic>
-          </p:graphicFrame>
-        </mc:Fallback>
-      </mc:AlternateContent>
-    </p:spTree>
-    <p:extLst>
-      <p:ext uri="{BB962C8B-B14F-4D97-AF65-F5344CB8AC3E}">
-        <p14:creationId xmlns:p14="http://schemas.microsoft.com/office/powerpoint/2010/main" val="990426515"/>
-      </p:ext>
-    </p:extLst>
-  </p:cSld>
-  <p:clrMapOvr>
-    <a:masterClrMapping/>
-  </p:clrMapOvr>
-</p:sld>
-</file>
-
-<file path=ppt/slides/slide3.xml><?xml version="1.0" encoding="utf-8"?>
-<p:sld xmlns:a="http://schemas.openxmlformats.org/drawingml/2006/main" xmlns:r="http://schemas.openxmlformats.org/officeDocument/2006/relationships" xmlns:p="http://schemas.openxmlformats.org/presentationml/2006/main">
-  <p:cSld>
-    <p:spTree>
-      <p:nvGrpSpPr>
-        <p:cNvPr id="1" name=""/>
-        <p:cNvGrpSpPr/>
-        <p:nvPr/>
-      </p:nvGrpSpPr>
-      <p:grpSpPr>
-        <a:xfrm>
-          <a:off x="0" y="0"/>
-          <a:ext cx="0" cy="0"/>
-          <a:chOff x="0" y="0"/>
-          <a:chExt cx="0" cy="0"/>
-        </a:xfrm>
-      </p:grpSpPr>
-      <p:sp>
-        <p:nvSpPr>
-          <p:cNvPr id="2" name="Title 1">
-            <a:extLst>
-              <a:ext uri="{FF2B5EF4-FFF2-40B4-BE49-F238E27FC236}">
                 <a16:creationId xmlns:a16="http://schemas.microsoft.com/office/drawing/2014/main" id="{EF45FC5C-3126-444B-8C17-582A1E0656CF}"/>
               </a:ext>
             </a:extLst>
@@ -9825,8 +11455,8 @@
           </a:p>
         </p:txBody>
       </p:sp>
-      <mc:AlternateContent xmlns:mc="http://schemas.openxmlformats.org/markup-compatibility/2006" xmlns:a14="http://schemas.microsoft.com/office/drawing/2010/main">
-        <mc:Choice Requires="a14">
+      <mc:AlternateContent xmlns:mc="http://schemas.openxmlformats.org/markup-compatibility/2006">
+        <mc:Choice xmlns:a14="http://schemas.microsoft.com/office/drawing/2010/main" Requires="a14">
           <p:sp>
             <p:nvSpPr>
               <p:cNvPr id="3" name="Content Placeholder 2">
@@ -9889,16 +11519,10 @@
               <a:p>
                 <a:endParaRPr lang="en-CA" dirty="0"/>
               </a:p>
-              <a:p>
-                <a:r>
-                  <a:rPr lang="en-CA" dirty="0"/>
-                  <a:t>Naïve approach</a:t>
-                </a:r>
-              </a:p>
             </p:txBody>
           </p:sp>
         </mc:Choice>
-        <mc:Fallback xmlns="">
+        <mc:Fallback>
           <p:sp>
             <p:nvSpPr>
               <p:cNvPr id="3" name="Content Placeholder 2">
@@ -9951,178 +11575,6 @@
 </p:sld>
 </file>
 
-<file path=ppt/slides/slide4.xml><?xml version="1.0" encoding="utf-8"?>
-<p:sld xmlns:a="http://schemas.openxmlformats.org/drawingml/2006/main" xmlns:r="http://schemas.openxmlformats.org/officeDocument/2006/relationships" xmlns:p="http://schemas.openxmlformats.org/presentationml/2006/main">
-  <p:cSld>
-    <p:spTree>
-      <p:nvGrpSpPr>
-        <p:cNvPr id="1" name=""/>
-        <p:cNvGrpSpPr/>
-        <p:nvPr/>
-      </p:nvGrpSpPr>
-      <p:grpSpPr>
-        <a:xfrm>
-          <a:off x="0" y="0"/>
-          <a:ext cx="0" cy="0"/>
-          <a:chOff x="0" y="0"/>
-          <a:chExt cx="0" cy="0"/>
-        </a:xfrm>
-      </p:grpSpPr>
-      <p:sp>
-        <p:nvSpPr>
-          <p:cNvPr id="2" name="Title 1">
-            <a:extLst>
-              <a:ext uri="{FF2B5EF4-FFF2-40B4-BE49-F238E27FC236}">
-                <a16:creationId xmlns:a16="http://schemas.microsoft.com/office/drawing/2014/main" id="{DE8DD2F6-C5AA-4146-B06E-2C47FE8D63AF}"/>
-              </a:ext>
-            </a:extLst>
-          </p:cNvPr>
-          <p:cNvSpPr>
-            <a:spLocks noGrp="1"/>
-          </p:cNvSpPr>
-          <p:nvPr>
-            <p:ph type="title"/>
-          </p:nvPr>
-        </p:nvSpPr>
-        <p:spPr/>
-        <p:txBody>
-          <a:bodyPr/>
-          <a:lstStyle/>
-          <a:p>
-            <a:r>
-              <a:rPr lang="en-CA" dirty="0"/>
-              <a:t>Riboflavin Data</a:t>
-            </a:r>
-          </a:p>
-        </p:txBody>
-      </p:sp>
-      <mc:AlternateContent xmlns:mc="http://schemas.openxmlformats.org/markup-compatibility/2006">
-        <mc:Choice xmlns:a14="http://schemas.microsoft.com/office/drawing/2010/main" Requires="a14">
-          <p:sp>
-            <p:nvSpPr>
-              <p:cNvPr id="3" name="Content Placeholder 2">
-                <a:extLst>
-                  <a:ext uri="{FF2B5EF4-FFF2-40B4-BE49-F238E27FC236}">
-                    <a16:creationId xmlns:a16="http://schemas.microsoft.com/office/drawing/2014/main" id="{DFD57EBA-77BF-47D4-B5C4-FF49F405605E}"/>
-                  </a:ext>
-                </a:extLst>
-              </p:cNvPr>
-              <p:cNvSpPr>
-                <a:spLocks noGrp="1"/>
-              </p:cNvSpPr>
-              <p:nvPr>
-                <p:ph idx="1"/>
-              </p:nvPr>
-            </p:nvSpPr>
-            <p:spPr/>
-            <p:txBody>
-              <a:bodyPr/>
-              <a:lstStyle/>
-              <a:p>
-                <a:r>
-                  <a:rPr lang="en-CA" dirty="0"/>
-                  <a:t>Select a small subset of predictors</a:t>
-                </a:r>
-              </a:p>
-              <a:p>
-                <a:pPr lvl="1"/>
-                <a:r>
-                  <a:rPr lang="en-CA" dirty="0"/>
-                  <a:t>Cross-validated LASSO</a:t>
-                </a:r>
-              </a:p>
-              <a:p>
-                <a:endParaRPr lang="en-CA" dirty="0"/>
-              </a:p>
-              <a:p>
-                <a:r>
-                  <a:rPr lang="en-CA" dirty="0"/>
-                  <a:t>Fit least squares regression using selected predictors</a:t>
-                </a:r>
-              </a:p>
-              <a:p>
-                <a:endParaRPr lang="en-CA" dirty="0"/>
-              </a:p>
-              <a:p>
-                <a:r>
-                  <a:rPr lang="en-CA" dirty="0"/>
-                  <a:t>Find plausible values for power on </a:t>
-                </a:r>
-                <a14:m>
-                  <m:oMath xmlns:m="http://schemas.openxmlformats.org/officeDocument/2006/math">
-                    <m:r>
-                      <a:rPr lang="en-CA" b="0" i="1" smtClean="0">
-                        <a:latin typeface="Cambria Math" panose="02040503050406030204" pitchFamily="18" charset="0"/>
-                      </a:rPr>
-                      <m:t>𝑌</m:t>
-                    </m:r>
-                  </m:oMath>
-                </a14:m>
-                <a:endParaRPr lang="en-CA" dirty="0"/>
-              </a:p>
-              <a:p>
-                <a:pPr lvl="1"/>
-                <a:r>
-                  <a:rPr lang="en-CA" dirty="0"/>
-                  <a:t>“Confidence interval” for Box-Cox transformation parameter</a:t>
-                </a:r>
-              </a:p>
-            </p:txBody>
-          </p:sp>
-        </mc:Choice>
-        <mc:Fallback>
-          <p:sp>
-            <p:nvSpPr>
-              <p:cNvPr id="3" name="Content Placeholder 2">
-                <a:extLst>
-                  <a:ext uri="{FF2B5EF4-FFF2-40B4-BE49-F238E27FC236}">
-                    <a16:creationId xmlns:a16="http://schemas.microsoft.com/office/drawing/2014/main" id="{DFD57EBA-77BF-47D4-B5C4-FF49F405605E}"/>
-                  </a:ext>
-                </a:extLst>
-              </p:cNvPr>
-              <p:cNvSpPr>
-                <a:spLocks noGrp="1" noRot="1" noChangeAspect="1" noMove="1" noResize="1" noEditPoints="1" noAdjustHandles="1" noChangeArrowheads="1" noChangeShapeType="1" noTextEdit="1"/>
-              </p:cNvSpPr>
-              <p:nvPr>
-                <p:ph idx="1"/>
-              </p:nvPr>
-            </p:nvSpPr>
-            <p:spPr>
-              <a:blipFill>
-                <a:blip r:embed="rId3"/>
-                <a:stretch>
-                  <a:fillRect l="-1333" t="-2941"/>
-                </a:stretch>
-              </a:blipFill>
-            </p:spPr>
-            <p:txBody>
-              <a:bodyPr/>
-              <a:lstStyle/>
-              <a:p>
-                <a:r>
-                  <a:rPr lang="en-CA">
-                    <a:noFill/>
-                  </a:rPr>
-                  <a:t> </a:t>
-                </a:r>
-              </a:p>
-            </p:txBody>
-          </p:sp>
-        </mc:Fallback>
-      </mc:AlternateContent>
-    </p:spTree>
-    <p:extLst>
-      <p:ext uri="{BB962C8B-B14F-4D97-AF65-F5344CB8AC3E}">
-        <p14:creationId xmlns:p14="http://schemas.microsoft.com/office/powerpoint/2010/main" val="1102601515"/>
-      </p:ext>
-    </p:extLst>
-  </p:cSld>
-  <p:clrMapOvr>
-    <a:masterClrMapping/>
-  </p:clrMapOvr>
-</p:sld>
-</file>
-
 <file path=ppt/slides/slide5.xml><?xml version="1.0" encoding="utf-8"?>
 <p:sld xmlns:a="http://schemas.openxmlformats.org/drawingml/2006/main" xmlns:r="http://schemas.openxmlformats.org/officeDocument/2006/relationships" xmlns:p="http://schemas.openxmlformats.org/presentationml/2006/main">
   <p:cSld>
@@ -10145,7 +11597,7 @@
           <p:cNvPr id="2" name="Title 1">
             <a:extLst>
               <a:ext uri="{FF2B5EF4-FFF2-40B4-BE49-F238E27FC236}">
-                <a16:creationId xmlns:a16="http://schemas.microsoft.com/office/drawing/2014/main" id="{59DB836D-7A2A-495C-A3E9-26B5A9B4052F}"/>
+                <a16:creationId xmlns:a16="http://schemas.microsoft.com/office/drawing/2014/main" id="{96208E62-04D0-4B7B-B252-2C920D15341C}"/>
               </a:ext>
             </a:extLst>
           </p:cNvPr>
@@ -10162,9 +11614,10 @@
           <a:lstStyle/>
           <a:p>
             <a:r>
-              <a:rPr lang="en-CA" dirty="0"/>
+              <a:rPr lang="en-US" dirty="0"/>
               <a:t>Riboflavin Data</a:t>
             </a:r>
+            <a:endParaRPr lang="en-CA" dirty="0"/>
           </a:p>
         </p:txBody>
       </p:sp>
@@ -10175,7 +11628,7 @@
               <p:cNvPr id="3" name="Content Placeholder 2">
                 <a:extLst>
                   <a:ext uri="{FF2B5EF4-FFF2-40B4-BE49-F238E27FC236}">
-                    <a16:creationId xmlns:a16="http://schemas.microsoft.com/office/drawing/2014/main" id="{7DEF9DB1-0D38-462F-B170-6957121DB193}"/>
+                    <a16:creationId xmlns:a16="http://schemas.microsoft.com/office/drawing/2014/main" id="{2ED7CF66-742A-42F5-BF73-CB9F4750D837}"/>
                   </a:ext>
                 </a:extLst>
               </p:cNvPr>
@@ -10192,150 +11645,79 @@
               <a:lstStyle/>
               <a:p>
                 <a:r>
-                  <a:rPr lang="en-CA" dirty="0"/>
-                  <a:t>Interval for power on </a:t>
+                  <a:rPr lang="en-US" dirty="0"/>
+                  <a:t>If </a:t>
                 </a:r>
                 <a14:m>
                   <m:oMath xmlns:m="http://schemas.openxmlformats.org/officeDocument/2006/math">
                     <m:r>
-                      <a:rPr lang="en-CA" b="0" i="1" smtClean="0">
+                      <a:rPr lang="en-US" b="0" i="1" smtClean="0">
                         <a:latin typeface="Cambria Math" panose="02040503050406030204" pitchFamily="18" charset="0"/>
                       </a:rPr>
-                      <m:t>𝑌</m:t>
+                      <m:t>𝑝</m:t>
+                    </m:r>
+                    <m:r>
+                      <a:rPr lang="en-US" b="0" i="1" smtClean="0">
+                        <a:latin typeface="Cambria Math" panose="02040503050406030204" pitchFamily="18" charset="0"/>
+                      </a:rPr>
+                      <m:t>&lt;</m:t>
+                    </m:r>
+                    <m:r>
+                      <a:rPr lang="en-US" b="0" i="1" smtClean="0">
+                        <a:latin typeface="Cambria Math" panose="02040503050406030204" pitchFamily="18" charset="0"/>
+                      </a:rPr>
+                      <m:t>𝑛</m:t>
                     </m:r>
                   </m:oMath>
                 </a14:m>
                 <a:r>
-                  <a:rPr lang="en-CA" dirty="0"/>
-                  <a:t> is between </a:t>
+                  <a:rPr lang="en-US" dirty="0"/>
+                  <a:t>, use Box-Cox</a:t>
+                </a:r>
+              </a:p>
+              <a:p>
+                <a:endParaRPr lang="en-US" dirty="0"/>
+              </a:p>
+              <a:p>
+                <a:r>
+                  <a:rPr lang="en-US" dirty="0"/>
+                  <a:t>When </a:t>
                 </a:r>
                 <a14:m>
                   <m:oMath xmlns:m="http://schemas.openxmlformats.org/officeDocument/2006/math">
                     <m:r>
-                      <a:rPr lang="en-CA" b="0" i="1" smtClean="0">
+                      <a:rPr lang="en-US" b="0" i="1" smtClean="0">
                         <a:latin typeface="Cambria Math" panose="02040503050406030204" pitchFamily="18" charset="0"/>
                       </a:rPr>
-                      <m:t>0.55</m:t>
+                      <m:t>𝑝</m:t>
+                    </m:r>
+                    <m:r>
+                      <a:rPr lang="en-US" b="0" i="1" smtClean="0">
+                        <a:latin typeface="Cambria Math" panose="02040503050406030204" pitchFamily="18" charset="0"/>
+                      </a:rPr>
+                      <m:t>&gt;</m:t>
+                    </m:r>
+                    <m:r>
+                      <a:rPr lang="en-US" b="0" i="1" smtClean="0">
+                        <a:latin typeface="Cambria Math" panose="02040503050406030204" pitchFamily="18" charset="0"/>
+                      </a:rPr>
+                      <m:t>𝑛</m:t>
                     </m:r>
                   </m:oMath>
                 </a14:m>
                 <a:r>
-                  <a:rPr lang="en-CA" dirty="0"/>
-                  <a:t> and </a:t>
+                  <a:rPr lang="en-US" dirty="0"/>
+                  <a:t> always use LASSO</a:t>
                 </a:r>
-                <a14:m>
-                  <m:oMath xmlns:m="http://schemas.openxmlformats.org/officeDocument/2006/math">
-                    <m:r>
-                      <a:rPr lang="en-CA" b="0" i="1" smtClean="0">
-                        <a:latin typeface="Cambria Math" panose="02040503050406030204" pitchFamily="18" charset="0"/>
-                      </a:rPr>
-                      <m:t>0.9</m:t>
-                    </m:r>
-                    <m:r>
-                      <a:rPr lang="en-CA" b="0" i="0" smtClean="0">
-                        <a:latin typeface="Cambria Math" panose="02040503050406030204" pitchFamily="18" charset="0"/>
-                      </a:rPr>
-                      <m:t>2</m:t>
-                    </m:r>
-                  </m:oMath>
-                </a14:m>
-                <a:endParaRPr lang="en-CA" b="0" dirty="0"/>
               </a:p>
               <a:p>
-                <a:endParaRPr lang="en-CA" b="0" dirty="0"/>
+                <a:endParaRPr lang="en-US" dirty="0"/>
               </a:p>
               <a:p>
                 <a:r>
-                  <a:rPr lang="en-CA" dirty="0"/>
-                  <a:t>Should probably use </a:t>
+                  <a:rPr lang="en-US" dirty="0"/>
+                  <a:t> Why not both?</a:t>
                 </a:r>
-                <a14:m>
-                  <m:oMath xmlns:m="http://schemas.openxmlformats.org/officeDocument/2006/math">
-                    <m:rad>
-                      <m:radPr>
-                        <m:degHide m:val="on"/>
-                        <m:ctrlPr>
-                          <a:rPr lang="en-CA" b="0" i="1" smtClean="0">
-                            <a:latin typeface="Cambria Math" panose="02040503050406030204" pitchFamily="18" charset="0"/>
-                          </a:rPr>
-                        </m:ctrlPr>
-                      </m:radPr>
-                      <m:deg/>
-                      <m:e>
-                        <m:r>
-                          <a:rPr lang="en-CA" b="0" i="1" smtClean="0">
-                            <a:latin typeface="Cambria Math" panose="02040503050406030204" pitchFamily="18" charset="0"/>
-                          </a:rPr>
-                          <m:t>𝑌</m:t>
-                        </m:r>
-                      </m:e>
-                    </m:rad>
-                  </m:oMath>
-                </a14:m>
-                <a:r>
-                  <a:rPr lang="en-CA" dirty="0"/>
-                  <a:t> or </a:t>
-                </a:r>
-                <a14:m>
-                  <m:oMath xmlns:m="http://schemas.openxmlformats.org/officeDocument/2006/math">
-                    <m:r>
-                      <a:rPr lang="en-CA" b="0" i="1" smtClean="0">
-                        <a:latin typeface="Cambria Math" panose="02040503050406030204" pitchFamily="18" charset="0"/>
-                      </a:rPr>
-                      <m:t>𝑌</m:t>
-                    </m:r>
-                  </m:oMath>
-                </a14:m>
-                <a:endParaRPr lang="en-CA" b="0" dirty="0"/>
-              </a:p>
-              <a:p>
-                <a:r>
-                  <a:rPr lang="en-CA" dirty="0"/>
-                  <a:t>Really shouldn’t use </a:t>
-                </a:r>
-                <a14:m>
-                  <m:oMath xmlns:m="http://schemas.openxmlformats.org/officeDocument/2006/math">
-                    <m:func>
-                      <m:funcPr>
-                        <m:ctrlPr>
-                          <a:rPr lang="en-CA" b="0" i="1" smtClean="0">
-                            <a:latin typeface="Cambria Math" panose="02040503050406030204" pitchFamily="18" charset="0"/>
-                          </a:rPr>
-                        </m:ctrlPr>
-                      </m:funcPr>
-                      <m:fName>
-                        <m:r>
-                          <m:rPr>
-                            <m:sty m:val="p"/>
-                          </m:rPr>
-                          <a:rPr lang="en-CA" b="0" i="0" smtClean="0">
-                            <a:latin typeface="Cambria Math" panose="02040503050406030204" pitchFamily="18" charset="0"/>
-                          </a:rPr>
-                          <m:t>log</m:t>
-                        </m:r>
-                      </m:fName>
-                      <m:e>
-                        <m:d>
-                          <m:dPr>
-                            <m:ctrlPr>
-                              <a:rPr lang="en-CA" b="0" i="1" smtClean="0">
-                                <a:latin typeface="Cambria Math" panose="02040503050406030204" pitchFamily="18" charset="0"/>
-                              </a:rPr>
-                            </m:ctrlPr>
-                          </m:dPr>
-                          <m:e>
-                            <m:r>
-                              <a:rPr lang="en-CA" b="0" i="1" smtClean="0">
-                                <a:latin typeface="Cambria Math" panose="02040503050406030204" pitchFamily="18" charset="0"/>
-                              </a:rPr>
-                              <m:t>𝑌</m:t>
-                            </m:r>
-                          </m:e>
-                        </m:d>
-                      </m:e>
-                    </m:func>
-                  </m:oMath>
-                </a14:m>
                 <a:endParaRPr lang="en-CA" dirty="0"/>
               </a:p>
             </p:txBody>
@@ -10347,7 +11729,7 @@
               <p:cNvPr id="3" name="Content Placeholder 2">
                 <a:extLst>
                   <a:ext uri="{FF2B5EF4-FFF2-40B4-BE49-F238E27FC236}">
-                    <a16:creationId xmlns:a16="http://schemas.microsoft.com/office/drawing/2014/main" id="{7DEF9DB1-0D38-462F-B170-6957121DB193}"/>
+                    <a16:creationId xmlns:a16="http://schemas.microsoft.com/office/drawing/2014/main" id="{2ED7CF66-742A-42F5-BF73-CB9F4750D837}"/>
                   </a:ext>
                 </a:extLst>
               </p:cNvPr>
@@ -10384,7 +11766,7 @@
     </p:spTree>
     <p:extLst>
       <p:ext uri="{BB962C8B-B14F-4D97-AF65-F5344CB8AC3E}">
-        <p14:creationId xmlns:p14="http://schemas.microsoft.com/office/powerpoint/2010/main" val="2969207788"/>
+        <p14:creationId xmlns:p14="http://schemas.microsoft.com/office/powerpoint/2010/main" val="2227314194"/>
       </p:ext>
     </p:extLst>
   </p:cSld>
@@ -10395,114 +11777,6 @@
 </file>
 
 <file path=ppt/slides/slide6.xml><?xml version="1.0" encoding="utf-8"?>
-<p:sld xmlns:a="http://schemas.openxmlformats.org/drawingml/2006/main" xmlns:r="http://schemas.openxmlformats.org/officeDocument/2006/relationships" xmlns:p="http://schemas.openxmlformats.org/presentationml/2006/main">
-  <p:cSld>
-    <p:spTree>
-      <p:nvGrpSpPr>
-        <p:cNvPr id="1" name=""/>
-        <p:cNvGrpSpPr/>
-        <p:nvPr/>
-      </p:nvGrpSpPr>
-      <p:grpSpPr>
-        <a:xfrm>
-          <a:off x="0" y="0"/>
-          <a:ext cx="0" cy="0"/>
-          <a:chOff x="0" y="0"/>
-          <a:chExt cx="0" cy="0"/>
-        </a:xfrm>
-      </p:grpSpPr>
-      <p:sp>
-        <p:nvSpPr>
-          <p:cNvPr id="2" name="Title 1">
-            <a:extLst>
-              <a:ext uri="{FF2B5EF4-FFF2-40B4-BE49-F238E27FC236}">
-                <a16:creationId xmlns:a16="http://schemas.microsoft.com/office/drawing/2014/main" id="{EF2B4A5F-ADAE-4466-B1A6-44CD6BF1404A}"/>
-              </a:ext>
-            </a:extLst>
-          </p:cNvPr>
-          <p:cNvSpPr>
-            <a:spLocks noGrp="1"/>
-          </p:cNvSpPr>
-          <p:nvPr>
-            <p:ph type="title"/>
-          </p:nvPr>
-        </p:nvSpPr>
-        <p:spPr/>
-        <p:txBody>
-          <a:bodyPr/>
-          <a:lstStyle/>
-          <a:p>
-            <a:r>
-              <a:rPr lang="en-CA" dirty="0"/>
-              <a:t>Riboflavin Data</a:t>
-            </a:r>
-          </a:p>
-        </p:txBody>
-      </p:sp>
-      <p:sp>
-        <p:nvSpPr>
-          <p:cNvPr id="3" name="Content Placeholder 2">
-            <a:extLst>
-              <a:ext uri="{FF2B5EF4-FFF2-40B4-BE49-F238E27FC236}">
-                <a16:creationId xmlns:a16="http://schemas.microsoft.com/office/drawing/2014/main" id="{BE34A8B7-01A9-45BB-BEFC-2A33287C990C}"/>
-              </a:ext>
-            </a:extLst>
-          </p:cNvPr>
-          <p:cNvSpPr>
-            <a:spLocks noGrp="1"/>
-          </p:cNvSpPr>
-          <p:nvPr>
-            <p:ph idx="1"/>
-          </p:nvPr>
-        </p:nvSpPr>
-        <p:spPr/>
-        <p:txBody>
-          <a:bodyPr/>
-          <a:lstStyle/>
-          <a:p>
-            <a:r>
-              <a:rPr lang="en-CA" dirty="0"/>
-              <a:t>Disclaimer: This isn’t inference!</a:t>
-            </a:r>
-          </a:p>
-          <a:p>
-            <a:endParaRPr lang="en-CA" dirty="0"/>
-          </a:p>
-          <a:p>
-            <a:r>
-              <a:rPr lang="en-CA" dirty="0"/>
-              <a:t>Suggests that conventional wisdom may be wrong</a:t>
-            </a:r>
-          </a:p>
-          <a:p>
-            <a:endParaRPr lang="en-CA" dirty="0"/>
-          </a:p>
-          <a:p>
-            <a:r>
-              <a:rPr lang="en-CA" dirty="0"/>
-              <a:t>Need a more </a:t>
-            </a:r>
-            <a:r>
-              <a:rPr lang="en-CA"/>
-              <a:t>principled approach</a:t>
-            </a:r>
-          </a:p>
-        </p:txBody>
-      </p:sp>
-    </p:spTree>
-    <p:extLst>
-      <p:ext uri="{BB962C8B-B14F-4D97-AF65-F5344CB8AC3E}">
-        <p14:creationId xmlns:p14="http://schemas.microsoft.com/office/powerpoint/2010/main" val="3757348511"/>
-      </p:ext>
-    </p:extLst>
-  </p:cSld>
-  <p:clrMapOvr>
-    <a:masterClrMapping/>
-  </p:clrMapOvr>
-</p:sld>
-</file>
-
-<file path=ppt/slides/slide7.xml><?xml version="1.0" encoding="utf-8"?>
 <p:sld xmlns:a="http://schemas.openxmlformats.org/drawingml/2006/main" xmlns:r="http://schemas.openxmlformats.org/officeDocument/2006/relationships" xmlns:p="http://schemas.openxmlformats.org/presentationml/2006/main">
   <p:cSld>
     <p:spTree>
@@ -10873,7 +12147,7 @@
 </p:sld>
 </file>
 
-<file path=ppt/slides/slide8.xml><?xml version="1.0" encoding="utf-8"?>
+<file path=ppt/slides/slide7.xml><?xml version="1.0" encoding="utf-8"?>
 <p:sld xmlns:a="http://schemas.openxmlformats.org/drawingml/2006/main" xmlns:r="http://schemas.openxmlformats.org/officeDocument/2006/relationships" xmlns:p="http://schemas.openxmlformats.org/presentationml/2006/main">
   <p:cSld>
     <p:spTree>
@@ -11201,7 +12475,7 @@
 </p:sld>
 </file>
 
-<file path=ppt/slides/slide9.xml><?xml version="1.0" encoding="utf-8"?>
+<file path=ppt/slides/slide8.xml><?xml version="1.0" encoding="utf-8"?>
 <p:sld xmlns:a="http://schemas.openxmlformats.org/drawingml/2006/main" xmlns:r="http://schemas.openxmlformats.org/officeDocument/2006/relationships" xmlns:p="http://schemas.openxmlformats.org/presentationml/2006/main">
   <p:cSld>
     <p:spTree>
@@ -11607,6 +12881,376 @@
 </p:sld>
 </file>
 
+<file path=ppt/slides/slide9.xml><?xml version="1.0" encoding="utf-8"?>
+<p:sld xmlns:a="http://schemas.openxmlformats.org/drawingml/2006/main" xmlns:r="http://schemas.openxmlformats.org/officeDocument/2006/relationships" xmlns:p="http://schemas.openxmlformats.org/presentationml/2006/main">
+  <p:cSld>
+    <p:spTree>
+      <p:nvGrpSpPr>
+        <p:cNvPr id="1" name=""/>
+        <p:cNvGrpSpPr/>
+        <p:nvPr/>
+      </p:nvGrpSpPr>
+      <p:grpSpPr>
+        <a:xfrm>
+          <a:off x="0" y="0"/>
+          <a:ext cx="0" cy="0"/>
+          <a:chOff x="0" y="0"/>
+          <a:chExt cx="0" cy="0"/>
+        </a:xfrm>
+      </p:grpSpPr>
+      <mc:AlternateContent xmlns:mc="http://schemas.openxmlformats.org/markup-compatibility/2006" xmlns:a14="http://schemas.microsoft.com/office/drawing/2010/main">
+        <mc:Choice Requires="a14">
+          <p:sp>
+            <p:nvSpPr>
+              <p:cNvPr id="2" name="Title 1">
+                <a:extLst>
+                  <a:ext uri="{FF2B5EF4-FFF2-40B4-BE49-F238E27FC236}">
+                    <a16:creationId xmlns:a16="http://schemas.microsoft.com/office/drawing/2014/main" id="{6AC807DE-33BC-4918-A606-BB9B5093E9A8}"/>
+                  </a:ext>
+                </a:extLst>
+              </p:cNvPr>
+              <p:cNvSpPr>
+                <a:spLocks noGrp="1"/>
+              </p:cNvSpPr>
+              <p:nvPr>
+                <p:ph type="title"/>
+              </p:nvPr>
+            </p:nvSpPr>
+            <p:spPr/>
+            <p:txBody>
+              <a:bodyPr/>
+              <a:lstStyle/>
+              <a:p>
+                <a:r>
+                  <a:rPr lang="en-CA" dirty="0"/>
+                  <a:t>Estimating </a:t>
+                </a:r>
+                <a14:m>
+                  <m:oMath xmlns:m="http://schemas.openxmlformats.org/officeDocument/2006/math">
+                    <m:r>
+                      <a:rPr lang="en-CA" b="0" i="1" smtClean="0">
+                        <a:latin typeface="Cambria Math" panose="02040503050406030204" pitchFamily="18" charset="0"/>
+                      </a:rPr>
+                      <m:t>𝛾</m:t>
+                    </m:r>
+                  </m:oMath>
+                </a14:m>
+                <a:endParaRPr lang="en-CA" dirty="0"/>
+              </a:p>
+            </p:txBody>
+          </p:sp>
+        </mc:Choice>
+        <mc:Fallback xmlns="">
+          <p:sp>
+            <p:nvSpPr>
+              <p:cNvPr id="2" name="Title 1">
+                <a:extLst>
+                  <a:ext uri="{FF2B5EF4-FFF2-40B4-BE49-F238E27FC236}">
+                    <a16:creationId xmlns:a16="http://schemas.microsoft.com/office/drawing/2014/main" id="{6AC807DE-33BC-4918-A606-BB9B5093E9A8}"/>
+                  </a:ext>
+                </a:extLst>
+              </p:cNvPr>
+              <p:cNvSpPr>
+                <a:spLocks noGrp="1" noRot="1" noChangeAspect="1" noMove="1" noResize="1" noEditPoints="1" noAdjustHandles="1" noChangeArrowheads="1" noChangeShapeType="1" noTextEdit="1"/>
+              </p:cNvSpPr>
+              <p:nvPr>
+                <p:ph type="title"/>
+              </p:nvPr>
+            </p:nvSpPr>
+            <p:spPr>
+              <a:blipFill>
+                <a:blip r:embed="rId3"/>
+                <a:stretch>
+                  <a:fillRect/>
+                </a:stretch>
+              </a:blipFill>
+            </p:spPr>
+            <p:txBody>
+              <a:bodyPr/>
+              <a:lstStyle/>
+              <a:p>
+                <a:r>
+                  <a:rPr lang="en-CA">
+                    <a:noFill/>
+                  </a:rPr>
+                  <a:t> </a:t>
+                </a:r>
+              </a:p>
+            </p:txBody>
+          </p:sp>
+        </mc:Fallback>
+      </mc:AlternateContent>
+      <mc:AlternateContent xmlns:mc="http://schemas.openxmlformats.org/markup-compatibility/2006" xmlns:a14="http://schemas.microsoft.com/office/drawing/2010/main">
+        <mc:Choice Requires="a14">
+          <p:sp>
+            <p:nvSpPr>
+              <p:cNvPr id="3" name="Content Placeholder 2">
+                <a:extLst>
+                  <a:ext uri="{FF2B5EF4-FFF2-40B4-BE49-F238E27FC236}">
+                    <a16:creationId xmlns:a16="http://schemas.microsoft.com/office/drawing/2014/main" id="{63DDD8E2-EE7C-4872-B984-9E756A78905E}"/>
+                  </a:ext>
+                </a:extLst>
+              </p:cNvPr>
+              <p:cNvSpPr>
+                <a:spLocks noGrp="1"/>
+              </p:cNvSpPr>
+              <p:nvPr>
+                <p:ph idx="1"/>
+              </p:nvPr>
+            </p:nvSpPr>
+            <p:spPr/>
+            <p:txBody>
+              <a:bodyPr/>
+              <a:lstStyle/>
+              <a:p>
+                <a:r>
+                  <a:rPr lang="en-CA" dirty="0"/>
+                  <a:t>Can write log-likelihood for </a:t>
+                </a:r>
+                <a14:m>
+                  <m:oMath xmlns:m="http://schemas.openxmlformats.org/officeDocument/2006/math">
+                    <m:r>
+                      <a:rPr lang="en-CA" b="0" i="1" smtClean="0">
+                        <a:latin typeface="Cambria Math" panose="02040503050406030204" pitchFamily="18" charset="0"/>
+                      </a:rPr>
+                      <m:t>𝑌</m:t>
+                    </m:r>
+                  </m:oMath>
+                </a14:m>
+                <a:r>
+                  <a:rPr lang="en-CA" dirty="0"/>
+                  <a:t> in terms of </a:t>
+                </a:r>
+                <a14:m>
+                  <m:oMath xmlns:m="http://schemas.openxmlformats.org/officeDocument/2006/math">
+                    <m:r>
+                      <a:rPr lang="en-CA" b="0" i="1" smtClean="0">
+                        <a:latin typeface="Cambria Math" panose="02040503050406030204" pitchFamily="18" charset="0"/>
+                      </a:rPr>
+                      <m:t>𝛽</m:t>
+                    </m:r>
+                    <m:r>
+                      <a:rPr lang="en-CA" b="0" i="1" smtClean="0">
+                        <a:latin typeface="Cambria Math" panose="02040503050406030204" pitchFamily="18" charset="0"/>
+                      </a:rPr>
+                      <m:t>,</m:t>
+                    </m:r>
+                    <m:r>
+                      <a:rPr lang="en-CA" b="0" i="1" smtClean="0">
+                        <a:latin typeface="Cambria Math" panose="02040503050406030204" pitchFamily="18" charset="0"/>
+                      </a:rPr>
+                      <m:t>𝜎</m:t>
+                    </m:r>
+                  </m:oMath>
+                </a14:m>
+                <a:r>
+                  <a:rPr lang="en-CA" dirty="0"/>
+                  <a:t> and </a:t>
+                </a:r>
+                <a14:m>
+                  <m:oMath xmlns:m="http://schemas.openxmlformats.org/officeDocument/2006/math">
+                    <m:r>
+                      <a:rPr lang="en-CA" b="0" i="1" smtClean="0">
+                        <a:latin typeface="Cambria Math" panose="02040503050406030204" pitchFamily="18" charset="0"/>
+                      </a:rPr>
+                      <m:t>𝛾</m:t>
+                    </m:r>
+                  </m:oMath>
+                </a14:m>
+                <a:endParaRPr lang="en-CA" dirty="0"/>
+              </a:p>
+              <a:p>
+                <a:endParaRPr lang="en-CA" dirty="0"/>
+              </a:p>
+              <a:p>
+                <a:r>
+                  <a:rPr lang="en-CA" dirty="0"/>
+                  <a:t>“Profile out” </a:t>
+                </a:r>
+                <a14:m>
+                  <m:oMath xmlns:m="http://schemas.openxmlformats.org/officeDocument/2006/math">
+                    <m:r>
+                      <a:rPr lang="en-CA" b="0" i="1" smtClean="0">
+                        <a:latin typeface="Cambria Math" panose="02040503050406030204" pitchFamily="18" charset="0"/>
+                      </a:rPr>
+                      <m:t>𝛽</m:t>
+                    </m:r>
+                  </m:oMath>
+                </a14:m>
+                <a:r>
+                  <a:rPr lang="en-CA" dirty="0"/>
+                  <a:t> and </a:t>
+                </a:r>
+                <a14:m>
+                  <m:oMath xmlns:m="http://schemas.openxmlformats.org/officeDocument/2006/math">
+                    <m:r>
+                      <a:rPr lang="en-CA" b="0" i="1" smtClean="0">
+                        <a:latin typeface="Cambria Math" panose="02040503050406030204" pitchFamily="18" charset="0"/>
+                      </a:rPr>
+                      <m:t>𝜎</m:t>
+                    </m:r>
+                  </m:oMath>
+                </a14:m>
+                <a:r>
+                  <a:rPr lang="en-CA" dirty="0"/>
+                  <a:t> for fixed </a:t>
+                </a:r>
+                <a14:m>
+                  <m:oMath xmlns:m="http://schemas.openxmlformats.org/officeDocument/2006/math">
+                    <m:r>
+                      <a:rPr lang="en-CA" b="0" i="1" smtClean="0">
+                        <a:latin typeface="Cambria Math" panose="02040503050406030204" pitchFamily="18" charset="0"/>
+                      </a:rPr>
+                      <m:t>𝛾</m:t>
+                    </m:r>
+                  </m:oMath>
+                </a14:m>
+                <a:endParaRPr lang="en-CA" dirty="0"/>
+              </a:p>
+              <a:p>
+                <a:pPr lvl="1"/>
+                <a:r>
+                  <a:rPr lang="en-CA" dirty="0"/>
+                  <a:t>Do least squares regression with response </a:t>
+                </a:r>
+                <a14:m>
+                  <m:oMath xmlns:m="http://schemas.openxmlformats.org/officeDocument/2006/math">
+                    <m:sSub>
+                      <m:sSubPr>
+                        <m:ctrlPr>
+                          <a:rPr lang="en-CA" b="0" i="1" smtClean="0">
+                            <a:latin typeface="Cambria Math" panose="02040503050406030204" pitchFamily="18" charset="0"/>
+                          </a:rPr>
+                        </m:ctrlPr>
+                      </m:sSubPr>
+                      <m:e>
+                        <m:r>
+                          <a:rPr lang="en-CA" b="0" i="1" smtClean="0">
+                            <a:latin typeface="Cambria Math" panose="02040503050406030204" pitchFamily="18" charset="0"/>
+                          </a:rPr>
+                          <m:t>h</m:t>
+                        </m:r>
+                      </m:e>
+                      <m:sub>
+                        <m:r>
+                          <a:rPr lang="en-CA" b="0" i="1" smtClean="0">
+                            <a:latin typeface="Cambria Math" panose="02040503050406030204" pitchFamily="18" charset="0"/>
+                          </a:rPr>
+                          <m:t>𝛾</m:t>
+                        </m:r>
+                      </m:sub>
+                    </m:sSub>
+                    <m:r>
+                      <a:rPr lang="en-CA" b="0" i="1" smtClean="0">
+                        <a:latin typeface="Cambria Math" panose="02040503050406030204" pitchFamily="18" charset="0"/>
+                      </a:rPr>
+                      <m:t>(</m:t>
+                    </m:r>
+                    <m:r>
+                      <a:rPr lang="en-CA" b="0" i="1" smtClean="0">
+                        <a:latin typeface="Cambria Math" panose="02040503050406030204" pitchFamily="18" charset="0"/>
+                      </a:rPr>
+                      <m:t>𝑌</m:t>
+                    </m:r>
+                    <m:r>
+                      <a:rPr lang="en-CA" b="0" i="1" smtClean="0">
+                        <a:latin typeface="Cambria Math" panose="02040503050406030204" pitchFamily="18" charset="0"/>
+                      </a:rPr>
+                      <m:t>)</m:t>
+                    </m:r>
+                  </m:oMath>
+                </a14:m>
+                <a:endParaRPr lang="en-CA" dirty="0"/>
+              </a:p>
+              <a:p>
+                <a:pPr lvl="1"/>
+                <a:r>
+                  <a:rPr lang="en-CA" dirty="0"/>
+                  <a:t>Gives a closed-form profile log-likelihood</a:t>
+                </a:r>
+              </a:p>
+              <a:p>
+                <a:endParaRPr lang="en-CA" dirty="0"/>
+              </a:p>
+              <a:p>
+                <a:r>
+                  <a:rPr lang="en-CA" dirty="0"/>
+                  <a:t>Maximize profile log-likelihood for </a:t>
+                </a:r>
+                <a14:m>
+                  <m:oMath xmlns:m="http://schemas.openxmlformats.org/officeDocument/2006/math">
+                    <m:r>
+                      <a:rPr lang="en-CA" b="0" i="1" smtClean="0">
+                        <a:latin typeface="Cambria Math" panose="02040503050406030204" pitchFamily="18" charset="0"/>
+                      </a:rPr>
+                      <m:t>𝛾</m:t>
+                    </m:r>
+                  </m:oMath>
+                </a14:m>
+                <a:endParaRPr lang="en-CA" dirty="0"/>
+              </a:p>
+              <a:p>
+                <a:r>
+                  <a:rPr lang="en-CA" dirty="0"/>
+                  <a:t>Use standard likelihood inference tools</a:t>
+                </a:r>
+              </a:p>
+            </p:txBody>
+          </p:sp>
+        </mc:Choice>
+        <mc:Fallback xmlns="">
+          <p:sp>
+            <p:nvSpPr>
+              <p:cNvPr id="3" name="Content Placeholder 2">
+                <a:extLst>
+                  <a:ext uri="{FF2B5EF4-FFF2-40B4-BE49-F238E27FC236}">
+                    <a16:creationId xmlns:a16="http://schemas.microsoft.com/office/drawing/2014/main" id="{63DDD8E2-EE7C-4872-B984-9E756A78905E}"/>
+                  </a:ext>
+                </a:extLst>
+              </p:cNvPr>
+              <p:cNvSpPr>
+                <a:spLocks noGrp="1" noRot="1" noChangeAspect="1" noMove="1" noResize="1" noEditPoints="1" noAdjustHandles="1" noChangeArrowheads="1" noChangeShapeType="1" noTextEdit="1"/>
+              </p:cNvSpPr>
+              <p:nvPr>
+                <p:ph idx="1"/>
+              </p:nvPr>
+            </p:nvSpPr>
+            <p:spPr>
+              <a:blipFill>
+                <a:blip r:embed="rId4"/>
+                <a:stretch>
+                  <a:fillRect l="-1333" t="-2801" b="-3081"/>
+                </a:stretch>
+              </a:blipFill>
+            </p:spPr>
+            <p:txBody>
+              <a:bodyPr/>
+              <a:lstStyle/>
+              <a:p>
+                <a:r>
+                  <a:rPr lang="en-CA">
+                    <a:noFill/>
+                  </a:rPr>
+                  <a:t> </a:t>
+                </a:r>
+              </a:p>
+            </p:txBody>
+          </p:sp>
+        </mc:Fallback>
+      </mc:AlternateContent>
+    </p:spTree>
+    <p:extLst>
+      <p:ext uri="{BB962C8B-B14F-4D97-AF65-F5344CB8AC3E}">
+        <p14:creationId xmlns:p14="http://schemas.microsoft.com/office/powerpoint/2010/main" val="3914942248"/>
+      </p:ext>
+    </p:extLst>
+  </p:cSld>
+  <p:clrMapOvr>
+    <a:masterClrMapping/>
+  </p:clrMapOvr>
+</p:sld>
+</file>
+
 <file path=ppt/theme/theme1.xml><?xml version="1.0" encoding="utf-8"?>
 <a:theme xmlns:a="http://schemas.openxmlformats.org/drawingml/2006/main" name="Office Theme">
   <a:themeElements>
@@ -11903,6 +13547,267 @@
 </file>
 
 <file path=ppt/theme/theme2.xml><?xml version="1.0" encoding="utf-8"?>
+<a:theme xmlns:a="http://schemas.openxmlformats.org/drawingml/2006/main" name="Title Page Slides">
+  <a:themeElements>
+    <a:clrScheme name="Office Theme">
+      <a:dk1>
+        <a:sysClr val="windowText" lastClr="000000"/>
+      </a:dk1>
+      <a:lt1>
+        <a:sysClr val="window" lastClr="FFFFFF"/>
+      </a:lt1>
+      <a:dk2>
+        <a:srgbClr val="44546A"/>
+      </a:dk2>
+      <a:lt2>
+        <a:srgbClr val="E7E6E6"/>
+      </a:lt2>
+      <a:accent1>
+        <a:srgbClr val="4472C4"/>
+      </a:accent1>
+      <a:accent2>
+        <a:srgbClr val="ED7D31"/>
+      </a:accent2>
+      <a:accent3>
+        <a:srgbClr val="A5A5A5"/>
+      </a:accent3>
+      <a:accent4>
+        <a:srgbClr val="FFC000"/>
+      </a:accent4>
+      <a:accent5>
+        <a:srgbClr val="5B9BD5"/>
+      </a:accent5>
+      <a:accent6>
+        <a:srgbClr val="70AD47"/>
+      </a:accent6>
+      <a:hlink>
+        <a:srgbClr val="0563C1"/>
+      </a:hlink>
+      <a:folHlink>
+        <a:srgbClr val="954F72"/>
+      </a:folHlink>
+    </a:clrScheme>
+    <a:fontScheme name="Office Theme">
+      <a:majorFont>
+        <a:latin typeface="Calibri Light" panose="020F0302020204030204"/>
+        <a:ea typeface=""/>
+        <a:cs typeface=""/>
+        <a:font script="Jpan" typeface="游ゴシック Light"/>
+        <a:font script="Hang" typeface="맑은 고딕"/>
+        <a:font script="Hans" typeface="等线 Light"/>
+        <a:font script="Hant" typeface="新細明體"/>
+        <a:font script="Arab" typeface="Times New Roman"/>
+        <a:font script="Hebr" typeface="Times New Roman"/>
+        <a:font script="Thai" typeface="Angsana New"/>
+        <a:font script="Ethi" typeface="Nyala"/>
+        <a:font script="Beng" typeface="Vrinda"/>
+        <a:font script="Gujr" typeface="Shruti"/>
+        <a:font script="Khmr" typeface="MoolBoran"/>
+        <a:font script="Knda" typeface="Tunga"/>
+        <a:font script="Guru" typeface="Raavi"/>
+        <a:font script="Cans" typeface="Euphemia"/>
+        <a:font script="Cher" typeface="Plantagenet Cherokee"/>
+        <a:font script="Yiii" typeface="Microsoft Yi Baiti"/>
+        <a:font script="Tibt" typeface="Microsoft Himalaya"/>
+        <a:font script="Thaa" typeface="MV Boli"/>
+        <a:font script="Deva" typeface="Mangal"/>
+        <a:font script="Telu" typeface="Gautami"/>
+        <a:font script="Taml" typeface="Latha"/>
+        <a:font script="Syrc" typeface="Estrangelo Edessa"/>
+        <a:font script="Orya" typeface="Kalinga"/>
+        <a:font script="Mlym" typeface="Kartika"/>
+        <a:font script="Laoo" typeface="DokChampa"/>
+        <a:font script="Sinh" typeface="Iskoola Pota"/>
+        <a:font script="Mong" typeface="Mongolian Baiti"/>
+        <a:font script="Viet" typeface="Times New Roman"/>
+        <a:font script="Uigh" typeface="Microsoft Uighur"/>
+        <a:font script="Geor" typeface="Sylfaen"/>
+      </a:majorFont>
+      <a:minorFont>
+        <a:latin typeface="Calibri" panose="020F0502020204030204"/>
+        <a:ea typeface=""/>
+        <a:cs typeface=""/>
+        <a:font script="Jpan" typeface="游ゴシック"/>
+        <a:font script="Hang" typeface="맑은 고딕"/>
+        <a:font script="Hans" typeface="等线"/>
+        <a:font script="Hant" typeface="新細明體"/>
+        <a:font script="Arab" typeface="Arial"/>
+        <a:font script="Hebr" typeface="Arial"/>
+        <a:font script="Thai" typeface="Cordia New"/>
+        <a:font script="Ethi" typeface="Nyala"/>
+        <a:font script="Beng" typeface="Vrinda"/>
+        <a:font script="Gujr" typeface="Shruti"/>
+        <a:font script="Khmr" typeface="DaunPenh"/>
+        <a:font script="Knda" typeface="Tunga"/>
+        <a:font script="Guru" typeface="Raavi"/>
+        <a:font script="Cans" typeface="Euphemia"/>
+        <a:font script="Cher" typeface="Plantagenet Cherokee"/>
+        <a:font script="Yiii" typeface="Microsoft Yi Baiti"/>
+        <a:font script="Tibt" typeface="Microsoft Himalaya"/>
+        <a:font script="Thaa" typeface="MV Boli"/>
+        <a:font script="Deva" typeface="Mangal"/>
+        <a:font script="Telu" typeface="Gautami"/>
+        <a:font script="Taml" typeface="Latha"/>
+        <a:font script="Syrc" typeface="Estrangelo Edessa"/>
+        <a:font script="Orya" typeface="Kalinga"/>
+        <a:font script="Mlym" typeface="Kartika"/>
+        <a:font script="Laoo" typeface="DokChampa"/>
+        <a:font script="Sinh" typeface="Iskoola Pota"/>
+        <a:font script="Mong" typeface="Mongolian Baiti"/>
+        <a:font script="Viet" typeface="Arial"/>
+        <a:font script="Uigh" typeface="Microsoft Uighur"/>
+        <a:font script="Geor" typeface="Sylfaen"/>
+      </a:minorFont>
+    </a:fontScheme>
+    <a:fmtScheme name="Office Theme">
+      <a:fillStyleLst>
+        <a:solidFill>
+          <a:schemeClr val="phClr"/>
+        </a:solidFill>
+        <a:gradFill rotWithShape="1">
+          <a:gsLst>
+            <a:gs pos="0">
+              <a:schemeClr val="phClr">
+                <a:lumMod val="110000"/>
+                <a:satMod val="105000"/>
+                <a:tint val="67000"/>
+              </a:schemeClr>
+            </a:gs>
+            <a:gs pos="50000">
+              <a:schemeClr val="phClr">
+                <a:lumMod val="105000"/>
+                <a:satMod val="103000"/>
+                <a:tint val="73000"/>
+              </a:schemeClr>
+            </a:gs>
+            <a:gs pos="100000">
+              <a:schemeClr val="phClr">
+                <a:lumMod val="105000"/>
+                <a:satMod val="109000"/>
+                <a:tint val="81000"/>
+              </a:schemeClr>
+            </a:gs>
+          </a:gsLst>
+          <a:lin ang="5400000" scaled="0"/>
+        </a:gradFill>
+        <a:gradFill rotWithShape="1">
+          <a:gsLst>
+            <a:gs pos="0">
+              <a:schemeClr val="phClr">
+                <a:satMod val="103000"/>
+                <a:lumMod val="102000"/>
+                <a:tint val="94000"/>
+              </a:schemeClr>
+            </a:gs>
+            <a:gs pos="50000">
+              <a:schemeClr val="phClr">
+                <a:satMod val="110000"/>
+                <a:lumMod val="100000"/>
+                <a:shade val="100000"/>
+              </a:schemeClr>
+            </a:gs>
+            <a:gs pos="100000">
+              <a:schemeClr val="phClr">
+                <a:lumMod val="99000"/>
+                <a:satMod val="120000"/>
+                <a:shade val="78000"/>
+              </a:schemeClr>
+            </a:gs>
+          </a:gsLst>
+          <a:lin ang="5400000" scaled="0"/>
+        </a:gradFill>
+      </a:fillStyleLst>
+      <a:lnStyleLst>
+        <a:ln w="6350" cap="flat" cmpd="sng" algn="ctr">
+          <a:solidFill>
+            <a:schemeClr val="phClr"/>
+          </a:solidFill>
+          <a:prstDash val="solid"/>
+          <a:miter lim="800000"/>
+        </a:ln>
+        <a:ln w="12700" cap="flat" cmpd="sng" algn="ctr">
+          <a:solidFill>
+            <a:schemeClr val="phClr"/>
+          </a:solidFill>
+          <a:prstDash val="solid"/>
+          <a:miter lim="800000"/>
+        </a:ln>
+        <a:ln w="19050" cap="flat" cmpd="sng" algn="ctr">
+          <a:solidFill>
+            <a:schemeClr val="phClr"/>
+          </a:solidFill>
+          <a:prstDash val="solid"/>
+          <a:miter lim="800000"/>
+        </a:ln>
+      </a:lnStyleLst>
+      <a:effectStyleLst>
+        <a:effectStyle>
+          <a:effectLst/>
+        </a:effectStyle>
+        <a:effectStyle>
+          <a:effectLst/>
+        </a:effectStyle>
+        <a:effectStyle>
+          <a:effectLst>
+            <a:outerShdw blurRad="57150" dist="19050" dir="5400000" algn="ctr" rotWithShape="0">
+              <a:srgbClr val="000000">
+                <a:alpha val="63000"/>
+              </a:srgbClr>
+            </a:outerShdw>
+          </a:effectLst>
+        </a:effectStyle>
+      </a:effectStyleLst>
+      <a:bgFillStyleLst>
+        <a:solidFill>
+          <a:schemeClr val="phClr"/>
+        </a:solidFill>
+        <a:solidFill>
+          <a:schemeClr val="phClr">
+            <a:tint val="95000"/>
+            <a:satMod val="170000"/>
+          </a:schemeClr>
+        </a:solidFill>
+        <a:gradFill rotWithShape="1">
+          <a:gsLst>
+            <a:gs pos="0">
+              <a:schemeClr val="phClr">
+                <a:tint val="93000"/>
+                <a:satMod val="150000"/>
+                <a:shade val="98000"/>
+                <a:lumMod val="102000"/>
+              </a:schemeClr>
+            </a:gs>
+            <a:gs pos="50000">
+              <a:schemeClr val="phClr">
+                <a:tint val="98000"/>
+                <a:satMod val="130000"/>
+                <a:shade val="90000"/>
+                <a:lumMod val="103000"/>
+              </a:schemeClr>
+            </a:gs>
+            <a:gs pos="100000">
+              <a:schemeClr val="phClr">
+                <a:shade val="63000"/>
+                <a:satMod val="120000"/>
+              </a:schemeClr>
+            </a:gs>
+          </a:gsLst>
+          <a:lin ang="5400000" scaled="0"/>
+        </a:gradFill>
+      </a:bgFillStyleLst>
+    </a:fmtScheme>
+  </a:themeElements>
+  <a:objectDefaults/>
+  <a:extraClrSchemeLst/>
+  <a:extLst>
+    <a:ext uri="{05A4C25C-085E-4340-85A3-A5531E510DB2}">
+      <thm15:themeFamily xmlns:thm15="http://schemas.microsoft.com/office/thememl/2012/main" name="Office Theme" id="{62F939B6-93AF-4DB8-9C6B-D6C7DFDC589F}" vid="{4A3C46E8-61CC-4603-A589-7422A47A8E4A}"/>
+    </a:ext>
+  </a:extLst>
+</a:theme>
+</file>
+
+<file path=ppt/theme/theme3.xml><?xml version="1.0" encoding="utf-8"?>
 <a:theme xmlns:a="http://schemas.openxmlformats.org/drawingml/2006/main" name="Office Theme">
   <a:themeElements>
     <a:clrScheme name="Office">
